--- a/1.准备/1.准备.pptx
+++ b/1.准备/1.准备.pptx
@@ -2,13 +2,13 @@
 <file path=ppt/presentation.xml><?xml version="1.0" encoding="utf-8"?>
 <p:presentation xmlns:a="http://schemas.openxmlformats.org/drawingml/2006/main" xmlns:r="http://schemas.openxmlformats.org/officeDocument/2006/relationships" xmlns:p="http://schemas.openxmlformats.org/presentationml/2006/main" saveSubsetFonts="1">
   <p:sldMasterIdLst>
-    <p:sldMasterId id="2147483786" r:id="rId1"/>
+    <p:sldMasterId id="2147483804" r:id="rId1"/>
   </p:sldMasterIdLst>
   <p:notesMasterIdLst>
-    <p:notesMasterId r:id="rId8"/>
+    <p:notesMasterId r:id="rId10"/>
   </p:notesMasterIdLst>
   <p:handoutMasterIdLst>
-    <p:handoutMasterId r:id="rId9"/>
+    <p:handoutMasterId r:id="rId11"/>
   </p:handoutMasterIdLst>
   <p:sldIdLst>
     <p:sldId id="257" r:id="rId2"/>
@@ -17,6 +17,8 @@
     <p:sldId id="260" r:id="rId5"/>
     <p:sldId id="259" r:id="rId6"/>
     <p:sldId id="262" r:id="rId7"/>
+    <p:sldId id="263" r:id="rId8"/>
+    <p:sldId id="264" r:id="rId9"/>
   </p:sldIdLst>
   <p:sldSz cx="12192000" cy="6858000"/>
   <p:notesSz cx="6858000" cy="9144000"/>
@@ -208,7 +210,7 @@
           <a:p>
             <a:fld id="{78DF0E23-7AB4-424A-B802-2BD314E6B023}" type="datetimeFigureOut">
               <a:rPr lang="zh-CN" altLang="en-US" smtClean="0"/>
-              <a:t>2018/2/23</a:t>
+              <a:t>2018/3/20</a:t>
             </a:fld>
             <a:endParaRPr lang="zh-CN" altLang="en-US"/>
           </a:p>
@@ -373,7 +375,7 @@
           <a:p>
             <a:fld id="{9ED9B8A5-5E5E-4A3F-99A8-B2277FB817FE}" type="datetimeFigureOut">
               <a:rPr lang="zh-CN" altLang="en-US" smtClean="0"/>
-              <a:t>2018/2/23</a:t>
+              <a:t>2018/3/20</a:t>
             </a:fld>
             <a:endParaRPr lang="zh-CN" altLang="en-US"/>
           </a:p>
@@ -1055,7 +1057,7 @@
           <a:p>
             <a:fld id="{8A3048CC-C166-4D3B-B908-AF45F53D0421}" type="datetime1">
               <a:rPr lang="zh-CN" altLang="en-US" smtClean="0"/>
-              <a:t>2018/2/23</a:t>
+              <a:t>2018/3/20</a:t>
             </a:fld>
             <a:endParaRPr lang="zh-CN" altLang="en-US"/>
           </a:p>
@@ -1146,7 +1148,7 @@
     </p:spTree>
     <p:extLst>
       <p:ext uri="{BB962C8B-B14F-4D97-AF65-F5344CB8AC3E}">
-        <p14:creationId xmlns:p14="http://schemas.microsoft.com/office/powerpoint/2010/main" val="310691590"/>
+        <p14:creationId xmlns:p14="http://schemas.microsoft.com/office/powerpoint/2010/main" val="173656760"/>
       </p:ext>
     </p:extLst>
   </p:cSld>
@@ -1379,7 +1381,7 @@
           <a:p>
             <a:fld id="{94B88754-E6F4-4917-ACF6-E53D301B79AE}" type="datetime1">
               <a:rPr lang="zh-CN" altLang="en-US" smtClean="0"/>
-              <a:t>2018/2/23</a:t>
+              <a:t>2018/3/20</a:t>
             </a:fld>
             <a:endParaRPr lang="zh-CN" altLang="en-US"/>
           </a:p>
@@ -1487,10 +1489,425 @@
           </a:prstGeom>
         </p:spPr>
       </p:pic>
+      <p:grpSp>
+        <p:nvGrpSpPr>
+          <p:cNvPr id="10" name="组合 9">
+            <a:extLst>
+              <a:ext uri="{FF2B5EF4-FFF2-40B4-BE49-F238E27FC236}">
+                <a16:creationId xmlns:a16="http://schemas.microsoft.com/office/drawing/2014/main" id="{797E9C15-025F-4C34-BFBA-769240D30BCE}"/>
+              </a:ext>
+            </a:extLst>
+          </p:cNvPr>
+          <p:cNvGrpSpPr/>
+          <p:nvPr/>
+        </p:nvGrpSpPr>
+        <p:grpSpPr>
+          <a:xfrm>
+            <a:off x="940819" y="13063"/>
+            <a:ext cx="10749432" cy="6881301"/>
+            <a:chOff x="940819" y="13063"/>
+            <a:chExt cx="10749432" cy="6881301"/>
+          </a:xfrm>
+        </p:grpSpPr>
+        <p:sp>
+          <p:nvSpPr>
+            <p:cNvPr id="11" name="矩形 10">
+              <a:extLst>
+                <a:ext uri="{FF2B5EF4-FFF2-40B4-BE49-F238E27FC236}">
+                  <a16:creationId xmlns:a16="http://schemas.microsoft.com/office/drawing/2014/main" id="{B6582533-507B-486D-9DB7-B871B0ED3520}"/>
+                </a:ext>
+              </a:extLst>
+            </p:cNvPr>
+            <p:cNvSpPr/>
+            <p:nvPr/>
+          </p:nvSpPr>
+          <p:spPr>
+            <a:xfrm>
+              <a:off x="940819" y="13063"/>
+              <a:ext cx="10151594" cy="461665"/>
+            </a:xfrm>
+            <a:prstGeom prst="rect">
+              <a:avLst/>
+            </a:prstGeom>
+            <a:noFill/>
+            <a:ln>
+              <a:noFill/>
+            </a:ln>
+            <a:effectLst>
+              <a:glow rad="228600">
+                <a:schemeClr val="accent6">
+                  <a:satMod val="175000"/>
+                  <a:alpha val="40000"/>
+                </a:schemeClr>
+              </a:glow>
+              <a:outerShdw blurRad="50800" dist="38100" dir="5400000" algn="t" rotWithShape="0">
+                <a:prstClr val="black">
+                  <a:alpha val="40000"/>
+                </a:prstClr>
+              </a:outerShdw>
+            </a:effectLst>
+            <a:scene3d>
+              <a:camera prst="orthographicFront">
+                <a:rot lat="0" lon="0" rev="0"/>
+              </a:camera>
+              <a:lightRig rig="contrasting" dir="t">
+                <a:rot lat="0" lon="0" rev="1500000"/>
+              </a:lightRig>
+            </a:scene3d>
+            <a:sp3d prstMaterial="metal">
+              <a:bevelT w="88900" h="88900"/>
+            </a:sp3d>
+          </p:spPr>
+          <p:txBody>
+            <a:bodyPr wrap="square" lIns="91440" tIns="45720" rIns="91440" bIns="45720">
+              <a:spAutoFit/>
+            </a:bodyPr>
+            <a:lstStyle/>
+            <a:p>
+              <a:pPr algn="ctr"/>
+              <a:r>
+                <a:rPr lang="zh-CN" altLang="en-US" sz="2400" b="0" cap="none" spc="0">
+                  <a:ln w="0"/>
+                  <a:solidFill>
+                    <a:schemeClr val="accent1"/>
+                  </a:solidFill>
+                  <a:effectLst>
+                    <a:outerShdw blurRad="38100" dist="25400" dir="5400000" algn="ctr" rotWithShape="0">
+                      <a:srgbClr val="6E747A">
+                        <a:alpha val="43000"/>
+                      </a:srgbClr>
+                    </a:outerShdw>
+                  </a:effectLst>
+                </a:rPr>
+                <a:t>本套教程为免费教程， 如若发现有盗用售卖者请联系作者</a:t>
+              </a:r>
+              <a:r>
+                <a:rPr lang="en-US" altLang="zh-CN" sz="2400" b="0" cap="none" spc="0">
+                  <a:ln w="0"/>
+                  <a:solidFill>
+                    <a:schemeClr val="accent1"/>
+                  </a:solidFill>
+                  <a:effectLst>
+                    <a:outerShdw blurRad="38100" dist="25400" dir="5400000" algn="ctr" rotWithShape="0">
+                      <a:srgbClr val="6E747A">
+                        <a:alpha val="43000"/>
+                      </a:srgbClr>
+                    </a:outerShdw>
+                  </a:effectLst>
+                </a:rPr>
+                <a:t>QQ 625781186</a:t>
+              </a:r>
+              <a:endParaRPr lang="zh-CN" altLang="en-US" sz="2400" b="0" cap="none" spc="0">
+                <a:ln w="0"/>
+                <a:solidFill>
+                  <a:schemeClr val="accent1"/>
+                </a:solidFill>
+                <a:effectLst>
+                  <a:outerShdw blurRad="38100" dist="25400" dir="5400000" algn="ctr" rotWithShape="0">
+                    <a:srgbClr val="6E747A">
+                      <a:alpha val="43000"/>
+                    </a:srgbClr>
+                  </a:outerShdw>
+                </a:effectLst>
+              </a:endParaRPr>
+            </a:p>
+          </p:txBody>
+        </p:sp>
+        <p:sp>
+          <p:nvSpPr>
+            <p:cNvPr id="12" name="矩形 11">
+              <a:extLst>
+                <a:ext uri="{FF2B5EF4-FFF2-40B4-BE49-F238E27FC236}">
+                  <a16:creationId xmlns:a16="http://schemas.microsoft.com/office/drawing/2014/main" id="{80556BBD-8BC0-4B92-81A6-7AF2882B8D02}"/>
+                </a:ext>
+              </a:extLst>
+            </p:cNvPr>
+            <p:cNvSpPr/>
+            <p:nvPr/>
+          </p:nvSpPr>
+          <p:spPr>
+            <a:xfrm>
+              <a:off x="5684089" y="6169820"/>
+              <a:ext cx="795684" cy="707886"/>
+            </a:xfrm>
+            <a:prstGeom prst="rect">
+              <a:avLst/>
+            </a:prstGeom>
+            <a:noFill/>
+            <a:ln>
+              <a:noFill/>
+            </a:ln>
+            <a:effectLst>
+              <a:glow rad="228600">
+                <a:schemeClr val="accent6">
+                  <a:satMod val="175000"/>
+                  <a:alpha val="40000"/>
+                </a:schemeClr>
+              </a:glow>
+              <a:outerShdw blurRad="50800" dist="38100" dir="5400000" algn="t" rotWithShape="0">
+                <a:prstClr val="black">
+                  <a:alpha val="40000"/>
+                </a:prstClr>
+              </a:outerShdw>
+            </a:effectLst>
+            <a:scene3d>
+              <a:camera prst="orthographicFront">
+                <a:rot lat="0" lon="0" rev="0"/>
+              </a:camera>
+              <a:lightRig rig="contrasting" dir="t">
+                <a:rot lat="0" lon="0" rev="1500000"/>
+              </a:lightRig>
+            </a:scene3d>
+            <a:sp3d prstMaterial="metal">
+              <a:bevelT w="88900" h="88900"/>
+            </a:sp3d>
+          </p:spPr>
+          <p:txBody>
+            <a:bodyPr wrap="square" lIns="91440" tIns="45720" rIns="91440" bIns="45720">
+              <a:spAutoFit/>
+            </a:bodyPr>
+            <a:lstStyle/>
+            <a:p>
+              <a:pPr algn="ctr"/>
+              <a:r>
+                <a:rPr lang="zh-CN" altLang="en-US" sz="2000" b="0" cap="none" spc="0">
+                  <a:ln w="0"/>
+                  <a:solidFill>
+                    <a:schemeClr val="accent1"/>
+                  </a:solidFill>
+                  <a:effectLst>
+                    <a:outerShdw blurRad="38100" dist="25400" dir="5400000" algn="ctr" rotWithShape="0">
+                      <a:srgbClr val="6E747A">
+                        <a:alpha val="43000"/>
+                      </a:srgbClr>
+                    </a:outerShdw>
+                  </a:effectLst>
+                  <a:latin typeface="华文彩云" panose="02010800040101010101" pitchFamily="2" charset="-122"/>
+                  <a:ea typeface="华文彩云" panose="02010800040101010101" pitchFamily="2" charset="-122"/>
+                </a:rPr>
+                <a:t>关注</a:t>
+              </a:r>
+              <a:endParaRPr lang="en-US" altLang="zh-CN" sz="2000" b="0" cap="none" spc="0">
+                <a:ln w="0"/>
+                <a:solidFill>
+                  <a:schemeClr val="accent1"/>
+                </a:solidFill>
+                <a:effectLst>
+                  <a:outerShdw blurRad="38100" dist="25400" dir="5400000" algn="ctr" rotWithShape="0">
+                    <a:srgbClr val="6E747A">
+                      <a:alpha val="43000"/>
+                    </a:srgbClr>
+                  </a:outerShdw>
+                </a:effectLst>
+                <a:latin typeface="华文彩云" panose="02010800040101010101" pitchFamily="2" charset="-122"/>
+                <a:ea typeface="华文彩云" panose="02010800040101010101" pitchFamily="2" charset="-122"/>
+              </a:endParaRPr>
+            </a:p>
+            <a:p>
+              <a:pPr algn="ctr"/>
+              <a:r>
+                <a:rPr lang="zh-CN" altLang="en-US" sz="2000" b="0" cap="none" spc="0">
+                  <a:ln w="0"/>
+                  <a:solidFill>
+                    <a:schemeClr val="accent1"/>
+                  </a:solidFill>
+                  <a:effectLst>
+                    <a:outerShdw blurRad="38100" dist="25400" dir="5400000" algn="ctr" rotWithShape="0">
+                      <a:srgbClr val="6E747A">
+                        <a:alpha val="43000"/>
+                      </a:srgbClr>
+                    </a:outerShdw>
+                  </a:effectLst>
+                  <a:latin typeface="华文彩云" panose="02010800040101010101" pitchFamily="2" charset="-122"/>
+                  <a:ea typeface="华文彩云" panose="02010800040101010101" pitchFamily="2" charset="-122"/>
+                </a:rPr>
+                <a:t>打赏</a:t>
+              </a:r>
+            </a:p>
+          </p:txBody>
+        </p:sp>
+        <p:sp>
+          <p:nvSpPr>
+            <p:cNvPr id="13" name="矩形 12">
+              <a:extLst>
+                <a:ext uri="{FF2B5EF4-FFF2-40B4-BE49-F238E27FC236}">
+                  <a16:creationId xmlns:a16="http://schemas.microsoft.com/office/drawing/2014/main" id="{65BB47A2-DE0B-4B95-A171-6181DAA5729F}"/>
+                </a:ext>
+              </a:extLst>
+            </p:cNvPr>
+            <p:cNvSpPr/>
+            <p:nvPr/>
+          </p:nvSpPr>
+          <p:spPr>
+            <a:xfrm>
+              <a:off x="8205848" y="6309589"/>
+              <a:ext cx="3484403" cy="584775"/>
+            </a:xfrm>
+            <a:prstGeom prst="rect">
+              <a:avLst/>
+            </a:prstGeom>
+            <a:noFill/>
+            <a:ln>
+              <a:noFill/>
+            </a:ln>
+            <a:effectLst>
+              <a:glow rad="228600">
+                <a:schemeClr val="accent6">
+                  <a:satMod val="175000"/>
+                  <a:alpha val="40000"/>
+                </a:schemeClr>
+              </a:glow>
+              <a:outerShdw blurRad="50800" dist="38100" dir="5400000" algn="t" rotWithShape="0">
+                <a:prstClr val="black">
+                  <a:alpha val="40000"/>
+                </a:prstClr>
+              </a:outerShdw>
+            </a:effectLst>
+            <a:scene3d>
+              <a:camera prst="orthographicFront">
+                <a:rot lat="0" lon="0" rev="0"/>
+              </a:camera>
+              <a:lightRig rig="contrasting" dir="t">
+                <a:rot lat="0" lon="0" rev="1500000"/>
+              </a:lightRig>
+            </a:scene3d>
+            <a:sp3d prstMaterial="metal">
+              <a:bevelT w="88900" h="88900"/>
+            </a:sp3d>
+          </p:spPr>
+          <p:txBody>
+            <a:bodyPr wrap="square" lIns="91440" tIns="45720" rIns="91440" bIns="45720">
+              <a:spAutoFit/>
+            </a:bodyPr>
+            <a:lstStyle/>
+            <a:p>
+              <a:pPr algn="l"/>
+              <a:r>
+                <a:rPr lang="en-US" altLang="zh-CN" sz="1600" b="0" cap="none" spc="0">
+                  <a:ln w="0"/>
+                  <a:solidFill>
+                    <a:schemeClr val="accent1"/>
+                  </a:solidFill>
+                  <a:effectLst>
+                    <a:outerShdw blurRad="38100" dist="25400" dir="5400000" algn="ctr" rotWithShape="0">
+                      <a:srgbClr val="6E747A">
+                        <a:alpha val="43000"/>
+                      </a:srgbClr>
+                    </a:outerShdw>
+                  </a:effectLst>
+                </a:rPr>
+                <a:t>1. Github.com/625781186</a:t>
+              </a:r>
+            </a:p>
+            <a:p>
+              <a:pPr algn="l"/>
+              <a:r>
+                <a:rPr lang="en-US" altLang="zh-CN" sz="1600" b="0" cap="none" spc="0">
+                  <a:ln w="0"/>
+                  <a:solidFill>
+                    <a:schemeClr val="accent1"/>
+                  </a:solidFill>
+                  <a:effectLst>
+                    <a:outerShdw blurRad="38100" dist="25400" dir="5400000" algn="ctr" rotWithShape="0">
+                      <a:srgbClr val="6E747A">
+                        <a:alpha val="43000"/>
+                      </a:srgbClr>
+                    </a:outerShdw>
+                  </a:effectLst>
+                </a:rPr>
+                <a:t>2. </a:t>
+              </a:r>
+              <a:r>
+                <a:rPr lang="zh-CN" altLang="en-US" sz="1600" b="0" cap="none" spc="0">
+                  <a:ln w="0"/>
+                  <a:solidFill>
+                    <a:schemeClr val="accent1"/>
+                  </a:solidFill>
+                  <a:effectLst>
+                    <a:outerShdw blurRad="38100" dist="25400" dir="5400000" algn="ctr" rotWithShape="0">
+                      <a:srgbClr val="6E747A">
+                        <a:alpha val="43000"/>
+                      </a:srgbClr>
+                    </a:outerShdw>
+                  </a:effectLst>
+                </a:rPr>
+                <a:t>简书 </a:t>
+              </a:r>
+              <a:r>
+                <a:rPr lang="en-US" altLang="zh-CN" sz="1600" b="0" cap="none" spc="0">
+                  <a:ln w="0"/>
+                  <a:solidFill>
+                    <a:schemeClr val="accent1"/>
+                  </a:solidFill>
+                  <a:effectLst>
+                    <a:outerShdw blurRad="38100" dist="25400" dir="5400000" algn="ctr" rotWithShape="0">
+                      <a:srgbClr val="6E747A">
+                        <a:alpha val="43000"/>
+                      </a:srgbClr>
+                    </a:outerShdw>
+                  </a:effectLst>
+                </a:rPr>
+                <a:t>/ </a:t>
+              </a:r>
+              <a:r>
+                <a:rPr lang="zh-CN" altLang="en-US" sz="1600" b="0" cap="none" spc="0">
+                  <a:ln w="0"/>
+                  <a:solidFill>
+                    <a:schemeClr val="accent1"/>
+                  </a:solidFill>
+                  <a:effectLst>
+                    <a:outerShdw blurRad="38100" dist="25400" dir="5400000" algn="ctr" rotWithShape="0">
+                      <a:srgbClr val="6E747A">
+                        <a:alpha val="43000"/>
+                      </a:srgbClr>
+                    </a:outerShdw>
+                  </a:effectLst>
+                </a:rPr>
+                <a:t>微信公众号 </a:t>
+              </a:r>
+              <a:r>
+                <a:rPr lang="en-US" altLang="zh-CN" sz="1600" b="0" kern="1200" cap="none" spc="0">
+                  <a:ln w="0"/>
+                  <a:solidFill>
+                    <a:schemeClr val="accent1"/>
+                  </a:solidFill>
+                  <a:effectLst>
+                    <a:outerShdw blurRad="38100" dist="25400" dir="5400000" algn="ctr" rotWithShape="0">
+                      <a:srgbClr val="6E747A">
+                        <a:alpha val="43000"/>
+                      </a:srgbClr>
+                    </a:outerShdw>
+                  </a:effectLst>
+                  <a:latin typeface="+mn-lt"/>
+                  <a:ea typeface="+mn-ea"/>
+                  <a:cs typeface="+mn-cs"/>
+                </a:rPr>
+                <a:t>WoHowLearn</a:t>
+              </a:r>
+              <a:endParaRPr lang="zh-CN" altLang="en-US" sz="1600" b="0" kern="1200" cap="none" spc="0">
+                <a:ln w="0"/>
+                <a:solidFill>
+                  <a:schemeClr val="accent1"/>
+                </a:solidFill>
+                <a:effectLst>
+                  <a:outerShdw blurRad="38100" dist="25400" dir="5400000" algn="ctr" rotWithShape="0">
+                    <a:srgbClr val="6E747A">
+                      <a:alpha val="43000"/>
+                    </a:srgbClr>
+                  </a:outerShdw>
+                </a:effectLst>
+                <a:latin typeface="+mn-lt"/>
+                <a:ea typeface="+mn-ea"/>
+                <a:cs typeface="+mn-cs"/>
+              </a:endParaRPr>
+            </a:p>
+          </p:txBody>
+        </p:sp>
+      </p:grpSp>
     </p:spTree>
     <p:extLst>
       <p:ext uri="{BB962C8B-B14F-4D97-AF65-F5344CB8AC3E}">
-        <p14:creationId xmlns:p14="http://schemas.microsoft.com/office/powerpoint/2010/main" val="3636329024"/>
+        <p14:creationId xmlns:p14="http://schemas.microsoft.com/office/powerpoint/2010/main" val="1275984080"/>
       </p:ext>
     </p:extLst>
   </p:cSld>
@@ -1688,7 +2105,7 @@
           <a:p>
             <a:fld id="{94B88754-E6F4-4917-ACF6-E53D301B79AE}" type="datetime1">
               <a:rPr lang="zh-CN" altLang="en-US" smtClean="0"/>
-              <a:t>2018/2/23</a:t>
+              <a:t>2018/3/20</a:t>
             </a:fld>
             <a:endParaRPr lang="zh-CN" altLang="en-US"/>
           </a:p>
@@ -1827,10 +2244,425 @@
           </a:prstGeom>
         </p:spPr>
       </p:pic>
+      <p:grpSp>
+        <p:nvGrpSpPr>
+          <p:cNvPr id="10" name="组合 9">
+            <a:extLst>
+              <a:ext uri="{FF2B5EF4-FFF2-40B4-BE49-F238E27FC236}">
+                <a16:creationId xmlns:a16="http://schemas.microsoft.com/office/drawing/2014/main" id="{5FC17CB5-FC61-4DD5-ADAB-9C5EB896EB45}"/>
+              </a:ext>
+            </a:extLst>
+          </p:cNvPr>
+          <p:cNvGrpSpPr/>
+          <p:nvPr/>
+        </p:nvGrpSpPr>
+        <p:grpSpPr>
+          <a:xfrm>
+            <a:off x="940819" y="13063"/>
+            <a:ext cx="10749432" cy="6881301"/>
+            <a:chOff x="940819" y="13063"/>
+            <a:chExt cx="10749432" cy="6881301"/>
+          </a:xfrm>
+        </p:grpSpPr>
+        <p:sp>
+          <p:nvSpPr>
+            <p:cNvPr id="11" name="矩形 10">
+              <a:extLst>
+                <a:ext uri="{FF2B5EF4-FFF2-40B4-BE49-F238E27FC236}">
+                  <a16:creationId xmlns:a16="http://schemas.microsoft.com/office/drawing/2014/main" id="{6CC72030-85CD-4DFD-A998-2FE36CBF751D}"/>
+                </a:ext>
+              </a:extLst>
+            </p:cNvPr>
+            <p:cNvSpPr/>
+            <p:nvPr/>
+          </p:nvSpPr>
+          <p:spPr>
+            <a:xfrm>
+              <a:off x="940819" y="13063"/>
+              <a:ext cx="10151594" cy="461665"/>
+            </a:xfrm>
+            <a:prstGeom prst="rect">
+              <a:avLst/>
+            </a:prstGeom>
+            <a:noFill/>
+            <a:ln>
+              <a:noFill/>
+            </a:ln>
+            <a:effectLst>
+              <a:glow rad="228600">
+                <a:schemeClr val="accent6">
+                  <a:satMod val="175000"/>
+                  <a:alpha val="40000"/>
+                </a:schemeClr>
+              </a:glow>
+              <a:outerShdw blurRad="50800" dist="38100" dir="5400000" algn="t" rotWithShape="0">
+                <a:prstClr val="black">
+                  <a:alpha val="40000"/>
+                </a:prstClr>
+              </a:outerShdw>
+            </a:effectLst>
+            <a:scene3d>
+              <a:camera prst="orthographicFront">
+                <a:rot lat="0" lon="0" rev="0"/>
+              </a:camera>
+              <a:lightRig rig="contrasting" dir="t">
+                <a:rot lat="0" lon="0" rev="1500000"/>
+              </a:lightRig>
+            </a:scene3d>
+            <a:sp3d prstMaterial="metal">
+              <a:bevelT w="88900" h="88900"/>
+            </a:sp3d>
+          </p:spPr>
+          <p:txBody>
+            <a:bodyPr wrap="square" lIns="91440" tIns="45720" rIns="91440" bIns="45720">
+              <a:spAutoFit/>
+            </a:bodyPr>
+            <a:lstStyle/>
+            <a:p>
+              <a:pPr algn="ctr"/>
+              <a:r>
+                <a:rPr lang="zh-CN" altLang="en-US" sz="2400" b="0" cap="none" spc="0">
+                  <a:ln w="0"/>
+                  <a:solidFill>
+                    <a:schemeClr val="accent1"/>
+                  </a:solidFill>
+                  <a:effectLst>
+                    <a:outerShdw blurRad="38100" dist="25400" dir="5400000" algn="ctr" rotWithShape="0">
+                      <a:srgbClr val="6E747A">
+                        <a:alpha val="43000"/>
+                      </a:srgbClr>
+                    </a:outerShdw>
+                  </a:effectLst>
+                </a:rPr>
+                <a:t>本套教程为免费教程， 如若发现有盗用售卖者请联系作者</a:t>
+              </a:r>
+              <a:r>
+                <a:rPr lang="en-US" altLang="zh-CN" sz="2400" b="0" cap="none" spc="0">
+                  <a:ln w="0"/>
+                  <a:solidFill>
+                    <a:schemeClr val="accent1"/>
+                  </a:solidFill>
+                  <a:effectLst>
+                    <a:outerShdw blurRad="38100" dist="25400" dir="5400000" algn="ctr" rotWithShape="0">
+                      <a:srgbClr val="6E747A">
+                        <a:alpha val="43000"/>
+                      </a:srgbClr>
+                    </a:outerShdw>
+                  </a:effectLst>
+                </a:rPr>
+                <a:t>QQ 625781186</a:t>
+              </a:r>
+              <a:endParaRPr lang="zh-CN" altLang="en-US" sz="2400" b="0" cap="none" spc="0">
+                <a:ln w="0"/>
+                <a:solidFill>
+                  <a:schemeClr val="accent1"/>
+                </a:solidFill>
+                <a:effectLst>
+                  <a:outerShdw blurRad="38100" dist="25400" dir="5400000" algn="ctr" rotWithShape="0">
+                    <a:srgbClr val="6E747A">
+                      <a:alpha val="43000"/>
+                    </a:srgbClr>
+                  </a:outerShdw>
+                </a:effectLst>
+              </a:endParaRPr>
+            </a:p>
+          </p:txBody>
+        </p:sp>
+        <p:sp>
+          <p:nvSpPr>
+            <p:cNvPr id="12" name="矩形 11">
+              <a:extLst>
+                <a:ext uri="{FF2B5EF4-FFF2-40B4-BE49-F238E27FC236}">
+                  <a16:creationId xmlns:a16="http://schemas.microsoft.com/office/drawing/2014/main" id="{62DDD8F5-727A-4CF9-977D-C6B3233B2963}"/>
+                </a:ext>
+              </a:extLst>
+            </p:cNvPr>
+            <p:cNvSpPr/>
+            <p:nvPr/>
+          </p:nvSpPr>
+          <p:spPr>
+            <a:xfrm>
+              <a:off x="5684089" y="6169820"/>
+              <a:ext cx="795684" cy="707886"/>
+            </a:xfrm>
+            <a:prstGeom prst="rect">
+              <a:avLst/>
+            </a:prstGeom>
+            <a:noFill/>
+            <a:ln>
+              <a:noFill/>
+            </a:ln>
+            <a:effectLst>
+              <a:glow rad="228600">
+                <a:schemeClr val="accent6">
+                  <a:satMod val="175000"/>
+                  <a:alpha val="40000"/>
+                </a:schemeClr>
+              </a:glow>
+              <a:outerShdw blurRad="50800" dist="38100" dir="5400000" algn="t" rotWithShape="0">
+                <a:prstClr val="black">
+                  <a:alpha val="40000"/>
+                </a:prstClr>
+              </a:outerShdw>
+            </a:effectLst>
+            <a:scene3d>
+              <a:camera prst="orthographicFront">
+                <a:rot lat="0" lon="0" rev="0"/>
+              </a:camera>
+              <a:lightRig rig="contrasting" dir="t">
+                <a:rot lat="0" lon="0" rev="1500000"/>
+              </a:lightRig>
+            </a:scene3d>
+            <a:sp3d prstMaterial="metal">
+              <a:bevelT w="88900" h="88900"/>
+            </a:sp3d>
+          </p:spPr>
+          <p:txBody>
+            <a:bodyPr wrap="square" lIns="91440" tIns="45720" rIns="91440" bIns="45720">
+              <a:spAutoFit/>
+            </a:bodyPr>
+            <a:lstStyle/>
+            <a:p>
+              <a:pPr algn="ctr"/>
+              <a:r>
+                <a:rPr lang="zh-CN" altLang="en-US" sz="2000" b="0" cap="none" spc="0">
+                  <a:ln w="0"/>
+                  <a:solidFill>
+                    <a:schemeClr val="accent1"/>
+                  </a:solidFill>
+                  <a:effectLst>
+                    <a:outerShdw blurRad="38100" dist="25400" dir="5400000" algn="ctr" rotWithShape="0">
+                      <a:srgbClr val="6E747A">
+                        <a:alpha val="43000"/>
+                      </a:srgbClr>
+                    </a:outerShdw>
+                  </a:effectLst>
+                  <a:latin typeface="华文彩云" panose="02010800040101010101" pitchFamily="2" charset="-122"/>
+                  <a:ea typeface="华文彩云" panose="02010800040101010101" pitchFamily="2" charset="-122"/>
+                </a:rPr>
+                <a:t>关注</a:t>
+              </a:r>
+              <a:endParaRPr lang="en-US" altLang="zh-CN" sz="2000" b="0" cap="none" spc="0">
+                <a:ln w="0"/>
+                <a:solidFill>
+                  <a:schemeClr val="accent1"/>
+                </a:solidFill>
+                <a:effectLst>
+                  <a:outerShdw blurRad="38100" dist="25400" dir="5400000" algn="ctr" rotWithShape="0">
+                    <a:srgbClr val="6E747A">
+                      <a:alpha val="43000"/>
+                    </a:srgbClr>
+                  </a:outerShdw>
+                </a:effectLst>
+                <a:latin typeface="华文彩云" panose="02010800040101010101" pitchFamily="2" charset="-122"/>
+                <a:ea typeface="华文彩云" panose="02010800040101010101" pitchFamily="2" charset="-122"/>
+              </a:endParaRPr>
+            </a:p>
+            <a:p>
+              <a:pPr algn="ctr"/>
+              <a:r>
+                <a:rPr lang="zh-CN" altLang="en-US" sz="2000" b="0" cap="none" spc="0">
+                  <a:ln w="0"/>
+                  <a:solidFill>
+                    <a:schemeClr val="accent1"/>
+                  </a:solidFill>
+                  <a:effectLst>
+                    <a:outerShdw blurRad="38100" dist="25400" dir="5400000" algn="ctr" rotWithShape="0">
+                      <a:srgbClr val="6E747A">
+                        <a:alpha val="43000"/>
+                      </a:srgbClr>
+                    </a:outerShdw>
+                  </a:effectLst>
+                  <a:latin typeface="华文彩云" panose="02010800040101010101" pitchFamily="2" charset="-122"/>
+                  <a:ea typeface="华文彩云" panose="02010800040101010101" pitchFamily="2" charset="-122"/>
+                </a:rPr>
+                <a:t>打赏</a:t>
+              </a:r>
+            </a:p>
+          </p:txBody>
+        </p:sp>
+        <p:sp>
+          <p:nvSpPr>
+            <p:cNvPr id="13" name="矩形 12">
+              <a:extLst>
+                <a:ext uri="{FF2B5EF4-FFF2-40B4-BE49-F238E27FC236}">
+                  <a16:creationId xmlns:a16="http://schemas.microsoft.com/office/drawing/2014/main" id="{539E6F46-9CED-4A8A-A39E-AB16B28F5DEE}"/>
+                </a:ext>
+              </a:extLst>
+            </p:cNvPr>
+            <p:cNvSpPr/>
+            <p:nvPr/>
+          </p:nvSpPr>
+          <p:spPr>
+            <a:xfrm>
+              <a:off x="8205848" y="6309589"/>
+              <a:ext cx="3484403" cy="584775"/>
+            </a:xfrm>
+            <a:prstGeom prst="rect">
+              <a:avLst/>
+            </a:prstGeom>
+            <a:noFill/>
+            <a:ln>
+              <a:noFill/>
+            </a:ln>
+            <a:effectLst>
+              <a:glow rad="228600">
+                <a:schemeClr val="accent6">
+                  <a:satMod val="175000"/>
+                  <a:alpha val="40000"/>
+                </a:schemeClr>
+              </a:glow>
+              <a:outerShdw blurRad="50800" dist="38100" dir="5400000" algn="t" rotWithShape="0">
+                <a:prstClr val="black">
+                  <a:alpha val="40000"/>
+                </a:prstClr>
+              </a:outerShdw>
+            </a:effectLst>
+            <a:scene3d>
+              <a:camera prst="orthographicFront">
+                <a:rot lat="0" lon="0" rev="0"/>
+              </a:camera>
+              <a:lightRig rig="contrasting" dir="t">
+                <a:rot lat="0" lon="0" rev="1500000"/>
+              </a:lightRig>
+            </a:scene3d>
+            <a:sp3d prstMaterial="metal">
+              <a:bevelT w="88900" h="88900"/>
+            </a:sp3d>
+          </p:spPr>
+          <p:txBody>
+            <a:bodyPr wrap="square" lIns="91440" tIns="45720" rIns="91440" bIns="45720">
+              <a:spAutoFit/>
+            </a:bodyPr>
+            <a:lstStyle/>
+            <a:p>
+              <a:pPr algn="l"/>
+              <a:r>
+                <a:rPr lang="en-US" altLang="zh-CN" sz="1600" b="0" cap="none" spc="0">
+                  <a:ln w="0"/>
+                  <a:solidFill>
+                    <a:schemeClr val="accent1"/>
+                  </a:solidFill>
+                  <a:effectLst>
+                    <a:outerShdw blurRad="38100" dist="25400" dir="5400000" algn="ctr" rotWithShape="0">
+                      <a:srgbClr val="6E747A">
+                        <a:alpha val="43000"/>
+                      </a:srgbClr>
+                    </a:outerShdw>
+                  </a:effectLst>
+                </a:rPr>
+                <a:t>1. Github.com/625781186</a:t>
+              </a:r>
+            </a:p>
+            <a:p>
+              <a:pPr algn="l"/>
+              <a:r>
+                <a:rPr lang="en-US" altLang="zh-CN" sz="1600" b="0" cap="none" spc="0">
+                  <a:ln w="0"/>
+                  <a:solidFill>
+                    <a:schemeClr val="accent1"/>
+                  </a:solidFill>
+                  <a:effectLst>
+                    <a:outerShdw blurRad="38100" dist="25400" dir="5400000" algn="ctr" rotWithShape="0">
+                      <a:srgbClr val="6E747A">
+                        <a:alpha val="43000"/>
+                      </a:srgbClr>
+                    </a:outerShdw>
+                  </a:effectLst>
+                </a:rPr>
+                <a:t>2. </a:t>
+              </a:r>
+              <a:r>
+                <a:rPr lang="zh-CN" altLang="en-US" sz="1600" b="0" cap="none" spc="0">
+                  <a:ln w="0"/>
+                  <a:solidFill>
+                    <a:schemeClr val="accent1"/>
+                  </a:solidFill>
+                  <a:effectLst>
+                    <a:outerShdw blurRad="38100" dist="25400" dir="5400000" algn="ctr" rotWithShape="0">
+                      <a:srgbClr val="6E747A">
+                        <a:alpha val="43000"/>
+                      </a:srgbClr>
+                    </a:outerShdw>
+                  </a:effectLst>
+                </a:rPr>
+                <a:t>简书 </a:t>
+              </a:r>
+              <a:r>
+                <a:rPr lang="en-US" altLang="zh-CN" sz="1600" b="0" cap="none" spc="0">
+                  <a:ln w="0"/>
+                  <a:solidFill>
+                    <a:schemeClr val="accent1"/>
+                  </a:solidFill>
+                  <a:effectLst>
+                    <a:outerShdw blurRad="38100" dist="25400" dir="5400000" algn="ctr" rotWithShape="0">
+                      <a:srgbClr val="6E747A">
+                        <a:alpha val="43000"/>
+                      </a:srgbClr>
+                    </a:outerShdw>
+                  </a:effectLst>
+                </a:rPr>
+                <a:t>/ </a:t>
+              </a:r>
+              <a:r>
+                <a:rPr lang="zh-CN" altLang="en-US" sz="1600" b="0" cap="none" spc="0">
+                  <a:ln w="0"/>
+                  <a:solidFill>
+                    <a:schemeClr val="accent1"/>
+                  </a:solidFill>
+                  <a:effectLst>
+                    <a:outerShdw blurRad="38100" dist="25400" dir="5400000" algn="ctr" rotWithShape="0">
+                      <a:srgbClr val="6E747A">
+                        <a:alpha val="43000"/>
+                      </a:srgbClr>
+                    </a:outerShdw>
+                  </a:effectLst>
+                </a:rPr>
+                <a:t>微信公众号 </a:t>
+              </a:r>
+              <a:r>
+                <a:rPr lang="en-US" altLang="zh-CN" sz="1600" b="0" kern="1200" cap="none" spc="0">
+                  <a:ln w="0"/>
+                  <a:solidFill>
+                    <a:schemeClr val="accent1"/>
+                  </a:solidFill>
+                  <a:effectLst>
+                    <a:outerShdw blurRad="38100" dist="25400" dir="5400000" algn="ctr" rotWithShape="0">
+                      <a:srgbClr val="6E747A">
+                        <a:alpha val="43000"/>
+                      </a:srgbClr>
+                    </a:outerShdw>
+                  </a:effectLst>
+                  <a:latin typeface="+mn-lt"/>
+                  <a:ea typeface="+mn-ea"/>
+                  <a:cs typeface="+mn-cs"/>
+                </a:rPr>
+                <a:t>WoHowLearn</a:t>
+              </a:r>
+              <a:endParaRPr lang="zh-CN" altLang="en-US" sz="1600" b="0" kern="1200" cap="none" spc="0">
+                <a:ln w="0"/>
+                <a:solidFill>
+                  <a:schemeClr val="accent1"/>
+                </a:solidFill>
+                <a:effectLst>
+                  <a:outerShdw blurRad="38100" dist="25400" dir="5400000" algn="ctr" rotWithShape="0">
+                    <a:srgbClr val="6E747A">
+                      <a:alpha val="43000"/>
+                    </a:srgbClr>
+                  </a:outerShdw>
+                </a:effectLst>
+                <a:latin typeface="+mn-lt"/>
+                <a:ea typeface="+mn-ea"/>
+                <a:cs typeface="+mn-cs"/>
+              </a:endParaRPr>
+            </a:p>
+          </p:txBody>
+        </p:sp>
+      </p:grpSp>
     </p:spTree>
     <p:extLst>
       <p:ext uri="{BB962C8B-B14F-4D97-AF65-F5344CB8AC3E}">
-        <p14:creationId xmlns:p14="http://schemas.microsoft.com/office/powerpoint/2010/main" val="1845132529"/>
+        <p14:creationId xmlns:p14="http://schemas.microsoft.com/office/powerpoint/2010/main" val="2741108376"/>
       </p:ext>
     </p:extLst>
   </p:cSld>
@@ -2088,7 +2920,7 @@
           <a:p>
             <a:fld id="{94B88754-E6F4-4917-ACF6-E53D301B79AE}" type="datetime1">
               <a:rPr lang="zh-CN" altLang="en-US" smtClean="0"/>
-              <a:t>2018/2/23</a:t>
+              <a:t>2018/3/20</a:t>
             </a:fld>
             <a:endParaRPr lang="zh-CN" altLang="en-US"/>
           </a:p>
@@ -2295,10 +3127,425 @@
           </a:prstGeom>
         </p:spPr>
       </p:pic>
+      <p:grpSp>
+        <p:nvGrpSpPr>
+          <p:cNvPr id="13" name="组合 12">
+            <a:extLst>
+              <a:ext uri="{FF2B5EF4-FFF2-40B4-BE49-F238E27FC236}">
+                <a16:creationId xmlns:a16="http://schemas.microsoft.com/office/drawing/2014/main" id="{9FA924EB-7D65-46EA-B84B-0906842EA539}"/>
+              </a:ext>
+            </a:extLst>
+          </p:cNvPr>
+          <p:cNvGrpSpPr/>
+          <p:nvPr/>
+        </p:nvGrpSpPr>
+        <p:grpSpPr>
+          <a:xfrm>
+            <a:off x="940819" y="13063"/>
+            <a:ext cx="10749432" cy="6881301"/>
+            <a:chOff x="940819" y="13063"/>
+            <a:chExt cx="10749432" cy="6881301"/>
+          </a:xfrm>
+        </p:grpSpPr>
+        <p:sp>
+          <p:nvSpPr>
+            <p:cNvPr id="16" name="矩形 15">
+              <a:extLst>
+                <a:ext uri="{FF2B5EF4-FFF2-40B4-BE49-F238E27FC236}">
+                  <a16:creationId xmlns:a16="http://schemas.microsoft.com/office/drawing/2014/main" id="{4C09AE6A-D858-4CD4-BA3B-EA8D6AE80AB0}"/>
+                </a:ext>
+              </a:extLst>
+            </p:cNvPr>
+            <p:cNvSpPr/>
+            <p:nvPr/>
+          </p:nvSpPr>
+          <p:spPr>
+            <a:xfrm>
+              <a:off x="940819" y="13063"/>
+              <a:ext cx="10151594" cy="461665"/>
+            </a:xfrm>
+            <a:prstGeom prst="rect">
+              <a:avLst/>
+            </a:prstGeom>
+            <a:noFill/>
+            <a:ln>
+              <a:noFill/>
+            </a:ln>
+            <a:effectLst>
+              <a:glow rad="228600">
+                <a:schemeClr val="accent6">
+                  <a:satMod val="175000"/>
+                  <a:alpha val="40000"/>
+                </a:schemeClr>
+              </a:glow>
+              <a:outerShdw blurRad="50800" dist="38100" dir="5400000" algn="t" rotWithShape="0">
+                <a:prstClr val="black">
+                  <a:alpha val="40000"/>
+                </a:prstClr>
+              </a:outerShdw>
+            </a:effectLst>
+            <a:scene3d>
+              <a:camera prst="orthographicFront">
+                <a:rot lat="0" lon="0" rev="0"/>
+              </a:camera>
+              <a:lightRig rig="contrasting" dir="t">
+                <a:rot lat="0" lon="0" rev="1500000"/>
+              </a:lightRig>
+            </a:scene3d>
+            <a:sp3d prstMaterial="metal">
+              <a:bevelT w="88900" h="88900"/>
+            </a:sp3d>
+          </p:spPr>
+          <p:txBody>
+            <a:bodyPr wrap="square" lIns="91440" tIns="45720" rIns="91440" bIns="45720">
+              <a:spAutoFit/>
+            </a:bodyPr>
+            <a:lstStyle/>
+            <a:p>
+              <a:pPr algn="ctr"/>
+              <a:r>
+                <a:rPr lang="zh-CN" altLang="en-US" sz="2400" b="0" cap="none" spc="0">
+                  <a:ln w="0"/>
+                  <a:solidFill>
+                    <a:schemeClr val="accent1"/>
+                  </a:solidFill>
+                  <a:effectLst>
+                    <a:outerShdw blurRad="38100" dist="25400" dir="5400000" algn="ctr" rotWithShape="0">
+                      <a:srgbClr val="6E747A">
+                        <a:alpha val="43000"/>
+                      </a:srgbClr>
+                    </a:outerShdw>
+                  </a:effectLst>
+                </a:rPr>
+                <a:t>本套教程为免费教程， 如若发现有盗用售卖者请联系作者</a:t>
+              </a:r>
+              <a:r>
+                <a:rPr lang="en-US" altLang="zh-CN" sz="2400" b="0" cap="none" spc="0">
+                  <a:ln w="0"/>
+                  <a:solidFill>
+                    <a:schemeClr val="accent1"/>
+                  </a:solidFill>
+                  <a:effectLst>
+                    <a:outerShdw blurRad="38100" dist="25400" dir="5400000" algn="ctr" rotWithShape="0">
+                      <a:srgbClr val="6E747A">
+                        <a:alpha val="43000"/>
+                      </a:srgbClr>
+                    </a:outerShdw>
+                  </a:effectLst>
+                </a:rPr>
+                <a:t>QQ 625781186</a:t>
+              </a:r>
+              <a:endParaRPr lang="zh-CN" altLang="en-US" sz="2400" b="0" cap="none" spc="0">
+                <a:ln w="0"/>
+                <a:solidFill>
+                  <a:schemeClr val="accent1"/>
+                </a:solidFill>
+                <a:effectLst>
+                  <a:outerShdw blurRad="38100" dist="25400" dir="5400000" algn="ctr" rotWithShape="0">
+                    <a:srgbClr val="6E747A">
+                      <a:alpha val="43000"/>
+                    </a:srgbClr>
+                  </a:outerShdw>
+                </a:effectLst>
+              </a:endParaRPr>
+            </a:p>
+          </p:txBody>
+        </p:sp>
+        <p:sp>
+          <p:nvSpPr>
+            <p:cNvPr id="17" name="矩形 16">
+              <a:extLst>
+                <a:ext uri="{FF2B5EF4-FFF2-40B4-BE49-F238E27FC236}">
+                  <a16:creationId xmlns:a16="http://schemas.microsoft.com/office/drawing/2014/main" id="{EAFE771F-1616-452C-A70D-777DA007A2DC}"/>
+                </a:ext>
+              </a:extLst>
+            </p:cNvPr>
+            <p:cNvSpPr/>
+            <p:nvPr/>
+          </p:nvSpPr>
+          <p:spPr>
+            <a:xfrm>
+              <a:off x="5684089" y="6169820"/>
+              <a:ext cx="795684" cy="707886"/>
+            </a:xfrm>
+            <a:prstGeom prst="rect">
+              <a:avLst/>
+            </a:prstGeom>
+            <a:noFill/>
+            <a:ln>
+              <a:noFill/>
+            </a:ln>
+            <a:effectLst>
+              <a:glow rad="228600">
+                <a:schemeClr val="accent6">
+                  <a:satMod val="175000"/>
+                  <a:alpha val="40000"/>
+                </a:schemeClr>
+              </a:glow>
+              <a:outerShdw blurRad="50800" dist="38100" dir="5400000" algn="t" rotWithShape="0">
+                <a:prstClr val="black">
+                  <a:alpha val="40000"/>
+                </a:prstClr>
+              </a:outerShdw>
+            </a:effectLst>
+            <a:scene3d>
+              <a:camera prst="orthographicFront">
+                <a:rot lat="0" lon="0" rev="0"/>
+              </a:camera>
+              <a:lightRig rig="contrasting" dir="t">
+                <a:rot lat="0" lon="0" rev="1500000"/>
+              </a:lightRig>
+            </a:scene3d>
+            <a:sp3d prstMaterial="metal">
+              <a:bevelT w="88900" h="88900"/>
+            </a:sp3d>
+          </p:spPr>
+          <p:txBody>
+            <a:bodyPr wrap="square" lIns="91440" tIns="45720" rIns="91440" bIns="45720">
+              <a:spAutoFit/>
+            </a:bodyPr>
+            <a:lstStyle/>
+            <a:p>
+              <a:pPr algn="ctr"/>
+              <a:r>
+                <a:rPr lang="zh-CN" altLang="en-US" sz="2000" b="0" cap="none" spc="0">
+                  <a:ln w="0"/>
+                  <a:solidFill>
+                    <a:schemeClr val="accent1"/>
+                  </a:solidFill>
+                  <a:effectLst>
+                    <a:outerShdw blurRad="38100" dist="25400" dir="5400000" algn="ctr" rotWithShape="0">
+                      <a:srgbClr val="6E747A">
+                        <a:alpha val="43000"/>
+                      </a:srgbClr>
+                    </a:outerShdw>
+                  </a:effectLst>
+                  <a:latin typeface="华文彩云" panose="02010800040101010101" pitchFamily="2" charset="-122"/>
+                  <a:ea typeface="华文彩云" panose="02010800040101010101" pitchFamily="2" charset="-122"/>
+                </a:rPr>
+                <a:t>关注</a:t>
+              </a:r>
+              <a:endParaRPr lang="en-US" altLang="zh-CN" sz="2000" b="0" cap="none" spc="0">
+                <a:ln w="0"/>
+                <a:solidFill>
+                  <a:schemeClr val="accent1"/>
+                </a:solidFill>
+                <a:effectLst>
+                  <a:outerShdw blurRad="38100" dist="25400" dir="5400000" algn="ctr" rotWithShape="0">
+                    <a:srgbClr val="6E747A">
+                      <a:alpha val="43000"/>
+                    </a:srgbClr>
+                  </a:outerShdw>
+                </a:effectLst>
+                <a:latin typeface="华文彩云" panose="02010800040101010101" pitchFamily="2" charset="-122"/>
+                <a:ea typeface="华文彩云" panose="02010800040101010101" pitchFamily="2" charset="-122"/>
+              </a:endParaRPr>
+            </a:p>
+            <a:p>
+              <a:pPr algn="ctr"/>
+              <a:r>
+                <a:rPr lang="zh-CN" altLang="en-US" sz="2000" b="0" cap="none" spc="0">
+                  <a:ln w="0"/>
+                  <a:solidFill>
+                    <a:schemeClr val="accent1"/>
+                  </a:solidFill>
+                  <a:effectLst>
+                    <a:outerShdw blurRad="38100" dist="25400" dir="5400000" algn="ctr" rotWithShape="0">
+                      <a:srgbClr val="6E747A">
+                        <a:alpha val="43000"/>
+                      </a:srgbClr>
+                    </a:outerShdw>
+                  </a:effectLst>
+                  <a:latin typeface="华文彩云" panose="02010800040101010101" pitchFamily="2" charset="-122"/>
+                  <a:ea typeface="华文彩云" panose="02010800040101010101" pitchFamily="2" charset="-122"/>
+                </a:rPr>
+                <a:t>打赏</a:t>
+              </a:r>
+            </a:p>
+          </p:txBody>
+        </p:sp>
+        <p:sp>
+          <p:nvSpPr>
+            <p:cNvPr id="18" name="矩形 17">
+              <a:extLst>
+                <a:ext uri="{FF2B5EF4-FFF2-40B4-BE49-F238E27FC236}">
+                  <a16:creationId xmlns:a16="http://schemas.microsoft.com/office/drawing/2014/main" id="{98079945-0826-465D-9456-FE0A6A437944}"/>
+                </a:ext>
+              </a:extLst>
+            </p:cNvPr>
+            <p:cNvSpPr/>
+            <p:nvPr/>
+          </p:nvSpPr>
+          <p:spPr>
+            <a:xfrm>
+              <a:off x="8205848" y="6309589"/>
+              <a:ext cx="3484403" cy="584775"/>
+            </a:xfrm>
+            <a:prstGeom prst="rect">
+              <a:avLst/>
+            </a:prstGeom>
+            <a:noFill/>
+            <a:ln>
+              <a:noFill/>
+            </a:ln>
+            <a:effectLst>
+              <a:glow rad="228600">
+                <a:schemeClr val="accent6">
+                  <a:satMod val="175000"/>
+                  <a:alpha val="40000"/>
+                </a:schemeClr>
+              </a:glow>
+              <a:outerShdw blurRad="50800" dist="38100" dir="5400000" algn="t" rotWithShape="0">
+                <a:prstClr val="black">
+                  <a:alpha val="40000"/>
+                </a:prstClr>
+              </a:outerShdw>
+            </a:effectLst>
+            <a:scene3d>
+              <a:camera prst="orthographicFront">
+                <a:rot lat="0" lon="0" rev="0"/>
+              </a:camera>
+              <a:lightRig rig="contrasting" dir="t">
+                <a:rot lat="0" lon="0" rev="1500000"/>
+              </a:lightRig>
+            </a:scene3d>
+            <a:sp3d prstMaterial="metal">
+              <a:bevelT w="88900" h="88900"/>
+            </a:sp3d>
+          </p:spPr>
+          <p:txBody>
+            <a:bodyPr wrap="square" lIns="91440" tIns="45720" rIns="91440" bIns="45720">
+              <a:spAutoFit/>
+            </a:bodyPr>
+            <a:lstStyle/>
+            <a:p>
+              <a:pPr algn="l"/>
+              <a:r>
+                <a:rPr lang="en-US" altLang="zh-CN" sz="1600" b="0" cap="none" spc="0">
+                  <a:ln w="0"/>
+                  <a:solidFill>
+                    <a:schemeClr val="accent1"/>
+                  </a:solidFill>
+                  <a:effectLst>
+                    <a:outerShdw blurRad="38100" dist="25400" dir="5400000" algn="ctr" rotWithShape="0">
+                      <a:srgbClr val="6E747A">
+                        <a:alpha val="43000"/>
+                      </a:srgbClr>
+                    </a:outerShdw>
+                  </a:effectLst>
+                </a:rPr>
+                <a:t>1. Github.com/625781186</a:t>
+              </a:r>
+            </a:p>
+            <a:p>
+              <a:pPr algn="l"/>
+              <a:r>
+                <a:rPr lang="en-US" altLang="zh-CN" sz="1600" b="0" cap="none" spc="0">
+                  <a:ln w="0"/>
+                  <a:solidFill>
+                    <a:schemeClr val="accent1"/>
+                  </a:solidFill>
+                  <a:effectLst>
+                    <a:outerShdw blurRad="38100" dist="25400" dir="5400000" algn="ctr" rotWithShape="0">
+                      <a:srgbClr val="6E747A">
+                        <a:alpha val="43000"/>
+                      </a:srgbClr>
+                    </a:outerShdw>
+                  </a:effectLst>
+                </a:rPr>
+                <a:t>2. </a:t>
+              </a:r>
+              <a:r>
+                <a:rPr lang="zh-CN" altLang="en-US" sz="1600" b="0" cap="none" spc="0">
+                  <a:ln w="0"/>
+                  <a:solidFill>
+                    <a:schemeClr val="accent1"/>
+                  </a:solidFill>
+                  <a:effectLst>
+                    <a:outerShdw blurRad="38100" dist="25400" dir="5400000" algn="ctr" rotWithShape="0">
+                      <a:srgbClr val="6E747A">
+                        <a:alpha val="43000"/>
+                      </a:srgbClr>
+                    </a:outerShdw>
+                  </a:effectLst>
+                </a:rPr>
+                <a:t>简书 </a:t>
+              </a:r>
+              <a:r>
+                <a:rPr lang="en-US" altLang="zh-CN" sz="1600" b="0" cap="none" spc="0">
+                  <a:ln w="0"/>
+                  <a:solidFill>
+                    <a:schemeClr val="accent1"/>
+                  </a:solidFill>
+                  <a:effectLst>
+                    <a:outerShdw blurRad="38100" dist="25400" dir="5400000" algn="ctr" rotWithShape="0">
+                      <a:srgbClr val="6E747A">
+                        <a:alpha val="43000"/>
+                      </a:srgbClr>
+                    </a:outerShdw>
+                  </a:effectLst>
+                </a:rPr>
+                <a:t>/ </a:t>
+              </a:r>
+              <a:r>
+                <a:rPr lang="zh-CN" altLang="en-US" sz="1600" b="0" cap="none" spc="0">
+                  <a:ln w="0"/>
+                  <a:solidFill>
+                    <a:schemeClr val="accent1"/>
+                  </a:solidFill>
+                  <a:effectLst>
+                    <a:outerShdw blurRad="38100" dist="25400" dir="5400000" algn="ctr" rotWithShape="0">
+                      <a:srgbClr val="6E747A">
+                        <a:alpha val="43000"/>
+                      </a:srgbClr>
+                    </a:outerShdw>
+                  </a:effectLst>
+                </a:rPr>
+                <a:t>微信公众号 </a:t>
+              </a:r>
+              <a:r>
+                <a:rPr lang="en-US" altLang="zh-CN" sz="1600" b="0" kern="1200" cap="none" spc="0">
+                  <a:ln w="0"/>
+                  <a:solidFill>
+                    <a:schemeClr val="accent1"/>
+                  </a:solidFill>
+                  <a:effectLst>
+                    <a:outerShdw blurRad="38100" dist="25400" dir="5400000" algn="ctr" rotWithShape="0">
+                      <a:srgbClr val="6E747A">
+                        <a:alpha val="43000"/>
+                      </a:srgbClr>
+                    </a:outerShdw>
+                  </a:effectLst>
+                  <a:latin typeface="+mn-lt"/>
+                  <a:ea typeface="+mn-ea"/>
+                  <a:cs typeface="+mn-cs"/>
+                </a:rPr>
+                <a:t>WoHowLearn</a:t>
+              </a:r>
+              <a:endParaRPr lang="zh-CN" altLang="en-US" sz="1600" b="0" kern="1200" cap="none" spc="0">
+                <a:ln w="0"/>
+                <a:solidFill>
+                  <a:schemeClr val="accent1"/>
+                </a:solidFill>
+                <a:effectLst>
+                  <a:outerShdw blurRad="38100" dist="25400" dir="5400000" algn="ctr" rotWithShape="0">
+                    <a:srgbClr val="6E747A">
+                      <a:alpha val="43000"/>
+                    </a:srgbClr>
+                  </a:outerShdw>
+                </a:effectLst>
+                <a:latin typeface="+mn-lt"/>
+                <a:ea typeface="+mn-ea"/>
+                <a:cs typeface="+mn-cs"/>
+              </a:endParaRPr>
+            </a:p>
+          </p:txBody>
+        </p:sp>
+      </p:grpSp>
     </p:spTree>
     <p:extLst>
       <p:ext uri="{BB962C8B-B14F-4D97-AF65-F5344CB8AC3E}">
-        <p14:creationId xmlns:p14="http://schemas.microsoft.com/office/powerpoint/2010/main" val="3640169043"/>
+        <p14:creationId xmlns:p14="http://schemas.microsoft.com/office/powerpoint/2010/main" val="1206598854"/>
       </p:ext>
     </p:extLst>
   </p:cSld>
@@ -2496,7 +3743,7 @@
           <a:p>
             <a:fld id="{94B88754-E6F4-4917-ACF6-E53D301B79AE}" type="datetime1">
               <a:rPr lang="zh-CN" altLang="en-US" smtClean="0"/>
-              <a:t>2018/2/23</a:t>
+              <a:t>2018/3/20</a:t>
             </a:fld>
             <a:endParaRPr lang="zh-CN" altLang="en-US"/>
           </a:p>
@@ -2604,10 +3851,425 @@
           </a:prstGeom>
         </p:spPr>
       </p:pic>
+      <p:grpSp>
+        <p:nvGrpSpPr>
+          <p:cNvPr id="9" name="组合 8">
+            <a:extLst>
+              <a:ext uri="{FF2B5EF4-FFF2-40B4-BE49-F238E27FC236}">
+                <a16:creationId xmlns:a16="http://schemas.microsoft.com/office/drawing/2014/main" id="{AF0603A3-6117-4B8A-8FF2-337D3A7953BF}"/>
+              </a:ext>
+            </a:extLst>
+          </p:cNvPr>
+          <p:cNvGrpSpPr/>
+          <p:nvPr/>
+        </p:nvGrpSpPr>
+        <p:grpSpPr>
+          <a:xfrm>
+            <a:off x="940819" y="13063"/>
+            <a:ext cx="10749432" cy="6881301"/>
+            <a:chOff x="940819" y="13063"/>
+            <a:chExt cx="10749432" cy="6881301"/>
+          </a:xfrm>
+        </p:grpSpPr>
+        <p:sp>
+          <p:nvSpPr>
+            <p:cNvPr id="10" name="矩形 9">
+              <a:extLst>
+                <a:ext uri="{FF2B5EF4-FFF2-40B4-BE49-F238E27FC236}">
+                  <a16:creationId xmlns:a16="http://schemas.microsoft.com/office/drawing/2014/main" id="{3178DBC8-2CFD-4720-A041-698851C2EC3C}"/>
+                </a:ext>
+              </a:extLst>
+            </p:cNvPr>
+            <p:cNvSpPr/>
+            <p:nvPr/>
+          </p:nvSpPr>
+          <p:spPr>
+            <a:xfrm>
+              <a:off x="940819" y="13063"/>
+              <a:ext cx="10151594" cy="461665"/>
+            </a:xfrm>
+            <a:prstGeom prst="rect">
+              <a:avLst/>
+            </a:prstGeom>
+            <a:noFill/>
+            <a:ln>
+              <a:noFill/>
+            </a:ln>
+            <a:effectLst>
+              <a:glow rad="228600">
+                <a:schemeClr val="accent6">
+                  <a:satMod val="175000"/>
+                  <a:alpha val="40000"/>
+                </a:schemeClr>
+              </a:glow>
+              <a:outerShdw blurRad="50800" dist="38100" dir="5400000" algn="t" rotWithShape="0">
+                <a:prstClr val="black">
+                  <a:alpha val="40000"/>
+                </a:prstClr>
+              </a:outerShdw>
+            </a:effectLst>
+            <a:scene3d>
+              <a:camera prst="orthographicFront">
+                <a:rot lat="0" lon="0" rev="0"/>
+              </a:camera>
+              <a:lightRig rig="contrasting" dir="t">
+                <a:rot lat="0" lon="0" rev="1500000"/>
+              </a:lightRig>
+            </a:scene3d>
+            <a:sp3d prstMaterial="metal">
+              <a:bevelT w="88900" h="88900"/>
+            </a:sp3d>
+          </p:spPr>
+          <p:txBody>
+            <a:bodyPr wrap="square" lIns="91440" tIns="45720" rIns="91440" bIns="45720">
+              <a:spAutoFit/>
+            </a:bodyPr>
+            <a:lstStyle/>
+            <a:p>
+              <a:pPr algn="ctr"/>
+              <a:r>
+                <a:rPr lang="zh-CN" altLang="en-US" sz="2400" b="0" cap="none" spc="0">
+                  <a:ln w="0"/>
+                  <a:solidFill>
+                    <a:schemeClr val="accent1"/>
+                  </a:solidFill>
+                  <a:effectLst>
+                    <a:outerShdw blurRad="38100" dist="25400" dir="5400000" algn="ctr" rotWithShape="0">
+                      <a:srgbClr val="6E747A">
+                        <a:alpha val="43000"/>
+                      </a:srgbClr>
+                    </a:outerShdw>
+                  </a:effectLst>
+                </a:rPr>
+                <a:t>本套教程为免费教程， 如若发现有盗用售卖者请联系作者</a:t>
+              </a:r>
+              <a:r>
+                <a:rPr lang="en-US" altLang="zh-CN" sz="2400" b="0" cap="none" spc="0">
+                  <a:ln w="0"/>
+                  <a:solidFill>
+                    <a:schemeClr val="accent1"/>
+                  </a:solidFill>
+                  <a:effectLst>
+                    <a:outerShdw blurRad="38100" dist="25400" dir="5400000" algn="ctr" rotWithShape="0">
+                      <a:srgbClr val="6E747A">
+                        <a:alpha val="43000"/>
+                      </a:srgbClr>
+                    </a:outerShdw>
+                  </a:effectLst>
+                </a:rPr>
+                <a:t>QQ 625781186</a:t>
+              </a:r>
+              <a:endParaRPr lang="zh-CN" altLang="en-US" sz="2400" b="0" cap="none" spc="0">
+                <a:ln w="0"/>
+                <a:solidFill>
+                  <a:schemeClr val="accent1"/>
+                </a:solidFill>
+                <a:effectLst>
+                  <a:outerShdw blurRad="38100" dist="25400" dir="5400000" algn="ctr" rotWithShape="0">
+                    <a:srgbClr val="6E747A">
+                      <a:alpha val="43000"/>
+                    </a:srgbClr>
+                  </a:outerShdw>
+                </a:effectLst>
+              </a:endParaRPr>
+            </a:p>
+          </p:txBody>
+        </p:sp>
+        <p:sp>
+          <p:nvSpPr>
+            <p:cNvPr id="11" name="矩形 10">
+              <a:extLst>
+                <a:ext uri="{FF2B5EF4-FFF2-40B4-BE49-F238E27FC236}">
+                  <a16:creationId xmlns:a16="http://schemas.microsoft.com/office/drawing/2014/main" id="{D8E38DCB-4CD8-4FA3-A0BF-18C74FB1057C}"/>
+                </a:ext>
+              </a:extLst>
+            </p:cNvPr>
+            <p:cNvSpPr/>
+            <p:nvPr/>
+          </p:nvSpPr>
+          <p:spPr>
+            <a:xfrm>
+              <a:off x="5684089" y="6169820"/>
+              <a:ext cx="795684" cy="707886"/>
+            </a:xfrm>
+            <a:prstGeom prst="rect">
+              <a:avLst/>
+            </a:prstGeom>
+            <a:noFill/>
+            <a:ln>
+              <a:noFill/>
+            </a:ln>
+            <a:effectLst>
+              <a:glow rad="228600">
+                <a:schemeClr val="accent6">
+                  <a:satMod val="175000"/>
+                  <a:alpha val="40000"/>
+                </a:schemeClr>
+              </a:glow>
+              <a:outerShdw blurRad="50800" dist="38100" dir="5400000" algn="t" rotWithShape="0">
+                <a:prstClr val="black">
+                  <a:alpha val="40000"/>
+                </a:prstClr>
+              </a:outerShdw>
+            </a:effectLst>
+            <a:scene3d>
+              <a:camera prst="orthographicFront">
+                <a:rot lat="0" lon="0" rev="0"/>
+              </a:camera>
+              <a:lightRig rig="contrasting" dir="t">
+                <a:rot lat="0" lon="0" rev="1500000"/>
+              </a:lightRig>
+            </a:scene3d>
+            <a:sp3d prstMaterial="metal">
+              <a:bevelT w="88900" h="88900"/>
+            </a:sp3d>
+          </p:spPr>
+          <p:txBody>
+            <a:bodyPr wrap="square" lIns="91440" tIns="45720" rIns="91440" bIns="45720">
+              <a:spAutoFit/>
+            </a:bodyPr>
+            <a:lstStyle/>
+            <a:p>
+              <a:pPr algn="ctr"/>
+              <a:r>
+                <a:rPr lang="zh-CN" altLang="en-US" sz="2000" b="0" cap="none" spc="0">
+                  <a:ln w="0"/>
+                  <a:solidFill>
+                    <a:schemeClr val="accent1"/>
+                  </a:solidFill>
+                  <a:effectLst>
+                    <a:outerShdw blurRad="38100" dist="25400" dir="5400000" algn="ctr" rotWithShape="0">
+                      <a:srgbClr val="6E747A">
+                        <a:alpha val="43000"/>
+                      </a:srgbClr>
+                    </a:outerShdw>
+                  </a:effectLst>
+                  <a:latin typeface="华文彩云" panose="02010800040101010101" pitchFamily="2" charset="-122"/>
+                  <a:ea typeface="华文彩云" panose="02010800040101010101" pitchFamily="2" charset="-122"/>
+                </a:rPr>
+                <a:t>关注</a:t>
+              </a:r>
+              <a:endParaRPr lang="en-US" altLang="zh-CN" sz="2000" b="0" cap="none" spc="0">
+                <a:ln w="0"/>
+                <a:solidFill>
+                  <a:schemeClr val="accent1"/>
+                </a:solidFill>
+                <a:effectLst>
+                  <a:outerShdw blurRad="38100" dist="25400" dir="5400000" algn="ctr" rotWithShape="0">
+                    <a:srgbClr val="6E747A">
+                      <a:alpha val="43000"/>
+                    </a:srgbClr>
+                  </a:outerShdw>
+                </a:effectLst>
+                <a:latin typeface="华文彩云" panose="02010800040101010101" pitchFamily="2" charset="-122"/>
+                <a:ea typeface="华文彩云" panose="02010800040101010101" pitchFamily="2" charset="-122"/>
+              </a:endParaRPr>
+            </a:p>
+            <a:p>
+              <a:pPr algn="ctr"/>
+              <a:r>
+                <a:rPr lang="zh-CN" altLang="en-US" sz="2000" b="0" cap="none" spc="0">
+                  <a:ln w="0"/>
+                  <a:solidFill>
+                    <a:schemeClr val="accent1"/>
+                  </a:solidFill>
+                  <a:effectLst>
+                    <a:outerShdw blurRad="38100" dist="25400" dir="5400000" algn="ctr" rotWithShape="0">
+                      <a:srgbClr val="6E747A">
+                        <a:alpha val="43000"/>
+                      </a:srgbClr>
+                    </a:outerShdw>
+                  </a:effectLst>
+                  <a:latin typeface="华文彩云" panose="02010800040101010101" pitchFamily="2" charset="-122"/>
+                  <a:ea typeface="华文彩云" panose="02010800040101010101" pitchFamily="2" charset="-122"/>
+                </a:rPr>
+                <a:t>打赏</a:t>
+              </a:r>
+            </a:p>
+          </p:txBody>
+        </p:sp>
+        <p:sp>
+          <p:nvSpPr>
+            <p:cNvPr id="12" name="矩形 11">
+              <a:extLst>
+                <a:ext uri="{FF2B5EF4-FFF2-40B4-BE49-F238E27FC236}">
+                  <a16:creationId xmlns:a16="http://schemas.microsoft.com/office/drawing/2014/main" id="{84EA7E88-8DC9-4701-8118-82E1F60188DB}"/>
+                </a:ext>
+              </a:extLst>
+            </p:cNvPr>
+            <p:cNvSpPr/>
+            <p:nvPr/>
+          </p:nvSpPr>
+          <p:spPr>
+            <a:xfrm>
+              <a:off x="8205848" y="6309589"/>
+              <a:ext cx="3484403" cy="584775"/>
+            </a:xfrm>
+            <a:prstGeom prst="rect">
+              <a:avLst/>
+            </a:prstGeom>
+            <a:noFill/>
+            <a:ln>
+              <a:noFill/>
+            </a:ln>
+            <a:effectLst>
+              <a:glow rad="228600">
+                <a:schemeClr val="accent6">
+                  <a:satMod val="175000"/>
+                  <a:alpha val="40000"/>
+                </a:schemeClr>
+              </a:glow>
+              <a:outerShdw blurRad="50800" dist="38100" dir="5400000" algn="t" rotWithShape="0">
+                <a:prstClr val="black">
+                  <a:alpha val="40000"/>
+                </a:prstClr>
+              </a:outerShdw>
+            </a:effectLst>
+            <a:scene3d>
+              <a:camera prst="orthographicFront">
+                <a:rot lat="0" lon="0" rev="0"/>
+              </a:camera>
+              <a:lightRig rig="contrasting" dir="t">
+                <a:rot lat="0" lon="0" rev="1500000"/>
+              </a:lightRig>
+            </a:scene3d>
+            <a:sp3d prstMaterial="metal">
+              <a:bevelT w="88900" h="88900"/>
+            </a:sp3d>
+          </p:spPr>
+          <p:txBody>
+            <a:bodyPr wrap="square" lIns="91440" tIns="45720" rIns="91440" bIns="45720">
+              <a:spAutoFit/>
+            </a:bodyPr>
+            <a:lstStyle/>
+            <a:p>
+              <a:pPr algn="l"/>
+              <a:r>
+                <a:rPr lang="en-US" altLang="zh-CN" sz="1600" b="0" cap="none" spc="0">
+                  <a:ln w="0"/>
+                  <a:solidFill>
+                    <a:schemeClr val="accent1"/>
+                  </a:solidFill>
+                  <a:effectLst>
+                    <a:outerShdw blurRad="38100" dist="25400" dir="5400000" algn="ctr" rotWithShape="0">
+                      <a:srgbClr val="6E747A">
+                        <a:alpha val="43000"/>
+                      </a:srgbClr>
+                    </a:outerShdw>
+                  </a:effectLst>
+                </a:rPr>
+                <a:t>1. Github.com/625781186</a:t>
+              </a:r>
+            </a:p>
+            <a:p>
+              <a:pPr algn="l"/>
+              <a:r>
+                <a:rPr lang="en-US" altLang="zh-CN" sz="1600" b="0" cap="none" spc="0">
+                  <a:ln w="0"/>
+                  <a:solidFill>
+                    <a:schemeClr val="accent1"/>
+                  </a:solidFill>
+                  <a:effectLst>
+                    <a:outerShdw blurRad="38100" dist="25400" dir="5400000" algn="ctr" rotWithShape="0">
+                      <a:srgbClr val="6E747A">
+                        <a:alpha val="43000"/>
+                      </a:srgbClr>
+                    </a:outerShdw>
+                  </a:effectLst>
+                </a:rPr>
+                <a:t>2. </a:t>
+              </a:r>
+              <a:r>
+                <a:rPr lang="zh-CN" altLang="en-US" sz="1600" b="0" cap="none" spc="0">
+                  <a:ln w="0"/>
+                  <a:solidFill>
+                    <a:schemeClr val="accent1"/>
+                  </a:solidFill>
+                  <a:effectLst>
+                    <a:outerShdw blurRad="38100" dist="25400" dir="5400000" algn="ctr" rotWithShape="0">
+                      <a:srgbClr val="6E747A">
+                        <a:alpha val="43000"/>
+                      </a:srgbClr>
+                    </a:outerShdw>
+                  </a:effectLst>
+                </a:rPr>
+                <a:t>简书 </a:t>
+              </a:r>
+              <a:r>
+                <a:rPr lang="en-US" altLang="zh-CN" sz="1600" b="0" cap="none" spc="0">
+                  <a:ln w="0"/>
+                  <a:solidFill>
+                    <a:schemeClr val="accent1"/>
+                  </a:solidFill>
+                  <a:effectLst>
+                    <a:outerShdw blurRad="38100" dist="25400" dir="5400000" algn="ctr" rotWithShape="0">
+                      <a:srgbClr val="6E747A">
+                        <a:alpha val="43000"/>
+                      </a:srgbClr>
+                    </a:outerShdw>
+                  </a:effectLst>
+                </a:rPr>
+                <a:t>/ </a:t>
+              </a:r>
+              <a:r>
+                <a:rPr lang="zh-CN" altLang="en-US" sz="1600" b="0" cap="none" spc="0">
+                  <a:ln w="0"/>
+                  <a:solidFill>
+                    <a:schemeClr val="accent1"/>
+                  </a:solidFill>
+                  <a:effectLst>
+                    <a:outerShdw blurRad="38100" dist="25400" dir="5400000" algn="ctr" rotWithShape="0">
+                      <a:srgbClr val="6E747A">
+                        <a:alpha val="43000"/>
+                      </a:srgbClr>
+                    </a:outerShdw>
+                  </a:effectLst>
+                </a:rPr>
+                <a:t>微信公众号 </a:t>
+              </a:r>
+              <a:r>
+                <a:rPr lang="en-US" altLang="zh-CN" sz="1600" b="0" kern="1200" cap="none" spc="0">
+                  <a:ln w="0"/>
+                  <a:solidFill>
+                    <a:schemeClr val="accent1"/>
+                  </a:solidFill>
+                  <a:effectLst>
+                    <a:outerShdw blurRad="38100" dist="25400" dir="5400000" algn="ctr" rotWithShape="0">
+                      <a:srgbClr val="6E747A">
+                        <a:alpha val="43000"/>
+                      </a:srgbClr>
+                    </a:outerShdw>
+                  </a:effectLst>
+                  <a:latin typeface="+mn-lt"/>
+                  <a:ea typeface="+mn-ea"/>
+                  <a:cs typeface="+mn-cs"/>
+                </a:rPr>
+                <a:t>WoHowLearn</a:t>
+              </a:r>
+              <a:endParaRPr lang="zh-CN" altLang="en-US" sz="1600" b="0" kern="1200" cap="none" spc="0">
+                <a:ln w="0"/>
+                <a:solidFill>
+                  <a:schemeClr val="accent1"/>
+                </a:solidFill>
+                <a:effectLst>
+                  <a:outerShdw blurRad="38100" dist="25400" dir="5400000" algn="ctr" rotWithShape="0">
+                    <a:srgbClr val="6E747A">
+                      <a:alpha val="43000"/>
+                    </a:srgbClr>
+                  </a:outerShdw>
+                </a:effectLst>
+                <a:latin typeface="+mn-lt"/>
+                <a:ea typeface="+mn-ea"/>
+                <a:cs typeface="+mn-cs"/>
+              </a:endParaRPr>
+            </a:p>
+          </p:txBody>
+        </p:sp>
+      </p:grpSp>
     </p:spTree>
     <p:extLst>
       <p:ext uri="{BB962C8B-B14F-4D97-AF65-F5344CB8AC3E}">
-        <p14:creationId xmlns:p14="http://schemas.microsoft.com/office/powerpoint/2010/main" val="3857203036"/>
+        <p14:creationId xmlns:p14="http://schemas.microsoft.com/office/powerpoint/2010/main" val="2510127129"/>
       </p:ext>
     </p:extLst>
   </p:cSld>
@@ -2931,7 +4593,7 @@
           <a:p>
             <a:fld id="{94B88754-E6F4-4917-ACF6-E53D301B79AE}" type="datetime1">
               <a:rPr lang="zh-CN" altLang="en-US" smtClean="0"/>
-              <a:t>2018/2/23</a:t>
+              <a:t>2018/3/20</a:t>
             </a:fld>
             <a:endParaRPr lang="zh-CN" altLang="en-US"/>
           </a:p>
@@ -3138,10 +4800,425 @@
           </a:prstGeom>
         </p:spPr>
       </p:pic>
+      <p:grpSp>
+        <p:nvGrpSpPr>
+          <p:cNvPr id="15" name="组合 14">
+            <a:extLst>
+              <a:ext uri="{FF2B5EF4-FFF2-40B4-BE49-F238E27FC236}">
+                <a16:creationId xmlns:a16="http://schemas.microsoft.com/office/drawing/2014/main" id="{5D0F1BBC-8B48-49B8-A2F2-462B9A28ABB8}"/>
+              </a:ext>
+            </a:extLst>
+          </p:cNvPr>
+          <p:cNvGrpSpPr/>
+          <p:nvPr/>
+        </p:nvGrpSpPr>
+        <p:grpSpPr>
+          <a:xfrm>
+            <a:off x="940819" y="13063"/>
+            <a:ext cx="10749432" cy="6881301"/>
+            <a:chOff x="940819" y="13063"/>
+            <a:chExt cx="10749432" cy="6881301"/>
+          </a:xfrm>
+        </p:grpSpPr>
+        <p:sp>
+          <p:nvSpPr>
+            <p:cNvPr id="17" name="矩形 16">
+              <a:extLst>
+                <a:ext uri="{FF2B5EF4-FFF2-40B4-BE49-F238E27FC236}">
+                  <a16:creationId xmlns:a16="http://schemas.microsoft.com/office/drawing/2014/main" id="{C536F264-BC88-42B8-8B57-7F2BA8E6BEC6}"/>
+                </a:ext>
+              </a:extLst>
+            </p:cNvPr>
+            <p:cNvSpPr/>
+            <p:nvPr/>
+          </p:nvSpPr>
+          <p:spPr>
+            <a:xfrm>
+              <a:off x="940819" y="13063"/>
+              <a:ext cx="10151594" cy="461665"/>
+            </a:xfrm>
+            <a:prstGeom prst="rect">
+              <a:avLst/>
+            </a:prstGeom>
+            <a:noFill/>
+            <a:ln>
+              <a:noFill/>
+            </a:ln>
+            <a:effectLst>
+              <a:glow rad="228600">
+                <a:schemeClr val="accent6">
+                  <a:satMod val="175000"/>
+                  <a:alpha val="40000"/>
+                </a:schemeClr>
+              </a:glow>
+              <a:outerShdw blurRad="50800" dist="38100" dir="5400000" algn="t" rotWithShape="0">
+                <a:prstClr val="black">
+                  <a:alpha val="40000"/>
+                </a:prstClr>
+              </a:outerShdw>
+            </a:effectLst>
+            <a:scene3d>
+              <a:camera prst="orthographicFront">
+                <a:rot lat="0" lon="0" rev="0"/>
+              </a:camera>
+              <a:lightRig rig="contrasting" dir="t">
+                <a:rot lat="0" lon="0" rev="1500000"/>
+              </a:lightRig>
+            </a:scene3d>
+            <a:sp3d prstMaterial="metal">
+              <a:bevelT w="88900" h="88900"/>
+            </a:sp3d>
+          </p:spPr>
+          <p:txBody>
+            <a:bodyPr wrap="square" lIns="91440" tIns="45720" rIns="91440" bIns="45720">
+              <a:spAutoFit/>
+            </a:bodyPr>
+            <a:lstStyle/>
+            <a:p>
+              <a:pPr algn="ctr"/>
+              <a:r>
+                <a:rPr lang="zh-CN" altLang="en-US" sz="2400" b="0" cap="none" spc="0">
+                  <a:ln w="0"/>
+                  <a:solidFill>
+                    <a:schemeClr val="accent1"/>
+                  </a:solidFill>
+                  <a:effectLst>
+                    <a:outerShdw blurRad="38100" dist="25400" dir="5400000" algn="ctr" rotWithShape="0">
+                      <a:srgbClr val="6E747A">
+                        <a:alpha val="43000"/>
+                      </a:srgbClr>
+                    </a:outerShdw>
+                  </a:effectLst>
+                </a:rPr>
+                <a:t>本套教程为免费教程， 如若发现有盗用售卖者请联系作者</a:t>
+              </a:r>
+              <a:r>
+                <a:rPr lang="en-US" altLang="zh-CN" sz="2400" b="0" cap="none" spc="0">
+                  <a:ln w="0"/>
+                  <a:solidFill>
+                    <a:schemeClr val="accent1"/>
+                  </a:solidFill>
+                  <a:effectLst>
+                    <a:outerShdw blurRad="38100" dist="25400" dir="5400000" algn="ctr" rotWithShape="0">
+                      <a:srgbClr val="6E747A">
+                        <a:alpha val="43000"/>
+                      </a:srgbClr>
+                    </a:outerShdw>
+                  </a:effectLst>
+                </a:rPr>
+                <a:t>QQ 625781186</a:t>
+              </a:r>
+              <a:endParaRPr lang="zh-CN" altLang="en-US" sz="2400" b="0" cap="none" spc="0">
+                <a:ln w="0"/>
+                <a:solidFill>
+                  <a:schemeClr val="accent1"/>
+                </a:solidFill>
+                <a:effectLst>
+                  <a:outerShdw blurRad="38100" dist="25400" dir="5400000" algn="ctr" rotWithShape="0">
+                    <a:srgbClr val="6E747A">
+                      <a:alpha val="43000"/>
+                    </a:srgbClr>
+                  </a:outerShdw>
+                </a:effectLst>
+              </a:endParaRPr>
+            </a:p>
+          </p:txBody>
+        </p:sp>
+        <p:sp>
+          <p:nvSpPr>
+            <p:cNvPr id="18" name="矩形 17">
+              <a:extLst>
+                <a:ext uri="{FF2B5EF4-FFF2-40B4-BE49-F238E27FC236}">
+                  <a16:creationId xmlns:a16="http://schemas.microsoft.com/office/drawing/2014/main" id="{D07B149B-2BDD-4FFB-A26C-6C18C4BB9BA8}"/>
+                </a:ext>
+              </a:extLst>
+            </p:cNvPr>
+            <p:cNvSpPr/>
+            <p:nvPr/>
+          </p:nvSpPr>
+          <p:spPr>
+            <a:xfrm>
+              <a:off x="5684089" y="6169820"/>
+              <a:ext cx="795684" cy="707886"/>
+            </a:xfrm>
+            <a:prstGeom prst="rect">
+              <a:avLst/>
+            </a:prstGeom>
+            <a:noFill/>
+            <a:ln>
+              <a:noFill/>
+            </a:ln>
+            <a:effectLst>
+              <a:glow rad="228600">
+                <a:schemeClr val="accent6">
+                  <a:satMod val="175000"/>
+                  <a:alpha val="40000"/>
+                </a:schemeClr>
+              </a:glow>
+              <a:outerShdw blurRad="50800" dist="38100" dir="5400000" algn="t" rotWithShape="0">
+                <a:prstClr val="black">
+                  <a:alpha val="40000"/>
+                </a:prstClr>
+              </a:outerShdw>
+            </a:effectLst>
+            <a:scene3d>
+              <a:camera prst="orthographicFront">
+                <a:rot lat="0" lon="0" rev="0"/>
+              </a:camera>
+              <a:lightRig rig="contrasting" dir="t">
+                <a:rot lat="0" lon="0" rev="1500000"/>
+              </a:lightRig>
+            </a:scene3d>
+            <a:sp3d prstMaterial="metal">
+              <a:bevelT w="88900" h="88900"/>
+            </a:sp3d>
+          </p:spPr>
+          <p:txBody>
+            <a:bodyPr wrap="square" lIns="91440" tIns="45720" rIns="91440" bIns="45720">
+              <a:spAutoFit/>
+            </a:bodyPr>
+            <a:lstStyle/>
+            <a:p>
+              <a:pPr algn="ctr"/>
+              <a:r>
+                <a:rPr lang="zh-CN" altLang="en-US" sz="2000" b="0" cap="none" spc="0">
+                  <a:ln w="0"/>
+                  <a:solidFill>
+                    <a:schemeClr val="accent1"/>
+                  </a:solidFill>
+                  <a:effectLst>
+                    <a:outerShdw blurRad="38100" dist="25400" dir="5400000" algn="ctr" rotWithShape="0">
+                      <a:srgbClr val="6E747A">
+                        <a:alpha val="43000"/>
+                      </a:srgbClr>
+                    </a:outerShdw>
+                  </a:effectLst>
+                  <a:latin typeface="华文彩云" panose="02010800040101010101" pitchFamily="2" charset="-122"/>
+                  <a:ea typeface="华文彩云" panose="02010800040101010101" pitchFamily="2" charset="-122"/>
+                </a:rPr>
+                <a:t>关注</a:t>
+              </a:r>
+              <a:endParaRPr lang="en-US" altLang="zh-CN" sz="2000" b="0" cap="none" spc="0">
+                <a:ln w="0"/>
+                <a:solidFill>
+                  <a:schemeClr val="accent1"/>
+                </a:solidFill>
+                <a:effectLst>
+                  <a:outerShdw blurRad="38100" dist="25400" dir="5400000" algn="ctr" rotWithShape="0">
+                    <a:srgbClr val="6E747A">
+                      <a:alpha val="43000"/>
+                    </a:srgbClr>
+                  </a:outerShdw>
+                </a:effectLst>
+                <a:latin typeface="华文彩云" panose="02010800040101010101" pitchFamily="2" charset="-122"/>
+                <a:ea typeface="华文彩云" panose="02010800040101010101" pitchFamily="2" charset="-122"/>
+              </a:endParaRPr>
+            </a:p>
+            <a:p>
+              <a:pPr algn="ctr"/>
+              <a:r>
+                <a:rPr lang="zh-CN" altLang="en-US" sz="2000" b="0" cap="none" spc="0">
+                  <a:ln w="0"/>
+                  <a:solidFill>
+                    <a:schemeClr val="accent1"/>
+                  </a:solidFill>
+                  <a:effectLst>
+                    <a:outerShdw blurRad="38100" dist="25400" dir="5400000" algn="ctr" rotWithShape="0">
+                      <a:srgbClr val="6E747A">
+                        <a:alpha val="43000"/>
+                      </a:srgbClr>
+                    </a:outerShdw>
+                  </a:effectLst>
+                  <a:latin typeface="华文彩云" panose="02010800040101010101" pitchFamily="2" charset="-122"/>
+                  <a:ea typeface="华文彩云" panose="02010800040101010101" pitchFamily="2" charset="-122"/>
+                </a:rPr>
+                <a:t>打赏</a:t>
+              </a:r>
+            </a:p>
+          </p:txBody>
+        </p:sp>
+        <p:sp>
+          <p:nvSpPr>
+            <p:cNvPr id="19" name="矩形 18">
+              <a:extLst>
+                <a:ext uri="{FF2B5EF4-FFF2-40B4-BE49-F238E27FC236}">
+                  <a16:creationId xmlns:a16="http://schemas.microsoft.com/office/drawing/2014/main" id="{AFD18B5F-AA78-45E3-B0C5-F00129B42EEC}"/>
+                </a:ext>
+              </a:extLst>
+            </p:cNvPr>
+            <p:cNvSpPr/>
+            <p:nvPr/>
+          </p:nvSpPr>
+          <p:spPr>
+            <a:xfrm>
+              <a:off x="8205848" y="6309589"/>
+              <a:ext cx="3484403" cy="584775"/>
+            </a:xfrm>
+            <a:prstGeom prst="rect">
+              <a:avLst/>
+            </a:prstGeom>
+            <a:noFill/>
+            <a:ln>
+              <a:noFill/>
+            </a:ln>
+            <a:effectLst>
+              <a:glow rad="228600">
+                <a:schemeClr val="accent6">
+                  <a:satMod val="175000"/>
+                  <a:alpha val="40000"/>
+                </a:schemeClr>
+              </a:glow>
+              <a:outerShdw blurRad="50800" dist="38100" dir="5400000" algn="t" rotWithShape="0">
+                <a:prstClr val="black">
+                  <a:alpha val="40000"/>
+                </a:prstClr>
+              </a:outerShdw>
+            </a:effectLst>
+            <a:scene3d>
+              <a:camera prst="orthographicFront">
+                <a:rot lat="0" lon="0" rev="0"/>
+              </a:camera>
+              <a:lightRig rig="contrasting" dir="t">
+                <a:rot lat="0" lon="0" rev="1500000"/>
+              </a:lightRig>
+            </a:scene3d>
+            <a:sp3d prstMaterial="metal">
+              <a:bevelT w="88900" h="88900"/>
+            </a:sp3d>
+          </p:spPr>
+          <p:txBody>
+            <a:bodyPr wrap="square" lIns="91440" tIns="45720" rIns="91440" bIns="45720">
+              <a:spAutoFit/>
+            </a:bodyPr>
+            <a:lstStyle/>
+            <a:p>
+              <a:pPr algn="l"/>
+              <a:r>
+                <a:rPr lang="en-US" altLang="zh-CN" sz="1600" b="0" cap="none" spc="0">
+                  <a:ln w="0"/>
+                  <a:solidFill>
+                    <a:schemeClr val="accent1"/>
+                  </a:solidFill>
+                  <a:effectLst>
+                    <a:outerShdw blurRad="38100" dist="25400" dir="5400000" algn="ctr" rotWithShape="0">
+                      <a:srgbClr val="6E747A">
+                        <a:alpha val="43000"/>
+                      </a:srgbClr>
+                    </a:outerShdw>
+                  </a:effectLst>
+                </a:rPr>
+                <a:t>1. Github.com/625781186</a:t>
+              </a:r>
+            </a:p>
+            <a:p>
+              <a:pPr algn="l"/>
+              <a:r>
+                <a:rPr lang="en-US" altLang="zh-CN" sz="1600" b="0" cap="none" spc="0">
+                  <a:ln w="0"/>
+                  <a:solidFill>
+                    <a:schemeClr val="accent1"/>
+                  </a:solidFill>
+                  <a:effectLst>
+                    <a:outerShdw blurRad="38100" dist="25400" dir="5400000" algn="ctr" rotWithShape="0">
+                      <a:srgbClr val="6E747A">
+                        <a:alpha val="43000"/>
+                      </a:srgbClr>
+                    </a:outerShdw>
+                  </a:effectLst>
+                </a:rPr>
+                <a:t>2. </a:t>
+              </a:r>
+              <a:r>
+                <a:rPr lang="zh-CN" altLang="en-US" sz="1600" b="0" cap="none" spc="0">
+                  <a:ln w="0"/>
+                  <a:solidFill>
+                    <a:schemeClr val="accent1"/>
+                  </a:solidFill>
+                  <a:effectLst>
+                    <a:outerShdw blurRad="38100" dist="25400" dir="5400000" algn="ctr" rotWithShape="0">
+                      <a:srgbClr val="6E747A">
+                        <a:alpha val="43000"/>
+                      </a:srgbClr>
+                    </a:outerShdw>
+                  </a:effectLst>
+                </a:rPr>
+                <a:t>简书 </a:t>
+              </a:r>
+              <a:r>
+                <a:rPr lang="en-US" altLang="zh-CN" sz="1600" b="0" cap="none" spc="0">
+                  <a:ln w="0"/>
+                  <a:solidFill>
+                    <a:schemeClr val="accent1"/>
+                  </a:solidFill>
+                  <a:effectLst>
+                    <a:outerShdw blurRad="38100" dist="25400" dir="5400000" algn="ctr" rotWithShape="0">
+                      <a:srgbClr val="6E747A">
+                        <a:alpha val="43000"/>
+                      </a:srgbClr>
+                    </a:outerShdw>
+                  </a:effectLst>
+                </a:rPr>
+                <a:t>/ </a:t>
+              </a:r>
+              <a:r>
+                <a:rPr lang="zh-CN" altLang="en-US" sz="1600" b="0" cap="none" spc="0">
+                  <a:ln w="0"/>
+                  <a:solidFill>
+                    <a:schemeClr val="accent1"/>
+                  </a:solidFill>
+                  <a:effectLst>
+                    <a:outerShdw blurRad="38100" dist="25400" dir="5400000" algn="ctr" rotWithShape="0">
+                      <a:srgbClr val="6E747A">
+                        <a:alpha val="43000"/>
+                      </a:srgbClr>
+                    </a:outerShdw>
+                  </a:effectLst>
+                </a:rPr>
+                <a:t>微信公众号 </a:t>
+              </a:r>
+              <a:r>
+                <a:rPr lang="en-US" altLang="zh-CN" sz="1600" b="0" kern="1200" cap="none" spc="0">
+                  <a:ln w="0"/>
+                  <a:solidFill>
+                    <a:schemeClr val="accent1"/>
+                  </a:solidFill>
+                  <a:effectLst>
+                    <a:outerShdw blurRad="38100" dist="25400" dir="5400000" algn="ctr" rotWithShape="0">
+                      <a:srgbClr val="6E747A">
+                        <a:alpha val="43000"/>
+                      </a:srgbClr>
+                    </a:outerShdw>
+                  </a:effectLst>
+                  <a:latin typeface="+mn-lt"/>
+                  <a:ea typeface="+mn-ea"/>
+                  <a:cs typeface="+mn-cs"/>
+                </a:rPr>
+                <a:t>WoHowLearn</a:t>
+              </a:r>
+              <a:endParaRPr lang="zh-CN" altLang="en-US" sz="1600" b="0" kern="1200" cap="none" spc="0">
+                <a:ln w="0"/>
+                <a:solidFill>
+                  <a:schemeClr val="accent1"/>
+                </a:solidFill>
+                <a:effectLst>
+                  <a:outerShdw blurRad="38100" dist="25400" dir="5400000" algn="ctr" rotWithShape="0">
+                    <a:srgbClr val="6E747A">
+                      <a:alpha val="43000"/>
+                    </a:srgbClr>
+                  </a:outerShdw>
+                </a:effectLst>
+                <a:latin typeface="+mn-lt"/>
+                <a:ea typeface="+mn-ea"/>
+                <a:cs typeface="+mn-cs"/>
+              </a:endParaRPr>
+            </a:p>
+          </p:txBody>
+        </p:sp>
+      </p:grpSp>
     </p:spTree>
     <p:extLst>
       <p:ext uri="{BB962C8B-B14F-4D97-AF65-F5344CB8AC3E}">
-        <p14:creationId xmlns:p14="http://schemas.microsoft.com/office/powerpoint/2010/main" val="1745297138"/>
+        <p14:creationId xmlns:p14="http://schemas.microsoft.com/office/powerpoint/2010/main" val="3409349374"/>
       </p:ext>
     </p:extLst>
   </p:cSld>
@@ -3462,7 +5539,7 @@
           <a:p>
             <a:fld id="{94B88754-E6F4-4917-ACF6-E53D301B79AE}" type="datetime1">
               <a:rPr lang="zh-CN" altLang="en-US" smtClean="0"/>
-              <a:t>2018/2/23</a:t>
+              <a:t>2018/3/20</a:t>
             </a:fld>
             <a:endParaRPr lang="zh-CN" altLang="en-US"/>
           </a:p>
@@ -3601,10 +5678,425 @@
           </a:prstGeom>
         </p:spPr>
       </p:pic>
+      <p:grpSp>
+        <p:nvGrpSpPr>
+          <p:cNvPr id="11" name="组合 10">
+            <a:extLst>
+              <a:ext uri="{FF2B5EF4-FFF2-40B4-BE49-F238E27FC236}">
+                <a16:creationId xmlns:a16="http://schemas.microsoft.com/office/drawing/2014/main" id="{7C67787C-8C4C-4FCA-ACAB-6E3634984A5F}"/>
+              </a:ext>
+            </a:extLst>
+          </p:cNvPr>
+          <p:cNvGrpSpPr/>
+          <p:nvPr/>
+        </p:nvGrpSpPr>
+        <p:grpSpPr>
+          <a:xfrm>
+            <a:off x="940819" y="13063"/>
+            <a:ext cx="10749432" cy="6881301"/>
+            <a:chOff x="940819" y="13063"/>
+            <a:chExt cx="10749432" cy="6881301"/>
+          </a:xfrm>
+        </p:grpSpPr>
+        <p:sp>
+          <p:nvSpPr>
+            <p:cNvPr id="12" name="矩形 11">
+              <a:extLst>
+                <a:ext uri="{FF2B5EF4-FFF2-40B4-BE49-F238E27FC236}">
+                  <a16:creationId xmlns:a16="http://schemas.microsoft.com/office/drawing/2014/main" id="{2ACE20A5-054D-40A9-9E80-9FE421968DED}"/>
+                </a:ext>
+              </a:extLst>
+            </p:cNvPr>
+            <p:cNvSpPr/>
+            <p:nvPr/>
+          </p:nvSpPr>
+          <p:spPr>
+            <a:xfrm>
+              <a:off x="940819" y="13063"/>
+              <a:ext cx="10151594" cy="461665"/>
+            </a:xfrm>
+            <a:prstGeom prst="rect">
+              <a:avLst/>
+            </a:prstGeom>
+            <a:noFill/>
+            <a:ln>
+              <a:noFill/>
+            </a:ln>
+            <a:effectLst>
+              <a:glow rad="228600">
+                <a:schemeClr val="accent6">
+                  <a:satMod val="175000"/>
+                  <a:alpha val="40000"/>
+                </a:schemeClr>
+              </a:glow>
+              <a:outerShdw blurRad="50800" dist="38100" dir="5400000" algn="t" rotWithShape="0">
+                <a:prstClr val="black">
+                  <a:alpha val="40000"/>
+                </a:prstClr>
+              </a:outerShdw>
+            </a:effectLst>
+            <a:scene3d>
+              <a:camera prst="orthographicFront">
+                <a:rot lat="0" lon="0" rev="0"/>
+              </a:camera>
+              <a:lightRig rig="contrasting" dir="t">
+                <a:rot lat="0" lon="0" rev="1500000"/>
+              </a:lightRig>
+            </a:scene3d>
+            <a:sp3d prstMaterial="metal">
+              <a:bevelT w="88900" h="88900"/>
+            </a:sp3d>
+          </p:spPr>
+          <p:txBody>
+            <a:bodyPr wrap="square" lIns="91440" tIns="45720" rIns="91440" bIns="45720">
+              <a:spAutoFit/>
+            </a:bodyPr>
+            <a:lstStyle/>
+            <a:p>
+              <a:pPr algn="ctr"/>
+              <a:r>
+                <a:rPr lang="zh-CN" altLang="en-US" sz="2400" b="0" cap="none" spc="0">
+                  <a:ln w="0"/>
+                  <a:solidFill>
+                    <a:schemeClr val="accent1"/>
+                  </a:solidFill>
+                  <a:effectLst>
+                    <a:outerShdw blurRad="38100" dist="25400" dir="5400000" algn="ctr" rotWithShape="0">
+                      <a:srgbClr val="6E747A">
+                        <a:alpha val="43000"/>
+                      </a:srgbClr>
+                    </a:outerShdw>
+                  </a:effectLst>
+                </a:rPr>
+                <a:t>本套教程为免费教程， 如若发现有盗用售卖者请联系作者</a:t>
+              </a:r>
+              <a:r>
+                <a:rPr lang="en-US" altLang="zh-CN" sz="2400" b="0" cap="none" spc="0">
+                  <a:ln w="0"/>
+                  <a:solidFill>
+                    <a:schemeClr val="accent1"/>
+                  </a:solidFill>
+                  <a:effectLst>
+                    <a:outerShdw blurRad="38100" dist="25400" dir="5400000" algn="ctr" rotWithShape="0">
+                      <a:srgbClr val="6E747A">
+                        <a:alpha val="43000"/>
+                      </a:srgbClr>
+                    </a:outerShdw>
+                  </a:effectLst>
+                </a:rPr>
+                <a:t>QQ 625781186</a:t>
+              </a:r>
+              <a:endParaRPr lang="zh-CN" altLang="en-US" sz="2400" b="0" cap="none" spc="0">
+                <a:ln w="0"/>
+                <a:solidFill>
+                  <a:schemeClr val="accent1"/>
+                </a:solidFill>
+                <a:effectLst>
+                  <a:outerShdw blurRad="38100" dist="25400" dir="5400000" algn="ctr" rotWithShape="0">
+                    <a:srgbClr val="6E747A">
+                      <a:alpha val="43000"/>
+                    </a:srgbClr>
+                  </a:outerShdw>
+                </a:effectLst>
+              </a:endParaRPr>
+            </a:p>
+          </p:txBody>
+        </p:sp>
+        <p:sp>
+          <p:nvSpPr>
+            <p:cNvPr id="13" name="矩形 12">
+              <a:extLst>
+                <a:ext uri="{FF2B5EF4-FFF2-40B4-BE49-F238E27FC236}">
+                  <a16:creationId xmlns:a16="http://schemas.microsoft.com/office/drawing/2014/main" id="{82F1E662-8680-4B02-847C-D13A1ECB3A39}"/>
+                </a:ext>
+              </a:extLst>
+            </p:cNvPr>
+            <p:cNvSpPr/>
+            <p:nvPr/>
+          </p:nvSpPr>
+          <p:spPr>
+            <a:xfrm>
+              <a:off x="5684089" y="6169820"/>
+              <a:ext cx="795684" cy="707886"/>
+            </a:xfrm>
+            <a:prstGeom prst="rect">
+              <a:avLst/>
+            </a:prstGeom>
+            <a:noFill/>
+            <a:ln>
+              <a:noFill/>
+            </a:ln>
+            <a:effectLst>
+              <a:glow rad="228600">
+                <a:schemeClr val="accent6">
+                  <a:satMod val="175000"/>
+                  <a:alpha val="40000"/>
+                </a:schemeClr>
+              </a:glow>
+              <a:outerShdw blurRad="50800" dist="38100" dir="5400000" algn="t" rotWithShape="0">
+                <a:prstClr val="black">
+                  <a:alpha val="40000"/>
+                </a:prstClr>
+              </a:outerShdw>
+            </a:effectLst>
+            <a:scene3d>
+              <a:camera prst="orthographicFront">
+                <a:rot lat="0" lon="0" rev="0"/>
+              </a:camera>
+              <a:lightRig rig="contrasting" dir="t">
+                <a:rot lat="0" lon="0" rev="1500000"/>
+              </a:lightRig>
+            </a:scene3d>
+            <a:sp3d prstMaterial="metal">
+              <a:bevelT w="88900" h="88900"/>
+            </a:sp3d>
+          </p:spPr>
+          <p:txBody>
+            <a:bodyPr wrap="square" lIns="91440" tIns="45720" rIns="91440" bIns="45720">
+              <a:spAutoFit/>
+            </a:bodyPr>
+            <a:lstStyle/>
+            <a:p>
+              <a:pPr algn="ctr"/>
+              <a:r>
+                <a:rPr lang="zh-CN" altLang="en-US" sz="2000" b="0" cap="none" spc="0">
+                  <a:ln w="0"/>
+                  <a:solidFill>
+                    <a:schemeClr val="accent1"/>
+                  </a:solidFill>
+                  <a:effectLst>
+                    <a:outerShdw blurRad="38100" dist="25400" dir="5400000" algn="ctr" rotWithShape="0">
+                      <a:srgbClr val="6E747A">
+                        <a:alpha val="43000"/>
+                      </a:srgbClr>
+                    </a:outerShdw>
+                  </a:effectLst>
+                  <a:latin typeface="华文彩云" panose="02010800040101010101" pitchFamily="2" charset="-122"/>
+                  <a:ea typeface="华文彩云" panose="02010800040101010101" pitchFamily="2" charset="-122"/>
+                </a:rPr>
+                <a:t>关注</a:t>
+              </a:r>
+              <a:endParaRPr lang="en-US" altLang="zh-CN" sz="2000" b="0" cap="none" spc="0">
+                <a:ln w="0"/>
+                <a:solidFill>
+                  <a:schemeClr val="accent1"/>
+                </a:solidFill>
+                <a:effectLst>
+                  <a:outerShdw blurRad="38100" dist="25400" dir="5400000" algn="ctr" rotWithShape="0">
+                    <a:srgbClr val="6E747A">
+                      <a:alpha val="43000"/>
+                    </a:srgbClr>
+                  </a:outerShdw>
+                </a:effectLst>
+                <a:latin typeface="华文彩云" panose="02010800040101010101" pitchFamily="2" charset="-122"/>
+                <a:ea typeface="华文彩云" panose="02010800040101010101" pitchFamily="2" charset="-122"/>
+              </a:endParaRPr>
+            </a:p>
+            <a:p>
+              <a:pPr algn="ctr"/>
+              <a:r>
+                <a:rPr lang="zh-CN" altLang="en-US" sz="2000" b="0" cap="none" spc="0">
+                  <a:ln w="0"/>
+                  <a:solidFill>
+                    <a:schemeClr val="accent1"/>
+                  </a:solidFill>
+                  <a:effectLst>
+                    <a:outerShdw blurRad="38100" dist="25400" dir="5400000" algn="ctr" rotWithShape="0">
+                      <a:srgbClr val="6E747A">
+                        <a:alpha val="43000"/>
+                      </a:srgbClr>
+                    </a:outerShdw>
+                  </a:effectLst>
+                  <a:latin typeface="华文彩云" panose="02010800040101010101" pitchFamily="2" charset="-122"/>
+                  <a:ea typeface="华文彩云" panose="02010800040101010101" pitchFamily="2" charset="-122"/>
+                </a:rPr>
+                <a:t>打赏</a:t>
+              </a:r>
+            </a:p>
+          </p:txBody>
+        </p:sp>
+        <p:sp>
+          <p:nvSpPr>
+            <p:cNvPr id="16" name="矩形 15">
+              <a:extLst>
+                <a:ext uri="{FF2B5EF4-FFF2-40B4-BE49-F238E27FC236}">
+                  <a16:creationId xmlns:a16="http://schemas.microsoft.com/office/drawing/2014/main" id="{DA347D44-9F95-4AC8-A111-86769748E3D7}"/>
+                </a:ext>
+              </a:extLst>
+            </p:cNvPr>
+            <p:cNvSpPr/>
+            <p:nvPr/>
+          </p:nvSpPr>
+          <p:spPr>
+            <a:xfrm>
+              <a:off x="8205848" y="6309589"/>
+              <a:ext cx="3484403" cy="584775"/>
+            </a:xfrm>
+            <a:prstGeom prst="rect">
+              <a:avLst/>
+            </a:prstGeom>
+            <a:noFill/>
+            <a:ln>
+              <a:noFill/>
+            </a:ln>
+            <a:effectLst>
+              <a:glow rad="228600">
+                <a:schemeClr val="accent6">
+                  <a:satMod val="175000"/>
+                  <a:alpha val="40000"/>
+                </a:schemeClr>
+              </a:glow>
+              <a:outerShdw blurRad="50800" dist="38100" dir="5400000" algn="t" rotWithShape="0">
+                <a:prstClr val="black">
+                  <a:alpha val="40000"/>
+                </a:prstClr>
+              </a:outerShdw>
+            </a:effectLst>
+            <a:scene3d>
+              <a:camera prst="orthographicFront">
+                <a:rot lat="0" lon="0" rev="0"/>
+              </a:camera>
+              <a:lightRig rig="contrasting" dir="t">
+                <a:rot lat="0" lon="0" rev="1500000"/>
+              </a:lightRig>
+            </a:scene3d>
+            <a:sp3d prstMaterial="metal">
+              <a:bevelT w="88900" h="88900"/>
+            </a:sp3d>
+          </p:spPr>
+          <p:txBody>
+            <a:bodyPr wrap="square" lIns="91440" tIns="45720" rIns="91440" bIns="45720">
+              <a:spAutoFit/>
+            </a:bodyPr>
+            <a:lstStyle/>
+            <a:p>
+              <a:pPr algn="l"/>
+              <a:r>
+                <a:rPr lang="en-US" altLang="zh-CN" sz="1600" b="0" cap="none" spc="0">
+                  <a:ln w="0"/>
+                  <a:solidFill>
+                    <a:schemeClr val="accent1"/>
+                  </a:solidFill>
+                  <a:effectLst>
+                    <a:outerShdw blurRad="38100" dist="25400" dir="5400000" algn="ctr" rotWithShape="0">
+                      <a:srgbClr val="6E747A">
+                        <a:alpha val="43000"/>
+                      </a:srgbClr>
+                    </a:outerShdw>
+                  </a:effectLst>
+                </a:rPr>
+                <a:t>1. Github.com/625781186</a:t>
+              </a:r>
+            </a:p>
+            <a:p>
+              <a:pPr algn="l"/>
+              <a:r>
+                <a:rPr lang="en-US" altLang="zh-CN" sz="1600" b="0" cap="none" spc="0">
+                  <a:ln w="0"/>
+                  <a:solidFill>
+                    <a:schemeClr val="accent1"/>
+                  </a:solidFill>
+                  <a:effectLst>
+                    <a:outerShdw blurRad="38100" dist="25400" dir="5400000" algn="ctr" rotWithShape="0">
+                      <a:srgbClr val="6E747A">
+                        <a:alpha val="43000"/>
+                      </a:srgbClr>
+                    </a:outerShdw>
+                  </a:effectLst>
+                </a:rPr>
+                <a:t>2. </a:t>
+              </a:r>
+              <a:r>
+                <a:rPr lang="zh-CN" altLang="en-US" sz="1600" b="0" cap="none" spc="0">
+                  <a:ln w="0"/>
+                  <a:solidFill>
+                    <a:schemeClr val="accent1"/>
+                  </a:solidFill>
+                  <a:effectLst>
+                    <a:outerShdw blurRad="38100" dist="25400" dir="5400000" algn="ctr" rotWithShape="0">
+                      <a:srgbClr val="6E747A">
+                        <a:alpha val="43000"/>
+                      </a:srgbClr>
+                    </a:outerShdw>
+                  </a:effectLst>
+                </a:rPr>
+                <a:t>简书 </a:t>
+              </a:r>
+              <a:r>
+                <a:rPr lang="en-US" altLang="zh-CN" sz="1600" b="0" cap="none" spc="0">
+                  <a:ln w="0"/>
+                  <a:solidFill>
+                    <a:schemeClr val="accent1"/>
+                  </a:solidFill>
+                  <a:effectLst>
+                    <a:outerShdw blurRad="38100" dist="25400" dir="5400000" algn="ctr" rotWithShape="0">
+                      <a:srgbClr val="6E747A">
+                        <a:alpha val="43000"/>
+                      </a:srgbClr>
+                    </a:outerShdw>
+                  </a:effectLst>
+                </a:rPr>
+                <a:t>/ </a:t>
+              </a:r>
+              <a:r>
+                <a:rPr lang="zh-CN" altLang="en-US" sz="1600" b="0" cap="none" spc="0">
+                  <a:ln w="0"/>
+                  <a:solidFill>
+                    <a:schemeClr val="accent1"/>
+                  </a:solidFill>
+                  <a:effectLst>
+                    <a:outerShdw blurRad="38100" dist="25400" dir="5400000" algn="ctr" rotWithShape="0">
+                      <a:srgbClr val="6E747A">
+                        <a:alpha val="43000"/>
+                      </a:srgbClr>
+                    </a:outerShdw>
+                  </a:effectLst>
+                </a:rPr>
+                <a:t>微信公众号 </a:t>
+              </a:r>
+              <a:r>
+                <a:rPr lang="en-US" altLang="zh-CN" sz="1600" b="0" kern="1200" cap="none" spc="0">
+                  <a:ln w="0"/>
+                  <a:solidFill>
+                    <a:schemeClr val="accent1"/>
+                  </a:solidFill>
+                  <a:effectLst>
+                    <a:outerShdw blurRad="38100" dist="25400" dir="5400000" algn="ctr" rotWithShape="0">
+                      <a:srgbClr val="6E747A">
+                        <a:alpha val="43000"/>
+                      </a:srgbClr>
+                    </a:outerShdw>
+                  </a:effectLst>
+                  <a:latin typeface="+mn-lt"/>
+                  <a:ea typeface="+mn-ea"/>
+                  <a:cs typeface="+mn-cs"/>
+                </a:rPr>
+                <a:t>WoHowLearn</a:t>
+              </a:r>
+              <a:endParaRPr lang="zh-CN" altLang="en-US" sz="1600" b="0" kern="1200" cap="none" spc="0">
+                <a:ln w="0"/>
+                <a:solidFill>
+                  <a:schemeClr val="accent1"/>
+                </a:solidFill>
+                <a:effectLst>
+                  <a:outerShdw blurRad="38100" dist="25400" dir="5400000" algn="ctr" rotWithShape="0">
+                    <a:srgbClr val="6E747A">
+                      <a:alpha val="43000"/>
+                    </a:srgbClr>
+                  </a:outerShdw>
+                </a:effectLst>
+                <a:latin typeface="+mn-lt"/>
+                <a:ea typeface="+mn-ea"/>
+                <a:cs typeface="+mn-cs"/>
+              </a:endParaRPr>
+            </a:p>
+          </p:txBody>
+        </p:sp>
+      </p:grpSp>
     </p:spTree>
     <p:extLst>
       <p:ext uri="{BB962C8B-B14F-4D97-AF65-F5344CB8AC3E}">
-        <p14:creationId xmlns:p14="http://schemas.microsoft.com/office/powerpoint/2010/main" val="3247111739"/>
+        <p14:creationId xmlns:p14="http://schemas.microsoft.com/office/powerpoint/2010/main" val="2321250735"/>
       </p:ext>
     </p:extLst>
   </p:cSld>
@@ -3728,7 +6220,7 @@
           <a:p>
             <a:fld id="{9D97BCC2-608E-4C9E-977D-348F170A3704}" type="datetime1">
               <a:rPr lang="zh-CN" altLang="en-US" smtClean="0"/>
-              <a:t>2018/2/23</a:t>
+              <a:t>2018/3/20</a:t>
             </a:fld>
             <a:endParaRPr lang="zh-CN" altLang="en-US"/>
           </a:p>
@@ -3837,10 +6329,425 @@
           </a:prstGeom>
         </p:spPr>
       </p:pic>
+      <p:grpSp>
+        <p:nvGrpSpPr>
+          <p:cNvPr id="9" name="组合 8">
+            <a:extLst>
+              <a:ext uri="{FF2B5EF4-FFF2-40B4-BE49-F238E27FC236}">
+                <a16:creationId xmlns:a16="http://schemas.microsoft.com/office/drawing/2014/main" id="{D1F0FB52-16B3-4D42-AB85-AFEE240F526E}"/>
+              </a:ext>
+            </a:extLst>
+          </p:cNvPr>
+          <p:cNvGrpSpPr/>
+          <p:nvPr/>
+        </p:nvGrpSpPr>
+        <p:grpSpPr>
+          <a:xfrm>
+            <a:off x="940819" y="13063"/>
+            <a:ext cx="10749432" cy="6881301"/>
+            <a:chOff x="940819" y="13063"/>
+            <a:chExt cx="10749432" cy="6881301"/>
+          </a:xfrm>
+        </p:grpSpPr>
+        <p:sp>
+          <p:nvSpPr>
+            <p:cNvPr id="10" name="矩形 9">
+              <a:extLst>
+                <a:ext uri="{FF2B5EF4-FFF2-40B4-BE49-F238E27FC236}">
+                  <a16:creationId xmlns:a16="http://schemas.microsoft.com/office/drawing/2014/main" id="{C947E5D4-171E-4D21-ABBC-DA2AF2EA3E6E}"/>
+                </a:ext>
+              </a:extLst>
+            </p:cNvPr>
+            <p:cNvSpPr/>
+            <p:nvPr/>
+          </p:nvSpPr>
+          <p:spPr>
+            <a:xfrm>
+              <a:off x="940819" y="13063"/>
+              <a:ext cx="10151594" cy="461665"/>
+            </a:xfrm>
+            <a:prstGeom prst="rect">
+              <a:avLst/>
+            </a:prstGeom>
+            <a:noFill/>
+            <a:ln>
+              <a:noFill/>
+            </a:ln>
+            <a:effectLst>
+              <a:glow rad="228600">
+                <a:schemeClr val="accent6">
+                  <a:satMod val="175000"/>
+                  <a:alpha val="40000"/>
+                </a:schemeClr>
+              </a:glow>
+              <a:outerShdw blurRad="50800" dist="38100" dir="5400000" algn="t" rotWithShape="0">
+                <a:prstClr val="black">
+                  <a:alpha val="40000"/>
+                </a:prstClr>
+              </a:outerShdw>
+            </a:effectLst>
+            <a:scene3d>
+              <a:camera prst="orthographicFront">
+                <a:rot lat="0" lon="0" rev="0"/>
+              </a:camera>
+              <a:lightRig rig="contrasting" dir="t">
+                <a:rot lat="0" lon="0" rev="1500000"/>
+              </a:lightRig>
+            </a:scene3d>
+            <a:sp3d prstMaterial="metal">
+              <a:bevelT w="88900" h="88900"/>
+            </a:sp3d>
+          </p:spPr>
+          <p:txBody>
+            <a:bodyPr wrap="square" lIns="91440" tIns="45720" rIns="91440" bIns="45720">
+              <a:spAutoFit/>
+            </a:bodyPr>
+            <a:lstStyle/>
+            <a:p>
+              <a:pPr algn="ctr"/>
+              <a:r>
+                <a:rPr lang="zh-CN" altLang="en-US" sz="2400" b="0" cap="none" spc="0">
+                  <a:ln w="0"/>
+                  <a:solidFill>
+                    <a:schemeClr val="accent1"/>
+                  </a:solidFill>
+                  <a:effectLst>
+                    <a:outerShdw blurRad="38100" dist="25400" dir="5400000" algn="ctr" rotWithShape="0">
+                      <a:srgbClr val="6E747A">
+                        <a:alpha val="43000"/>
+                      </a:srgbClr>
+                    </a:outerShdw>
+                  </a:effectLst>
+                </a:rPr>
+                <a:t>本套教程为免费教程， 如若发现有盗用售卖者请联系作者</a:t>
+              </a:r>
+              <a:r>
+                <a:rPr lang="en-US" altLang="zh-CN" sz="2400" b="0" cap="none" spc="0">
+                  <a:ln w="0"/>
+                  <a:solidFill>
+                    <a:schemeClr val="accent1"/>
+                  </a:solidFill>
+                  <a:effectLst>
+                    <a:outerShdw blurRad="38100" dist="25400" dir="5400000" algn="ctr" rotWithShape="0">
+                      <a:srgbClr val="6E747A">
+                        <a:alpha val="43000"/>
+                      </a:srgbClr>
+                    </a:outerShdw>
+                  </a:effectLst>
+                </a:rPr>
+                <a:t>QQ 625781186</a:t>
+              </a:r>
+              <a:endParaRPr lang="zh-CN" altLang="en-US" sz="2400" b="0" cap="none" spc="0">
+                <a:ln w="0"/>
+                <a:solidFill>
+                  <a:schemeClr val="accent1"/>
+                </a:solidFill>
+                <a:effectLst>
+                  <a:outerShdw blurRad="38100" dist="25400" dir="5400000" algn="ctr" rotWithShape="0">
+                    <a:srgbClr val="6E747A">
+                      <a:alpha val="43000"/>
+                    </a:srgbClr>
+                  </a:outerShdw>
+                </a:effectLst>
+              </a:endParaRPr>
+            </a:p>
+          </p:txBody>
+        </p:sp>
+        <p:sp>
+          <p:nvSpPr>
+            <p:cNvPr id="11" name="矩形 10">
+              <a:extLst>
+                <a:ext uri="{FF2B5EF4-FFF2-40B4-BE49-F238E27FC236}">
+                  <a16:creationId xmlns:a16="http://schemas.microsoft.com/office/drawing/2014/main" id="{F115CBEF-5022-4AAE-BFA9-1D3EAEDE2958}"/>
+                </a:ext>
+              </a:extLst>
+            </p:cNvPr>
+            <p:cNvSpPr/>
+            <p:nvPr/>
+          </p:nvSpPr>
+          <p:spPr>
+            <a:xfrm>
+              <a:off x="5684089" y="6169820"/>
+              <a:ext cx="795684" cy="707886"/>
+            </a:xfrm>
+            <a:prstGeom prst="rect">
+              <a:avLst/>
+            </a:prstGeom>
+            <a:noFill/>
+            <a:ln>
+              <a:noFill/>
+            </a:ln>
+            <a:effectLst>
+              <a:glow rad="228600">
+                <a:schemeClr val="accent6">
+                  <a:satMod val="175000"/>
+                  <a:alpha val="40000"/>
+                </a:schemeClr>
+              </a:glow>
+              <a:outerShdw blurRad="50800" dist="38100" dir="5400000" algn="t" rotWithShape="0">
+                <a:prstClr val="black">
+                  <a:alpha val="40000"/>
+                </a:prstClr>
+              </a:outerShdw>
+            </a:effectLst>
+            <a:scene3d>
+              <a:camera prst="orthographicFront">
+                <a:rot lat="0" lon="0" rev="0"/>
+              </a:camera>
+              <a:lightRig rig="contrasting" dir="t">
+                <a:rot lat="0" lon="0" rev="1500000"/>
+              </a:lightRig>
+            </a:scene3d>
+            <a:sp3d prstMaterial="metal">
+              <a:bevelT w="88900" h="88900"/>
+            </a:sp3d>
+          </p:spPr>
+          <p:txBody>
+            <a:bodyPr wrap="square" lIns="91440" tIns="45720" rIns="91440" bIns="45720">
+              <a:spAutoFit/>
+            </a:bodyPr>
+            <a:lstStyle/>
+            <a:p>
+              <a:pPr algn="ctr"/>
+              <a:r>
+                <a:rPr lang="zh-CN" altLang="en-US" sz="2000" b="0" cap="none" spc="0">
+                  <a:ln w="0"/>
+                  <a:solidFill>
+                    <a:schemeClr val="accent1"/>
+                  </a:solidFill>
+                  <a:effectLst>
+                    <a:outerShdw blurRad="38100" dist="25400" dir="5400000" algn="ctr" rotWithShape="0">
+                      <a:srgbClr val="6E747A">
+                        <a:alpha val="43000"/>
+                      </a:srgbClr>
+                    </a:outerShdw>
+                  </a:effectLst>
+                  <a:latin typeface="华文彩云" panose="02010800040101010101" pitchFamily="2" charset="-122"/>
+                  <a:ea typeface="华文彩云" panose="02010800040101010101" pitchFamily="2" charset="-122"/>
+                </a:rPr>
+                <a:t>关注</a:t>
+              </a:r>
+              <a:endParaRPr lang="en-US" altLang="zh-CN" sz="2000" b="0" cap="none" spc="0">
+                <a:ln w="0"/>
+                <a:solidFill>
+                  <a:schemeClr val="accent1"/>
+                </a:solidFill>
+                <a:effectLst>
+                  <a:outerShdw blurRad="38100" dist="25400" dir="5400000" algn="ctr" rotWithShape="0">
+                    <a:srgbClr val="6E747A">
+                      <a:alpha val="43000"/>
+                    </a:srgbClr>
+                  </a:outerShdw>
+                </a:effectLst>
+                <a:latin typeface="华文彩云" panose="02010800040101010101" pitchFamily="2" charset="-122"/>
+                <a:ea typeface="华文彩云" panose="02010800040101010101" pitchFamily="2" charset="-122"/>
+              </a:endParaRPr>
+            </a:p>
+            <a:p>
+              <a:pPr algn="ctr"/>
+              <a:r>
+                <a:rPr lang="zh-CN" altLang="en-US" sz="2000" b="0" cap="none" spc="0">
+                  <a:ln w="0"/>
+                  <a:solidFill>
+                    <a:schemeClr val="accent1"/>
+                  </a:solidFill>
+                  <a:effectLst>
+                    <a:outerShdw blurRad="38100" dist="25400" dir="5400000" algn="ctr" rotWithShape="0">
+                      <a:srgbClr val="6E747A">
+                        <a:alpha val="43000"/>
+                      </a:srgbClr>
+                    </a:outerShdw>
+                  </a:effectLst>
+                  <a:latin typeface="华文彩云" panose="02010800040101010101" pitchFamily="2" charset="-122"/>
+                  <a:ea typeface="华文彩云" panose="02010800040101010101" pitchFamily="2" charset="-122"/>
+                </a:rPr>
+                <a:t>打赏</a:t>
+              </a:r>
+            </a:p>
+          </p:txBody>
+        </p:sp>
+        <p:sp>
+          <p:nvSpPr>
+            <p:cNvPr id="12" name="矩形 11">
+              <a:extLst>
+                <a:ext uri="{FF2B5EF4-FFF2-40B4-BE49-F238E27FC236}">
+                  <a16:creationId xmlns:a16="http://schemas.microsoft.com/office/drawing/2014/main" id="{9E98F5C8-76A0-4D95-B6A5-2FC51921B105}"/>
+                </a:ext>
+              </a:extLst>
+            </p:cNvPr>
+            <p:cNvSpPr/>
+            <p:nvPr/>
+          </p:nvSpPr>
+          <p:spPr>
+            <a:xfrm>
+              <a:off x="8205848" y="6309589"/>
+              <a:ext cx="3484403" cy="584775"/>
+            </a:xfrm>
+            <a:prstGeom prst="rect">
+              <a:avLst/>
+            </a:prstGeom>
+            <a:noFill/>
+            <a:ln>
+              <a:noFill/>
+            </a:ln>
+            <a:effectLst>
+              <a:glow rad="228600">
+                <a:schemeClr val="accent6">
+                  <a:satMod val="175000"/>
+                  <a:alpha val="40000"/>
+                </a:schemeClr>
+              </a:glow>
+              <a:outerShdw blurRad="50800" dist="38100" dir="5400000" algn="t" rotWithShape="0">
+                <a:prstClr val="black">
+                  <a:alpha val="40000"/>
+                </a:prstClr>
+              </a:outerShdw>
+            </a:effectLst>
+            <a:scene3d>
+              <a:camera prst="orthographicFront">
+                <a:rot lat="0" lon="0" rev="0"/>
+              </a:camera>
+              <a:lightRig rig="contrasting" dir="t">
+                <a:rot lat="0" lon="0" rev="1500000"/>
+              </a:lightRig>
+            </a:scene3d>
+            <a:sp3d prstMaterial="metal">
+              <a:bevelT w="88900" h="88900"/>
+            </a:sp3d>
+          </p:spPr>
+          <p:txBody>
+            <a:bodyPr wrap="square" lIns="91440" tIns="45720" rIns="91440" bIns="45720">
+              <a:spAutoFit/>
+            </a:bodyPr>
+            <a:lstStyle/>
+            <a:p>
+              <a:pPr algn="l"/>
+              <a:r>
+                <a:rPr lang="en-US" altLang="zh-CN" sz="1600" b="0" cap="none" spc="0">
+                  <a:ln w="0"/>
+                  <a:solidFill>
+                    <a:schemeClr val="accent1"/>
+                  </a:solidFill>
+                  <a:effectLst>
+                    <a:outerShdw blurRad="38100" dist="25400" dir="5400000" algn="ctr" rotWithShape="0">
+                      <a:srgbClr val="6E747A">
+                        <a:alpha val="43000"/>
+                      </a:srgbClr>
+                    </a:outerShdw>
+                  </a:effectLst>
+                </a:rPr>
+                <a:t>1. Github.com/625781186</a:t>
+              </a:r>
+            </a:p>
+            <a:p>
+              <a:pPr algn="l"/>
+              <a:r>
+                <a:rPr lang="en-US" altLang="zh-CN" sz="1600" b="0" cap="none" spc="0">
+                  <a:ln w="0"/>
+                  <a:solidFill>
+                    <a:schemeClr val="accent1"/>
+                  </a:solidFill>
+                  <a:effectLst>
+                    <a:outerShdw blurRad="38100" dist="25400" dir="5400000" algn="ctr" rotWithShape="0">
+                      <a:srgbClr val="6E747A">
+                        <a:alpha val="43000"/>
+                      </a:srgbClr>
+                    </a:outerShdw>
+                  </a:effectLst>
+                </a:rPr>
+                <a:t>2. </a:t>
+              </a:r>
+              <a:r>
+                <a:rPr lang="zh-CN" altLang="en-US" sz="1600" b="0" cap="none" spc="0">
+                  <a:ln w="0"/>
+                  <a:solidFill>
+                    <a:schemeClr val="accent1"/>
+                  </a:solidFill>
+                  <a:effectLst>
+                    <a:outerShdw blurRad="38100" dist="25400" dir="5400000" algn="ctr" rotWithShape="0">
+                      <a:srgbClr val="6E747A">
+                        <a:alpha val="43000"/>
+                      </a:srgbClr>
+                    </a:outerShdw>
+                  </a:effectLst>
+                </a:rPr>
+                <a:t>简书 </a:t>
+              </a:r>
+              <a:r>
+                <a:rPr lang="en-US" altLang="zh-CN" sz="1600" b="0" cap="none" spc="0">
+                  <a:ln w="0"/>
+                  <a:solidFill>
+                    <a:schemeClr val="accent1"/>
+                  </a:solidFill>
+                  <a:effectLst>
+                    <a:outerShdw blurRad="38100" dist="25400" dir="5400000" algn="ctr" rotWithShape="0">
+                      <a:srgbClr val="6E747A">
+                        <a:alpha val="43000"/>
+                      </a:srgbClr>
+                    </a:outerShdw>
+                  </a:effectLst>
+                </a:rPr>
+                <a:t>/ </a:t>
+              </a:r>
+              <a:r>
+                <a:rPr lang="zh-CN" altLang="en-US" sz="1600" b="0" cap="none" spc="0">
+                  <a:ln w="0"/>
+                  <a:solidFill>
+                    <a:schemeClr val="accent1"/>
+                  </a:solidFill>
+                  <a:effectLst>
+                    <a:outerShdw blurRad="38100" dist="25400" dir="5400000" algn="ctr" rotWithShape="0">
+                      <a:srgbClr val="6E747A">
+                        <a:alpha val="43000"/>
+                      </a:srgbClr>
+                    </a:outerShdw>
+                  </a:effectLst>
+                </a:rPr>
+                <a:t>微信公众号 </a:t>
+              </a:r>
+              <a:r>
+                <a:rPr lang="en-US" altLang="zh-CN" sz="1600" b="0" kern="1200" cap="none" spc="0">
+                  <a:ln w="0"/>
+                  <a:solidFill>
+                    <a:schemeClr val="accent1"/>
+                  </a:solidFill>
+                  <a:effectLst>
+                    <a:outerShdw blurRad="38100" dist="25400" dir="5400000" algn="ctr" rotWithShape="0">
+                      <a:srgbClr val="6E747A">
+                        <a:alpha val="43000"/>
+                      </a:srgbClr>
+                    </a:outerShdw>
+                  </a:effectLst>
+                  <a:latin typeface="+mn-lt"/>
+                  <a:ea typeface="+mn-ea"/>
+                  <a:cs typeface="+mn-cs"/>
+                </a:rPr>
+                <a:t>WoHowLearn</a:t>
+              </a:r>
+              <a:endParaRPr lang="zh-CN" altLang="en-US" sz="1600" b="0" kern="1200" cap="none" spc="0">
+                <a:ln w="0"/>
+                <a:solidFill>
+                  <a:schemeClr val="accent1"/>
+                </a:solidFill>
+                <a:effectLst>
+                  <a:outerShdw blurRad="38100" dist="25400" dir="5400000" algn="ctr" rotWithShape="0">
+                    <a:srgbClr val="6E747A">
+                      <a:alpha val="43000"/>
+                    </a:srgbClr>
+                  </a:outerShdw>
+                </a:effectLst>
+                <a:latin typeface="+mn-lt"/>
+                <a:ea typeface="+mn-ea"/>
+                <a:cs typeface="+mn-cs"/>
+              </a:endParaRPr>
+            </a:p>
+          </p:txBody>
+        </p:sp>
+      </p:grpSp>
     </p:spTree>
     <p:extLst>
       <p:ext uri="{BB962C8B-B14F-4D97-AF65-F5344CB8AC3E}">
-        <p14:creationId xmlns:p14="http://schemas.microsoft.com/office/powerpoint/2010/main" val="2360076858"/>
+        <p14:creationId xmlns:p14="http://schemas.microsoft.com/office/powerpoint/2010/main" val="1404896145"/>
       </p:ext>
     </p:extLst>
   </p:cSld>
@@ -3969,7 +6876,7 @@
           <a:p>
             <a:fld id="{D5AE125C-BC71-4063-9025-1605241F9816}" type="datetime1">
               <a:rPr lang="zh-CN" altLang="en-US" smtClean="0"/>
-              <a:t>2018/2/23</a:t>
+              <a:t>2018/3/20</a:t>
             </a:fld>
             <a:endParaRPr lang="zh-CN" altLang="en-US"/>
           </a:p>
@@ -4108,10 +7015,425 @@
           </a:prstGeom>
         </p:spPr>
       </p:pic>
+      <p:grpSp>
+        <p:nvGrpSpPr>
+          <p:cNvPr id="10" name="组合 9">
+            <a:extLst>
+              <a:ext uri="{FF2B5EF4-FFF2-40B4-BE49-F238E27FC236}">
+                <a16:creationId xmlns:a16="http://schemas.microsoft.com/office/drawing/2014/main" id="{6A1FF6C0-EDD8-4D10-B70F-9274D0345385}"/>
+              </a:ext>
+            </a:extLst>
+          </p:cNvPr>
+          <p:cNvGrpSpPr/>
+          <p:nvPr/>
+        </p:nvGrpSpPr>
+        <p:grpSpPr>
+          <a:xfrm>
+            <a:off x="940819" y="13063"/>
+            <a:ext cx="10749432" cy="6881301"/>
+            <a:chOff x="940819" y="13063"/>
+            <a:chExt cx="10749432" cy="6881301"/>
+          </a:xfrm>
+        </p:grpSpPr>
+        <p:sp>
+          <p:nvSpPr>
+            <p:cNvPr id="11" name="矩形 10">
+              <a:extLst>
+                <a:ext uri="{FF2B5EF4-FFF2-40B4-BE49-F238E27FC236}">
+                  <a16:creationId xmlns:a16="http://schemas.microsoft.com/office/drawing/2014/main" id="{641C20F2-2F60-4AC2-A154-73124E283CC7}"/>
+                </a:ext>
+              </a:extLst>
+            </p:cNvPr>
+            <p:cNvSpPr/>
+            <p:nvPr/>
+          </p:nvSpPr>
+          <p:spPr>
+            <a:xfrm>
+              <a:off x="940819" y="13063"/>
+              <a:ext cx="10151594" cy="461665"/>
+            </a:xfrm>
+            <a:prstGeom prst="rect">
+              <a:avLst/>
+            </a:prstGeom>
+            <a:noFill/>
+            <a:ln>
+              <a:noFill/>
+            </a:ln>
+            <a:effectLst>
+              <a:glow rad="228600">
+                <a:schemeClr val="accent6">
+                  <a:satMod val="175000"/>
+                  <a:alpha val="40000"/>
+                </a:schemeClr>
+              </a:glow>
+              <a:outerShdw blurRad="50800" dist="38100" dir="5400000" algn="t" rotWithShape="0">
+                <a:prstClr val="black">
+                  <a:alpha val="40000"/>
+                </a:prstClr>
+              </a:outerShdw>
+            </a:effectLst>
+            <a:scene3d>
+              <a:camera prst="orthographicFront">
+                <a:rot lat="0" lon="0" rev="0"/>
+              </a:camera>
+              <a:lightRig rig="contrasting" dir="t">
+                <a:rot lat="0" lon="0" rev="1500000"/>
+              </a:lightRig>
+            </a:scene3d>
+            <a:sp3d prstMaterial="metal">
+              <a:bevelT w="88900" h="88900"/>
+            </a:sp3d>
+          </p:spPr>
+          <p:txBody>
+            <a:bodyPr wrap="square" lIns="91440" tIns="45720" rIns="91440" bIns="45720">
+              <a:spAutoFit/>
+            </a:bodyPr>
+            <a:lstStyle/>
+            <a:p>
+              <a:pPr algn="ctr"/>
+              <a:r>
+                <a:rPr lang="zh-CN" altLang="en-US" sz="2400" b="0" cap="none" spc="0">
+                  <a:ln w="0"/>
+                  <a:solidFill>
+                    <a:schemeClr val="accent1"/>
+                  </a:solidFill>
+                  <a:effectLst>
+                    <a:outerShdw blurRad="38100" dist="25400" dir="5400000" algn="ctr" rotWithShape="0">
+                      <a:srgbClr val="6E747A">
+                        <a:alpha val="43000"/>
+                      </a:srgbClr>
+                    </a:outerShdw>
+                  </a:effectLst>
+                </a:rPr>
+                <a:t>本套教程为免费教程， 如若发现有盗用售卖者请联系作者</a:t>
+              </a:r>
+              <a:r>
+                <a:rPr lang="en-US" altLang="zh-CN" sz="2400" b="0" cap="none" spc="0">
+                  <a:ln w="0"/>
+                  <a:solidFill>
+                    <a:schemeClr val="accent1"/>
+                  </a:solidFill>
+                  <a:effectLst>
+                    <a:outerShdw blurRad="38100" dist="25400" dir="5400000" algn="ctr" rotWithShape="0">
+                      <a:srgbClr val="6E747A">
+                        <a:alpha val="43000"/>
+                      </a:srgbClr>
+                    </a:outerShdw>
+                  </a:effectLst>
+                </a:rPr>
+                <a:t>QQ 625781186</a:t>
+              </a:r>
+              <a:endParaRPr lang="zh-CN" altLang="en-US" sz="2400" b="0" cap="none" spc="0">
+                <a:ln w="0"/>
+                <a:solidFill>
+                  <a:schemeClr val="accent1"/>
+                </a:solidFill>
+                <a:effectLst>
+                  <a:outerShdw blurRad="38100" dist="25400" dir="5400000" algn="ctr" rotWithShape="0">
+                    <a:srgbClr val="6E747A">
+                      <a:alpha val="43000"/>
+                    </a:srgbClr>
+                  </a:outerShdw>
+                </a:effectLst>
+              </a:endParaRPr>
+            </a:p>
+          </p:txBody>
+        </p:sp>
+        <p:sp>
+          <p:nvSpPr>
+            <p:cNvPr id="12" name="矩形 11">
+              <a:extLst>
+                <a:ext uri="{FF2B5EF4-FFF2-40B4-BE49-F238E27FC236}">
+                  <a16:creationId xmlns:a16="http://schemas.microsoft.com/office/drawing/2014/main" id="{15C7B6B4-1A74-40F6-8F74-02DEE54454AF}"/>
+                </a:ext>
+              </a:extLst>
+            </p:cNvPr>
+            <p:cNvSpPr/>
+            <p:nvPr/>
+          </p:nvSpPr>
+          <p:spPr>
+            <a:xfrm>
+              <a:off x="5684089" y="6169820"/>
+              <a:ext cx="795684" cy="707886"/>
+            </a:xfrm>
+            <a:prstGeom prst="rect">
+              <a:avLst/>
+            </a:prstGeom>
+            <a:noFill/>
+            <a:ln>
+              <a:noFill/>
+            </a:ln>
+            <a:effectLst>
+              <a:glow rad="228600">
+                <a:schemeClr val="accent6">
+                  <a:satMod val="175000"/>
+                  <a:alpha val="40000"/>
+                </a:schemeClr>
+              </a:glow>
+              <a:outerShdw blurRad="50800" dist="38100" dir="5400000" algn="t" rotWithShape="0">
+                <a:prstClr val="black">
+                  <a:alpha val="40000"/>
+                </a:prstClr>
+              </a:outerShdw>
+            </a:effectLst>
+            <a:scene3d>
+              <a:camera prst="orthographicFront">
+                <a:rot lat="0" lon="0" rev="0"/>
+              </a:camera>
+              <a:lightRig rig="contrasting" dir="t">
+                <a:rot lat="0" lon="0" rev="1500000"/>
+              </a:lightRig>
+            </a:scene3d>
+            <a:sp3d prstMaterial="metal">
+              <a:bevelT w="88900" h="88900"/>
+            </a:sp3d>
+          </p:spPr>
+          <p:txBody>
+            <a:bodyPr wrap="square" lIns="91440" tIns="45720" rIns="91440" bIns="45720">
+              <a:spAutoFit/>
+            </a:bodyPr>
+            <a:lstStyle/>
+            <a:p>
+              <a:pPr algn="ctr"/>
+              <a:r>
+                <a:rPr lang="zh-CN" altLang="en-US" sz="2000" b="0" cap="none" spc="0">
+                  <a:ln w="0"/>
+                  <a:solidFill>
+                    <a:schemeClr val="accent1"/>
+                  </a:solidFill>
+                  <a:effectLst>
+                    <a:outerShdw blurRad="38100" dist="25400" dir="5400000" algn="ctr" rotWithShape="0">
+                      <a:srgbClr val="6E747A">
+                        <a:alpha val="43000"/>
+                      </a:srgbClr>
+                    </a:outerShdw>
+                  </a:effectLst>
+                  <a:latin typeface="华文彩云" panose="02010800040101010101" pitchFamily="2" charset="-122"/>
+                  <a:ea typeface="华文彩云" panose="02010800040101010101" pitchFamily="2" charset="-122"/>
+                </a:rPr>
+                <a:t>关注</a:t>
+              </a:r>
+              <a:endParaRPr lang="en-US" altLang="zh-CN" sz="2000" b="0" cap="none" spc="0">
+                <a:ln w="0"/>
+                <a:solidFill>
+                  <a:schemeClr val="accent1"/>
+                </a:solidFill>
+                <a:effectLst>
+                  <a:outerShdw blurRad="38100" dist="25400" dir="5400000" algn="ctr" rotWithShape="0">
+                    <a:srgbClr val="6E747A">
+                      <a:alpha val="43000"/>
+                    </a:srgbClr>
+                  </a:outerShdw>
+                </a:effectLst>
+                <a:latin typeface="华文彩云" panose="02010800040101010101" pitchFamily="2" charset="-122"/>
+                <a:ea typeface="华文彩云" panose="02010800040101010101" pitchFamily="2" charset="-122"/>
+              </a:endParaRPr>
+            </a:p>
+            <a:p>
+              <a:pPr algn="ctr"/>
+              <a:r>
+                <a:rPr lang="zh-CN" altLang="en-US" sz="2000" b="0" cap="none" spc="0">
+                  <a:ln w="0"/>
+                  <a:solidFill>
+                    <a:schemeClr val="accent1"/>
+                  </a:solidFill>
+                  <a:effectLst>
+                    <a:outerShdw blurRad="38100" dist="25400" dir="5400000" algn="ctr" rotWithShape="0">
+                      <a:srgbClr val="6E747A">
+                        <a:alpha val="43000"/>
+                      </a:srgbClr>
+                    </a:outerShdw>
+                  </a:effectLst>
+                  <a:latin typeface="华文彩云" panose="02010800040101010101" pitchFamily="2" charset="-122"/>
+                  <a:ea typeface="华文彩云" panose="02010800040101010101" pitchFamily="2" charset="-122"/>
+                </a:rPr>
+                <a:t>打赏</a:t>
+              </a:r>
+            </a:p>
+          </p:txBody>
+        </p:sp>
+        <p:sp>
+          <p:nvSpPr>
+            <p:cNvPr id="13" name="矩形 12">
+              <a:extLst>
+                <a:ext uri="{FF2B5EF4-FFF2-40B4-BE49-F238E27FC236}">
+                  <a16:creationId xmlns:a16="http://schemas.microsoft.com/office/drawing/2014/main" id="{91583B4E-F0DD-4BCF-81D9-64A09073B018}"/>
+                </a:ext>
+              </a:extLst>
+            </p:cNvPr>
+            <p:cNvSpPr/>
+            <p:nvPr/>
+          </p:nvSpPr>
+          <p:spPr>
+            <a:xfrm>
+              <a:off x="8205848" y="6309589"/>
+              <a:ext cx="3484403" cy="584775"/>
+            </a:xfrm>
+            <a:prstGeom prst="rect">
+              <a:avLst/>
+            </a:prstGeom>
+            <a:noFill/>
+            <a:ln>
+              <a:noFill/>
+            </a:ln>
+            <a:effectLst>
+              <a:glow rad="228600">
+                <a:schemeClr val="accent6">
+                  <a:satMod val="175000"/>
+                  <a:alpha val="40000"/>
+                </a:schemeClr>
+              </a:glow>
+              <a:outerShdw blurRad="50800" dist="38100" dir="5400000" algn="t" rotWithShape="0">
+                <a:prstClr val="black">
+                  <a:alpha val="40000"/>
+                </a:prstClr>
+              </a:outerShdw>
+            </a:effectLst>
+            <a:scene3d>
+              <a:camera prst="orthographicFront">
+                <a:rot lat="0" lon="0" rev="0"/>
+              </a:camera>
+              <a:lightRig rig="contrasting" dir="t">
+                <a:rot lat="0" lon="0" rev="1500000"/>
+              </a:lightRig>
+            </a:scene3d>
+            <a:sp3d prstMaterial="metal">
+              <a:bevelT w="88900" h="88900"/>
+            </a:sp3d>
+          </p:spPr>
+          <p:txBody>
+            <a:bodyPr wrap="square" lIns="91440" tIns="45720" rIns="91440" bIns="45720">
+              <a:spAutoFit/>
+            </a:bodyPr>
+            <a:lstStyle/>
+            <a:p>
+              <a:pPr algn="l"/>
+              <a:r>
+                <a:rPr lang="en-US" altLang="zh-CN" sz="1600" b="0" cap="none" spc="0">
+                  <a:ln w="0"/>
+                  <a:solidFill>
+                    <a:schemeClr val="accent1"/>
+                  </a:solidFill>
+                  <a:effectLst>
+                    <a:outerShdw blurRad="38100" dist="25400" dir="5400000" algn="ctr" rotWithShape="0">
+                      <a:srgbClr val="6E747A">
+                        <a:alpha val="43000"/>
+                      </a:srgbClr>
+                    </a:outerShdw>
+                  </a:effectLst>
+                </a:rPr>
+                <a:t>1. Github.com/625781186</a:t>
+              </a:r>
+            </a:p>
+            <a:p>
+              <a:pPr algn="l"/>
+              <a:r>
+                <a:rPr lang="en-US" altLang="zh-CN" sz="1600" b="0" cap="none" spc="0">
+                  <a:ln w="0"/>
+                  <a:solidFill>
+                    <a:schemeClr val="accent1"/>
+                  </a:solidFill>
+                  <a:effectLst>
+                    <a:outerShdw blurRad="38100" dist="25400" dir="5400000" algn="ctr" rotWithShape="0">
+                      <a:srgbClr val="6E747A">
+                        <a:alpha val="43000"/>
+                      </a:srgbClr>
+                    </a:outerShdw>
+                  </a:effectLst>
+                </a:rPr>
+                <a:t>2. </a:t>
+              </a:r>
+              <a:r>
+                <a:rPr lang="zh-CN" altLang="en-US" sz="1600" b="0" cap="none" spc="0">
+                  <a:ln w="0"/>
+                  <a:solidFill>
+                    <a:schemeClr val="accent1"/>
+                  </a:solidFill>
+                  <a:effectLst>
+                    <a:outerShdw blurRad="38100" dist="25400" dir="5400000" algn="ctr" rotWithShape="0">
+                      <a:srgbClr val="6E747A">
+                        <a:alpha val="43000"/>
+                      </a:srgbClr>
+                    </a:outerShdw>
+                  </a:effectLst>
+                </a:rPr>
+                <a:t>简书 </a:t>
+              </a:r>
+              <a:r>
+                <a:rPr lang="en-US" altLang="zh-CN" sz="1600" b="0" cap="none" spc="0">
+                  <a:ln w="0"/>
+                  <a:solidFill>
+                    <a:schemeClr val="accent1"/>
+                  </a:solidFill>
+                  <a:effectLst>
+                    <a:outerShdw blurRad="38100" dist="25400" dir="5400000" algn="ctr" rotWithShape="0">
+                      <a:srgbClr val="6E747A">
+                        <a:alpha val="43000"/>
+                      </a:srgbClr>
+                    </a:outerShdw>
+                  </a:effectLst>
+                </a:rPr>
+                <a:t>/ </a:t>
+              </a:r>
+              <a:r>
+                <a:rPr lang="zh-CN" altLang="en-US" sz="1600" b="0" cap="none" spc="0">
+                  <a:ln w="0"/>
+                  <a:solidFill>
+                    <a:schemeClr val="accent1"/>
+                  </a:solidFill>
+                  <a:effectLst>
+                    <a:outerShdw blurRad="38100" dist="25400" dir="5400000" algn="ctr" rotWithShape="0">
+                      <a:srgbClr val="6E747A">
+                        <a:alpha val="43000"/>
+                      </a:srgbClr>
+                    </a:outerShdw>
+                  </a:effectLst>
+                </a:rPr>
+                <a:t>微信公众号 </a:t>
+              </a:r>
+              <a:r>
+                <a:rPr lang="en-US" altLang="zh-CN" sz="1600" b="0" kern="1200" cap="none" spc="0">
+                  <a:ln w="0"/>
+                  <a:solidFill>
+                    <a:schemeClr val="accent1"/>
+                  </a:solidFill>
+                  <a:effectLst>
+                    <a:outerShdw blurRad="38100" dist="25400" dir="5400000" algn="ctr" rotWithShape="0">
+                      <a:srgbClr val="6E747A">
+                        <a:alpha val="43000"/>
+                      </a:srgbClr>
+                    </a:outerShdw>
+                  </a:effectLst>
+                  <a:latin typeface="+mn-lt"/>
+                  <a:ea typeface="+mn-ea"/>
+                  <a:cs typeface="+mn-cs"/>
+                </a:rPr>
+                <a:t>WoHowLearn</a:t>
+              </a:r>
+              <a:endParaRPr lang="zh-CN" altLang="en-US" sz="1600" b="0" kern="1200" cap="none" spc="0">
+                <a:ln w="0"/>
+                <a:solidFill>
+                  <a:schemeClr val="accent1"/>
+                </a:solidFill>
+                <a:effectLst>
+                  <a:outerShdw blurRad="38100" dist="25400" dir="5400000" algn="ctr" rotWithShape="0">
+                    <a:srgbClr val="6E747A">
+                      <a:alpha val="43000"/>
+                    </a:srgbClr>
+                  </a:outerShdw>
+                </a:effectLst>
+                <a:latin typeface="+mn-lt"/>
+                <a:ea typeface="+mn-ea"/>
+                <a:cs typeface="+mn-cs"/>
+              </a:endParaRPr>
+            </a:p>
+          </p:txBody>
+        </p:sp>
+      </p:grpSp>
     </p:spTree>
     <p:extLst>
       <p:ext uri="{BB962C8B-B14F-4D97-AF65-F5344CB8AC3E}">
-        <p14:creationId xmlns:p14="http://schemas.microsoft.com/office/powerpoint/2010/main" val="1755681285"/>
+        <p14:creationId xmlns:p14="http://schemas.microsoft.com/office/powerpoint/2010/main" val="1173623120"/>
       </p:ext>
     </p:extLst>
   </p:cSld>
@@ -4202,7 +7524,9 @@
             <p:ph idx="1"/>
           </p:nvPr>
         </p:nvSpPr>
-        <p:spPr/>
+        <p:spPr>
+          <a:effectLst/>
+        </p:spPr>
         <p:txBody>
           <a:bodyPr/>
           <a:lstStyle/>
@@ -4261,7 +7585,7 @@
           <a:p>
             <a:fld id="{413E14B1-20C5-42E3-9070-B9094992FA26}" type="datetime1">
               <a:rPr lang="zh-CN" altLang="en-US" smtClean="0"/>
-              <a:t>2018/2/23</a:t>
+              <a:t>2018/3/20</a:t>
             </a:fld>
             <a:endParaRPr lang="zh-CN" altLang="en-US"/>
           </a:p>
@@ -4277,7 +7601,12 @@
             <p:ph type="ftr" sz="quarter" idx="11"/>
           </p:nvPr>
         </p:nvSpPr>
-        <p:spPr/>
+        <p:spPr>
+          <a:xfrm>
+            <a:off x="1295401" y="5969000"/>
+            <a:ext cx="7305900" cy="279400"/>
+          </a:xfrm>
+        </p:spPr>
         <p:txBody>
           <a:bodyPr/>
           <a:lstStyle/>
@@ -4369,10 +7698,425 @@
           </a:prstGeom>
         </p:spPr>
       </p:pic>
+      <p:grpSp>
+        <p:nvGrpSpPr>
+          <p:cNvPr id="16" name="组合 15">
+            <a:extLst>
+              <a:ext uri="{FF2B5EF4-FFF2-40B4-BE49-F238E27FC236}">
+                <a16:creationId xmlns:a16="http://schemas.microsoft.com/office/drawing/2014/main" id="{D82E9037-C034-48E2-A069-15FF63A35AAC}"/>
+              </a:ext>
+            </a:extLst>
+          </p:cNvPr>
+          <p:cNvGrpSpPr/>
+          <p:nvPr/>
+        </p:nvGrpSpPr>
+        <p:grpSpPr>
+          <a:xfrm>
+            <a:off x="940819" y="13063"/>
+            <a:ext cx="10749432" cy="6881301"/>
+            <a:chOff x="940819" y="13063"/>
+            <a:chExt cx="10749432" cy="6881301"/>
+          </a:xfrm>
+        </p:grpSpPr>
+        <p:sp>
+          <p:nvSpPr>
+            <p:cNvPr id="11" name="矩形 10">
+              <a:extLst>
+                <a:ext uri="{FF2B5EF4-FFF2-40B4-BE49-F238E27FC236}">
+                  <a16:creationId xmlns:a16="http://schemas.microsoft.com/office/drawing/2014/main" id="{5E08A36A-6E91-48C9-8917-5F7FF3B9DEB5}"/>
+                </a:ext>
+              </a:extLst>
+            </p:cNvPr>
+            <p:cNvSpPr/>
+            <p:nvPr/>
+          </p:nvSpPr>
+          <p:spPr>
+            <a:xfrm>
+              <a:off x="940819" y="13063"/>
+              <a:ext cx="10151594" cy="461665"/>
+            </a:xfrm>
+            <a:prstGeom prst="rect">
+              <a:avLst/>
+            </a:prstGeom>
+            <a:noFill/>
+            <a:ln>
+              <a:noFill/>
+            </a:ln>
+            <a:effectLst>
+              <a:glow rad="228600">
+                <a:schemeClr val="accent6">
+                  <a:satMod val="175000"/>
+                  <a:alpha val="40000"/>
+                </a:schemeClr>
+              </a:glow>
+              <a:outerShdw blurRad="50800" dist="38100" dir="5400000" algn="t" rotWithShape="0">
+                <a:prstClr val="black">
+                  <a:alpha val="40000"/>
+                </a:prstClr>
+              </a:outerShdw>
+            </a:effectLst>
+            <a:scene3d>
+              <a:camera prst="orthographicFront">
+                <a:rot lat="0" lon="0" rev="0"/>
+              </a:camera>
+              <a:lightRig rig="contrasting" dir="t">
+                <a:rot lat="0" lon="0" rev="1500000"/>
+              </a:lightRig>
+            </a:scene3d>
+            <a:sp3d prstMaterial="metal">
+              <a:bevelT w="88900" h="88900"/>
+            </a:sp3d>
+          </p:spPr>
+          <p:txBody>
+            <a:bodyPr wrap="square" lIns="91440" tIns="45720" rIns="91440" bIns="45720">
+              <a:spAutoFit/>
+            </a:bodyPr>
+            <a:lstStyle/>
+            <a:p>
+              <a:pPr algn="ctr"/>
+              <a:r>
+                <a:rPr lang="zh-CN" altLang="en-US" sz="2400" b="0" cap="none" spc="0">
+                  <a:ln w="0"/>
+                  <a:solidFill>
+                    <a:schemeClr val="accent1"/>
+                  </a:solidFill>
+                  <a:effectLst>
+                    <a:outerShdw blurRad="38100" dist="25400" dir="5400000" algn="ctr" rotWithShape="0">
+                      <a:srgbClr val="6E747A">
+                        <a:alpha val="43000"/>
+                      </a:srgbClr>
+                    </a:outerShdw>
+                  </a:effectLst>
+                </a:rPr>
+                <a:t>本套教程为免费教程， 如若发现有盗用售卖者请联系作者</a:t>
+              </a:r>
+              <a:r>
+                <a:rPr lang="en-US" altLang="zh-CN" sz="2400" b="0" cap="none" spc="0">
+                  <a:ln w="0"/>
+                  <a:solidFill>
+                    <a:schemeClr val="accent1"/>
+                  </a:solidFill>
+                  <a:effectLst>
+                    <a:outerShdw blurRad="38100" dist="25400" dir="5400000" algn="ctr" rotWithShape="0">
+                      <a:srgbClr val="6E747A">
+                        <a:alpha val="43000"/>
+                      </a:srgbClr>
+                    </a:outerShdw>
+                  </a:effectLst>
+                </a:rPr>
+                <a:t>QQ 625781186</a:t>
+              </a:r>
+              <a:endParaRPr lang="zh-CN" altLang="en-US" sz="2400" b="0" cap="none" spc="0">
+                <a:ln w="0"/>
+                <a:solidFill>
+                  <a:schemeClr val="accent1"/>
+                </a:solidFill>
+                <a:effectLst>
+                  <a:outerShdw blurRad="38100" dist="25400" dir="5400000" algn="ctr" rotWithShape="0">
+                    <a:srgbClr val="6E747A">
+                      <a:alpha val="43000"/>
+                    </a:srgbClr>
+                  </a:outerShdw>
+                </a:effectLst>
+              </a:endParaRPr>
+            </a:p>
+          </p:txBody>
+        </p:sp>
+        <p:sp>
+          <p:nvSpPr>
+            <p:cNvPr id="12" name="矩形 11">
+              <a:extLst>
+                <a:ext uri="{FF2B5EF4-FFF2-40B4-BE49-F238E27FC236}">
+                  <a16:creationId xmlns:a16="http://schemas.microsoft.com/office/drawing/2014/main" id="{7E9648F9-9E0B-45ED-9CF6-EDBEBB400405}"/>
+                </a:ext>
+              </a:extLst>
+            </p:cNvPr>
+            <p:cNvSpPr/>
+            <p:nvPr/>
+          </p:nvSpPr>
+          <p:spPr>
+            <a:xfrm>
+              <a:off x="5684089" y="6169820"/>
+              <a:ext cx="795684" cy="707886"/>
+            </a:xfrm>
+            <a:prstGeom prst="rect">
+              <a:avLst/>
+            </a:prstGeom>
+            <a:noFill/>
+            <a:ln>
+              <a:noFill/>
+            </a:ln>
+            <a:effectLst>
+              <a:glow rad="228600">
+                <a:schemeClr val="accent6">
+                  <a:satMod val="175000"/>
+                  <a:alpha val="40000"/>
+                </a:schemeClr>
+              </a:glow>
+              <a:outerShdw blurRad="50800" dist="38100" dir="5400000" algn="t" rotWithShape="0">
+                <a:prstClr val="black">
+                  <a:alpha val="40000"/>
+                </a:prstClr>
+              </a:outerShdw>
+            </a:effectLst>
+            <a:scene3d>
+              <a:camera prst="orthographicFront">
+                <a:rot lat="0" lon="0" rev="0"/>
+              </a:camera>
+              <a:lightRig rig="contrasting" dir="t">
+                <a:rot lat="0" lon="0" rev="1500000"/>
+              </a:lightRig>
+            </a:scene3d>
+            <a:sp3d prstMaterial="metal">
+              <a:bevelT w="88900" h="88900"/>
+            </a:sp3d>
+          </p:spPr>
+          <p:txBody>
+            <a:bodyPr wrap="square" lIns="91440" tIns="45720" rIns="91440" bIns="45720">
+              <a:spAutoFit/>
+            </a:bodyPr>
+            <a:lstStyle/>
+            <a:p>
+              <a:pPr algn="ctr"/>
+              <a:r>
+                <a:rPr lang="zh-CN" altLang="en-US" sz="2000" b="0" cap="none" spc="0">
+                  <a:ln w="0"/>
+                  <a:solidFill>
+                    <a:schemeClr val="accent1"/>
+                  </a:solidFill>
+                  <a:effectLst>
+                    <a:outerShdw blurRad="38100" dist="25400" dir="5400000" algn="ctr" rotWithShape="0">
+                      <a:srgbClr val="6E747A">
+                        <a:alpha val="43000"/>
+                      </a:srgbClr>
+                    </a:outerShdw>
+                  </a:effectLst>
+                  <a:latin typeface="华文彩云" panose="02010800040101010101" pitchFamily="2" charset="-122"/>
+                  <a:ea typeface="华文彩云" panose="02010800040101010101" pitchFamily="2" charset="-122"/>
+                </a:rPr>
+                <a:t>关注</a:t>
+              </a:r>
+              <a:endParaRPr lang="en-US" altLang="zh-CN" sz="2000" b="0" cap="none" spc="0">
+                <a:ln w="0"/>
+                <a:solidFill>
+                  <a:schemeClr val="accent1"/>
+                </a:solidFill>
+                <a:effectLst>
+                  <a:outerShdw blurRad="38100" dist="25400" dir="5400000" algn="ctr" rotWithShape="0">
+                    <a:srgbClr val="6E747A">
+                      <a:alpha val="43000"/>
+                    </a:srgbClr>
+                  </a:outerShdw>
+                </a:effectLst>
+                <a:latin typeface="华文彩云" panose="02010800040101010101" pitchFamily="2" charset="-122"/>
+                <a:ea typeface="华文彩云" panose="02010800040101010101" pitchFamily="2" charset="-122"/>
+              </a:endParaRPr>
+            </a:p>
+            <a:p>
+              <a:pPr algn="ctr"/>
+              <a:r>
+                <a:rPr lang="zh-CN" altLang="en-US" sz="2000" b="0" cap="none" spc="0">
+                  <a:ln w="0"/>
+                  <a:solidFill>
+                    <a:schemeClr val="accent1"/>
+                  </a:solidFill>
+                  <a:effectLst>
+                    <a:outerShdw blurRad="38100" dist="25400" dir="5400000" algn="ctr" rotWithShape="0">
+                      <a:srgbClr val="6E747A">
+                        <a:alpha val="43000"/>
+                      </a:srgbClr>
+                    </a:outerShdw>
+                  </a:effectLst>
+                  <a:latin typeface="华文彩云" panose="02010800040101010101" pitchFamily="2" charset="-122"/>
+                  <a:ea typeface="华文彩云" panose="02010800040101010101" pitchFamily="2" charset="-122"/>
+                </a:rPr>
+                <a:t>打赏</a:t>
+              </a:r>
+            </a:p>
+          </p:txBody>
+        </p:sp>
+        <p:sp>
+          <p:nvSpPr>
+            <p:cNvPr id="15" name="矩形 14">
+              <a:extLst>
+                <a:ext uri="{FF2B5EF4-FFF2-40B4-BE49-F238E27FC236}">
+                  <a16:creationId xmlns:a16="http://schemas.microsoft.com/office/drawing/2014/main" id="{5CE6B8AA-3157-486B-BA98-80DF4969B3B4}"/>
+                </a:ext>
+              </a:extLst>
+            </p:cNvPr>
+            <p:cNvSpPr/>
+            <p:nvPr/>
+          </p:nvSpPr>
+          <p:spPr>
+            <a:xfrm>
+              <a:off x="8205848" y="6309589"/>
+              <a:ext cx="3484403" cy="584775"/>
+            </a:xfrm>
+            <a:prstGeom prst="rect">
+              <a:avLst/>
+            </a:prstGeom>
+            <a:noFill/>
+            <a:ln>
+              <a:noFill/>
+            </a:ln>
+            <a:effectLst>
+              <a:glow rad="228600">
+                <a:schemeClr val="accent6">
+                  <a:satMod val="175000"/>
+                  <a:alpha val="40000"/>
+                </a:schemeClr>
+              </a:glow>
+              <a:outerShdw blurRad="50800" dist="38100" dir="5400000" algn="t" rotWithShape="0">
+                <a:prstClr val="black">
+                  <a:alpha val="40000"/>
+                </a:prstClr>
+              </a:outerShdw>
+            </a:effectLst>
+            <a:scene3d>
+              <a:camera prst="orthographicFront">
+                <a:rot lat="0" lon="0" rev="0"/>
+              </a:camera>
+              <a:lightRig rig="contrasting" dir="t">
+                <a:rot lat="0" lon="0" rev="1500000"/>
+              </a:lightRig>
+            </a:scene3d>
+            <a:sp3d prstMaterial="metal">
+              <a:bevelT w="88900" h="88900"/>
+            </a:sp3d>
+          </p:spPr>
+          <p:txBody>
+            <a:bodyPr wrap="square" lIns="91440" tIns="45720" rIns="91440" bIns="45720">
+              <a:spAutoFit/>
+            </a:bodyPr>
+            <a:lstStyle/>
+            <a:p>
+              <a:pPr algn="l"/>
+              <a:r>
+                <a:rPr lang="en-US" altLang="zh-CN" sz="1600" b="0" cap="none" spc="0">
+                  <a:ln w="0"/>
+                  <a:solidFill>
+                    <a:schemeClr val="accent1"/>
+                  </a:solidFill>
+                  <a:effectLst>
+                    <a:outerShdw blurRad="38100" dist="25400" dir="5400000" algn="ctr" rotWithShape="0">
+                      <a:srgbClr val="6E747A">
+                        <a:alpha val="43000"/>
+                      </a:srgbClr>
+                    </a:outerShdw>
+                  </a:effectLst>
+                </a:rPr>
+                <a:t>1. Github.com/625781186</a:t>
+              </a:r>
+            </a:p>
+            <a:p>
+              <a:pPr algn="l"/>
+              <a:r>
+                <a:rPr lang="en-US" altLang="zh-CN" sz="1600" b="0" cap="none" spc="0">
+                  <a:ln w="0"/>
+                  <a:solidFill>
+                    <a:schemeClr val="accent1"/>
+                  </a:solidFill>
+                  <a:effectLst>
+                    <a:outerShdw blurRad="38100" dist="25400" dir="5400000" algn="ctr" rotWithShape="0">
+                      <a:srgbClr val="6E747A">
+                        <a:alpha val="43000"/>
+                      </a:srgbClr>
+                    </a:outerShdw>
+                  </a:effectLst>
+                </a:rPr>
+                <a:t>2. </a:t>
+              </a:r>
+              <a:r>
+                <a:rPr lang="zh-CN" altLang="en-US" sz="1600" b="0" cap="none" spc="0">
+                  <a:ln w="0"/>
+                  <a:solidFill>
+                    <a:schemeClr val="accent1"/>
+                  </a:solidFill>
+                  <a:effectLst>
+                    <a:outerShdw blurRad="38100" dist="25400" dir="5400000" algn="ctr" rotWithShape="0">
+                      <a:srgbClr val="6E747A">
+                        <a:alpha val="43000"/>
+                      </a:srgbClr>
+                    </a:outerShdw>
+                  </a:effectLst>
+                </a:rPr>
+                <a:t>简书 </a:t>
+              </a:r>
+              <a:r>
+                <a:rPr lang="en-US" altLang="zh-CN" sz="1600" b="0" cap="none" spc="0">
+                  <a:ln w="0"/>
+                  <a:solidFill>
+                    <a:schemeClr val="accent1"/>
+                  </a:solidFill>
+                  <a:effectLst>
+                    <a:outerShdw blurRad="38100" dist="25400" dir="5400000" algn="ctr" rotWithShape="0">
+                      <a:srgbClr val="6E747A">
+                        <a:alpha val="43000"/>
+                      </a:srgbClr>
+                    </a:outerShdw>
+                  </a:effectLst>
+                </a:rPr>
+                <a:t>/ </a:t>
+              </a:r>
+              <a:r>
+                <a:rPr lang="zh-CN" altLang="en-US" sz="1600" b="0" cap="none" spc="0">
+                  <a:ln w="0"/>
+                  <a:solidFill>
+                    <a:schemeClr val="accent1"/>
+                  </a:solidFill>
+                  <a:effectLst>
+                    <a:outerShdw blurRad="38100" dist="25400" dir="5400000" algn="ctr" rotWithShape="0">
+                      <a:srgbClr val="6E747A">
+                        <a:alpha val="43000"/>
+                      </a:srgbClr>
+                    </a:outerShdw>
+                  </a:effectLst>
+                </a:rPr>
+                <a:t>微信公众号 </a:t>
+              </a:r>
+              <a:r>
+                <a:rPr lang="en-US" altLang="zh-CN" sz="1600" b="0" kern="1200" cap="none" spc="0">
+                  <a:ln w="0"/>
+                  <a:solidFill>
+                    <a:schemeClr val="accent1"/>
+                  </a:solidFill>
+                  <a:effectLst>
+                    <a:outerShdw blurRad="38100" dist="25400" dir="5400000" algn="ctr" rotWithShape="0">
+                      <a:srgbClr val="6E747A">
+                        <a:alpha val="43000"/>
+                      </a:srgbClr>
+                    </a:outerShdw>
+                  </a:effectLst>
+                  <a:latin typeface="+mn-lt"/>
+                  <a:ea typeface="+mn-ea"/>
+                  <a:cs typeface="+mn-cs"/>
+                </a:rPr>
+                <a:t>WoHowLearn</a:t>
+              </a:r>
+              <a:endParaRPr lang="zh-CN" altLang="en-US" sz="1600" b="0" kern="1200" cap="none" spc="0">
+                <a:ln w="0"/>
+                <a:solidFill>
+                  <a:schemeClr val="accent1"/>
+                </a:solidFill>
+                <a:effectLst>
+                  <a:outerShdw blurRad="38100" dist="25400" dir="5400000" algn="ctr" rotWithShape="0">
+                    <a:srgbClr val="6E747A">
+                      <a:alpha val="43000"/>
+                    </a:srgbClr>
+                  </a:outerShdw>
+                </a:effectLst>
+                <a:latin typeface="+mn-lt"/>
+                <a:ea typeface="+mn-ea"/>
+                <a:cs typeface="+mn-cs"/>
+              </a:endParaRPr>
+            </a:p>
+          </p:txBody>
+        </p:sp>
+      </p:grpSp>
     </p:spTree>
     <p:extLst>
       <p:ext uri="{BB962C8B-B14F-4D97-AF65-F5344CB8AC3E}">
-        <p14:creationId xmlns:p14="http://schemas.microsoft.com/office/powerpoint/2010/main" val="170943000"/>
+        <p14:creationId xmlns:p14="http://schemas.microsoft.com/office/powerpoint/2010/main" val="3510429166"/>
       </p:ext>
     </p:extLst>
   </p:cSld>
@@ -4569,7 +8313,7 @@
           <a:p>
             <a:fld id="{5302442A-4679-4963-B849-5D0C43463E8E}" type="datetime1">
               <a:rPr lang="zh-CN" altLang="en-US" smtClean="0"/>
-              <a:t>2018/2/23</a:t>
+              <a:t>2018/3/20</a:t>
             </a:fld>
             <a:endParaRPr lang="zh-CN" altLang="en-US"/>
           </a:p>
@@ -4708,10 +8452,425 @@
           </a:prstGeom>
         </p:spPr>
       </p:pic>
+      <p:grpSp>
+        <p:nvGrpSpPr>
+          <p:cNvPr id="11" name="组合 10">
+            <a:extLst>
+              <a:ext uri="{FF2B5EF4-FFF2-40B4-BE49-F238E27FC236}">
+                <a16:creationId xmlns:a16="http://schemas.microsoft.com/office/drawing/2014/main" id="{198A8862-A4D5-4517-A1E5-2A7A968CD5B1}"/>
+              </a:ext>
+            </a:extLst>
+          </p:cNvPr>
+          <p:cNvGrpSpPr/>
+          <p:nvPr/>
+        </p:nvGrpSpPr>
+        <p:grpSpPr>
+          <a:xfrm>
+            <a:off x="940819" y="13063"/>
+            <a:ext cx="10749432" cy="6881301"/>
+            <a:chOff x="940819" y="13063"/>
+            <a:chExt cx="10749432" cy="6881301"/>
+          </a:xfrm>
+        </p:grpSpPr>
+        <p:sp>
+          <p:nvSpPr>
+            <p:cNvPr id="12" name="矩形 11">
+              <a:extLst>
+                <a:ext uri="{FF2B5EF4-FFF2-40B4-BE49-F238E27FC236}">
+                  <a16:creationId xmlns:a16="http://schemas.microsoft.com/office/drawing/2014/main" id="{34400497-41A4-4FBD-BC74-4C4330A7D2D6}"/>
+                </a:ext>
+              </a:extLst>
+            </p:cNvPr>
+            <p:cNvSpPr/>
+            <p:nvPr/>
+          </p:nvSpPr>
+          <p:spPr>
+            <a:xfrm>
+              <a:off x="940819" y="13063"/>
+              <a:ext cx="10151594" cy="461665"/>
+            </a:xfrm>
+            <a:prstGeom prst="rect">
+              <a:avLst/>
+            </a:prstGeom>
+            <a:noFill/>
+            <a:ln>
+              <a:noFill/>
+            </a:ln>
+            <a:effectLst>
+              <a:glow rad="228600">
+                <a:schemeClr val="accent6">
+                  <a:satMod val="175000"/>
+                  <a:alpha val="40000"/>
+                </a:schemeClr>
+              </a:glow>
+              <a:outerShdw blurRad="50800" dist="38100" dir="5400000" algn="t" rotWithShape="0">
+                <a:prstClr val="black">
+                  <a:alpha val="40000"/>
+                </a:prstClr>
+              </a:outerShdw>
+            </a:effectLst>
+            <a:scene3d>
+              <a:camera prst="orthographicFront">
+                <a:rot lat="0" lon="0" rev="0"/>
+              </a:camera>
+              <a:lightRig rig="contrasting" dir="t">
+                <a:rot lat="0" lon="0" rev="1500000"/>
+              </a:lightRig>
+            </a:scene3d>
+            <a:sp3d prstMaterial="metal">
+              <a:bevelT w="88900" h="88900"/>
+            </a:sp3d>
+          </p:spPr>
+          <p:txBody>
+            <a:bodyPr wrap="square" lIns="91440" tIns="45720" rIns="91440" bIns="45720">
+              <a:spAutoFit/>
+            </a:bodyPr>
+            <a:lstStyle/>
+            <a:p>
+              <a:pPr algn="ctr"/>
+              <a:r>
+                <a:rPr lang="zh-CN" altLang="en-US" sz="2400" b="0" cap="none" spc="0">
+                  <a:ln w="0"/>
+                  <a:solidFill>
+                    <a:schemeClr val="accent1"/>
+                  </a:solidFill>
+                  <a:effectLst>
+                    <a:outerShdw blurRad="38100" dist="25400" dir="5400000" algn="ctr" rotWithShape="0">
+                      <a:srgbClr val="6E747A">
+                        <a:alpha val="43000"/>
+                      </a:srgbClr>
+                    </a:outerShdw>
+                  </a:effectLst>
+                </a:rPr>
+                <a:t>本套教程为免费教程， 如若发现有盗用售卖者请联系作者</a:t>
+              </a:r>
+              <a:r>
+                <a:rPr lang="en-US" altLang="zh-CN" sz="2400" b="0" cap="none" spc="0">
+                  <a:ln w="0"/>
+                  <a:solidFill>
+                    <a:schemeClr val="accent1"/>
+                  </a:solidFill>
+                  <a:effectLst>
+                    <a:outerShdw blurRad="38100" dist="25400" dir="5400000" algn="ctr" rotWithShape="0">
+                      <a:srgbClr val="6E747A">
+                        <a:alpha val="43000"/>
+                      </a:srgbClr>
+                    </a:outerShdw>
+                  </a:effectLst>
+                </a:rPr>
+                <a:t>QQ 625781186</a:t>
+              </a:r>
+              <a:endParaRPr lang="zh-CN" altLang="en-US" sz="2400" b="0" cap="none" spc="0">
+                <a:ln w="0"/>
+                <a:solidFill>
+                  <a:schemeClr val="accent1"/>
+                </a:solidFill>
+                <a:effectLst>
+                  <a:outerShdw blurRad="38100" dist="25400" dir="5400000" algn="ctr" rotWithShape="0">
+                    <a:srgbClr val="6E747A">
+                      <a:alpha val="43000"/>
+                    </a:srgbClr>
+                  </a:outerShdw>
+                </a:effectLst>
+              </a:endParaRPr>
+            </a:p>
+          </p:txBody>
+        </p:sp>
+        <p:sp>
+          <p:nvSpPr>
+            <p:cNvPr id="13" name="矩形 12">
+              <a:extLst>
+                <a:ext uri="{FF2B5EF4-FFF2-40B4-BE49-F238E27FC236}">
+                  <a16:creationId xmlns:a16="http://schemas.microsoft.com/office/drawing/2014/main" id="{0DFE8D82-7C41-4853-B837-0C369209935A}"/>
+                </a:ext>
+              </a:extLst>
+            </p:cNvPr>
+            <p:cNvSpPr/>
+            <p:nvPr/>
+          </p:nvSpPr>
+          <p:spPr>
+            <a:xfrm>
+              <a:off x="5684089" y="6169820"/>
+              <a:ext cx="795684" cy="707886"/>
+            </a:xfrm>
+            <a:prstGeom prst="rect">
+              <a:avLst/>
+            </a:prstGeom>
+            <a:noFill/>
+            <a:ln>
+              <a:noFill/>
+            </a:ln>
+            <a:effectLst>
+              <a:glow rad="228600">
+                <a:schemeClr val="accent6">
+                  <a:satMod val="175000"/>
+                  <a:alpha val="40000"/>
+                </a:schemeClr>
+              </a:glow>
+              <a:outerShdw blurRad="50800" dist="38100" dir="5400000" algn="t" rotWithShape="0">
+                <a:prstClr val="black">
+                  <a:alpha val="40000"/>
+                </a:prstClr>
+              </a:outerShdw>
+            </a:effectLst>
+            <a:scene3d>
+              <a:camera prst="orthographicFront">
+                <a:rot lat="0" lon="0" rev="0"/>
+              </a:camera>
+              <a:lightRig rig="contrasting" dir="t">
+                <a:rot lat="0" lon="0" rev="1500000"/>
+              </a:lightRig>
+            </a:scene3d>
+            <a:sp3d prstMaterial="metal">
+              <a:bevelT w="88900" h="88900"/>
+            </a:sp3d>
+          </p:spPr>
+          <p:txBody>
+            <a:bodyPr wrap="square" lIns="91440" tIns="45720" rIns="91440" bIns="45720">
+              <a:spAutoFit/>
+            </a:bodyPr>
+            <a:lstStyle/>
+            <a:p>
+              <a:pPr algn="ctr"/>
+              <a:r>
+                <a:rPr lang="zh-CN" altLang="en-US" sz="2000" b="0" cap="none" spc="0">
+                  <a:ln w="0"/>
+                  <a:solidFill>
+                    <a:schemeClr val="accent1"/>
+                  </a:solidFill>
+                  <a:effectLst>
+                    <a:outerShdw blurRad="38100" dist="25400" dir="5400000" algn="ctr" rotWithShape="0">
+                      <a:srgbClr val="6E747A">
+                        <a:alpha val="43000"/>
+                      </a:srgbClr>
+                    </a:outerShdw>
+                  </a:effectLst>
+                  <a:latin typeface="华文彩云" panose="02010800040101010101" pitchFamily="2" charset="-122"/>
+                  <a:ea typeface="华文彩云" panose="02010800040101010101" pitchFamily="2" charset="-122"/>
+                </a:rPr>
+                <a:t>关注</a:t>
+              </a:r>
+              <a:endParaRPr lang="en-US" altLang="zh-CN" sz="2000" b="0" cap="none" spc="0">
+                <a:ln w="0"/>
+                <a:solidFill>
+                  <a:schemeClr val="accent1"/>
+                </a:solidFill>
+                <a:effectLst>
+                  <a:outerShdw blurRad="38100" dist="25400" dir="5400000" algn="ctr" rotWithShape="0">
+                    <a:srgbClr val="6E747A">
+                      <a:alpha val="43000"/>
+                    </a:srgbClr>
+                  </a:outerShdw>
+                </a:effectLst>
+                <a:latin typeface="华文彩云" panose="02010800040101010101" pitchFamily="2" charset="-122"/>
+                <a:ea typeface="华文彩云" panose="02010800040101010101" pitchFamily="2" charset="-122"/>
+              </a:endParaRPr>
+            </a:p>
+            <a:p>
+              <a:pPr algn="ctr"/>
+              <a:r>
+                <a:rPr lang="zh-CN" altLang="en-US" sz="2000" b="0" cap="none" spc="0">
+                  <a:ln w="0"/>
+                  <a:solidFill>
+                    <a:schemeClr val="accent1"/>
+                  </a:solidFill>
+                  <a:effectLst>
+                    <a:outerShdw blurRad="38100" dist="25400" dir="5400000" algn="ctr" rotWithShape="0">
+                      <a:srgbClr val="6E747A">
+                        <a:alpha val="43000"/>
+                      </a:srgbClr>
+                    </a:outerShdw>
+                  </a:effectLst>
+                  <a:latin typeface="华文彩云" panose="02010800040101010101" pitchFamily="2" charset="-122"/>
+                  <a:ea typeface="华文彩云" panose="02010800040101010101" pitchFamily="2" charset="-122"/>
+                </a:rPr>
+                <a:t>打赏</a:t>
+              </a:r>
+            </a:p>
+          </p:txBody>
+        </p:sp>
+        <p:sp>
+          <p:nvSpPr>
+            <p:cNvPr id="14" name="矩形 13">
+              <a:extLst>
+                <a:ext uri="{FF2B5EF4-FFF2-40B4-BE49-F238E27FC236}">
+                  <a16:creationId xmlns:a16="http://schemas.microsoft.com/office/drawing/2014/main" id="{87C58F2E-BC7D-42A6-BFA7-797B210635D7}"/>
+                </a:ext>
+              </a:extLst>
+            </p:cNvPr>
+            <p:cNvSpPr/>
+            <p:nvPr/>
+          </p:nvSpPr>
+          <p:spPr>
+            <a:xfrm>
+              <a:off x="8205848" y="6309589"/>
+              <a:ext cx="3484403" cy="584775"/>
+            </a:xfrm>
+            <a:prstGeom prst="rect">
+              <a:avLst/>
+            </a:prstGeom>
+            <a:noFill/>
+            <a:ln>
+              <a:noFill/>
+            </a:ln>
+            <a:effectLst>
+              <a:glow rad="228600">
+                <a:schemeClr val="accent6">
+                  <a:satMod val="175000"/>
+                  <a:alpha val="40000"/>
+                </a:schemeClr>
+              </a:glow>
+              <a:outerShdw blurRad="50800" dist="38100" dir="5400000" algn="t" rotWithShape="0">
+                <a:prstClr val="black">
+                  <a:alpha val="40000"/>
+                </a:prstClr>
+              </a:outerShdw>
+            </a:effectLst>
+            <a:scene3d>
+              <a:camera prst="orthographicFront">
+                <a:rot lat="0" lon="0" rev="0"/>
+              </a:camera>
+              <a:lightRig rig="contrasting" dir="t">
+                <a:rot lat="0" lon="0" rev="1500000"/>
+              </a:lightRig>
+            </a:scene3d>
+            <a:sp3d prstMaterial="metal">
+              <a:bevelT w="88900" h="88900"/>
+            </a:sp3d>
+          </p:spPr>
+          <p:txBody>
+            <a:bodyPr wrap="square" lIns="91440" tIns="45720" rIns="91440" bIns="45720">
+              <a:spAutoFit/>
+            </a:bodyPr>
+            <a:lstStyle/>
+            <a:p>
+              <a:pPr algn="l"/>
+              <a:r>
+                <a:rPr lang="en-US" altLang="zh-CN" sz="1600" b="0" cap="none" spc="0">
+                  <a:ln w="0"/>
+                  <a:solidFill>
+                    <a:schemeClr val="accent1"/>
+                  </a:solidFill>
+                  <a:effectLst>
+                    <a:outerShdw blurRad="38100" dist="25400" dir="5400000" algn="ctr" rotWithShape="0">
+                      <a:srgbClr val="6E747A">
+                        <a:alpha val="43000"/>
+                      </a:srgbClr>
+                    </a:outerShdw>
+                  </a:effectLst>
+                </a:rPr>
+                <a:t>1. Github.com/625781186</a:t>
+              </a:r>
+            </a:p>
+            <a:p>
+              <a:pPr algn="l"/>
+              <a:r>
+                <a:rPr lang="en-US" altLang="zh-CN" sz="1600" b="0" cap="none" spc="0">
+                  <a:ln w="0"/>
+                  <a:solidFill>
+                    <a:schemeClr val="accent1"/>
+                  </a:solidFill>
+                  <a:effectLst>
+                    <a:outerShdw blurRad="38100" dist="25400" dir="5400000" algn="ctr" rotWithShape="0">
+                      <a:srgbClr val="6E747A">
+                        <a:alpha val="43000"/>
+                      </a:srgbClr>
+                    </a:outerShdw>
+                  </a:effectLst>
+                </a:rPr>
+                <a:t>2. </a:t>
+              </a:r>
+              <a:r>
+                <a:rPr lang="zh-CN" altLang="en-US" sz="1600" b="0" cap="none" spc="0">
+                  <a:ln w="0"/>
+                  <a:solidFill>
+                    <a:schemeClr val="accent1"/>
+                  </a:solidFill>
+                  <a:effectLst>
+                    <a:outerShdw blurRad="38100" dist="25400" dir="5400000" algn="ctr" rotWithShape="0">
+                      <a:srgbClr val="6E747A">
+                        <a:alpha val="43000"/>
+                      </a:srgbClr>
+                    </a:outerShdw>
+                  </a:effectLst>
+                </a:rPr>
+                <a:t>简书 </a:t>
+              </a:r>
+              <a:r>
+                <a:rPr lang="en-US" altLang="zh-CN" sz="1600" b="0" cap="none" spc="0">
+                  <a:ln w="0"/>
+                  <a:solidFill>
+                    <a:schemeClr val="accent1"/>
+                  </a:solidFill>
+                  <a:effectLst>
+                    <a:outerShdw blurRad="38100" dist="25400" dir="5400000" algn="ctr" rotWithShape="0">
+                      <a:srgbClr val="6E747A">
+                        <a:alpha val="43000"/>
+                      </a:srgbClr>
+                    </a:outerShdw>
+                  </a:effectLst>
+                </a:rPr>
+                <a:t>/ </a:t>
+              </a:r>
+              <a:r>
+                <a:rPr lang="zh-CN" altLang="en-US" sz="1600" b="0" cap="none" spc="0">
+                  <a:ln w="0"/>
+                  <a:solidFill>
+                    <a:schemeClr val="accent1"/>
+                  </a:solidFill>
+                  <a:effectLst>
+                    <a:outerShdw blurRad="38100" dist="25400" dir="5400000" algn="ctr" rotWithShape="0">
+                      <a:srgbClr val="6E747A">
+                        <a:alpha val="43000"/>
+                      </a:srgbClr>
+                    </a:outerShdw>
+                  </a:effectLst>
+                </a:rPr>
+                <a:t>微信公众号 </a:t>
+              </a:r>
+              <a:r>
+                <a:rPr lang="en-US" altLang="zh-CN" sz="1600" b="0" kern="1200" cap="none" spc="0">
+                  <a:ln w="0"/>
+                  <a:solidFill>
+                    <a:schemeClr val="accent1"/>
+                  </a:solidFill>
+                  <a:effectLst>
+                    <a:outerShdw blurRad="38100" dist="25400" dir="5400000" algn="ctr" rotWithShape="0">
+                      <a:srgbClr val="6E747A">
+                        <a:alpha val="43000"/>
+                      </a:srgbClr>
+                    </a:outerShdw>
+                  </a:effectLst>
+                  <a:latin typeface="+mn-lt"/>
+                  <a:ea typeface="+mn-ea"/>
+                  <a:cs typeface="+mn-cs"/>
+                </a:rPr>
+                <a:t>WoHowLearn</a:t>
+              </a:r>
+              <a:endParaRPr lang="zh-CN" altLang="en-US" sz="1600" b="0" kern="1200" cap="none" spc="0">
+                <a:ln w="0"/>
+                <a:solidFill>
+                  <a:schemeClr val="accent1"/>
+                </a:solidFill>
+                <a:effectLst>
+                  <a:outerShdw blurRad="38100" dist="25400" dir="5400000" algn="ctr" rotWithShape="0">
+                    <a:srgbClr val="6E747A">
+                      <a:alpha val="43000"/>
+                    </a:srgbClr>
+                  </a:outerShdw>
+                </a:effectLst>
+                <a:latin typeface="+mn-lt"/>
+                <a:ea typeface="+mn-ea"/>
+                <a:cs typeface="+mn-cs"/>
+              </a:endParaRPr>
+            </a:p>
+          </p:txBody>
+        </p:sp>
+      </p:grpSp>
     </p:spTree>
     <p:extLst>
       <p:ext uri="{BB962C8B-B14F-4D97-AF65-F5344CB8AC3E}">
-        <p14:creationId xmlns:p14="http://schemas.microsoft.com/office/powerpoint/2010/main" val="1916210223"/>
+        <p14:creationId xmlns:p14="http://schemas.microsoft.com/office/powerpoint/2010/main" val="2381448190"/>
       </p:ext>
     </p:extLst>
   </p:cSld>
@@ -4896,7 +9055,7 @@
           <a:p>
             <a:fld id="{F055E315-5264-4181-9960-4E105322F5E3}" type="datetime1">
               <a:rPr lang="zh-CN" altLang="en-US" smtClean="0"/>
-              <a:t>2018/2/23</a:t>
+              <a:t>2018/3/20</a:t>
             </a:fld>
             <a:endParaRPr lang="zh-CN" altLang="en-US"/>
           </a:p>
@@ -5035,10 +9194,425 @@
           </a:prstGeom>
         </p:spPr>
       </p:pic>
+      <p:grpSp>
+        <p:nvGrpSpPr>
+          <p:cNvPr id="12" name="组合 11">
+            <a:extLst>
+              <a:ext uri="{FF2B5EF4-FFF2-40B4-BE49-F238E27FC236}">
+                <a16:creationId xmlns:a16="http://schemas.microsoft.com/office/drawing/2014/main" id="{41774A1F-EBE9-4820-B656-65893CA150F8}"/>
+              </a:ext>
+            </a:extLst>
+          </p:cNvPr>
+          <p:cNvGrpSpPr/>
+          <p:nvPr/>
+        </p:nvGrpSpPr>
+        <p:grpSpPr>
+          <a:xfrm>
+            <a:off x="940819" y="13063"/>
+            <a:ext cx="10749432" cy="6881301"/>
+            <a:chOff x="940819" y="13063"/>
+            <a:chExt cx="10749432" cy="6881301"/>
+          </a:xfrm>
+        </p:grpSpPr>
+        <p:sp>
+          <p:nvSpPr>
+            <p:cNvPr id="13" name="矩形 12">
+              <a:extLst>
+                <a:ext uri="{FF2B5EF4-FFF2-40B4-BE49-F238E27FC236}">
+                  <a16:creationId xmlns:a16="http://schemas.microsoft.com/office/drawing/2014/main" id="{FC02604E-CB6E-4135-9C63-C45F6B1B6252}"/>
+                </a:ext>
+              </a:extLst>
+            </p:cNvPr>
+            <p:cNvSpPr/>
+            <p:nvPr/>
+          </p:nvSpPr>
+          <p:spPr>
+            <a:xfrm>
+              <a:off x="940819" y="13063"/>
+              <a:ext cx="10151594" cy="461665"/>
+            </a:xfrm>
+            <a:prstGeom prst="rect">
+              <a:avLst/>
+            </a:prstGeom>
+            <a:noFill/>
+            <a:ln>
+              <a:noFill/>
+            </a:ln>
+            <a:effectLst>
+              <a:glow rad="228600">
+                <a:schemeClr val="accent6">
+                  <a:satMod val="175000"/>
+                  <a:alpha val="40000"/>
+                </a:schemeClr>
+              </a:glow>
+              <a:outerShdw blurRad="50800" dist="38100" dir="5400000" algn="t" rotWithShape="0">
+                <a:prstClr val="black">
+                  <a:alpha val="40000"/>
+                </a:prstClr>
+              </a:outerShdw>
+            </a:effectLst>
+            <a:scene3d>
+              <a:camera prst="orthographicFront">
+                <a:rot lat="0" lon="0" rev="0"/>
+              </a:camera>
+              <a:lightRig rig="contrasting" dir="t">
+                <a:rot lat="0" lon="0" rev="1500000"/>
+              </a:lightRig>
+            </a:scene3d>
+            <a:sp3d prstMaterial="metal">
+              <a:bevelT w="88900" h="88900"/>
+            </a:sp3d>
+          </p:spPr>
+          <p:txBody>
+            <a:bodyPr wrap="square" lIns="91440" tIns="45720" rIns="91440" bIns="45720">
+              <a:spAutoFit/>
+            </a:bodyPr>
+            <a:lstStyle/>
+            <a:p>
+              <a:pPr algn="ctr"/>
+              <a:r>
+                <a:rPr lang="zh-CN" altLang="en-US" sz="2400" b="0" cap="none" spc="0">
+                  <a:ln w="0"/>
+                  <a:solidFill>
+                    <a:schemeClr val="accent1"/>
+                  </a:solidFill>
+                  <a:effectLst>
+                    <a:outerShdw blurRad="38100" dist="25400" dir="5400000" algn="ctr" rotWithShape="0">
+                      <a:srgbClr val="6E747A">
+                        <a:alpha val="43000"/>
+                      </a:srgbClr>
+                    </a:outerShdw>
+                  </a:effectLst>
+                </a:rPr>
+                <a:t>本套教程为免费教程， 如若发现有盗用售卖者请联系作者</a:t>
+              </a:r>
+              <a:r>
+                <a:rPr lang="en-US" altLang="zh-CN" sz="2400" b="0" cap="none" spc="0">
+                  <a:ln w="0"/>
+                  <a:solidFill>
+                    <a:schemeClr val="accent1"/>
+                  </a:solidFill>
+                  <a:effectLst>
+                    <a:outerShdw blurRad="38100" dist="25400" dir="5400000" algn="ctr" rotWithShape="0">
+                      <a:srgbClr val="6E747A">
+                        <a:alpha val="43000"/>
+                      </a:srgbClr>
+                    </a:outerShdw>
+                  </a:effectLst>
+                </a:rPr>
+                <a:t>QQ 625781186</a:t>
+              </a:r>
+              <a:endParaRPr lang="zh-CN" altLang="en-US" sz="2400" b="0" cap="none" spc="0">
+                <a:ln w="0"/>
+                <a:solidFill>
+                  <a:schemeClr val="accent1"/>
+                </a:solidFill>
+                <a:effectLst>
+                  <a:outerShdw blurRad="38100" dist="25400" dir="5400000" algn="ctr" rotWithShape="0">
+                    <a:srgbClr val="6E747A">
+                      <a:alpha val="43000"/>
+                    </a:srgbClr>
+                  </a:outerShdw>
+                </a:effectLst>
+              </a:endParaRPr>
+            </a:p>
+          </p:txBody>
+        </p:sp>
+        <p:sp>
+          <p:nvSpPr>
+            <p:cNvPr id="14" name="矩形 13">
+              <a:extLst>
+                <a:ext uri="{FF2B5EF4-FFF2-40B4-BE49-F238E27FC236}">
+                  <a16:creationId xmlns:a16="http://schemas.microsoft.com/office/drawing/2014/main" id="{B03D0722-B520-456E-98B3-75E0C55938D0}"/>
+                </a:ext>
+              </a:extLst>
+            </p:cNvPr>
+            <p:cNvSpPr/>
+            <p:nvPr/>
+          </p:nvSpPr>
+          <p:spPr>
+            <a:xfrm>
+              <a:off x="5684089" y="6169820"/>
+              <a:ext cx="795684" cy="707886"/>
+            </a:xfrm>
+            <a:prstGeom prst="rect">
+              <a:avLst/>
+            </a:prstGeom>
+            <a:noFill/>
+            <a:ln>
+              <a:noFill/>
+            </a:ln>
+            <a:effectLst>
+              <a:glow rad="228600">
+                <a:schemeClr val="accent6">
+                  <a:satMod val="175000"/>
+                  <a:alpha val="40000"/>
+                </a:schemeClr>
+              </a:glow>
+              <a:outerShdw blurRad="50800" dist="38100" dir="5400000" algn="t" rotWithShape="0">
+                <a:prstClr val="black">
+                  <a:alpha val="40000"/>
+                </a:prstClr>
+              </a:outerShdw>
+            </a:effectLst>
+            <a:scene3d>
+              <a:camera prst="orthographicFront">
+                <a:rot lat="0" lon="0" rev="0"/>
+              </a:camera>
+              <a:lightRig rig="contrasting" dir="t">
+                <a:rot lat="0" lon="0" rev="1500000"/>
+              </a:lightRig>
+            </a:scene3d>
+            <a:sp3d prstMaterial="metal">
+              <a:bevelT w="88900" h="88900"/>
+            </a:sp3d>
+          </p:spPr>
+          <p:txBody>
+            <a:bodyPr wrap="square" lIns="91440" tIns="45720" rIns="91440" bIns="45720">
+              <a:spAutoFit/>
+            </a:bodyPr>
+            <a:lstStyle/>
+            <a:p>
+              <a:pPr algn="ctr"/>
+              <a:r>
+                <a:rPr lang="zh-CN" altLang="en-US" sz="2000" b="0" cap="none" spc="0">
+                  <a:ln w="0"/>
+                  <a:solidFill>
+                    <a:schemeClr val="accent1"/>
+                  </a:solidFill>
+                  <a:effectLst>
+                    <a:outerShdw blurRad="38100" dist="25400" dir="5400000" algn="ctr" rotWithShape="0">
+                      <a:srgbClr val="6E747A">
+                        <a:alpha val="43000"/>
+                      </a:srgbClr>
+                    </a:outerShdw>
+                  </a:effectLst>
+                  <a:latin typeface="华文彩云" panose="02010800040101010101" pitchFamily="2" charset="-122"/>
+                  <a:ea typeface="华文彩云" panose="02010800040101010101" pitchFamily="2" charset="-122"/>
+                </a:rPr>
+                <a:t>关注</a:t>
+              </a:r>
+              <a:endParaRPr lang="en-US" altLang="zh-CN" sz="2000" b="0" cap="none" spc="0">
+                <a:ln w="0"/>
+                <a:solidFill>
+                  <a:schemeClr val="accent1"/>
+                </a:solidFill>
+                <a:effectLst>
+                  <a:outerShdw blurRad="38100" dist="25400" dir="5400000" algn="ctr" rotWithShape="0">
+                    <a:srgbClr val="6E747A">
+                      <a:alpha val="43000"/>
+                    </a:srgbClr>
+                  </a:outerShdw>
+                </a:effectLst>
+                <a:latin typeface="华文彩云" panose="02010800040101010101" pitchFamily="2" charset="-122"/>
+                <a:ea typeface="华文彩云" panose="02010800040101010101" pitchFamily="2" charset="-122"/>
+              </a:endParaRPr>
+            </a:p>
+            <a:p>
+              <a:pPr algn="ctr"/>
+              <a:r>
+                <a:rPr lang="zh-CN" altLang="en-US" sz="2000" b="0" cap="none" spc="0">
+                  <a:ln w="0"/>
+                  <a:solidFill>
+                    <a:schemeClr val="accent1"/>
+                  </a:solidFill>
+                  <a:effectLst>
+                    <a:outerShdw blurRad="38100" dist="25400" dir="5400000" algn="ctr" rotWithShape="0">
+                      <a:srgbClr val="6E747A">
+                        <a:alpha val="43000"/>
+                      </a:srgbClr>
+                    </a:outerShdw>
+                  </a:effectLst>
+                  <a:latin typeface="华文彩云" panose="02010800040101010101" pitchFamily="2" charset="-122"/>
+                  <a:ea typeface="华文彩云" panose="02010800040101010101" pitchFamily="2" charset="-122"/>
+                </a:rPr>
+                <a:t>打赏</a:t>
+              </a:r>
+            </a:p>
+          </p:txBody>
+        </p:sp>
+        <p:sp>
+          <p:nvSpPr>
+            <p:cNvPr id="15" name="矩形 14">
+              <a:extLst>
+                <a:ext uri="{FF2B5EF4-FFF2-40B4-BE49-F238E27FC236}">
+                  <a16:creationId xmlns:a16="http://schemas.microsoft.com/office/drawing/2014/main" id="{21E0A2B1-4A25-4808-AB58-499FB765C438}"/>
+                </a:ext>
+              </a:extLst>
+            </p:cNvPr>
+            <p:cNvSpPr/>
+            <p:nvPr/>
+          </p:nvSpPr>
+          <p:spPr>
+            <a:xfrm>
+              <a:off x="8205848" y="6309589"/>
+              <a:ext cx="3484403" cy="584775"/>
+            </a:xfrm>
+            <a:prstGeom prst="rect">
+              <a:avLst/>
+            </a:prstGeom>
+            <a:noFill/>
+            <a:ln>
+              <a:noFill/>
+            </a:ln>
+            <a:effectLst>
+              <a:glow rad="228600">
+                <a:schemeClr val="accent6">
+                  <a:satMod val="175000"/>
+                  <a:alpha val="40000"/>
+                </a:schemeClr>
+              </a:glow>
+              <a:outerShdw blurRad="50800" dist="38100" dir="5400000" algn="t" rotWithShape="0">
+                <a:prstClr val="black">
+                  <a:alpha val="40000"/>
+                </a:prstClr>
+              </a:outerShdw>
+            </a:effectLst>
+            <a:scene3d>
+              <a:camera prst="orthographicFront">
+                <a:rot lat="0" lon="0" rev="0"/>
+              </a:camera>
+              <a:lightRig rig="contrasting" dir="t">
+                <a:rot lat="0" lon="0" rev="1500000"/>
+              </a:lightRig>
+            </a:scene3d>
+            <a:sp3d prstMaterial="metal">
+              <a:bevelT w="88900" h="88900"/>
+            </a:sp3d>
+          </p:spPr>
+          <p:txBody>
+            <a:bodyPr wrap="square" lIns="91440" tIns="45720" rIns="91440" bIns="45720">
+              <a:spAutoFit/>
+            </a:bodyPr>
+            <a:lstStyle/>
+            <a:p>
+              <a:pPr algn="l"/>
+              <a:r>
+                <a:rPr lang="en-US" altLang="zh-CN" sz="1600" b="0" cap="none" spc="0">
+                  <a:ln w="0"/>
+                  <a:solidFill>
+                    <a:schemeClr val="accent1"/>
+                  </a:solidFill>
+                  <a:effectLst>
+                    <a:outerShdw blurRad="38100" dist="25400" dir="5400000" algn="ctr" rotWithShape="0">
+                      <a:srgbClr val="6E747A">
+                        <a:alpha val="43000"/>
+                      </a:srgbClr>
+                    </a:outerShdw>
+                  </a:effectLst>
+                </a:rPr>
+                <a:t>1. Github.com/625781186</a:t>
+              </a:r>
+            </a:p>
+            <a:p>
+              <a:pPr algn="l"/>
+              <a:r>
+                <a:rPr lang="en-US" altLang="zh-CN" sz="1600" b="0" cap="none" spc="0">
+                  <a:ln w="0"/>
+                  <a:solidFill>
+                    <a:schemeClr val="accent1"/>
+                  </a:solidFill>
+                  <a:effectLst>
+                    <a:outerShdw blurRad="38100" dist="25400" dir="5400000" algn="ctr" rotWithShape="0">
+                      <a:srgbClr val="6E747A">
+                        <a:alpha val="43000"/>
+                      </a:srgbClr>
+                    </a:outerShdw>
+                  </a:effectLst>
+                </a:rPr>
+                <a:t>2. </a:t>
+              </a:r>
+              <a:r>
+                <a:rPr lang="zh-CN" altLang="en-US" sz="1600" b="0" cap="none" spc="0">
+                  <a:ln w="0"/>
+                  <a:solidFill>
+                    <a:schemeClr val="accent1"/>
+                  </a:solidFill>
+                  <a:effectLst>
+                    <a:outerShdw blurRad="38100" dist="25400" dir="5400000" algn="ctr" rotWithShape="0">
+                      <a:srgbClr val="6E747A">
+                        <a:alpha val="43000"/>
+                      </a:srgbClr>
+                    </a:outerShdw>
+                  </a:effectLst>
+                </a:rPr>
+                <a:t>简书 </a:t>
+              </a:r>
+              <a:r>
+                <a:rPr lang="en-US" altLang="zh-CN" sz="1600" b="0" cap="none" spc="0">
+                  <a:ln w="0"/>
+                  <a:solidFill>
+                    <a:schemeClr val="accent1"/>
+                  </a:solidFill>
+                  <a:effectLst>
+                    <a:outerShdw blurRad="38100" dist="25400" dir="5400000" algn="ctr" rotWithShape="0">
+                      <a:srgbClr val="6E747A">
+                        <a:alpha val="43000"/>
+                      </a:srgbClr>
+                    </a:outerShdw>
+                  </a:effectLst>
+                </a:rPr>
+                <a:t>/ </a:t>
+              </a:r>
+              <a:r>
+                <a:rPr lang="zh-CN" altLang="en-US" sz="1600" b="0" cap="none" spc="0">
+                  <a:ln w="0"/>
+                  <a:solidFill>
+                    <a:schemeClr val="accent1"/>
+                  </a:solidFill>
+                  <a:effectLst>
+                    <a:outerShdw blurRad="38100" dist="25400" dir="5400000" algn="ctr" rotWithShape="0">
+                      <a:srgbClr val="6E747A">
+                        <a:alpha val="43000"/>
+                      </a:srgbClr>
+                    </a:outerShdw>
+                  </a:effectLst>
+                </a:rPr>
+                <a:t>微信公众号 </a:t>
+              </a:r>
+              <a:r>
+                <a:rPr lang="en-US" altLang="zh-CN" sz="1600" b="0" kern="1200" cap="none" spc="0">
+                  <a:ln w="0"/>
+                  <a:solidFill>
+                    <a:schemeClr val="accent1"/>
+                  </a:solidFill>
+                  <a:effectLst>
+                    <a:outerShdw blurRad="38100" dist="25400" dir="5400000" algn="ctr" rotWithShape="0">
+                      <a:srgbClr val="6E747A">
+                        <a:alpha val="43000"/>
+                      </a:srgbClr>
+                    </a:outerShdw>
+                  </a:effectLst>
+                  <a:latin typeface="+mn-lt"/>
+                  <a:ea typeface="+mn-ea"/>
+                  <a:cs typeface="+mn-cs"/>
+                </a:rPr>
+                <a:t>WoHowLearn</a:t>
+              </a:r>
+              <a:endParaRPr lang="zh-CN" altLang="en-US" sz="1600" b="0" kern="1200" cap="none" spc="0">
+                <a:ln w="0"/>
+                <a:solidFill>
+                  <a:schemeClr val="accent1"/>
+                </a:solidFill>
+                <a:effectLst>
+                  <a:outerShdw blurRad="38100" dist="25400" dir="5400000" algn="ctr" rotWithShape="0">
+                    <a:srgbClr val="6E747A">
+                      <a:alpha val="43000"/>
+                    </a:srgbClr>
+                  </a:outerShdw>
+                </a:effectLst>
+                <a:latin typeface="+mn-lt"/>
+                <a:ea typeface="+mn-ea"/>
+                <a:cs typeface="+mn-cs"/>
+              </a:endParaRPr>
+            </a:p>
+          </p:txBody>
+        </p:sp>
+      </p:grpSp>
     </p:spTree>
     <p:extLst>
       <p:ext uri="{BB962C8B-B14F-4D97-AF65-F5344CB8AC3E}">
-        <p14:creationId xmlns:p14="http://schemas.microsoft.com/office/powerpoint/2010/main" val="2775103138"/>
+        <p14:creationId xmlns:p14="http://schemas.microsoft.com/office/powerpoint/2010/main" val="1578030044"/>
       </p:ext>
     </p:extLst>
   </p:cSld>
@@ -5369,7 +9943,7 @@
           <a:p>
             <a:fld id="{A6A32591-B75F-4D46-9178-4E0BAB041F45}" type="datetime1">
               <a:rPr lang="zh-CN" altLang="en-US" smtClean="0"/>
-              <a:t>2018/2/23</a:t>
+              <a:t>2018/3/20</a:t>
             </a:fld>
             <a:endParaRPr lang="zh-CN" altLang="en-US"/>
           </a:p>
@@ -5508,10 +10082,425 @@
           </a:prstGeom>
         </p:spPr>
       </p:pic>
+      <p:grpSp>
+        <p:nvGrpSpPr>
+          <p:cNvPr id="14" name="组合 13">
+            <a:extLst>
+              <a:ext uri="{FF2B5EF4-FFF2-40B4-BE49-F238E27FC236}">
+                <a16:creationId xmlns:a16="http://schemas.microsoft.com/office/drawing/2014/main" id="{6E7D545C-C9DF-4FBA-A731-6E7529819D0D}"/>
+              </a:ext>
+            </a:extLst>
+          </p:cNvPr>
+          <p:cNvGrpSpPr/>
+          <p:nvPr/>
+        </p:nvGrpSpPr>
+        <p:grpSpPr>
+          <a:xfrm>
+            <a:off x="940819" y="13063"/>
+            <a:ext cx="10749432" cy="6881301"/>
+            <a:chOff x="940819" y="13063"/>
+            <a:chExt cx="10749432" cy="6881301"/>
+          </a:xfrm>
+        </p:grpSpPr>
+        <p:sp>
+          <p:nvSpPr>
+            <p:cNvPr id="15" name="矩形 14">
+              <a:extLst>
+                <a:ext uri="{FF2B5EF4-FFF2-40B4-BE49-F238E27FC236}">
+                  <a16:creationId xmlns:a16="http://schemas.microsoft.com/office/drawing/2014/main" id="{3C2E5A09-F3BA-4E2D-9AB4-827EBE5B50B0}"/>
+                </a:ext>
+              </a:extLst>
+            </p:cNvPr>
+            <p:cNvSpPr/>
+            <p:nvPr/>
+          </p:nvSpPr>
+          <p:spPr>
+            <a:xfrm>
+              <a:off x="940819" y="13063"/>
+              <a:ext cx="10151594" cy="461665"/>
+            </a:xfrm>
+            <a:prstGeom prst="rect">
+              <a:avLst/>
+            </a:prstGeom>
+            <a:noFill/>
+            <a:ln>
+              <a:noFill/>
+            </a:ln>
+            <a:effectLst>
+              <a:glow rad="228600">
+                <a:schemeClr val="accent6">
+                  <a:satMod val="175000"/>
+                  <a:alpha val="40000"/>
+                </a:schemeClr>
+              </a:glow>
+              <a:outerShdw blurRad="50800" dist="38100" dir="5400000" algn="t" rotWithShape="0">
+                <a:prstClr val="black">
+                  <a:alpha val="40000"/>
+                </a:prstClr>
+              </a:outerShdw>
+            </a:effectLst>
+            <a:scene3d>
+              <a:camera prst="orthographicFront">
+                <a:rot lat="0" lon="0" rev="0"/>
+              </a:camera>
+              <a:lightRig rig="contrasting" dir="t">
+                <a:rot lat="0" lon="0" rev="1500000"/>
+              </a:lightRig>
+            </a:scene3d>
+            <a:sp3d prstMaterial="metal">
+              <a:bevelT w="88900" h="88900"/>
+            </a:sp3d>
+          </p:spPr>
+          <p:txBody>
+            <a:bodyPr wrap="square" lIns="91440" tIns="45720" rIns="91440" bIns="45720">
+              <a:spAutoFit/>
+            </a:bodyPr>
+            <a:lstStyle/>
+            <a:p>
+              <a:pPr algn="ctr"/>
+              <a:r>
+                <a:rPr lang="zh-CN" altLang="en-US" sz="2400" b="0" cap="none" spc="0">
+                  <a:ln w="0"/>
+                  <a:solidFill>
+                    <a:schemeClr val="accent1"/>
+                  </a:solidFill>
+                  <a:effectLst>
+                    <a:outerShdw blurRad="38100" dist="25400" dir="5400000" algn="ctr" rotWithShape="0">
+                      <a:srgbClr val="6E747A">
+                        <a:alpha val="43000"/>
+                      </a:srgbClr>
+                    </a:outerShdw>
+                  </a:effectLst>
+                </a:rPr>
+                <a:t>本套教程为免费教程， 如若发现有盗用售卖者请联系作者</a:t>
+              </a:r>
+              <a:r>
+                <a:rPr lang="en-US" altLang="zh-CN" sz="2400" b="0" cap="none" spc="0">
+                  <a:ln w="0"/>
+                  <a:solidFill>
+                    <a:schemeClr val="accent1"/>
+                  </a:solidFill>
+                  <a:effectLst>
+                    <a:outerShdw blurRad="38100" dist="25400" dir="5400000" algn="ctr" rotWithShape="0">
+                      <a:srgbClr val="6E747A">
+                        <a:alpha val="43000"/>
+                      </a:srgbClr>
+                    </a:outerShdw>
+                  </a:effectLst>
+                </a:rPr>
+                <a:t>QQ 625781186</a:t>
+              </a:r>
+              <a:endParaRPr lang="zh-CN" altLang="en-US" sz="2400" b="0" cap="none" spc="0">
+                <a:ln w="0"/>
+                <a:solidFill>
+                  <a:schemeClr val="accent1"/>
+                </a:solidFill>
+                <a:effectLst>
+                  <a:outerShdw blurRad="38100" dist="25400" dir="5400000" algn="ctr" rotWithShape="0">
+                    <a:srgbClr val="6E747A">
+                      <a:alpha val="43000"/>
+                    </a:srgbClr>
+                  </a:outerShdw>
+                </a:effectLst>
+              </a:endParaRPr>
+            </a:p>
+          </p:txBody>
+        </p:sp>
+        <p:sp>
+          <p:nvSpPr>
+            <p:cNvPr id="16" name="矩形 15">
+              <a:extLst>
+                <a:ext uri="{FF2B5EF4-FFF2-40B4-BE49-F238E27FC236}">
+                  <a16:creationId xmlns:a16="http://schemas.microsoft.com/office/drawing/2014/main" id="{67956DF3-2B59-4DBC-801E-2E2BF602FA33}"/>
+                </a:ext>
+              </a:extLst>
+            </p:cNvPr>
+            <p:cNvSpPr/>
+            <p:nvPr/>
+          </p:nvSpPr>
+          <p:spPr>
+            <a:xfrm>
+              <a:off x="5684089" y="6169820"/>
+              <a:ext cx="795684" cy="707886"/>
+            </a:xfrm>
+            <a:prstGeom prst="rect">
+              <a:avLst/>
+            </a:prstGeom>
+            <a:noFill/>
+            <a:ln>
+              <a:noFill/>
+            </a:ln>
+            <a:effectLst>
+              <a:glow rad="228600">
+                <a:schemeClr val="accent6">
+                  <a:satMod val="175000"/>
+                  <a:alpha val="40000"/>
+                </a:schemeClr>
+              </a:glow>
+              <a:outerShdw blurRad="50800" dist="38100" dir="5400000" algn="t" rotWithShape="0">
+                <a:prstClr val="black">
+                  <a:alpha val="40000"/>
+                </a:prstClr>
+              </a:outerShdw>
+            </a:effectLst>
+            <a:scene3d>
+              <a:camera prst="orthographicFront">
+                <a:rot lat="0" lon="0" rev="0"/>
+              </a:camera>
+              <a:lightRig rig="contrasting" dir="t">
+                <a:rot lat="0" lon="0" rev="1500000"/>
+              </a:lightRig>
+            </a:scene3d>
+            <a:sp3d prstMaterial="metal">
+              <a:bevelT w="88900" h="88900"/>
+            </a:sp3d>
+          </p:spPr>
+          <p:txBody>
+            <a:bodyPr wrap="square" lIns="91440" tIns="45720" rIns="91440" bIns="45720">
+              <a:spAutoFit/>
+            </a:bodyPr>
+            <a:lstStyle/>
+            <a:p>
+              <a:pPr algn="ctr"/>
+              <a:r>
+                <a:rPr lang="zh-CN" altLang="en-US" sz="2000" b="0" cap="none" spc="0">
+                  <a:ln w="0"/>
+                  <a:solidFill>
+                    <a:schemeClr val="accent1"/>
+                  </a:solidFill>
+                  <a:effectLst>
+                    <a:outerShdw blurRad="38100" dist="25400" dir="5400000" algn="ctr" rotWithShape="0">
+                      <a:srgbClr val="6E747A">
+                        <a:alpha val="43000"/>
+                      </a:srgbClr>
+                    </a:outerShdw>
+                  </a:effectLst>
+                  <a:latin typeface="华文彩云" panose="02010800040101010101" pitchFamily="2" charset="-122"/>
+                  <a:ea typeface="华文彩云" panose="02010800040101010101" pitchFamily="2" charset="-122"/>
+                </a:rPr>
+                <a:t>关注</a:t>
+              </a:r>
+              <a:endParaRPr lang="en-US" altLang="zh-CN" sz="2000" b="0" cap="none" spc="0">
+                <a:ln w="0"/>
+                <a:solidFill>
+                  <a:schemeClr val="accent1"/>
+                </a:solidFill>
+                <a:effectLst>
+                  <a:outerShdw blurRad="38100" dist="25400" dir="5400000" algn="ctr" rotWithShape="0">
+                    <a:srgbClr val="6E747A">
+                      <a:alpha val="43000"/>
+                    </a:srgbClr>
+                  </a:outerShdw>
+                </a:effectLst>
+                <a:latin typeface="华文彩云" panose="02010800040101010101" pitchFamily="2" charset="-122"/>
+                <a:ea typeface="华文彩云" panose="02010800040101010101" pitchFamily="2" charset="-122"/>
+              </a:endParaRPr>
+            </a:p>
+            <a:p>
+              <a:pPr algn="ctr"/>
+              <a:r>
+                <a:rPr lang="zh-CN" altLang="en-US" sz="2000" b="0" cap="none" spc="0">
+                  <a:ln w="0"/>
+                  <a:solidFill>
+                    <a:schemeClr val="accent1"/>
+                  </a:solidFill>
+                  <a:effectLst>
+                    <a:outerShdw blurRad="38100" dist="25400" dir="5400000" algn="ctr" rotWithShape="0">
+                      <a:srgbClr val="6E747A">
+                        <a:alpha val="43000"/>
+                      </a:srgbClr>
+                    </a:outerShdw>
+                  </a:effectLst>
+                  <a:latin typeface="华文彩云" panose="02010800040101010101" pitchFamily="2" charset="-122"/>
+                  <a:ea typeface="华文彩云" panose="02010800040101010101" pitchFamily="2" charset="-122"/>
+                </a:rPr>
+                <a:t>打赏</a:t>
+              </a:r>
+            </a:p>
+          </p:txBody>
+        </p:sp>
+        <p:sp>
+          <p:nvSpPr>
+            <p:cNvPr id="17" name="矩形 16">
+              <a:extLst>
+                <a:ext uri="{FF2B5EF4-FFF2-40B4-BE49-F238E27FC236}">
+                  <a16:creationId xmlns:a16="http://schemas.microsoft.com/office/drawing/2014/main" id="{AED5C42D-1FC8-4626-965A-9EF838261C6A}"/>
+                </a:ext>
+              </a:extLst>
+            </p:cNvPr>
+            <p:cNvSpPr/>
+            <p:nvPr/>
+          </p:nvSpPr>
+          <p:spPr>
+            <a:xfrm>
+              <a:off x="8205848" y="6309589"/>
+              <a:ext cx="3484403" cy="584775"/>
+            </a:xfrm>
+            <a:prstGeom prst="rect">
+              <a:avLst/>
+            </a:prstGeom>
+            <a:noFill/>
+            <a:ln>
+              <a:noFill/>
+            </a:ln>
+            <a:effectLst>
+              <a:glow rad="228600">
+                <a:schemeClr val="accent6">
+                  <a:satMod val="175000"/>
+                  <a:alpha val="40000"/>
+                </a:schemeClr>
+              </a:glow>
+              <a:outerShdw blurRad="50800" dist="38100" dir="5400000" algn="t" rotWithShape="0">
+                <a:prstClr val="black">
+                  <a:alpha val="40000"/>
+                </a:prstClr>
+              </a:outerShdw>
+            </a:effectLst>
+            <a:scene3d>
+              <a:camera prst="orthographicFront">
+                <a:rot lat="0" lon="0" rev="0"/>
+              </a:camera>
+              <a:lightRig rig="contrasting" dir="t">
+                <a:rot lat="0" lon="0" rev="1500000"/>
+              </a:lightRig>
+            </a:scene3d>
+            <a:sp3d prstMaterial="metal">
+              <a:bevelT w="88900" h="88900"/>
+            </a:sp3d>
+          </p:spPr>
+          <p:txBody>
+            <a:bodyPr wrap="square" lIns="91440" tIns="45720" rIns="91440" bIns="45720">
+              <a:spAutoFit/>
+            </a:bodyPr>
+            <a:lstStyle/>
+            <a:p>
+              <a:pPr algn="l"/>
+              <a:r>
+                <a:rPr lang="en-US" altLang="zh-CN" sz="1600" b="0" cap="none" spc="0">
+                  <a:ln w="0"/>
+                  <a:solidFill>
+                    <a:schemeClr val="accent1"/>
+                  </a:solidFill>
+                  <a:effectLst>
+                    <a:outerShdw blurRad="38100" dist="25400" dir="5400000" algn="ctr" rotWithShape="0">
+                      <a:srgbClr val="6E747A">
+                        <a:alpha val="43000"/>
+                      </a:srgbClr>
+                    </a:outerShdw>
+                  </a:effectLst>
+                </a:rPr>
+                <a:t>1. Github.com/625781186</a:t>
+              </a:r>
+            </a:p>
+            <a:p>
+              <a:pPr algn="l"/>
+              <a:r>
+                <a:rPr lang="en-US" altLang="zh-CN" sz="1600" b="0" cap="none" spc="0">
+                  <a:ln w="0"/>
+                  <a:solidFill>
+                    <a:schemeClr val="accent1"/>
+                  </a:solidFill>
+                  <a:effectLst>
+                    <a:outerShdw blurRad="38100" dist="25400" dir="5400000" algn="ctr" rotWithShape="0">
+                      <a:srgbClr val="6E747A">
+                        <a:alpha val="43000"/>
+                      </a:srgbClr>
+                    </a:outerShdw>
+                  </a:effectLst>
+                </a:rPr>
+                <a:t>2. </a:t>
+              </a:r>
+              <a:r>
+                <a:rPr lang="zh-CN" altLang="en-US" sz="1600" b="0" cap="none" spc="0">
+                  <a:ln w="0"/>
+                  <a:solidFill>
+                    <a:schemeClr val="accent1"/>
+                  </a:solidFill>
+                  <a:effectLst>
+                    <a:outerShdw blurRad="38100" dist="25400" dir="5400000" algn="ctr" rotWithShape="0">
+                      <a:srgbClr val="6E747A">
+                        <a:alpha val="43000"/>
+                      </a:srgbClr>
+                    </a:outerShdw>
+                  </a:effectLst>
+                </a:rPr>
+                <a:t>简书 </a:t>
+              </a:r>
+              <a:r>
+                <a:rPr lang="en-US" altLang="zh-CN" sz="1600" b="0" cap="none" spc="0">
+                  <a:ln w="0"/>
+                  <a:solidFill>
+                    <a:schemeClr val="accent1"/>
+                  </a:solidFill>
+                  <a:effectLst>
+                    <a:outerShdw blurRad="38100" dist="25400" dir="5400000" algn="ctr" rotWithShape="0">
+                      <a:srgbClr val="6E747A">
+                        <a:alpha val="43000"/>
+                      </a:srgbClr>
+                    </a:outerShdw>
+                  </a:effectLst>
+                </a:rPr>
+                <a:t>/ </a:t>
+              </a:r>
+              <a:r>
+                <a:rPr lang="zh-CN" altLang="en-US" sz="1600" b="0" cap="none" spc="0">
+                  <a:ln w="0"/>
+                  <a:solidFill>
+                    <a:schemeClr val="accent1"/>
+                  </a:solidFill>
+                  <a:effectLst>
+                    <a:outerShdw blurRad="38100" dist="25400" dir="5400000" algn="ctr" rotWithShape="0">
+                      <a:srgbClr val="6E747A">
+                        <a:alpha val="43000"/>
+                      </a:srgbClr>
+                    </a:outerShdw>
+                  </a:effectLst>
+                </a:rPr>
+                <a:t>微信公众号 </a:t>
+              </a:r>
+              <a:r>
+                <a:rPr lang="en-US" altLang="zh-CN" sz="1600" b="0" kern="1200" cap="none" spc="0">
+                  <a:ln w="0"/>
+                  <a:solidFill>
+                    <a:schemeClr val="accent1"/>
+                  </a:solidFill>
+                  <a:effectLst>
+                    <a:outerShdw blurRad="38100" dist="25400" dir="5400000" algn="ctr" rotWithShape="0">
+                      <a:srgbClr val="6E747A">
+                        <a:alpha val="43000"/>
+                      </a:srgbClr>
+                    </a:outerShdw>
+                  </a:effectLst>
+                  <a:latin typeface="+mn-lt"/>
+                  <a:ea typeface="+mn-ea"/>
+                  <a:cs typeface="+mn-cs"/>
+                </a:rPr>
+                <a:t>WoHowLearn</a:t>
+              </a:r>
+              <a:endParaRPr lang="zh-CN" altLang="en-US" sz="1600" b="0" kern="1200" cap="none" spc="0">
+                <a:ln w="0"/>
+                <a:solidFill>
+                  <a:schemeClr val="accent1"/>
+                </a:solidFill>
+                <a:effectLst>
+                  <a:outerShdw blurRad="38100" dist="25400" dir="5400000" algn="ctr" rotWithShape="0">
+                    <a:srgbClr val="6E747A">
+                      <a:alpha val="43000"/>
+                    </a:srgbClr>
+                  </a:outerShdw>
+                </a:effectLst>
+                <a:latin typeface="+mn-lt"/>
+                <a:ea typeface="+mn-ea"/>
+                <a:cs typeface="+mn-cs"/>
+              </a:endParaRPr>
+            </a:p>
+          </p:txBody>
+        </p:sp>
+      </p:grpSp>
     </p:spTree>
     <p:extLst>
       <p:ext uri="{BB962C8B-B14F-4D97-AF65-F5344CB8AC3E}">
-        <p14:creationId xmlns:p14="http://schemas.microsoft.com/office/powerpoint/2010/main" val="408727322"/>
+        <p14:creationId xmlns:p14="http://schemas.microsoft.com/office/powerpoint/2010/main" val="1660018510"/>
       </p:ext>
     </p:extLst>
   </p:cSld>
@@ -5578,7 +10567,7 @@
           <a:p>
             <a:fld id="{FB1C2160-8FD2-42A7-A40F-6DDBC91357BA}" type="datetime1">
               <a:rPr lang="zh-CN" altLang="en-US" smtClean="0"/>
-              <a:t>2018/2/23</a:t>
+              <a:t>2018/3/20</a:t>
             </a:fld>
             <a:endParaRPr lang="zh-CN" altLang="en-US"/>
           </a:p>
@@ -5717,10 +10706,425 @@
           </a:prstGeom>
         </p:spPr>
       </p:pic>
+      <p:grpSp>
+        <p:nvGrpSpPr>
+          <p:cNvPr id="10" name="组合 9">
+            <a:extLst>
+              <a:ext uri="{FF2B5EF4-FFF2-40B4-BE49-F238E27FC236}">
+                <a16:creationId xmlns:a16="http://schemas.microsoft.com/office/drawing/2014/main" id="{44CCB574-BF20-4C0E-8714-92820E8585B8}"/>
+              </a:ext>
+            </a:extLst>
+          </p:cNvPr>
+          <p:cNvGrpSpPr/>
+          <p:nvPr/>
+        </p:nvGrpSpPr>
+        <p:grpSpPr>
+          <a:xfrm>
+            <a:off x="940819" y="13063"/>
+            <a:ext cx="10749432" cy="6881301"/>
+            <a:chOff x="940819" y="13063"/>
+            <a:chExt cx="10749432" cy="6881301"/>
+          </a:xfrm>
+        </p:grpSpPr>
+        <p:sp>
+          <p:nvSpPr>
+            <p:cNvPr id="11" name="矩形 10">
+              <a:extLst>
+                <a:ext uri="{FF2B5EF4-FFF2-40B4-BE49-F238E27FC236}">
+                  <a16:creationId xmlns:a16="http://schemas.microsoft.com/office/drawing/2014/main" id="{C7ED04E2-46E8-417C-BFAF-E4646BF99DDC}"/>
+                </a:ext>
+              </a:extLst>
+            </p:cNvPr>
+            <p:cNvSpPr/>
+            <p:nvPr/>
+          </p:nvSpPr>
+          <p:spPr>
+            <a:xfrm>
+              <a:off x="940819" y="13063"/>
+              <a:ext cx="10151594" cy="461665"/>
+            </a:xfrm>
+            <a:prstGeom prst="rect">
+              <a:avLst/>
+            </a:prstGeom>
+            <a:noFill/>
+            <a:ln>
+              <a:noFill/>
+            </a:ln>
+            <a:effectLst>
+              <a:glow rad="228600">
+                <a:schemeClr val="accent6">
+                  <a:satMod val="175000"/>
+                  <a:alpha val="40000"/>
+                </a:schemeClr>
+              </a:glow>
+              <a:outerShdw blurRad="50800" dist="38100" dir="5400000" algn="t" rotWithShape="0">
+                <a:prstClr val="black">
+                  <a:alpha val="40000"/>
+                </a:prstClr>
+              </a:outerShdw>
+            </a:effectLst>
+            <a:scene3d>
+              <a:camera prst="orthographicFront">
+                <a:rot lat="0" lon="0" rev="0"/>
+              </a:camera>
+              <a:lightRig rig="contrasting" dir="t">
+                <a:rot lat="0" lon="0" rev="1500000"/>
+              </a:lightRig>
+            </a:scene3d>
+            <a:sp3d prstMaterial="metal">
+              <a:bevelT w="88900" h="88900"/>
+            </a:sp3d>
+          </p:spPr>
+          <p:txBody>
+            <a:bodyPr wrap="square" lIns="91440" tIns="45720" rIns="91440" bIns="45720">
+              <a:spAutoFit/>
+            </a:bodyPr>
+            <a:lstStyle/>
+            <a:p>
+              <a:pPr algn="ctr"/>
+              <a:r>
+                <a:rPr lang="zh-CN" altLang="en-US" sz="2400" b="0" cap="none" spc="0">
+                  <a:ln w="0"/>
+                  <a:solidFill>
+                    <a:schemeClr val="accent1"/>
+                  </a:solidFill>
+                  <a:effectLst>
+                    <a:outerShdw blurRad="38100" dist="25400" dir="5400000" algn="ctr" rotWithShape="0">
+                      <a:srgbClr val="6E747A">
+                        <a:alpha val="43000"/>
+                      </a:srgbClr>
+                    </a:outerShdw>
+                  </a:effectLst>
+                </a:rPr>
+                <a:t>本套教程为免费教程， 如若发现有盗用售卖者请联系作者</a:t>
+              </a:r>
+              <a:r>
+                <a:rPr lang="en-US" altLang="zh-CN" sz="2400" b="0" cap="none" spc="0">
+                  <a:ln w="0"/>
+                  <a:solidFill>
+                    <a:schemeClr val="accent1"/>
+                  </a:solidFill>
+                  <a:effectLst>
+                    <a:outerShdw blurRad="38100" dist="25400" dir="5400000" algn="ctr" rotWithShape="0">
+                      <a:srgbClr val="6E747A">
+                        <a:alpha val="43000"/>
+                      </a:srgbClr>
+                    </a:outerShdw>
+                  </a:effectLst>
+                </a:rPr>
+                <a:t>QQ 625781186</a:t>
+              </a:r>
+              <a:endParaRPr lang="zh-CN" altLang="en-US" sz="2400" b="0" cap="none" spc="0">
+                <a:ln w="0"/>
+                <a:solidFill>
+                  <a:schemeClr val="accent1"/>
+                </a:solidFill>
+                <a:effectLst>
+                  <a:outerShdw blurRad="38100" dist="25400" dir="5400000" algn="ctr" rotWithShape="0">
+                    <a:srgbClr val="6E747A">
+                      <a:alpha val="43000"/>
+                    </a:srgbClr>
+                  </a:outerShdw>
+                </a:effectLst>
+              </a:endParaRPr>
+            </a:p>
+          </p:txBody>
+        </p:sp>
+        <p:sp>
+          <p:nvSpPr>
+            <p:cNvPr id="12" name="矩形 11">
+              <a:extLst>
+                <a:ext uri="{FF2B5EF4-FFF2-40B4-BE49-F238E27FC236}">
+                  <a16:creationId xmlns:a16="http://schemas.microsoft.com/office/drawing/2014/main" id="{7939432D-F600-4B61-B3FF-3C1DCDFA4C4A}"/>
+                </a:ext>
+              </a:extLst>
+            </p:cNvPr>
+            <p:cNvSpPr/>
+            <p:nvPr/>
+          </p:nvSpPr>
+          <p:spPr>
+            <a:xfrm>
+              <a:off x="5684089" y="6169820"/>
+              <a:ext cx="795684" cy="707886"/>
+            </a:xfrm>
+            <a:prstGeom prst="rect">
+              <a:avLst/>
+            </a:prstGeom>
+            <a:noFill/>
+            <a:ln>
+              <a:noFill/>
+            </a:ln>
+            <a:effectLst>
+              <a:glow rad="228600">
+                <a:schemeClr val="accent6">
+                  <a:satMod val="175000"/>
+                  <a:alpha val="40000"/>
+                </a:schemeClr>
+              </a:glow>
+              <a:outerShdw blurRad="50800" dist="38100" dir="5400000" algn="t" rotWithShape="0">
+                <a:prstClr val="black">
+                  <a:alpha val="40000"/>
+                </a:prstClr>
+              </a:outerShdw>
+            </a:effectLst>
+            <a:scene3d>
+              <a:camera prst="orthographicFront">
+                <a:rot lat="0" lon="0" rev="0"/>
+              </a:camera>
+              <a:lightRig rig="contrasting" dir="t">
+                <a:rot lat="0" lon="0" rev="1500000"/>
+              </a:lightRig>
+            </a:scene3d>
+            <a:sp3d prstMaterial="metal">
+              <a:bevelT w="88900" h="88900"/>
+            </a:sp3d>
+          </p:spPr>
+          <p:txBody>
+            <a:bodyPr wrap="square" lIns="91440" tIns="45720" rIns="91440" bIns="45720">
+              <a:spAutoFit/>
+            </a:bodyPr>
+            <a:lstStyle/>
+            <a:p>
+              <a:pPr algn="ctr"/>
+              <a:r>
+                <a:rPr lang="zh-CN" altLang="en-US" sz="2000" b="0" cap="none" spc="0">
+                  <a:ln w="0"/>
+                  <a:solidFill>
+                    <a:schemeClr val="accent1"/>
+                  </a:solidFill>
+                  <a:effectLst>
+                    <a:outerShdw blurRad="38100" dist="25400" dir="5400000" algn="ctr" rotWithShape="0">
+                      <a:srgbClr val="6E747A">
+                        <a:alpha val="43000"/>
+                      </a:srgbClr>
+                    </a:outerShdw>
+                  </a:effectLst>
+                  <a:latin typeface="华文彩云" panose="02010800040101010101" pitchFamily="2" charset="-122"/>
+                  <a:ea typeface="华文彩云" panose="02010800040101010101" pitchFamily="2" charset="-122"/>
+                </a:rPr>
+                <a:t>关注</a:t>
+              </a:r>
+              <a:endParaRPr lang="en-US" altLang="zh-CN" sz="2000" b="0" cap="none" spc="0">
+                <a:ln w="0"/>
+                <a:solidFill>
+                  <a:schemeClr val="accent1"/>
+                </a:solidFill>
+                <a:effectLst>
+                  <a:outerShdw blurRad="38100" dist="25400" dir="5400000" algn="ctr" rotWithShape="0">
+                    <a:srgbClr val="6E747A">
+                      <a:alpha val="43000"/>
+                    </a:srgbClr>
+                  </a:outerShdw>
+                </a:effectLst>
+                <a:latin typeface="华文彩云" panose="02010800040101010101" pitchFamily="2" charset="-122"/>
+                <a:ea typeface="华文彩云" panose="02010800040101010101" pitchFamily="2" charset="-122"/>
+              </a:endParaRPr>
+            </a:p>
+            <a:p>
+              <a:pPr algn="ctr"/>
+              <a:r>
+                <a:rPr lang="zh-CN" altLang="en-US" sz="2000" b="0" cap="none" spc="0">
+                  <a:ln w="0"/>
+                  <a:solidFill>
+                    <a:schemeClr val="accent1"/>
+                  </a:solidFill>
+                  <a:effectLst>
+                    <a:outerShdw blurRad="38100" dist="25400" dir="5400000" algn="ctr" rotWithShape="0">
+                      <a:srgbClr val="6E747A">
+                        <a:alpha val="43000"/>
+                      </a:srgbClr>
+                    </a:outerShdw>
+                  </a:effectLst>
+                  <a:latin typeface="华文彩云" panose="02010800040101010101" pitchFamily="2" charset="-122"/>
+                  <a:ea typeface="华文彩云" panose="02010800040101010101" pitchFamily="2" charset="-122"/>
+                </a:rPr>
+                <a:t>打赏</a:t>
+              </a:r>
+            </a:p>
+          </p:txBody>
+        </p:sp>
+        <p:sp>
+          <p:nvSpPr>
+            <p:cNvPr id="13" name="矩形 12">
+              <a:extLst>
+                <a:ext uri="{FF2B5EF4-FFF2-40B4-BE49-F238E27FC236}">
+                  <a16:creationId xmlns:a16="http://schemas.microsoft.com/office/drawing/2014/main" id="{4A44245A-8376-464D-B0F8-9E98D2855DDA}"/>
+                </a:ext>
+              </a:extLst>
+            </p:cNvPr>
+            <p:cNvSpPr/>
+            <p:nvPr/>
+          </p:nvSpPr>
+          <p:spPr>
+            <a:xfrm>
+              <a:off x="8205848" y="6309589"/>
+              <a:ext cx="3484403" cy="584775"/>
+            </a:xfrm>
+            <a:prstGeom prst="rect">
+              <a:avLst/>
+            </a:prstGeom>
+            <a:noFill/>
+            <a:ln>
+              <a:noFill/>
+            </a:ln>
+            <a:effectLst>
+              <a:glow rad="228600">
+                <a:schemeClr val="accent6">
+                  <a:satMod val="175000"/>
+                  <a:alpha val="40000"/>
+                </a:schemeClr>
+              </a:glow>
+              <a:outerShdw blurRad="50800" dist="38100" dir="5400000" algn="t" rotWithShape="0">
+                <a:prstClr val="black">
+                  <a:alpha val="40000"/>
+                </a:prstClr>
+              </a:outerShdw>
+            </a:effectLst>
+            <a:scene3d>
+              <a:camera prst="orthographicFront">
+                <a:rot lat="0" lon="0" rev="0"/>
+              </a:camera>
+              <a:lightRig rig="contrasting" dir="t">
+                <a:rot lat="0" lon="0" rev="1500000"/>
+              </a:lightRig>
+            </a:scene3d>
+            <a:sp3d prstMaterial="metal">
+              <a:bevelT w="88900" h="88900"/>
+            </a:sp3d>
+          </p:spPr>
+          <p:txBody>
+            <a:bodyPr wrap="square" lIns="91440" tIns="45720" rIns="91440" bIns="45720">
+              <a:spAutoFit/>
+            </a:bodyPr>
+            <a:lstStyle/>
+            <a:p>
+              <a:pPr algn="l"/>
+              <a:r>
+                <a:rPr lang="en-US" altLang="zh-CN" sz="1600" b="0" cap="none" spc="0">
+                  <a:ln w="0"/>
+                  <a:solidFill>
+                    <a:schemeClr val="accent1"/>
+                  </a:solidFill>
+                  <a:effectLst>
+                    <a:outerShdw blurRad="38100" dist="25400" dir="5400000" algn="ctr" rotWithShape="0">
+                      <a:srgbClr val="6E747A">
+                        <a:alpha val="43000"/>
+                      </a:srgbClr>
+                    </a:outerShdw>
+                  </a:effectLst>
+                </a:rPr>
+                <a:t>1. Github.com/625781186</a:t>
+              </a:r>
+            </a:p>
+            <a:p>
+              <a:pPr algn="l"/>
+              <a:r>
+                <a:rPr lang="en-US" altLang="zh-CN" sz="1600" b="0" cap="none" spc="0">
+                  <a:ln w="0"/>
+                  <a:solidFill>
+                    <a:schemeClr val="accent1"/>
+                  </a:solidFill>
+                  <a:effectLst>
+                    <a:outerShdw blurRad="38100" dist="25400" dir="5400000" algn="ctr" rotWithShape="0">
+                      <a:srgbClr val="6E747A">
+                        <a:alpha val="43000"/>
+                      </a:srgbClr>
+                    </a:outerShdw>
+                  </a:effectLst>
+                </a:rPr>
+                <a:t>2. </a:t>
+              </a:r>
+              <a:r>
+                <a:rPr lang="zh-CN" altLang="en-US" sz="1600" b="0" cap="none" spc="0">
+                  <a:ln w="0"/>
+                  <a:solidFill>
+                    <a:schemeClr val="accent1"/>
+                  </a:solidFill>
+                  <a:effectLst>
+                    <a:outerShdw blurRad="38100" dist="25400" dir="5400000" algn="ctr" rotWithShape="0">
+                      <a:srgbClr val="6E747A">
+                        <a:alpha val="43000"/>
+                      </a:srgbClr>
+                    </a:outerShdw>
+                  </a:effectLst>
+                </a:rPr>
+                <a:t>简书 </a:t>
+              </a:r>
+              <a:r>
+                <a:rPr lang="en-US" altLang="zh-CN" sz="1600" b="0" cap="none" spc="0">
+                  <a:ln w="0"/>
+                  <a:solidFill>
+                    <a:schemeClr val="accent1"/>
+                  </a:solidFill>
+                  <a:effectLst>
+                    <a:outerShdw blurRad="38100" dist="25400" dir="5400000" algn="ctr" rotWithShape="0">
+                      <a:srgbClr val="6E747A">
+                        <a:alpha val="43000"/>
+                      </a:srgbClr>
+                    </a:outerShdw>
+                  </a:effectLst>
+                </a:rPr>
+                <a:t>/ </a:t>
+              </a:r>
+              <a:r>
+                <a:rPr lang="zh-CN" altLang="en-US" sz="1600" b="0" cap="none" spc="0">
+                  <a:ln w="0"/>
+                  <a:solidFill>
+                    <a:schemeClr val="accent1"/>
+                  </a:solidFill>
+                  <a:effectLst>
+                    <a:outerShdw blurRad="38100" dist="25400" dir="5400000" algn="ctr" rotWithShape="0">
+                      <a:srgbClr val="6E747A">
+                        <a:alpha val="43000"/>
+                      </a:srgbClr>
+                    </a:outerShdw>
+                  </a:effectLst>
+                </a:rPr>
+                <a:t>微信公众号 </a:t>
+              </a:r>
+              <a:r>
+                <a:rPr lang="en-US" altLang="zh-CN" sz="1600" b="0" kern="1200" cap="none" spc="0">
+                  <a:ln w="0"/>
+                  <a:solidFill>
+                    <a:schemeClr val="accent1"/>
+                  </a:solidFill>
+                  <a:effectLst>
+                    <a:outerShdw blurRad="38100" dist="25400" dir="5400000" algn="ctr" rotWithShape="0">
+                      <a:srgbClr val="6E747A">
+                        <a:alpha val="43000"/>
+                      </a:srgbClr>
+                    </a:outerShdw>
+                  </a:effectLst>
+                  <a:latin typeface="+mn-lt"/>
+                  <a:ea typeface="+mn-ea"/>
+                  <a:cs typeface="+mn-cs"/>
+                </a:rPr>
+                <a:t>WoHowLearn</a:t>
+              </a:r>
+              <a:endParaRPr lang="zh-CN" altLang="en-US" sz="1600" b="0" kern="1200" cap="none" spc="0">
+                <a:ln w="0"/>
+                <a:solidFill>
+                  <a:schemeClr val="accent1"/>
+                </a:solidFill>
+                <a:effectLst>
+                  <a:outerShdw blurRad="38100" dist="25400" dir="5400000" algn="ctr" rotWithShape="0">
+                    <a:srgbClr val="6E747A">
+                      <a:alpha val="43000"/>
+                    </a:srgbClr>
+                  </a:outerShdw>
+                </a:effectLst>
+                <a:latin typeface="+mn-lt"/>
+                <a:ea typeface="+mn-ea"/>
+                <a:cs typeface="+mn-cs"/>
+              </a:endParaRPr>
+            </a:p>
+          </p:txBody>
+        </p:sp>
+      </p:grpSp>
     </p:spTree>
     <p:extLst>
       <p:ext uri="{BB962C8B-B14F-4D97-AF65-F5344CB8AC3E}">
-        <p14:creationId xmlns:p14="http://schemas.microsoft.com/office/powerpoint/2010/main" val="559870084"/>
+        <p14:creationId xmlns:p14="http://schemas.microsoft.com/office/powerpoint/2010/main" val="4114810775"/>
       </p:ext>
     </p:extLst>
   </p:cSld>
@@ -5764,7 +11168,7 @@
           <a:p>
             <a:fld id="{93433719-0C7E-4F01-AB41-39699E2326DB}" type="datetime1">
               <a:rPr lang="zh-CN" altLang="en-US" smtClean="0"/>
-              <a:t>2018/2/23</a:t>
+              <a:t>2018/3/20</a:t>
             </a:fld>
             <a:endParaRPr lang="zh-CN" altLang="en-US"/>
           </a:p>
@@ -5872,10 +11276,425 @@
           </a:prstGeom>
         </p:spPr>
       </p:pic>
+      <p:grpSp>
+        <p:nvGrpSpPr>
+          <p:cNvPr id="7" name="组合 6">
+            <a:extLst>
+              <a:ext uri="{FF2B5EF4-FFF2-40B4-BE49-F238E27FC236}">
+                <a16:creationId xmlns:a16="http://schemas.microsoft.com/office/drawing/2014/main" id="{3CAB33E1-A10A-42E1-A922-8B9C13ACF4A6}"/>
+              </a:ext>
+            </a:extLst>
+          </p:cNvPr>
+          <p:cNvGrpSpPr/>
+          <p:nvPr/>
+        </p:nvGrpSpPr>
+        <p:grpSpPr>
+          <a:xfrm>
+            <a:off x="940819" y="13063"/>
+            <a:ext cx="10749432" cy="6881301"/>
+            <a:chOff x="940819" y="13063"/>
+            <a:chExt cx="10749432" cy="6881301"/>
+          </a:xfrm>
+        </p:grpSpPr>
+        <p:sp>
+          <p:nvSpPr>
+            <p:cNvPr id="8" name="矩形 7">
+              <a:extLst>
+                <a:ext uri="{FF2B5EF4-FFF2-40B4-BE49-F238E27FC236}">
+                  <a16:creationId xmlns:a16="http://schemas.microsoft.com/office/drawing/2014/main" id="{E21C1ACF-3D8C-4E93-9578-3197E63F0CF9}"/>
+                </a:ext>
+              </a:extLst>
+            </p:cNvPr>
+            <p:cNvSpPr/>
+            <p:nvPr/>
+          </p:nvSpPr>
+          <p:spPr>
+            <a:xfrm>
+              <a:off x="940819" y="13063"/>
+              <a:ext cx="10151594" cy="461665"/>
+            </a:xfrm>
+            <a:prstGeom prst="rect">
+              <a:avLst/>
+            </a:prstGeom>
+            <a:noFill/>
+            <a:ln>
+              <a:noFill/>
+            </a:ln>
+            <a:effectLst>
+              <a:glow rad="228600">
+                <a:schemeClr val="accent6">
+                  <a:satMod val="175000"/>
+                  <a:alpha val="40000"/>
+                </a:schemeClr>
+              </a:glow>
+              <a:outerShdw blurRad="50800" dist="38100" dir="5400000" algn="t" rotWithShape="0">
+                <a:prstClr val="black">
+                  <a:alpha val="40000"/>
+                </a:prstClr>
+              </a:outerShdw>
+            </a:effectLst>
+            <a:scene3d>
+              <a:camera prst="orthographicFront">
+                <a:rot lat="0" lon="0" rev="0"/>
+              </a:camera>
+              <a:lightRig rig="contrasting" dir="t">
+                <a:rot lat="0" lon="0" rev="1500000"/>
+              </a:lightRig>
+            </a:scene3d>
+            <a:sp3d prstMaterial="metal">
+              <a:bevelT w="88900" h="88900"/>
+            </a:sp3d>
+          </p:spPr>
+          <p:txBody>
+            <a:bodyPr wrap="square" lIns="91440" tIns="45720" rIns="91440" bIns="45720">
+              <a:spAutoFit/>
+            </a:bodyPr>
+            <a:lstStyle/>
+            <a:p>
+              <a:pPr algn="ctr"/>
+              <a:r>
+                <a:rPr lang="zh-CN" altLang="en-US" sz="2400" b="0" cap="none" spc="0">
+                  <a:ln w="0"/>
+                  <a:solidFill>
+                    <a:schemeClr val="accent1"/>
+                  </a:solidFill>
+                  <a:effectLst>
+                    <a:outerShdw blurRad="38100" dist="25400" dir="5400000" algn="ctr" rotWithShape="0">
+                      <a:srgbClr val="6E747A">
+                        <a:alpha val="43000"/>
+                      </a:srgbClr>
+                    </a:outerShdw>
+                  </a:effectLst>
+                </a:rPr>
+                <a:t>本套教程为免费教程， 如若发现有盗用售卖者请联系作者</a:t>
+              </a:r>
+              <a:r>
+                <a:rPr lang="en-US" altLang="zh-CN" sz="2400" b="0" cap="none" spc="0">
+                  <a:ln w="0"/>
+                  <a:solidFill>
+                    <a:schemeClr val="accent1"/>
+                  </a:solidFill>
+                  <a:effectLst>
+                    <a:outerShdw blurRad="38100" dist="25400" dir="5400000" algn="ctr" rotWithShape="0">
+                      <a:srgbClr val="6E747A">
+                        <a:alpha val="43000"/>
+                      </a:srgbClr>
+                    </a:outerShdw>
+                  </a:effectLst>
+                </a:rPr>
+                <a:t>QQ 625781186</a:t>
+              </a:r>
+              <a:endParaRPr lang="zh-CN" altLang="en-US" sz="2400" b="0" cap="none" spc="0">
+                <a:ln w="0"/>
+                <a:solidFill>
+                  <a:schemeClr val="accent1"/>
+                </a:solidFill>
+                <a:effectLst>
+                  <a:outerShdw blurRad="38100" dist="25400" dir="5400000" algn="ctr" rotWithShape="0">
+                    <a:srgbClr val="6E747A">
+                      <a:alpha val="43000"/>
+                    </a:srgbClr>
+                  </a:outerShdw>
+                </a:effectLst>
+              </a:endParaRPr>
+            </a:p>
+          </p:txBody>
+        </p:sp>
+        <p:sp>
+          <p:nvSpPr>
+            <p:cNvPr id="9" name="矩形 8">
+              <a:extLst>
+                <a:ext uri="{FF2B5EF4-FFF2-40B4-BE49-F238E27FC236}">
+                  <a16:creationId xmlns:a16="http://schemas.microsoft.com/office/drawing/2014/main" id="{F2183B2D-4D80-4836-BA70-50FC8B257F5C}"/>
+                </a:ext>
+              </a:extLst>
+            </p:cNvPr>
+            <p:cNvSpPr/>
+            <p:nvPr/>
+          </p:nvSpPr>
+          <p:spPr>
+            <a:xfrm>
+              <a:off x="5684089" y="6169820"/>
+              <a:ext cx="795684" cy="707886"/>
+            </a:xfrm>
+            <a:prstGeom prst="rect">
+              <a:avLst/>
+            </a:prstGeom>
+            <a:noFill/>
+            <a:ln>
+              <a:noFill/>
+            </a:ln>
+            <a:effectLst>
+              <a:glow rad="228600">
+                <a:schemeClr val="accent6">
+                  <a:satMod val="175000"/>
+                  <a:alpha val="40000"/>
+                </a:schemeClr>
+              </a:glow>
+              <a:outerShdw blurRad="50800" dist="38100" dir="5400000" algn="t" rotWithShape="0">
+                <a:prstClr val="black">
+                  <a:alpha val="40000"/>
+                </a:prstClr>
+              </a:outerShdw>
+            </a:effectLst>
+            <a:scene3d>
+              <a:camera prst="orthographicFront">
+                <a:rot lat="0" lon="0" rev="0"/>
+              </a:camera>
+              <a:lightRig rig="contrasting" dir="t">
+                <a:rot lat="0" lon="0" rev="1500000"/>
+              </a:lightRig>
+            </a:scene3d>
+            <a:sp3d prstMaterial="metal">
+              <a:bevelT w="88900" h="88900"/>
+            </a:sp3d>
+          </p:spPr>
+          <p:txBody>
+            <a:bodyPr wrap="square" lIns="91440" tIns="45720" rIns="91440" bIns="45720">
+              <a:spAutoFit/>
+            </a:bodyPr>
+            <a:lstStyle/>
+            <a:p>
+              <a:pPr algn="ctr"/>
+              <a:r>
+                <a:rPr lang="zh-CN" altLang="en-US" sz="2000" b="0" cap="none" spc="0">
+                  <a:ln w="0"/>
+                  <a:solidFill>
+                    <a:schemeClr val="accent1"/>
+                  </a:solidFill>
+                  <a:effectLst>
+                    <a:outerShdw blurRad="38100" dist="25400" dir="5400000" algn="ctr" rotWithShape="0">
+                      <a:srgbClr val="6E747A">
+                        <a:alpha val="43000"/>
+                      </a:srgbClr>
+                    </a:outerShdw>
+                  </a:effectLst>
+                  <a:latin typeface="华文彩云" panose="02010800040101010101" pitchFamily="2" charset="-122"/>
+                  <a:ea typeface="华文彩云" panose="02010800040101010101" pitchFamily="2" charset="-122"/>
+                </a:rPr>
+                <a:t>关注</a:t>
+              </a:r>
+              <a:endParaRPr lang="en-US" altLang="zh-CN" sz="2000" b="0" cap="none" spc="0">
+                <a:ln w="0"/>
+                <a:solidFill>
+                  <a:schemeClr val="accent1"/>
+                </a:solidFill>
+                <a:effectLst>
+                  <a:outerShdw blurRad="38100" dist="25400" dir="5400000" algn="ctr" rotWithShape="0">
+                    <a:srgbClr val="6E747A">
+                      <a:alpha val="43000"/>
+                    </a:srgbClr>
+                  </a:outerShdw>
+                </a:effectLst>
+                <a:latin typeface="华文彩云" panose="02010800040101010101" pitchFamily="2" charset="-122"/>
+                <a:ea typeface="华文彩云" panose="02010800040101010101" pitchFamily="2" charset="-122"/>
+              </a:endParaRPr>
+            </a:p>
+            <a:p>
+              <a:pPr algn="ctr"/>
+              <a:r>
+                <a:rPr lang="zh-CN" altLang="en-US" sz="2000" b="0" cap="none" spc="0">
+                  <a:ln w="0"/>
+                  <a:solidFill>
+                    <a:schemeClr val="accent1"/>
+                  </a:solidFill>
+                  <a:effectLst>
+                    <a:outerShdw blurRad="38100" dist="25400" dir="5400000" algn="ctr" rotWithShape="0">
+                      <a:srgbClr val="6E747A">
+                        <a:alpha val="43000"/>
+                      </a:srgbClr>
+                    </a:outerShdw>
+                  </a:effectLst>
+                  <a:latin typeface="华文彩云" panose="02010800040101010101" pitchFamily="2" charset="-122"/>
+                  <a:ea typeface="华文彩云" panose="02010800040101010101" pitchFamily="2" charset="-122"/>
+                </a:rPr>
+                <a:t>打赏</a:t>
+              </a:r>
+            </a:p>
+          </p:txBody>
+        </p:sp>
+        <p:sp>
+          <p:nvSpPr>
+            <p:cNvPr id="10" name="矩形 9">
+              <a:extLst>
+                <a:ext uri="{FF2B5EF4-FFF2-40B4-BE49-F238E27FC236}">
+                  <a16:creationId xmlns:a16="http://schemas.microsoft.com/office/drawing/2014/main" id="{62F496EF-10A1-4030-80AC-3502436D5C67}"/>
+                </a:ext>
+              </a:extLst>
+            </p:cNvPr>
+            <p:cNvSpPr/>
+            <p:nvPr/>
+          </p:nvSpPr>
+          <p:spPr>
+            <a:xfrm>
+              <a:off x="8205848" y="6309589"/>
+              <a:ext cx="3484403" cy="584775"/>
+            </a:xfrm>
+            <a:prstGeom prst="rect">
+              <a:avLst/>
+            </a:prstGeom>
+            <a:noFill/>
+            <a:ln>
+              <a:noFill/>
+            </a:ln>
+            <a:effectLst>
+              <a:glow rad="228600">
+                <a:schemeClr val="accent6">
+                  <a:satMod val="175000"/>
+                  <a:alpha val="40000"/>
+                </a:schemeClr>
+              </a:glow>
+              <a:outerShdw blurRad="50800" dist="38100" dir="5400000" algn="t" rotWithShape="0">
+                <a:prstClr val="black">
+                  <a:alpha val="40000"/>
+                </a:prstClr>
+              </a:outerShdw>
+            </a:effectLst>
+            <a:scene3d>
+              <a:camera prst="orthographicFront">
+                <a:rot lat="0" lon="0" rev="0"/>
+              </a:camera>
+              <a:lightRig rig="contrasting" dir="t">
+                <a:rot lat="0" lon="0" rev="1500000"/>
+              </a:lightRig>
+            </a:scene3d>
+            <a:sp3d prstMaterial="metal">
+              <a:bevelT w="88900" h="88900"/>
+            </a:sp3d>
+          </p:spPr>
+          <p:txBody>
+            <a:bodyPr wrap="square" lIns="91440" tIns="45720" rIns="91440" bIns="45720">
+              <a:spAutoFit/>
+            </a:bodyPr>
+            <a:lstStyle/>
+            <a:p>
+              <a:pPr algn="l"/>
+              <a:r>
+                <a:rPr lang="en-US" altLang="zh-CN" sz="1600" b="0" cap="none" spc="0">
+                  <a:ln w="0"/>
+                  <a:solidFill>
+                    <a:schemeClr val="accent1"/>
+                  </a:solidFill>
+                  <a:effectLst>
+                    <a:outerShdw blurRad="38100" dist="25400" dir="5400000" algn="ctr" rotWithShape="0">
+                      <a:srgbClr val="6E747A">
+                        <a:alpha val="43000"/>
+                      </a:srgbClr>
+                    </a:outerShdw>
+                  </a:effectLst>
+                </a:rPr>
+                <a:t>1. Github.com/625781186</a:t>
+              </a:r>
+            </a:p>
+            <a:p>
+              <a:pPr algn="l"/>
+              <a:r>
+                <a:rPr lang="en-US" altLang="zh-CN" sz="1600" b="0" cap="none" spc="0">
+                  <a:ln w="0"/>
+                  <a:solidFill>
+                    <a:schemeClr val="accent1"/>
+                  </a:solidFill>
+                  <a:effectLst>
+                    <a:outerShdw blurRad="38100" dist="25400" dir="5400000" algn="ctr" rotWithShape="0">
+                      <a:srgbClr val="6E747A">
+                        <a:alpha val="43000"/>
+                      </a:srgbClr>
+                    </a:outerShdw>
+                  </a:effectLst>
+                </a:rPr>
+                <a:t>2. </a:t>
+              </a:r>
+              <a:r>
+                <a:rPr lang="zh-CN" altLang="en-US" sz="1600" b="0" cap="none" spc="0">
+                  <a:ln w="0"/>
+                  <a:solidFill>
+                    <a:schemeClr val="accent1"/>
+                  </a:solidFill>
+                  <a:effectLst>
+                    <a:outerShdw blurRad="38100" dist="25400" dir="5400000" algn="ctr" rotWithShape="0">
+                      <a:srgbClr val="6E747A">
+                        <a:alpha val="43000"/>
+                      </a:srgbClr>
+                    </a:outerShdw>
+                  </a:effectLst>
+                </a:rPr>
+                <a:t>简书 </a:t>
+              </a:r>
+              <a:r>
+                <a:rPr lang="en-US" altLang="zh-CN" sz="1600" b="0" cap="none" spc="0">
+                  <a:ln w="0"/>
+                  <a:solidFill>
+                    <a:schemeClr val="accent1"/>
+                  </a:solidFill>
+                  <a:effectLst>
+                    <a:outerShdw blurRad="38100" dist="25400" dir="5400000" algn="ctr" rotWithShape="0">
+                      <a:srgbClr val="6E747A">
+                        <a:alpha val="43000"/>
+                      </a:srgbClr>
+                    </a:outerShdw>
+                  </a:effectLst>
+                </a:rPr>
+                <a:t>/ </a:t>
+              </a:r>
+              <a:r>
+                <a:rPr lang="zh-CN" altLang="en-US" sz="1600" b="0" cap="none" spc="0">
+                  <a:ln w="0"/>
+                  <a:solidFill>
+                    <a:schemeClr val="accent1"/>
+                  </a:solidFill>
+                  <a:effectLst>
+                    <a:outerShdw blurRad="38100" dist="25400" dir="5400000" algn="ctr" rotWithShape="0">
+                      <a:srgbClr val="6E747A">
+                        <a:alpha val="43000"/>
+                      </a:srgbClr>
+                    </a:outerShdw>
+                  </a:effectLst>
+                </a:rPr>
+                <a:t>微信公众号 </a:t>
+              </a:r>
+              <a:r>
+                <a:rPr lang="en-US" altLang="zh-CN" sz="1600" b="0" kern="1200" cap="none" spc="0">
+                  <a:ln w="0"/>
+                  <a:solidFill>
+                    <a:schemeClr val="accent1"/>
+                  </a:solidFill>
+                  <a:effectLst>
+                    <a:outerShdw blurRad="38100" dist="25400" dir="5400000" algn="ctr" rotWithShape="0">
+                      <a:srgbClr val="6E747A">
+                        <a:alpha val="43000"/>
+                      </a:srgbClr>
+                    </a:outerShdw>
+                  </a:effectLst>
+                  <a:latin typeface="+mn-lt"/>
+                  <a:ea typeface="+mn-ea"/>
+                  <a:cs typeface="+mn-cs"/>
+                </a:rPr>
+                <a:t>WoHowLearn</a:t>
+              </a:r>
+              <a:endParaRPr lang="zh-CN" altLang="en-US" sz="1600" b="0" kern="1200" cap="none" spc="0">
+                <a:ln w="0"/>
+                <a:solidFill>
+                  <a:schemeClr val="accent1"/>
+                </a:solidFill>
+                <a:effectLst>
+                  <a:outerShdw blurRad="38100" dist="25400" dir="5400000" algn="ctr" rotWithShape="0">
+                    <a:srgbClr val="6E747A">
+                      <a:alpha val="43000"/>
+                    </a:srgbClr>
+                  </a:outerShdw>
+                </a:effectLst>
+                <a:latin typeface="+mn-lt"/>
+                <a:ea typeface="+mn-ea"/>
+                <a:cs typeface="+mn-cs"/>
+              </a:endParaRPr>
+            </a:p>
+          </p:txBody>
+        </p:sp>
+      </p:grpSp>
     </p:spTree>
     <p:extLst>
       <p:ext uri="{BB962C8B-B14F-4D97-AF65-F5344CB8AC3E}">
-        <p14:creationId xmlns:p14="http://schemas.microsoft.com/office/powerpoint/2010/main" val="3717332656"/>
+        <p14:creationId xmlns:p14="http://schemas.microsoft.com/office/powerpoint/2010/main" val="424324696"/>
       </p:ext>
     </p:extLst>
   </p:cSld>
@@ -6079,7 +11898,7 @@
           <a:p>
             <a:fld id="{C928BAC8-45B9-4A4B-B422-97C9A7F88D49}" type="datetime1">
               <a:rPr lang="zh-CN" altLang="en-US" smtClean="0"/>
-              <a:t>2018/2/23</a:t>
+              <a:t>2018/3/20</a:t>
             </a:fld>
             <a:endParaRPr lang="zh-CN" altLang="en-US"/>
           </a:p>
@@ -6218,10 +12037,425 @@
           </a:prstGeom>
         </p:spPr>
       </p:pic>
+      <p:grpSp>
+        <p:nvGrpSpPr>
+          <p:cNvPr id="11" name="组合 10">
+            <a:extLst>
+              <a:ext uri="{FF2B5EF4-FFF2-40B4-BE49-F238E27FC236}">
+                <a16:creationId xmlns:a16="http://schemas.microsoft.com/office/drawing/2014/main" id="{F2D0EAAE-4E44-44DA-82C7-567BE0E9D55E}"/>
+              </a:ext>
+            </a:extLst>
+          </p:cNvPr>
+          <p:cNvGrpSpPr/>
+          <p:nvPr/>
+        </p:nvGrpSpPr>
+        <p:grpSpPr>
+          <a:xfrm>
+            <a:off x="940819" y="13063"/>
+            <a:ext cx="10749432" cy="6881301"/>
+            <a:chOff x="940819" y="13063"/>
+            <a:chExt cx="10749432" cy="6881301"/>
+          </a:xfrm>
+        </p:grpSpPr>
+        <p:sp>
+          <p:nvSpPr>
+            <p:cNvPr id="12" name="矩形 11">
+              <a:extLst>
+                <a:ext uri="{FF2B5EF4-FFF2-40B4-BE49-F238E27FC236}">
+                  <a16:creationId xmlns:a16="http://schemas.microsoft.com/office/drawing/2014/main" id="{5ABF9657-DA02-4FA2-992B-9334FEA4691F}"/>
+                </a:ext>
+              </a:extLst>
+            </p:cNvPr>
+            <p:cNvSpPr/>
+            <p:nvPr/>
+          </p:nvSpPr>
+          <p:spPr>
+            <a:xfrm>
+              <a:off x="940819" y="13063"/>
+              <a:ext cx="10151594" cy="461665"/>
+            </a:xfrm>
+            <a:prstGeom prst="rect">
+              <a:avLst/>
+            </a:prstGeom>
+            <a:noFill/>
+            <a:ln>
+              <a:noFill/>
+            </a:ln>
+            <a:effectLst>
+              <a:glow rad="228600">
+                <a:schemeClr val="accent6">
+                  <a:satMod val="175000"/>
+                  <a:alpha val="40000"/>
+                </a:schemeClr>
+              </a:glow>
+              <a:outerShdw blurRad="50800" dist="38100" dir="5400000" algn="t" rotWithShape="0">
+                <a:prstClr val="black">
+                  <a:alpha val="40000"/>
+                </a:prstClr>
+              </a:outerShdw>
+            </a:effectLst>
+            <a:scene3d>
+              <a:camera prst="orthographicFront">
+                <a:rot lat="0" lon="0" rev="0"/>
+              </a:camera>
+              <a:lightRig rig="contrasting" dir="t">
+                <a:rot lat="0" lon="0" rev="1500000"/>
+              </a:lightRig>
+            </a:scene3d>
+            <a:sp3d prstMaterial="metal">
+              <a:bevelT w="88900" h="88900"/>
+            </a:sp3d>
+          </p:spPr>
+          <p:txBody>
+            <a:bodyPr wrap="square" lIns="91440" tIns="45720" rIns="91440" bIns="45720">
+              <a:spAutoFit/>
+            </a:bodyPr>
+            <a:lstStyle/>
+            <a:p>
+              <a:pPr algn="ctr"/>
+              <a:r>
+                <a:rPr lang="zh-CN" altLang="en-US" sz="2400" b="0" cap="none" spc="0">
+                  <a:ln w="0"/>
+                  <a:solidFill>
+                    <a:schemeClr val="accent1"/>
+                  </a:solidFill>
+                  <a:effectLst>
+                    <a:outerShdw blurRad="38100" dist="25400" dir="5400000" algn="ctr" rotWithShape="0">
+                      <a:srgbClr val="6E747A">
+                        <a:alpha val="43000"/>
+                      </a:srgbClr>
+                    </a:outerShdw>
+                  </a:effectLst>
+                </a:rPr>
+                <a:t>本套教程为免费教程， 如若发现有盗用售卖者请联系作者</a:t>
+              </a:r>
+              <a:r>
+                <a:rPr lang="en-US" altLang="zh-CN" sz="2400" b="0" cap="none" spc="0">
+                  <a:ln w="0"/>
+                  <a:solidFill>
+                    <a:schemeClr val="accent1"/>
+                  </a:solidFill>
+                  <a:effectLst>
+                    <a:outerShdw blurRad="38100" dist="25400" dir="5400000" algn="ctr" rotWithShape="0">
+                      <a:srgbClr val="6E747A">
+                        <a:alpha val="43000"/>
+                      </a:srgbClr>
+                    </a:outerShdw>
+                  </a:effectLst>
+                </a:rPr>
+                <a:t>QQ 625781186</a:t>
+              </a:r>
+              <a:endParaRPr lang="zh-CN" altLang="en-US" sz="2400" b="0" cap="none" spc="0">
+                <a:ln w="0"/>
+                <a:solidFill>
+                  <a:schemeClr val="accent1"/>
+                </a:solidFill>
+                <a:effectLst>
+                  <a:outerShdw blurRad="38100" dist="25400" dir="5400000" algn="ctr" rotWithShape="0">
+                    <a:srgbClr val="6E747A">
+                      <a:alpha val="43000"/>
+                    </a:srgbClr>
+                  </a:outerShdw>
+                </a:effectLst>
+              </a:endParaRPr>
+            </a:p>
+          </p:txBody>
+        </p:sp>
+        <p:sp>
+          <p:nvSpPr>
+            <p:cNvPr id="13" name="矩形 12">
+              <a:extLst>
+                <a:ext uri="{FF2B5EF4-FFF2-40B4-BE49-F238E27FC236}">
+                  <a16:creationId xmlns:a16="http://schemas.microsoft.com/office/drawing/2014/main" id="{1EFE66AC-02A1-4818-B1B8-1731F1C4E2EF}"/>
+                </a:ext>
+              </a:extLst>
+            </p:cNvPr>
+            <p:cNvSpPr/>
+            <p:nvPr/>
+          </p:nvSpPr>
+          <p:spPr>
+            <a:xfrm>
+              <a:off x="5684089" y="6169820"/>
+              <a:ext cx="795684" cy="707886"/>
+            </a:xfrm>
+            <a:prstGeom prst="rect">
+              <a:avLst/>
+            </a:prstGeom>
+            <a:noFill/>
+            <a:ln>
+              <a:noFill/>
+            </a:ln>
+            <a:effectLst>
+              <a:glow rad="228600">
+                <a:schemeClr val="accent6">
+                  <a:satMod val="175000"/>
+                  <a:alpha val="40000"/>
+                </a:schemeClr>
+              </a:glow>
+              <a:outerShdw blurRad="50800" dist="38100" dir="5400000" algn="t" rotWithShape="0">
+                <a:prstClr val="black">
+                  <a:alpha val="40000"/>
+                </a:prstClr>
+              </a:outerShdw>
+            </a:effectLst>
+            <a:scene3d>
+              <a:camera prst="orthographicFront">
+                <a:rot lat="0" lon="0" rev="0"/>
+              </a:camera>
+              <a:lightRig rig="contrasting" dir="t">
+                <a:rot lat="0" lon="0" rev="1500000"/>
+              </a:lightRig>
+            </a:scene3d>
+            <a:sp3d prstMaterial="metal">
+              <a:bevelT w="88900" h="88900"/>
+            </a:sp3d>
+          </p:spPr>
+          <p:txBody>
+            <a:bodyPr wrap="square" lIns="91440" tIns="45720" rIns="91440" bIns="45720">
+              <a:spAutoFit/>
+            </a:bodyPr>
+            <a:lstStyle/>
+            <a:p>
+              <a:pPr algn="ctr"/>
+              <a:r>
+                <a:rPr lang="zh-CN" altLang="en-US" sz="2000" b="0" cap="none" spc="0">
+                  <a:ln w="0"/>
+                  <a:solidFill>
+                    <a:schemeClr val="accent1"/>
+                  </a:solidFill>
+                  <a:effectLst>
+                    <a:outerShdw blurRad="38100" dist="25400" dir="5400000" algn="ctr" rotWithShape="0">
+                      <a:srgbClr val="6E747A">
+                        <a:alpha val="43000"/>
+                      </a:srgbClr>
+                    </a:outerShdw>
+                  </a:effectLst>
+                  <a:latin typeface="华文彩云" panose="02010800040101010101" pitchFamily="2" charset="-122"/>
+                  <a:ea typeface="华文彩云" panose="02010800040101010101" pitchFamily="2" charset="-122"/>
+                </a:rPr>
+                <a:t>关注</a:t>
+              </a:r>
+              <a:endParaRPr lang="en-US" altLang="zh-CN" sz="2000" b="0" cap="none" spc="0">
+                <a:ln w="0"/>
+                <a:solidFill>
+                  <a:schemeClr val="accent1"/>
+                </a:solidFill>
+                <a:effectLst>
+                  <a:outerShdw blurRad="38100" dist="25400" dir="5400000" algn="ctr" rotWithShape="0">
+                    <a:srgbClr val="6E747A">
+                      <a:alpha val="43000"/>
+                    </a:srgbClr>
+                  </a:outerShdw>
+                </a:effectLst>
+                <a:latin typeface="华文彩云" panose="02010800040101010101" pitchFamily="2" charset="-122"/>
+                <a:ea typeface="华文彩云" panose="02010800040101010101" pitchFamily="2" charset="-122"/>
+              </a:endParaRPr>
+            </a:p>
+            <a:p>
+              <a:pPr algn="ctr"/>
+              <a:r>
+                <a:rPr lang="zh-CN" altLang="en-US" sz="2000" b="0" cap="none" spc="0">
+                  <a:ln w="0"/>
+                  <a:solidFill>
+                    <a:schemeClr val="accent1"/>
+                  </a:solidFill>
+                  <a:effectLst>
+                    <a:outerShdw blurRad="38100" dist="25400" dir="5400000" algn="ctr" rotWithShape="0">
+                      <a:srgbClr val="6E747A">
+                        <a:alpha val="43000"/>
+                      </a:srgbClr>
+                    </a:outerShdw>
+                  </a:effectLst>
+                  <a:latin typeface="华文彩云" panose="02010800040101010101" pitchFamily="2" charset="-122"/>
+                  <a:ea typeface="华文彩云" panose="02010800040101010101" pitchFamily="2" charset="-122"/>
+                </a:rPr>
+                <a:t>打赏</a:t>
+              </a:r>
+            </a:p>
+          </p:txBody>
+        </p:sp>
+        <p:sp>
+          <p:nvSpPr>
+            <p:cNvPr id="14" name="矩形 13">
+              <a:extLst>
+                <a:ext uri="{FF2B5EF4-FFF2-40B4-BE49-F238E27FC236}">
+                  <a16:creationId xmlns:a16="http://schemas.microsoft.com/office/drawing/2014/main" id="{8408AB10-1734-40C2-895C-489FFCD0FFF4}"/>
+                </a:ext>
+              </a:extLst>
+            </p:cNvPr>
+            <p:cNvSpPr/>
+            <p:nvPr/>
+          </p:nvSpPr>
+          <p:spPr>
+            <a:xfrm>
+              <a:off x="8205848" y="6309589"/>
+              <a:ext cx="3484403" cy="584775"/>
+            </a:xfrm>
+            <a:prstGeom prst="rect">
+              <a:avLst/>
+            </a:prstGeom>
+            <a:noFill/>
+            <a:ln>
+              <a:noFill/>
+            </a:ln>
+            <a:effectLst>
+              <a:glow rad="228600">
+                <a:schemeClr val="accent6">
+                  <a:satMod val="175000"/>
+                  <a:alpha val="40000"/>
+                </a:schemeClr>
+              </a:glow>
+              <a:outerShdw blurRad="50800" dist="38100" dir="5400000" algn="t" rotWithShape="0">
+                <a:prstClr val="black">
+                  <a:alpha val="40000"/>
+                </a:prstClr>
+              </a:outerShdw>
+            </a:effectLst>
+            <a:scene3d>
+              <a:camera prst="orthographicFront">
+                <a:rot lat="0" lon="0" rev="0"/>
+              </a:camera>
+              <a:lightRig rig="contrasting" dir="t">
+                <a:rot lat="0" lon="0" rev="1500000"/>
+              </a:lightRig>
+            </a:scene3d>
+            <a:sp3d prstMaterial="metal">
+              <a:bevelT w="88900" h="88900"/>
+            </a:sp3d>
+          </p:spPr>
+          <p:txBody>
+            <a:bodyPr wrap="square" lIns="91440" tIns="45720" rIns="91440" bIns="45720">
+              <a:spAutoFit/>
+            </a:bodyPr>
+            <a:lstStyle/>
+            <a:p>
+              <a:pPr algn="l"/>
+              <a:r>
+                <a:rPr lang="en-US" altLang="zh-CN" sz="1600" b="0" cap="none" spc="0">
+                  <a:ln w="0"/>
+                  <a:solidFill>
+                    <a:schemeClr val="accent1"/>
+                  </a:solidFill>
+                  <a:effectLst>
+                    <a:outerShdw blurRad="38100" dist="25400" dir="5400000" algn="ctr" rotWithShape="0">
+                      <a:srgbClr val="6E747A">
+                        <a:alpha val="43000"/>
+                      </a:srgbClr>
+                    </a:outerShdw>
+                  </a:effectLst>
+                </a:rPr>
+                <a:t>1. Github.com/625781186</a:t>
+              </a:r>
+            </a:p>
+            <a:p>
+              <a:pPr algn="l"/>
+              <a:r>
+                <a:rPr lang="en-US" altLang="zh-CN" sz="1600" b="0" cap="none" spc="0">
+                  <a:ln w="0"/>
+                  <a:solidFill>
+                    <a:schemeClr val="accent1"/>
+                  </a:solidFill>
+                  <a:effectLst>
+                    <a:outerShdw blurRad="38100" dist="25400" dir="5400000" algn="ctr" rotWithShape="0">
+                      <a:srgbClr val="6E747A">
+                        <a:alpha val="43000"/>
+                      </a:srgbClr>
+                    </a:outerShdw>
+                  </a:effectLst>
+                </a:rPr>
+                <a:t>2. </a:t>
+              </a:r>
+              <a:r>
+                <a:rPr lang="zh-CN" altLang="en-US" sz="1600" b="0" cap="none" spc="0">
+                  <a:ln w="0"/>
+                  <a:solidFill>
+                    <a:schemeClr val="accent1"/>
+                  </a:solidFill>
+                  <a:effectLst>
+                    <a:outerShdw blurRad="38100" dist="25400" dir="5400000" algn="ctr" rotWithShape="0">
+                      <a:srgbClr val="6E747A">
+                        <a:alpha val="43000"/>
+                      </a:srgbClr>
+                    </a:outerShdw>
+                  </a:effectLst>
+                </a:rPr>
+                <a:t>简书 </a:t>
+              </a:r>
+              <a:r>
+                <a:rPr lang="en-US" altLang="zh-CN" sz="1600" b="0" cap="none" spc="0">
+                  <a:ln w="0"/>
+                  <a:solidFill>
+                    <a:schemeClr val="accent1"/>
+                  </a:solidFill>
+                  <a:effectLst>
+                    <a:outerShdw blurRad="38100" dist="25400" dir="5400000" algn="ctr" rotWithShape="0">
+                      <a:srgbClr val="6E747A">
+                        <a:alpha val="43000"/>
+                      </a:srgbClr>
+                    </a:outerShdw>
+                  </a:effectLst>
+                </a:rPr>
+                <a:t>/ </a:t>
+              </a:r>
+              <a:r>
+                <a:rPr lang="zh-CN" altLang="en-US" sz="1600" b="0" cap="none" spc="0">
+                  <a:ln w="0"/>
+                  <a:solidFill>
+                    <a:schemeClr val="accent1"/>
+                  </a:solidFill>
+                  <a:effectLst>
+                    <a:outerShdw blurRad="38100" dist="25400" dir="5400000" algn="ctr" rotWithShape="0">
+                      <a:srgbClr val="6E747A">
+                        <a:alpha val="43000"/>
+                      </a:srgbClr>
+                    </a:outerShdw>
+                  </a:effectLst>
+                </a:rPr>
+                <a:t>微信公众号 </a:t>
+              </a:r>
+              <a:r>
+                <a:rPr lang="en-US" altLang="zh-CN" sz="1600" b="0" kern="1200" cap="none" spc="0">
+                  <a:ln w="0"/>
+                  <a:solidFill>
+                    <a:schemeClr val="accent1"/>
+                  </a:solidFill>
+                  <a:effectLst>
+                    <a:outerShdw blurRad="38100" dist="25400" dir="5400000" algn="ctr" rotWithShape="0">
+                      <a:srgbClr val="6E747A">
+                        <a:alpha val="43000"/>
+                      </a:srgbClr>
+                    </a:outerShdw>
+                  </a:effectLst>
+                  <a:latin typeface="+mn-lt"/>
+                  <a:ea typeface="+mn-ea"/>
+                  <a:cs typeface="+mn-cs"/>
+                </a:rPr>
+                <a:t>WoHowLearn</a:t>
+              </a:r>
+              <a:endParaRPr lang="zh-CN" altLang="en-US" sz="1600" b="0" kern="1200" cap="none" spc="0">
+                <a:ln w="0"/>
+                <a:solidFill>
+                  <a:schemeClr val="accent1"/>
+                </a:solidFill>
+                <a:effectLst>
+                  <a:outerShdw blurRad="38100" dist="25400" dir="5400000" algn="ctr" rotWithShape="0">
+                    <a:srgbClr val="6E747A">
+                      <a:alpha val="43000"/>
+                    </a:srgbClr>
+                  </a:outerShdw>
+                </a:effectLst>
+                <a:latin typeface="+mn-lt"/>
+                <a:ea typeface="+mn-ea"/>
+                <a:cs typeface="+mn-cs"/>
+              </a:endParaRPr>
+            </a:p>
+          </p:txBody>
+        </p:sp>
+      </p:grpSp>
     </p:spTree>
     <p:extLst>
       <p:ext uri="{BB962C8B-B14F-4D97-AF65-F5344CB8AC3E}">
-        <p14:creationId xmlns:p14="http://schemas.microsoft.com/office/powerpoint/2010/main" val="2092476800"/>
+        <p14:creationId xmlns:p14="http://schemas.microsoft.com/office/powerpoint/2010/main" val="1364915850"/>
       </p:ext>
     </p:extLst>
   </p:cSld>
@@ -6454,7 +12688,7 @@
           <a:p>
             <a:fld id="{59F6C9CF-8D41-48FD-B3F1-0F3E5759500A}" type="datetime1">
               <a:rPr lang="zh-CN" altLang="en-US" smtClean="0"/>
-              <a:t>2018/2/23</a:t>
+              <a:t>2018/3/20</a:t>
             </a:fld>
             <a:endParaRPr lang="zh-CN" altLang="en-US"/>
           </a:p>
@@ -6562,10 +12796,425 @@
           </a:prstGeom>
         </p:spPr>
       </p:pic>
+      <p:grpSp>
+        <p:nvGrpSpPr>
+          <p:cNvPr id="10" name="组合 9">
+            <a:extLst>
+              <a:ext uri="{FF2B5EF4-FFF2-40B4-BE49-F238E27FC236}">
+                <a16:creationId xmlns:a16="http://schemas.microsoft.com/office/drawing/2014/main" id="{BBA52CCE-A2B0-4962-8056-9F91DA825A5C}"/>
+              </a:ext>
+            </a:extLst>
+          </p:cNvPr>
+          <p:cNvGrpSpPr/>
+          <p:nvPr/>
+        </p:nvGrpSpPr>
+        <p:grpSpPr>
+          <a:xfrm>
+            <a:off x="940819" y="13063"/>
+            <a:ext cx="10749432" cy="6881301"/>
+            <a:chOff x="940819" y="13063"/>
+            <a:chExt cx="10749432" cy="6881301"/>
+          </a:xfrm>
+        </p:grpSpPr>
+        <p:sp>
+          <p:nvSpPr>
+            <p:cNvPr id="11" name="矩形 10">
+              <a:extLst>
+                <a:ext uri="{FF2B5EF4-FFF2-40B4-BE49-F238E27FC236}">
+                  <a16:creationId xmlns:a16="http://schemas.microsoft.com/office/drawing/2014/main" id="{90904808-364C-4012-8F4A-9377A7220636}"/>
+                </a:ext>
+              </a:extLst>
+            </p:cNvPr>
+            <p:cNvSpPr/>
+            <p:nvPr/>
+          </p:nvSpPr>
+          <p:spPr>
+            <a:xfrm>
+              <a:off x="940819" y="13063"/>
+              <a:ext cx="10151594" cy="461665"/>
+            </a:xfrm>
+            <a:prstGeom prst="rect">
+              <a:avLst/>
+            </a:prstGeom>
+            <a:noFill/>
+            <a:ln>
+              <a:noFill/>
+            </a:ln>
+            <a:effectLst>
+              <a:glow rad="228600">
+                <a:schemeClr val="accent6">
+                  <a:satMod val="175000"/>
+                  <a:alpha val="40000"/>
+                </a:schemeClr>
+              </a:glow>
+              <a:outerShdw blurRad="50800" dist="38100" dir="5400000" algn="t" rotWithShape="0">
+                <a:prstClr val="black">
+                  <a:alpha val="40000"/>
+                </a:prstClr>
+              </a:outerShdw>
+            </a:effectLst>
+            <a:scene3d>
+              <a:camera prst="orthographicFront">
+                <a:rot lat="0" lon="0" rev="0"/>
+              </a:camera>
+              <a:lightRig rig="contrasting" dir="t">
+                <a:rot lat="0" lon="0" rev="1500000"/>
+              </a:lightRig>
+            </a:scene3d>
+            <a:sp3d prstMaterial="metal">
+              <a:bevelT w="88900" h="88900"/>
+            </a:sp3d>
+          </p:spPr>
+          <p:txBody>
+            <a:bodyPr wrap="square" lIns="91440" tIns="45720" rIns="91440" bIns="45720">
+              <a:spAutoFit/>
+            </a:bodyPr>
+            <a:lstStyle/>
+            <a:p>
+              <a:pPr algn="ctr"/>
+              <a:r>
+                <a:rPr lang="zh-CN" altLang="en-US" sz="2400" b="0" cap="none" spc="0">
+                  <a:ln w="0"/>
+                  <a:solidFill>
+                    <a:schemeClr val="accent1"/>
+                  </a:solidFill>
+                  <a:effectLst>
+                    <a:outerShdw blurRad="38100" dist="25400" dir="5400000" algn="ctr" rotWithShape="0">
+                      <a:srgbClr val="6E747A">
+                        <a:alpha val="43000"/>
+                      </a:srgbClr>
+                    </a:outerShdw>
+                  </a:effectLst>
+                </a:rPr>
+                <a:t>本套教程为免费教程， 如若发现有盗用售卖者请联系作者</a:t>
+              </a:r>
+              <a:r>
+                <a:rPr lang="en-US" altLang="zh-CN" sz="2400" b="0" cap="none" spc="0">
+                  <a:ln w="0"/>
+                  <a:solidFill>
+                    <a:schemeClr val="accent1"/>
+                  </a:solidFill>
+                  <a:effectLst>
+                    <a:outerShdw blurRad="38100" dist="25400" dir="5400000" algn="ctr" rotWithShape="0">
+                      <a:srgbClr val="6E747A">
+                        <a:alpha val="43000"/>
+                      </a:srgbClr>
+                    </a:outerShdw>
+                  </a:effectLst>
+                </a:rPr>
+                <a:t>QQ 625781186</a:t>
+              </a:r>
+              <a:endParaRPr lang="zh-CN" altLang="en-US" sz="2400" b="0" cap="none" spc="0">
+                <a:ln w="0"/>
+                <a:solidFill>
+                  <a:schemeClr val="accent1"/>
+                </a:solidFill>
+                <a:effectLst>
+                  <a:outerShdw blurRad="38100" dist="25400" dir="5400000" algn="ctr" rotWithShape="0">
+                    <a:srgbClr val="6E747A">
+                      <a:alpha val="43000"/>
+                    </a:srgbClr>
+                  </a:outerShdw>
+                </a:effectLst>
+              </a:endParaRPr>
+            </a:p>
+          </p:txBody>
+        </p:sp>
+        <p:sp>
+          <p:nvSpPr>
+            <p:cNvPr id="12" name="矩形 11">
+              <a:extLst>
+                <a:ext uri="{FF2B5EF4-FFF2-40B4-BE49-F238E27FC236}">
+                  <a16:creationId xmlns:a16="http://schemas.microsoft.com/office/drawing/2014/main" id="{A5324B22-BEE3-4B87-9F98-91417079C0EC}"/>
+                </a:ext>
+              </a:extLst>
+            </p:cNvPr>
+            <p:cNvSpPr/>
+            <p:nvPr/>
+          </p:nvSpPr>
+          <p:spPr>
+            <a:xfrm>
+              <a:off x="5684089" y="6169820"/>
+              <a:ext cx="795684" cy="707886"/>
+            </a:xfrm>
+            <a:prstGeom prst="rect">
+              <a:avLst/>
+            </a:prstGeom>
+            <a:noFill/>
+            <a:ln>
+              <a:noFill/>
+            </a:ln>
+            <a:effectLst>
+              <a:glow rad="228600">
+                <a:schemeClr val="accent6">
+                  <a:satMod val="175000"/>
+                  <a:alpha val="40000"/>
+                </a:schemeClr>
+              </a:glow>
+              <a:outerShdw blurRad="50800" dist="38100" dir="5400000" algn="t" rotWithShape="0">
+                <a:prstClr val="black">
+                  <a:alpha val="40000"/>
+                </a:prstClr>
+              </a:outerShdw>
+            </a:effectLst>
+            <a:scene3d>
+              <a:camera prst="orthographicFront">
+                <a:rot lat="0" lon="0" rev="0"/>
+              </a:camera>
+              <a:lightRig rig="contrasting" dir="t">
+                <a:rot lat="0" lon="0" rev="1500000"/>
+              </a:lightRig>
+            </a:scene3d>
+            <a:sp3d prstMaterial="metal">
+              <a:bevelT w="88900" h="88900"/>
+            </a:sp3d>
+          </p:spPr>
+          <p:txBody>
+            <a:bodyPr wrap="square" lIns="91440" tIns="45720" rIns="91440" bIns="45720">
+              <a:spAutoFit/>
+            </a:bodyPr>
+            <a:lstStyle/>
+            <a:p>
+              <a:pPr algn="ctr"/>
+              <a:r>
+                <a:rPr lang="zh-CN" altLang="en-US" sz="2000" b="0" cap="none" spc="0">
+                  <a:ln w="0"/>
+                  <a:solidFill>
+                    <a:schemeClr val="accent1"/>
+                  </a:solidFill>
+                  <a:effectLst>
+                    <a:outerShdw blurRad="38100" dist="25400" dir="5400000" algn="ctr" rotWithShape="0">
+                      <a:srgbClr val="6E747A">
+                        <a:alpha val="43000"/>
+                      </a:srgbClr>
+                    </a:outerShdw>
+                  </a:effectLst>
+                  <a:latin typeface="华文彩云" panose="02010800040101010101" pitchFamily="2" charset="-122"/>
+                  <a:ea typeface="华文彩云" panose="02010800040101010101" pitchFamily="2" charset="-122"/>
+                </a:rPr>
+                <a:t>关注</a:t>
+              </a:r>
+              <a:endParaRPr lang="en-US" altLang="zh-CN" sz="2000" b="0" cap="none" spc="0">
+                <a:ln w="0"/>
+                <a:solidFill>
+                  <a:schemeClr val="accent1"/>
+                </a:solidFill>
+                <a:effectLst>
+                  <a:outerShdw blurRad="38100" dist="25400" dir="5400000" algn="ctr" rotWithShape="0">
+                    <a:srgbClr val="6E747A">
+                      <a:alpha val="43000"/>
+                    </a:srgbClr>
+                  </a:outerShdw>
+                </a:effectLst>
+                <a:latin typeface="华文彩云" panose="02010800040101010101" pitchFamily="2" charset="-122"/>
+                <a:ea typeface="华文彩云" panose="02010800040101010101" pitchFamily="2" charset="-122"/>
+              </a:endParaRPr>
+            </a:p>
+            <a:p>
+              <a:pPr algn="ctr"/>
+              <a:r>
+                <a:rPr lang="zh-CN" altLang="en-US" sz="2000" b="0" cap="none" spc="0">
+                  <a:ln w="0"/>
+                  <a:solidFill>
+                    <a:schemeClr val="accent1"/>
+                  </a:solidFill>
+                  <a:effectLst>
+                    <a:outerShdw blurRad="38100" dist="25400" dir="5400000" algn="ctr" rotWithShape="0">
+                      <a:srgbClr val="6E747A">
+                        <a:alpha val="43000"/>
+                      </a:srgbClr>
+                    </a:outerShdw>
+                  </a:effectLst>
+                  <a:latin typeface="华文彩云" panose="02010800040101010101" pitchFamily="2" charset="-122"/>
+                  <a:ea typeface="华文彩云" panose="02010800040101010101" pitchFamily="2" charset="-122"/>
+                </a:rPr>
+                <a:t>打赏</a:t>
+              </a:r>
+            </a:p>
+          </p:txBody>
+        </p:sp>
+        <p:sp>
+          <p:nvSpPr>
+            <p:cNvPr id="13" name="矩形 12">
+              <a:extLst>
+                <a:ext uri="{FF2B5EF4-FFF2-40B4-BE49-F238E27FC236}">
+                  <a16:creationId xmlns:a16="http://schemas.microsoft.com/office/drawing/2014/main" id="{34311E29-BC5D-40E8-8DBD-24C1C5E593EC}"/>
+                </a:ext>
+              </a:extLst>
+            </p:cNvPr>
+            <p:cNvSpPr/>
+            <p:nvPr/>
+          </p:nvSpPr>
+          <p:spPr>
+            <a:xfrm>
+              <a:off x="8205848" y="6309589"/>
+              <a:ext cx="3484403" cy="584775"/>
+            </a:xfrm>
+            <a:prstGeom prst="rect">
+              <a:avLst/>
+            </a:prstGeom>
+            <a:noFill/>
+            <a:ln>
+              <a:noFill/>
+            </a:ln>
+            <a:effectLst>
+              <a:glow rad="228600">
+                <a:schemeClr val="accent6">
+                  <a:satMod val="175000"/>
+                  <a:alpha val="40000"/>
+                </a:schemeClr>
+              </a:glow>
+              <a:outerShdw blurRad="50800" dist="38100" dir="5400000" algn="t" rotWithShape="0">
+                <a:prstClr val="black">
+                  <a:alpha val="40000"/>
+                </a:prstClr>
+              </a:outerShdw>
+            </a:effectLst>
+            <a:scene3d>
+              <a:camera prst="orthographicFront">
+                <a:rot lat="0" lon="0" rev="0"/>
+              </a:camera>
+              <a:lightRig rig="contrasting" dir="t">
+                <a:rot lat="0" lon="0" rev="1500000"/>
+              </a:lightRig>
+            </a:scene3d>
+            <a:sp3d prstMaterial="metal">
+              <a:bevelT w="88900" h="88900"/>
+            </a:sp3d>
+          </p:spPr>
+          <p:txBody>
+            <a:bodyPr wrap="square" lIns="91440" tIns="45720" rIns="91440" bIns="45720">
+              <a:spAutoFit/>
+            </a:bodyPr>
+            <a:lstStyle/>
+            <a:p>
+              <a:pPr algn="l"/>
+              <a:r>
+                <a:rPr lang="en-US" altLang="zh-CN" sz="1600" b="0" cap="none" spc="0">
+                  <a:ln w="0"/>
+                  <a:solidFill>
+                    <a:schemeClr val="accent1"/>
+                  </a:solidFill>
+                  <a:effectLst>
+                    <a:outerShdw blurRad="38100" dist="25400" dir="5400000" algn="ctr" rotWithShape="0">
+                      <a:srgbClr val="6E747A">
+                        <a:alpha val="43000"/>
+                      </a:srgbClr>
+                    </a:outerShdw>
+                  </a:effectLst>
+                </a:rPr>
+                <a:t>1. Github.com/625781186</a:t>
+              </a:r>
+            </a:p>
+            <a:p>
+              <a:pPr algn="l"/>
+              <a:r>
+                <a:rPr lang="en-US" altLang="zh-CN" sz="1600" b="0" cap="none" spc="0">
+                  <a:ln w="0"/>
+                  <a:solidFill>
+                    <a:schemeClr val="accent1"/>
+                  </a:solidFill>
+                  <a:effectLst>
+                    <a:outerShdw blurRad="38100" dist="25400" dir="5400000" algn="ctr" rotWithShape="0">
+                      <a:srgbClr val="6E747A">
+                        <a:alpha val="43000"/>
+                      </a:srgbClr>
+                    </a:outerShdw>
+                  </a:effectLst>
+                </a:rPr>
+                <a:t>2. </a:t>
+              </a:r>
+              <a:r>
+                <a:rPr lang="zh-CN" altLang="en-US" sz="1600" b="0" cap="none" spc="0">
+                  <a:ln w="0"/>
+                  <a:solidFill>
+                    <a:schemeClr val="accent1"/>
+                  </a:solidFill>
+                  <a:effectLst>
+                    <a:outerShdw blurRad="38100" dist="25400" dir="5400000" algn="ctr" rotWithShape="0">
+                      <a:srgbClr val="6E747A">
+                        <a:alpha val="43000"/>
+                      </a:srgbClr>
+                    </a:outerShdw>
+                  </a:effectLst>
+                </a:rPr>
+                <a:t>简书 </a:t>
+              </a:r>
+              <a:r>
+                <a:rPr lang="en-US" altLang="zh-CN" sz="1600" b="0" cap="none" spc="0">
+                  <a:ln w="0"/>
+                  <a:solidFill>
+                    <a:schemeClr val="accent1"/>
+                  </a:solidFill>
+                  <a:effectLst>
+                    <a:outerShdw blurRad="38100" dist="25400" dir="5400000" algn="ctr" rotWithShape="0">
+                      <a:srgbClr val="6E747A">
+                        <a:alpha val="43000"/>
+                      </a:srgbClr>
+                    </a:outerShdw>
+                  </a:effectLst>
+                </a:rPr>
+                <a:t>/ </a:t>
+              </a:r>
+              <a:r>
+                <a:rPr lang="zh-CN" altLang="en-US" sz="1600" b="0" cap="none" spc="0">
+                  <a:ln w="0"/>
+                  <a:solidFill>
+                    <a:schemeClr val="accent1"/>
+                  </a:solidFill>
+                  <a:effectLst>
+                    <a:outerShdw blurRad="38100" dist="25400" dir="5400000" algn="ctr" rotWithShape="0">
+                      <a:srgbClr val="6E747A">
+                        <a:alpha val="43000"/>
+                      </a:srgbClr>
+                    </a:outerShdw>
+                  </a:effectLst>
+                </a:rPr>
+                <a:t>微信公众号 </a:t>
+              </a:r>
+              <a:r>
+                <a:rPr lang="en-US" altLang="zh-CN" sz="1600" b="0" kern="1200" cap="none" spc="0">
+                  <a:ln w="0"/>
+                  <a:solidFill>
+                    <a:schemeClr val="accent1"/>
+                  </a:solidFill>
+                  <a:effectLst>
+                    <a:outerShdw blurRad="38100" dist="25400" dir="5400000" algn="ctr" rotWithShape="0">
+                      <a:srgbClr val="6E747A">
+                        <a:alpha val="43000"/>
+                      </a:srgbClr>
+                    </a:outerShdw>
+                  </a:effectLst>
+                  <a:latin typeface="+mn-lt"/>
+                  <a:ea typeface="+mn-ea"/>
+                  <a:cs typeface="+mn-cs"/>
+                </a:rPr>
+                <a:t>WoHowLearn</a:t>
+              </a:r>
+              <a:endParaRPr lang="zh-CN" altLang="en-US" sz="1600" b="0" kern="1200" cap="none" spc="0">
+                <a:ln w="0"/>
+                <a:solidFill>
+                  <a:schemeClr val="accent1"/>
+                </a:solidFill>
+                <a:effectLst>
+                  <a:outerShdw blurRad="38100" dist="25400" dir="5400000" algn="ctr" rotWithShape="0">
+                    <a:srgbClr val="6E747A">
+                      <a:alpha val="43000"/>
+                    </a:srgbClr>
+                  </a:outerShdw>
+                </a:effectLst>
+                <a:latin typeface="+mn-lt"/>
+                <a:ea typeface="+mn-ea"/>
+                <a:cs typeface="+mn-cs"/>
+              </a:endParaRPr>
+            </a:p>
+          </p:txBody>
+        </p:sp>
+      </p:grpSp>
     </p:spTree>
     <p:extLst>
       <p:ext uri="{BB962C8B-B14F-4D97-AF65-F5344CB8AC3E}">
-        <p14:creationId xmlns:p14="http://schemas.microsoft.com/office/powerpoint/2010/main" val="520845531"/>
+        <p14:creationId xmlns:p14="http://schemas.microsoft.com/office/powerpoint/2010/main" val="7352816"/>
       </p:ext>
     </p:extLst>
   </p:cSld>
@@ -6865,7 +13514,7 @@
           <a:p>
             <a:fld id="{94B88754-E6F4-4917-ACF6-E53D301B79AE}" type="datetime1">
               <a:rPr lang="zh-CN" altLang="en-US" smtClean="0"/>
-              <a:t>2018/2/23</a:t>
+              <a:t>2018/3/20</a:t>
             </a:fld>
             <a:endParaRPr lang="zh-CN" altLang="en-US"/>
           </a:p>
@@ -6952,29 +13601,29 @@
     </p:spTree>
     <p:extLst>
       <p:ext uri="{BB962C8B-B14F-4D97-AF65-F5344CB8AC3E}">
-        <p14:creationId xmlns:p14="http://schemas.microsoft.com/office/powerpoint/2010/main" val="1320584833"/>
+        <p14:creationId xmlns:p14="http://schemas.microsoft.com/office/powerpoint/2010/main" val="1876569158"/>
       </p:ext>
     </p:extLst>
   </p:cSld>
   <p:clrMap bg1="lt1" tx1="dk1" bg2="lt2" tx2="dk2" accent1="accent1" accent2="accent2" accent3="accent3" accent4="accent4" accent5="accent5" accent6="accent6" hlink="hlink" folHlink="folHlink"/>
   <p:sldLayoutIdLst>
-    <p:sldLayoutId id="2147483787" r:id="rId1"/>
-    <p:sldLayoutId id="2147483788" r:id="rId2"/>
-    <p:sldLayoutId id="2147483789" r:id="rId3"/>
-    <p:sldLayoutId id="2147483790" r:id="rId4"/>
-    <p:sldLayoutId id="2147483791" r:id="rId5"/>
-    <p:sldLayoutId id="2147483792" r:id="rId6"/>
-    <p:sldLayoutId id="2147483793" r:id="rId7"/>
-    <p:sldLayoutId id="2147483794" r:id="rId8"/>
-    <p:sldLayoutId id="2147483795" r:id="rId9"/>
-    <p:sldLayoutId id="2147483796" r:id="rId10"/>
-    <p:sldLayoutId id="2147483797" r:id="rId11"/>
-    <p:sldLayoutId id="2147483798" r:id="rId12"/>
-    <p:sldLayoutId id="2147483799" r:id="rId13"/>
-    <p:sldLayoutId id="2147483800" r:id="rId14"/>
-    <p:sldLayoutId id="2147483801" r:id="rId15"/>
-    <p:sldLayoutId id="2147483802" r:id="rId16"/>
-    <p:sldLayoutId id="2147483803" r:id="rId17"/>
+    <p:sldLayoutId id="2147483805" r:id="rId1"/>
+    <p:sldLayoutId id="2147483806" r:id="rId2"/>
+    <p:sldLayoutId id="2147483807" r:id="rId3"/>
+    <p:sldLayoutId id="2147483808" r:id="rId4"/>
+    <p:sldLayoutId id="2147483809" r:id="rId5"/>
+    <p:sldLayoutId id="2147483810" r:id="rId6"/>
+    <p:sldLayoutId id="2147483811" r:id="rId7"/>
+    <p:sldLayoutId id="2147483812" r:id="rId8"/>
+    <p:sldLayoutId id="2147483813" r:id="rId9"/>
+    <p:sldLayoutId id="2147483814" r:id="rId10"/>
+    <p:sldLayoutId id="2147483815" r:id="rId11"/>
+    <p:sldLayoutId id="2147483816" r:id="rId12"/>
+    <p:sldLayoutId id="2147483817" r:id="rId13"/>
+    <p:sldLayoutId id="2147483818" r:id="rId14"/>
+    <p:sldLayoutId id="2147483819" r:id="rId15"/>
+    <p:sldLayoutId id="2147483820" r:id="rId16"/>
+    <p:sldLayoutId id="2147483821" r:id="rId17"/>
   </p:sldLayoutIdLst>
   <p:hf hdr="0" ftr="0" dt="0"/>
   <p:txStyles>
@@ -7561,7 +14210,13 @@
             </a:r>
             <a:r>
               <a:rPr lang="en-US" altLang="zh-CN"/>
-              <a:t>: http://blog.csdn.net/freewind06/article/details/52140198</a:t>
+              <a:t>: </a:t>
+            </a:r>
+            <a:r>
+              <a:rPr lang="en-US" altLang="zh-CN">
+                <a:hlinkClick r:id="rId5"/>
+              </a:rPr>
+              <a:t>http://blog.csdn.net/freewind06/article/details/52140198</a:t>
             </a:r>
             <a:endParaRPr lang="en-US" altLang="zh-CN" dirty="0"/>
           </a:p>
@@ -8727,6 +15382,344 @@
     <p:extLst>
       <p:ext uri="{BB962C8B-B14F-4D97-AF65-F5344CB8AC3E}">
         <p14:creationId xmlns:p14="http://schemas.microsoft.com/office/powerpoint/2010/main" val="383747278"/>
+      </p:ext>
+    </p:extLst>
+  </p:cSld>
+  <p:clrMapOvr>
+    <a:masterClrMapping/>
+  </p:clrMapOvr>
+</p:sld>
+</file>
+
+<file path=ppt/slides/slide7.xml><?xml version="1.0" encoding="utf-8"?>
+<p:sld xmlns:a="http://schemas.openxmlformats.org/drawingml/2006/main" xmlns:r="http://schemas.openxmlformats.org/officeDocument/2006/relationships" xmlns:p="http://schemas.openxmlformats.org/presentationml/2006/main">
+  <p:cSld>
+    <p:spTree>
+      <p:nvGrpSpPr>
+        <p:cNvPr id="1" name=""/>
+        <p:cNvGrpSpPr/>
+        <p:nvPr/>
+      </p:nvGrpSpPr>
+      <p:grpSpPr>
+        <a:xfrm>
+          <a:off x="0" y="0"/>
+          <a:ext cx="0" cy="0"/>
+          <a:chOff x="0" y="0"/>
+          <a:chExt cx="0" cy="0"/>
+        </a:xfrm>
+      </p:grpSpPr>
+      <p:sp>
+        <p:nvSpPr>
+          <p:cNvPr id="2" name="标题 1">
+            <a:extLst>
+              <a:ext uri="{FF2B5EF4-FFF2-40B4-BE49-F238E27FC236}">
+                <a16:creationId xmlns:a16="http://schemas.microsoft.com/office/drawing/2014/main" id="{BCE26C78-7188-482B-B00B-C26E53E1D3A2}"/>
+              </a:ext>
+            </a:extLst>
+          </p:cNvPr>
+          <p:cNvSpPr>
+            <a:spLocks noGrp="1"/>
+          </p:cNvSpPr>
+          <p:nvPr>
+            <p:ph type="title"/>
+          </p:nvPr>
+        </p:nvSpPr>
+        <p:spPr>
+          <a:xfrm>
+            <a:off x="1295402" y="419629"/>
+            <a:ext cx="9601196" cy="1303867"/>
+          </a:xfrm>
+        </p:spPr>
+        <p:txBody>
+          <a:bodyPr>
+            <a:normAutofit/>
+          </a:bodyPr>
+          <a:lstStyle/>
+          <a:p>
+            <a:r>
+              <a:rPr lang="zh-CN" altLang="en-US"/>
+              <a:t>补充</a:t>
+            </a:r>
+            <a:r>
+              <a:rPr lang="en-US" altLang="zh-CN"/>
+              <a:t>1  </a:t>
+            </a:r>
+            <a:r>
+              <a:rPr lang="zh-CN" altLang="en-US"/>
+              <a:t>第二种方法</a:t>
+            </a:r>
+          </a:p>
+        </p:txBody>
+      </p:sp>
+      <p:pic>
+        <p:nvPicPr>
+          <p:cNvPr id="6" name="内容占位符 5">
+            <a:extLst>
+              <a:ext uri="{FF2B5EF4-FFF2-40B4-BE49-F238E27FC236}">
+                <a16:creationId xmlns:a16="http://schemas.microsoft.com/office/drawing/2014/main" id="{DD9282D6-8A92-414C-9D42-2D6F151261C4}"/>
+              </a:ext>
+            </a:extLst>
+          </p:cNvPr>
+          <p:cNvPicPr>
+            <a:picLocks noGrp="1" noChangeAspect="1"/>
+          </p:cNvPicPr>
+          <p:nvPr>
+            <p:ph idx="1"/>
+          </p:nvPr>
+        </p:nvPicPr>
+        <p:blipFill>
+          <a:blip r:embed="rId2"/>
+          <a:stretch>
+            <a:fillRect/>
+          </a:stretch>
+        </p:blipFill>
+        <p:spPr>
+          <a:xfrm>
+            <a:off x="7813351" y="2804850"/>
+            <a:ext cx="3610667" cy="2329655"/>
+          </a:xfrm>
+          <a:prstGeom prst="rect">
+            <a:avLst/>
+          </a:prstGeom>
+        </p:spPr>
+      </p:pic>
+      <p:sp>
+        <p:nvSpPr>
+          <p:cNvPr id="4" name="灯片编号占位符 3">
+            <a:extLst>
+              <a:ext uri="{FF2B5EF4-FFF2-40B4-BE49-F238E27FC236}">
+                <a16:creationId xmlns:a16="http://schemas.microsoft.com/office/drawing/2014/main" id="{7CE14549-3C10-418E-8CF1-17460A61B521}"/>
+              </a:ext>
+            </a:extLst>
+          </p:cNvPr>
+          <p:cNvSpPr>
+            <a:spLocks noGrp="1"/>
+          </p:cNvSpPr>
+          <p:nvPr>
+            <p:ph type="sldNum" sz="quarter" idx="12"/>
+          </p:nvPr>
+        </p:nvSpPr>
+        <p:spPr/>
+        <p:txBody>
+          <a:bodyPr/>
+          <a:lstStyle/>
+          <a:p>
+            <a:fld id="{F43F8192-BA2E-4745-BEB0-A2417E88AFD3}" type="slidenum">
+              <a:rPr lang="zh-CN" altLang="en-US" smtClean="0"/>
+              <a:t>7</a:t>
+            </a:fld>
+            <a:endParaRPr lang="zh-CN" altLang="en-US"/>
+          </a:p>
+        </p:txBody>
+      </p:sp>
+      <p:pic>
+        <p:nvPicPr>
+          <p:cNvPr id="5" name="图片 4">
+            <a:extLst>
+              <a:ext uri="{FF2B5EF4-FFF2-40B4-BE49-F238E27FC236}">
+                <a16:creationId xmlns:a16="http://schemas.microsoft.com/office/drawing/2014/main" id="{BE6494C9-DA1D-440D-8AEC-A08DB14D2275}"/>
+              </a:ext>
+            </a:extLst>
+          </p:cNvPr>
+          <p:cNvPicPr>
+            <a:picLocks noChangeAspect="1"/>
+          </p:cNvPicPr>
+          <p:nvPr/>
+        </p:nvPicPr>
+        <p:blipFill>
+          <a:blip r:embed="rId3"/>
+          <a:stretch>
+            <a:fillRect/>
+          </a:stretch>
+        </p:blipFill>
+        <p:spPr>
+          <a:xfrm>
+            <a:off x="2025282" y="1457325"/>
+            <a:ext cx="5669684" cy="4773613"/>
+          </a:xfrm>
+          <a:prstGeom prst="rect">
+            <a:avLst/>
+          </a:prstGeom>
+        </p:spPr>
+      </p:pic>
+      <p:sp>
+        <p:nvSpPr>
+          <p:cNvPr id="7" name="文本框 6">
+            <a:extLst>
+              <a:ext uri="{FF2B5EF4-FFF2-40B4-BE49-F238E27FC236}">
+                <a16:creationId xmlns:a16="http://schemas.microsoft.com/office/drawing/2014/main" id="{F67225BB-23DE-4BAB-A4D5-E6306455378D}"/>
+              </a:ext>
+            </a:extLst>
+          </p:cNvPr>
+          <p:cNvSpPr txBox="1"/>
+          <p:nvPr/>
+        </p:nvSpPr>
+        <p:spPr>
+          <a:xfrm>
+            <a:off x="653682" y="2808554"/>
+            <a:ext cx="1496644" cy="1477328"/>
+          </a:xfrm>
+          <a:prstGeom prst="rect">
+            <a:avLst/>
+          </a:prstGeom>
+          <a:noFill/>
+        </p:spPr>
+        <p:txBody>
+          <a:bodyPr wrap="square" rtlCol="0">
+            <a:spAutoFit/>
+          </a:bodyPr>
+          <a:lstStyle/>
+          <a:p>
+            <a:r>
+              <a:rPr lang="zh-CN" altLang="en-US"/>
+              <a:t>缺点：</a:t>
+            </a:r>
+            <a:endParaRPr lang="en-US" altLang="zh-CN"/>
+          </a:p>
+          <a:p>
+            <a:endParaRPr lang="en-US" altLang="zh-CN"/>
+          </a:p>
+          <a:p>
+            <a:r>
+              <a:rPr lang="zh-CN" altLang="en-US"/>
+              <a:t>编辑器</a:t>
+            </a:r>
+            <a:endParaRPr lang="en-US" altLang="zh-CN"/>
+          </a:p>
+          <a:p>
+            <a:r>
+              <a:rPr lang="zh-CN" altLang="en-US"/>
+              <a:t>无法智能提示，</a:t>
+            </a:r>
+            <a:endParaRPr lang="en-US" altLang="zh-CN"/>
+          </a:p>
+        </p:txBody>
+      </p:sp>
+    </p:spTree>
+    <p:extLst>
+      <p:ext uri="{BB962C8B-B14F-4D97-AF65-F5344CB8AC3E}">
+        <p14:creationId xmlns:p14="http://schemas.microsoft.com/office/powerpoint/2010/main" val="4082665838"/>
+      </p:ext>
+    </p:extLst>
+  </p:cSld>
+  <p:clrMapOvr>
+    <a:masterClrMapping/>
+  </p:clrMapOvr>
+</p:sld>
+</file>
+
+<file path=ppt/slides/slide8.xml><?xml version="1.0" encoding="utf-8"?>
+<p:sld xmlns:a="http://schemas.openxmlformats.org/drawingml/2006/main" xmlns:r="http://schemas.openxmlformats.org/officeDocument/2006/relationships" xmlns:p="http://schemas.openxmlformats.org/presentationml/2006/main">
+  <p:cSld>
+    <p:spTree>
+      <p:nvGrpSpPr>
+        <p:cNvPr id="1" name=""/>
+        <p:cNvGrpSpPr/>
+        <p:nvPr/>
+      </p:nvGrpSpPr>
+      <p:grpSpPr>
+        <a:xfrm>
+          <a:off x="0" y="0"/>
+          <a:ext cx="0" cy="0"/>
+          <a:chOff x="0" y="0"/>
+          <a:chExt cx="0" cy="0"/>
+        </a:xfrm>
+      </p:grpSpPr>
+      <p:pic>
+        <p:nvPicPr>
+          <p:cNvPr id="5" name="内容占位符 4">
+            <a:extLst>
+              <a:ext uri="{FF2B5EF4-FFF2-40B4-BE49-F238E27FC236}">
+                <a16:creationId xmlns:a16="http://schemas.microsoft.com/office/drawing/2014/main" id="{447DC9F7-21DF-453B-AC30-D3418DBB3F09}"/>
+              </a:ext>
+            </a:extLst>
+          </p:cNvPr>
+          <p:cNvPicPr>
+            <a:picLocks noGrp="1" noChangeAspect="1"/>
+          </p:cNvPicPr>
+          <p:nvPr>
+            <p:ph idx="1"/>
+          </p:nvPr>
+        </p:nvPicPr>
+        <p:blipFill>
+          <a:blip r:embed="rId2"/>
+          <a:stretch>
+            <a:fillRect/>
+          </a:stretch>
+        </p:blipFill>
+        <p:spPr>
+          <a:xfrm>
+            <a:off x="1295402" y="2581805"/>
+            <a:ext cx="3979835" cy="3317875"/>
+          </a:xfrm>
+          <a:prstGeom prst="rect">
+            <a:avLst/>
+          </a:prstGeom>
+        </p:spPr>
+      </p:pic>
+      <p:sp>
+        <p:nvSpPr>
+          <p:cNvPr id="4" name="灯片编号占位符 3">
+            <a:extLst>
+              <a:ext uri="{FF2B5EF4-FFF2-40B4-BE49-F238E27FC236}">
+                <a16:creationId xmlns:a16="http://schemas.microsoft.com/office/drawing/2014/main" id="{3037DEFB-1122-4445-A335-DA863D7AD0F9}"/>
+              </a:ext>
+            </a:extLst>
+          </p:cNvPr>
+          <p:cNvSpPr>
+            <a:spLocks noGrp="1"/>
+          </p:cNvSpPr>
+          <p:nvPr>
+            <p:ph type="sldNum" sz="quarter" idx="12"/>
+          </p:nvPr>
+        </p:nvSpPr>
+        <p:spPr/>
+        <p:txBody>
+          <a:bodyPr/>
+          <a:lstStyle/>
+          <a:p>
+            <a:fld id="{F43F8192-BA2E-4745-BEB0-A2417E88AFD3}" type="slidenum">
+              <a:rPr lang="zh-CN" altLang="en-US" smtClean="0"/>
+              <a:t>8</a:t>
+            </a:fld>
+            <a:endParaRPr lang="zh-CN" altLang="en-US"/>
+          </a:p>
+        </p:txBody>
+      </p:sp>
+      <p:pic>
+        <p:nvPicPr>
+          <p:cNvPr id="6" name="图片 5">
+            <a:extLst>
+              <a:ext uri="{FF2B5EF4-FFF2-40B4-BE49-F238E27FC236}">
+                <a16:creationId xmlns:a16="http://schemas.microsoft.com/office/drawing/2014/main" id="{ECB5A234-21E2-4738-A1AF-1F11713979F4}"/>
+              </a:ext>
+            </a:extLst>
+          </p:cNvPr>
+          <p:cNvPicPr>
+            <a:picLocks noChangeAspect="1"/>
+          </p:cNvPicPr>
+          <p:nvPr/>
+        </p:nvPicPr>
+        <p:blipFill>
+          <a:blip r:embed="rId3"/>
+          <a:stretch>
+            <a:fillRect/>
+          </a:stretch>
+        </p:blipFill>
+        <p:spPr>
+          <a:xfrm>
+            <a:off x="6096000" y="2557993"/>
+            <a:ext cx="4095750" cy="609600"/>
+          </a:xfrm>
+          <a:prstGeom prst="rect">
+            <a:avLst/>
+          </a:prstGeom>
+        </p:spPr>
+      </p:pic>
+    </p:spTree>
+    <p:extLst>
+      <p:ext uri="{BB962C8B-B14F-4D97-AF65-F5344CB8AC3E}">
+        <p14:creationId xmlns:p14="http://schemas.microsoft.com/office/powerpoint/2010/main" val="3842137476"/>
       </p:ext>
     </p:extLst>
   </p:cSld>
@@ -8963,7 +15956,7 @@
   <a:extraClrSchemeLst/>
   <a:extLst>
     <a:ext uri="{05A4C25C-085E-4340-85A3-A5531E510DB2}">
-      <thm15:themeFamily xmlns:thm15="http://schemas.microsoft.com/office/thememl/2012/main" name="myself" id="{063EB443-0DA6-4778-9FBD-132ECEC693E3}" vid="{E303A396-A7CC-4BC2-B6E2-3E86DFB0E0ED}"/>
+      <thm15:themeFamily xmlns:thm15="http://schemas.microsoft.com/office/thememl/2012/main" name="myself" id="{31CBC8A1-91B9-4278-9644-2702E5D26A1E}" vid="{97162BED-1FDA-4D29-8CE3-8AF8A18B5FA1}"/>
     </a:ext>
   </a:extLst>
 </a:theme>

--- a/1.准备/1.准备.pptx
+++ b/1.准备/1.准备.pptx
@@ -5,10 +5,10 @@
     <p:sldMasterId id="2147483804" r:id="rId1"/>
   </p:sldMasterIdLst>
   <p:notesMasterIdLst>
-    <p:notesMasterId r:id="rId10"/>
+    <p:notesMasterId r:id="rId11"/>
   </p:notesMasterIdLst>
   <p:handoutMasterIdLst>
-    <p:handoutMasterId r:id="rId11"/>
+    <p:handoutMasterId r:id="rId12"/>
   </p:handoutMasterIdLst>
   <p:sldIdLst>
     <p:sldId id="257" r:id="rId2"/>
@@ -19,6 +19,7 @@
     <p:sldId id="262" r:id="rId7"/>
     <p:sldId id="263" r:id="rId8"/>
     <p:sldId id="264" r:id="rId9"/>
+    <p:sldId id="265" r:id="rId10"/>
   </p:sldIdLst>
   <p:sldSz cx="12192000" cy="6858000"/>
   <p:notesSz cx="6858000" cy="9144000"/>
@@ -210,7 +211,7 @@
           <a:p>
             <a:fld id="{78DF0E23-7AB4-424A-B802-2BD314E6B023}" type="datetimeFigureOut">
               <a:rPr lang="zh-CN" altLang="en-US" smtClean="0"/>
-              <a:t>2018/3/20</a:t>
+              <a:t>2018/3/22</a:t>
             </a:fld>
             <a:endParaRPr lang="zh-CN" altLang="en-US"/>
           </a:p>
@@ -375,7 +376,7 @@
           <a:p>
             <a:fld id="{9ED9B8A5-5E5E-4A3F-99A8-B2277FB817FE}" type="datetimeFigureOut">
               <a:rPr lang="zh-CN" altLang="en-US" smtClean="0"/>
-              <a:t>2018/3/20</a:t>
+              <a:t>2018/3/22</a:t>
             </a:fld>
             <a:endParaRPr lang="zh-CN" altLang="en-US"/>
           </a:p>
@@ -1057,7 +1058,7 @@
           <a:p>
             <a:fld id="{8A3048CC-C166-4D3B-B908-AF45F53D0421}" type="datetime1">
               <a:rPr lang="zh-CN" altLang="en-US" smtClean="0"/>
-              <a:t>2018/3/20</a:t>
+              <a:t>2018/3/22</a:t>
             </a:fld>
             <a:endParaRPr lang="zh-CN" altLang="en-US"/>
           </a:p>
@@ -1381,7 +1382,7 @@
           <a:p>
             <a:fld id="{94B88754-E6F4-4917-ACF6-E53D301B79AE}" type="datetime1">
               <a:rPr lang="zh-CN" altLang="en-US" smtClean="0"/>
-              <a:t>2018/3/20</a:t>
+              <a:t>2018/3/22</a:t>
             </a:fld>
             <a:endParaRPr lang="zh-CN" altLang="en-US"/>
           </a:p>
@@ -2105,7 +2106,7 @@
           <a:p>
             <a:fld id="{94B88754-E6F4-4917-ACF6-E53D301B79AE}" type="datetime1">
               <a:rPr lang="zh-CN" altLang="en-US" smtClean="0"/>
-              <a:t>2018/3/20</a:t>
+              <a:t>2018/3/22</a:t>
             </a:fld>
             <a:endParaRPr lang="zh-CN" altLang="en-US"/>
           </a:p>
@@ -2920,7 +2921,7 @@
           <a:p>
             <a:fld id="{94B88754-E6F4-4917-ACF6-E53D301B79AE}" type="datetime1">
               <a:rPr lang="zh-CN" altLang="en-US" smtClean="0"/>
-              <a:t>2018/3/20</a:t>
+              <a:t>2018/3/22</a:t>
             </a:fld>
             <a:endParaRPr lang="zh-CN" altLang="en-US"/>
           </a:p>
@@ -3743,7 +3744,7 @@
           <a:p>
             <a:fld id="{94B88754-E6F4-4917-ACF6-E53D301B79AE}" type="datetime1">
               <a:rPr lang="zh-CN" altLang="en-US" smtClean="0"/>
-              <a:t>2018/3/20</a:t>
+              <a:t>2018/3/22</a:t>
             </a:fld>
             <a:endParaRPr lang="zh-CN" altLang="en-US"/>
           </a:p>
@@ -4593,7 +4594,7 @@
           <a:p>
             <a:fld id="{94B88754-E6F4-4917-ACF6-E53D301B79AE}" type="datetime1">
               <a:rPr lang="zh-CN" altLang="en-US" smtClean="0"/>
-              <a:t>2018/3/20</a:t>
+              <a:t>2018/3/22</a:t>
             </a:fld>
             <a:endParaRPr lang="zh-CN" altLang="en-US"/>
           </a:p>
@@ -5539,7 +5540,7 @@
           <a:p>
             <a:fld id="{94B88754-E6F4-4917-ACF6-E53D301B79AE}" type="datetime1">
               <a:rPr lang="zh-CN" altLang="en-US" smtClean="0"/>
-              <a:t>2018/3/20</a:t>
+              <a:t>2018/3/22</a:t>
             </a:fld>
             <a:endParaRPr lang="zh-CN" altLang="en-US"/>
           </a:p>
@@ -6220,7 +6221,7 @@
           <a:p>
             <a:fld id="{9D97BCC2-608E-4C9E-977D-348F170A3704}" type="datetime1">
               <a:rPr lang="zh-CN" altLang="en-US" smtClean="0"/>
-              <a:t>2018/3/20</a:t>
+              <a:t>2018/3/22</a:t>
             </a:fld>
             <a:endParaRPr lang="zh-CN" altLang="en-US"/>
           </a:p>
@@ -6876,7 +6877,7 @@
           <a:p>
             <a:fld id="{D5AE125C-BC71-4063-9025-1605241F9816}" type="datetime1">
               <a:rPr lang="zh-CN" altLang="en-US" smtClean="0"/>
-              <a:t>2018/3/20</a:t>
+              <a:t>2018/3/22</a:t>
             </a:fld>
             <a:endParaRPr lang="zh-CN" altLang="en-US"/>
           </a:p>
@@ -7585,7 +7586,7 @@
           <a:p>
             <a:fld id="{413E14B1-20C5-42E3-9070-B9094992FA26}" type="datetime1">
               <a:rPr lang="zh-CN" altLang="en-US" smtClean="0"/>
-              <a:t>2018/3/20</a:t>
+              <a:t>2018/3/22</a:t>
             </a:fld>
             <a:endParaRPr lang="zh-CN" altLang="en-US"/>
           </a:p>
@@ -8313,7 +8314,7 @@
           <a:p>
             <a:fld id="{5302442A-4679-4963-B849-5D0C43463E8E}" type="datetime1">
               <a:rPr lang="zh-CN" altLang="en-US" smtClean="0"/>
-              <a:t>2018/3/20</a:t>
+              <a:t>2018/3/22</a:t>
             </a:fld>
             <a:endParaRPr lang="zh-CN" altLang="en-US"/>
           </a:p>
@@ -9055,7 +9056,7 @@
           <a:p>
             <a:fld id="{F055E315-5264-4181-9960-4E105322F5E3}" type="datetime1">
               <a:rPr lang="zh-CN" altLang="en-US" smtClean="0"/>
-              <a:t>2018/3/20</a:t>
+              <a:t>2018/3/22</a:t>
             </a:fld>
             <a:endParaRPr lang="zh-CN" altLang="en-US"/>
           </a:p>
@@ -9943,7 +9944,7 @@
           <a:p>
             <a:fld id="{A6A32591-B75F-4D46-9178-4E0BAB041F45}" type="datetime1">
               <a:rPr lang="zh-CN" altLang="en-US" smtClean="0"/>
-              <a:t>2018/3/20</a:t>
+              <a:t>2018/3/22</a:t>
             </a:fld>
             <a:endParaRPr lang="zh-CN" altLang="en-US"/>
           </a:p>
@@ -10567,7 +10568,7 @@
           <a:p>
             <a:fld id="{FB1C2160-8FD2-42A7-A40F-6DDBC91357BA}" type="datetime1">
               <a:rPr lang="zh-CN" altLang="en-US" smtClean="0"/>
-              <a:t>2018/3/20</a:t>
+              <a:t>2018/3/22</a:t>
             </a:fld>
             <a:endParaRPr lang="zh-CN" altLang="en-US"/>
           </a:p>
@@ -11168,7 +11169,7 @@
           <a:p>
             <a:fld id="{93433719-0C7E-4F01-AB41-39699E2326DB}" type="datetime1">
               <a:rPr lang="zh-CN" altLang="en-US" smtClean="0"/>
-              <a:t>2018/3/20</a:t>
+              <a:t>2018/3/22</a:t>
             </a:fld>
             <a:endParaRPr lang="zh-CN" altLang="en-US"/>
           </a:p>
@@ -11898,7 +11899,7 @@
           <a:p>
             <a:fld id="{C928BAC8-45B9-4A4B-B422-97C9A7F88D49}" type="datetime1">
               <a:rPr lang="zh-CN" altLang="en-US" smtClean="0"/>
-              <a:t>2018/3/20</a:t>
+              <a:t>2018/3/22</a:t>
             </a:fld>
             <a:endParaRPr lang="zh-CN" altLang="en-US"/>
           </a:p>
@@ -12688,7 +12689,7 @@
           <a:p>
             <a:fld id="{59F6C9CF-8D41-48FD-B3F1-0F3E5759500A}" type="datetime1">
               <a:rPr lang="zh-CN" altLang="en-US" smtClean="0"/>
-              <a:t>2018/3/20</a:t>
+              <a:t>2018/3/22</a:t>
             </a:fld>
             <a:endParaRPr lang="zh-CN" altLang="en-US"/>
           </a:p>
@@ -13514,7 +13515,7 @@
           <a:p>
             <a:fld id="{94B88754-E6F4-4917-ACF6-E53D301B79AE}" type="datetime1">
               <a:rPr lang="zh-CN" altLang="en-US" smtClean="0"/>
-              <a:t>2018/3/20</a:t>
+              <a:t>2018/3/22</a:t>
             </a:fld>
             <a:endParaRPr lang="zh-CN" altLang="en-US"/>
           </a:p>
@@ -15720,6 +15721,126 @@
     <p:extLst>
       <p:ext uri="{BB962C8B-B14F-4D97-AF65-F5344CB8AC3E}">
         <p14:creationId xmlns:p14="http://schemas.microsoft.com/office/powerpoint/2010/main" val="3842137476"/>
+      </p:ext>
+    </p:extLst>
+  </p:cSld>
+  <p:clrMapOvr>
+    <a:masterClrMapping/>
+  </p:clrMapOvr>
+</p:sld>
+</file>
+
+<file path=ppt/slides/slide9.xml><?xml version="1.0" encoding="utf-8"?>
+<p:sld xmlns:a="http://schemas.openxmlformats.org/drawingml/2006/main" xmlns:r="http://schemas.openxmlformats.org/officeDocument/2006/relationships" xmlns:p="http://schemas.openxmlformats.org/presentationml/2006/main">
+  <p:cSld>
+    <p:spTree>
+      <p:nvGrpSpPr>
+        <p:cNvPr id="1" name=""/>
+        <p:cNvGrpSpPr/>
+        <p:nvPr/>
+      </p:nvGrpSpPr>
+      <p:grpSpPr>
+        <a:xfrm>
+          <a:off x="0" y="0"/>
+          <a:ext cx="0" cy="0"/>
+          <a:chOff x="0" y="0"/>
+          <a:chExt cx="0" cy="0"/>
+        </a:xfrm>
+      </p:grpSpPr>
+      <p:sp>
+        <p:nvSpPr>
+          <p:cNvPr id="2" name="标题 1">
+            <a:extLst>
+              <a:ext uri="{FF2B5EF4-FFF2-40B4-BE49-F238E27FC236}">
+                <a16:creationId xmlns:a16="http://schemas.microsoft.com/office/drawing/2014/main" id="{97F2376C-06B9-49F3-9EE5-AED6E4C8245A}"/>
+              </a:ext>
+            </a:extLst>
+          </p:cNvPr>
+          <p:cNvSpPr>
+            <a:spLocks noGrp="1"/>
+          </p:cNvSpPr>
+          <p:nvPr>
+            <p:ph type="title"/>
+          </p:nvPr>
+        </p:nvSpPr>
+        <p:spPr/>
+        <p:txBody>
+          <a:bodyPr/>
+          <a:lstStyle/>
+          <a:p>
+            <a:endParaRPr lang="zh-CN" altLang="en-US"/>
+          </a:p>
+        </p:txBody>
+      </p:sp>
+      <p:sp>
+        <p:nvSpPr>
+          <p:cNvPr id="3" name="内容占位符 2">
+            <a:extLst>
+              <a:ext uri="{FF2B5EF4-FFF2-40B4-BE49-F238E27FC236}">
+                <a16:creationId xmlns:a16="http://schemas.microsoft.com/office/drawing/2014/main" id="{DD6733F1-ACE0-4FC3-A3EE-AF7478D3087A}"/>
+              </a:ext>
+            </a:extLst>
+          </p:cNvPr>
+          <p:cNvSpPr>
+            <a:spLocks noGrp="1"/>
+          </p:cNvSpPr>
+          <p:nvPr>
+            <p:ph idx="1"/>
+          </p:nvPr>
+        </p:nvSpPr>
+        <p:spPr/>
+        <p:txBody>
+          <a:bodyPr/>
+          <a:lstStyle/>
+          <a:p>
+            <a:r>
+              <a:rPr lang="en-US" altLang="zh-CN"/>
+              <a:t>examples\pyuic</a:t>
+            </a:r>
+            <a:r>
+              <a:rPr lang="zh-CN" altLang="en-US"/>
+              <a:t>文件夹下 例子 </a:t>
+            </a:r>
+            <a:r>
+              <a:rPr lang="en-US" altLang="zh-CN"/>
+              <a:t>compile-on-the-fly</a:t>
+            </a:r>
+          </a:p>
+        </p:txBody>
+      </p:sp>
+      <p:sp>
+        <p:nvSpPr>
+          <p:cNvPr id="4" name="灯片编号占位符 3">
+            <a:extLst>
+              <a:ext uri="{FF2B5EF4-FFF2-40B4-BE49-F238E27FC236}">
+                <a16:creationId xmlns:a16="http://schemas.microsoft.com/office/drawing/2014/main" id="{B8449640-8E76-49A7-8720-CFB89F3E95B5}"/>
+              </a:ext>
+            </a:extLst>
+          </p:cNvPr>
+          <p:cNvSpPr>
+            <a:spLocks noGrp="1"/>
+          </p:cNvSpPr>
+          <p:nvPr>
+            <p:ph type="sldNum" sz="quarter" idx="12"/>
+          </p:nvPr>
+        </p:nvSpPr>
+        <p:spPr/>
+        <p:txBody>
+          <a:bodyPr/>
+          <a:lstStyle/>
+          <a:p>
+            <a:fld id="{F43F8192-BA2E-4745-BEB0-A2417E88AFD3}" type="slidenum">
+              <a:rPr lang="zh-CN" altLang="en-US" smtClean="0"/>
+              <a:t>9</a:t>
+            </a:fld>
+            <a:endParaRPr lang="zh-CN" altLang="en-US"/>
+          </a:p>
+        </p:txBody>
+      </p:sp>
+    </p:spTree>
+    <p:extLst>
+      <p:ext uri="{BB962C8B-B14F-4D97-AF65-F5344CB8AC3E}">
+        <p14:creationId xmlns:p14="http://schemas.microsoft.com/office/powerpoint/2010/main" val="3011487754"/>
       </p:ext>
     </p:extLst>
   </p:cSld>

--- a/1.准备/1.准备.pptx
+++ b/1.准备/1.准备.pptx
@@ -5,21 +5,19 @@
     <p:sldMasterId id="2147483804" r:id="rId1"/>
   </p:sldMasterIdLst>
   <p:notesMasterIdLst>
-    <p:notesMasterId r:id="rId11"/>
+    <p:notesMasterId r:id="rId9"/>
   </p:notesMasterIdLst>
   <p:handoutMasterIdLst>
-    <p:handoutMasterId r:id="rId12"/>
+    <p:handoutMasterId r:id="rId10"/>
   </p:handoutMasterIdLst>
   <p:sldIdLst>
     <p:sldId id="257" r:id="rId2"/>
-    <p:sldId id="258" r:id="rId3"/>
-    <p:sldId id="261" r:id="rId4"/>
-    <p:sldId id="260" r:id="rId5"/>
-    <p:sldId id="259" r:id="rId6"/>
-    <p:sldId id="262" r:id="rId7"/>
-    <p:sldId id="263" r:id="rId8"/>
-    <p:sldId id="264" r:id="rId9"/>
-    <p:sldId id="265" r:id="rId10"/>
+    <p:sldId id="260" r:id="rId3"/>
+    <p:sldId id="259" r:id="rId4"/>
+    <p:sldId id="266" r:id="rId5"/>
+    <p:sldId id="258" r:id="rId6"/>
+    <p:sldId id="267" r:id="rId7"/>
+    <p:sldId id="261" r:id="rId8"/>
   </p:sldIdLst>
   <p:sldSz cx="12192000" cy="6858000"/>
   <p:notesSz cx="6858000" cy="9144000"/>
@@ -211,7 +209,7 @@
           <a:p>
             <a:fld id="{78DF0E23-7AB4-424A-B802-2BD314E6B023}" type="datetimeFigureOut">
               <a:rPr lang="zh-CN" altLang="en-US" smtClean="0"/>
-              <a:t>2018/3/22</a:t>
+              <a:t>2018/7/30</a:t>
             </a:fld>
             <a:endParaRPr lang="zh-CN" altLang="en-US"/>
           </a:p>
@@ -376,7 +374,7 @@
           <a:p>
             <a:fld id="{9ED9B8A5-5E5E-4A3F-99A8-B2277FB817FE}" type="datetimeFigureOut">
               <a:rPr lang="zh-CN" altLang="en-US" smtClean="0"/>
-              <a:t>2018/3/22</a:t>
+              <a:t>2018/7/30</a:t>
             </a:fld>
             <a:endParaRPr lang="zh-CN" altLang="en-US"/>
           </a:p>
@@ -1058,7 +1056,7 @@
           <a:p>
             <a:fld id="{8A3048CC-C166-4D3B-B908-AF45F53D0421}" type="datetime1">
               <a:rPr lang="zh-CN" altLang="en-US" smtClean="0"/>
-              <a:t>2018/3/22</a:t>
+              <a:t>2018/7/30</a:t>
             </a:fld>
             <a:endParaRPr lang="zh-CN" altLang="en-US"/>
           </a:p>
@@ -1382,7 +1380,7 @@
           <a:p>
             <a:fld id="{94B88754-E6F4-4917-ACF6-E53D301B79AE}" type="datetime1">
               <a:rPr lang="zh-CN" altLang="en-US" smtClean="0"/>
-              <a:t>2018/3/22</a:t>
+              <a:t>2018/7/30</a:t>
             </a:fld>
             <a:endParaRPr lang="zh-CN" altLang="en-US"/>
           </a:p>
@@ -2106,7 +2104,7 @@
           <a:p>
             <a:fld id="{94B88754-E6F4-4917-ACF6-E53D301B79AE}" type="datetime1">
               <a:rPr lang="zh-CN" altLang="en-US" smtClean="0"/>
-              <a:t>2018/3/22</a:t>
+              <a:t>2018/7/30</a:t>
             </a:fld>
             <a:endParaRPr lang="zh-CN" altLang="en-US"/>
           </a:p>
@@ -2921,7 +2919,7 @@
           <a:p>
             <a:fld id="{94B88754-E6F4-4917-ACF6-E53D301B79AE}" type="datetime1">
               <a:rPr lang="zh-CN" altLang="en-US" smtClean="0"/>
-              <a:t>2018/3/22</a:t>
+              <a:t>2018/7/30</a:t>
             </a:fld>
             <a:endParaRPr lang="zh-CN" altLang="en-US"/>
           </a:p>
@@ -3744,7 +3742,7 @@
           <a:p>
             <a:fld id="{94B88754-E6F4-4917-ACF6-E53D301B79AE}" type="datetime1">
               <a:rPr lang="zh-CN" altLang="en-US" smtClean="0"/>
-              <a:t>2018/3/22</a:t>
+              <a:t>2018/7/30</a:t>
             </a:fld>
             <a:endParaRPr lang="zh-CN" altLang="en-US"/>
           </a:p>
@@ -4594,7 +4592,7 @@
           <a:p>
             <a:fld id="{94B88754-E6F4-4917-ACF6-E53D301B79AE}" type="datetime1">
               <a:rPr lang="zh-CN" altLang="en-US" smtClean="0"/>
-              <a:t>2018/3/22</a:t>
+              <a:t>2018/7/30</a:t>
             </a:fld>
             <a:endParaRPr lang="zh-CN" altLang="en-US"/>
           </a:p>
@@ -5540,7 +5538,7 @@
           <a:p>
             <a:fld id="{94B88754-E6F4-4917-ACF6-E53D301B79AE}" type="datetime1">
               <a:rPr lang="zh-CN" altLang="en-US" smtClean="0"/>
-              <a:t>2018/3/22</a:t>
+              <a:t>2018/7/30</a:t>
             </a:fld>
             <a:endParaRPr lang="zh-CN" altLang="en-US"/>
           </a:p>
@@ -6221,7 +6219,7 @@
           <a:p>
             <a:fld id="{9D97BCC2-608E-4C9E-977D-348F170A3704}" type="datetime1">
               <a:rPr lang="zh-CN" altLang="en-US" smtClean="0"/>
-              <a:t>2018/3/22</a:t>
+              <a:t>2018/7/30</a:t>
             </a:fld>
             <a:endParaRPr lang="zh-CN" altLang="en-US"/>
           </a:p>
@@ -6877,7 +6875,7 @@
           <a:p>
             <a:fld id="{D5AE125C-BC71-4063-9025-1605241F9816}" type="datetime1">
               <a:rPr lang="zh-CN" altLang="en-US" smtClean="0"/>
-              <a:t>2018/3/22</a:t>
+              <a:t>2018/7/30</a:t>
             </a:fld>
             <a:endParaRPr lang="zh-CN" altLang="en-US"/>
           </a:p>
@@ -7586,7 +7584,7 @@
           <a:p>
             <a:fld id="{413E14B1-20C5-42E3-9070-B9094992FA26}" type="datetime1">
               <a:rPr lang="zh-CN" altLang="en-US" smtClean="0"/>
-              <a:t>2018/3/22</a:t>
+              <a:t>2018/7/30</a:t>
             </a:fld>
             <a:endParaRPr lang="zh-CN" altLang="en-US"/>
           </a:p>
@@ -7713,10 +7711,10 @@
         </p:nvGrpSpPr>
         <p:grpSpPr>
           <a:xfrm>
-            <a:off x="940819" y="13063"/>
-            <a:ext cx="10749432" cy="6881301"/>
-            <a:chOff x="940819" y="13063"/>
-            <a:chExt cx="10749432" cy="6881301"/>
+            <a:off x="408735" y="25720"/>
+            <a:ext cx="11281516" cy="6868644"/>
+            <a:chOff x="408735" y="25720"/>
+            <a:chExt cx="11281516" cy="6868644"/>
           </a:xfrm>
         </p:grpSpPr>
         <p:sp>
@@ -7733,7 +7731,7 @@
           </p:nvSpPr>
           <p:spPr>
             <a:xfrm>
-              <a:off x="940819" y="13063"/>
+              <a:off x="1004499" y="25720"/>
               <a:ext cx="10151594" cy="461665"/>
             </a:xfrm>
             <a:prstGeom prst="rect">
@@ -7789,7 +7787,39 @@
                     </a:outerShdw>
                   </a:effectLst>
                 </a:rPr>
-                <a:t>本套教程为免费教程， 如若发现有盗用售卖者请联系作者</a:t>
+                <a:t>举报有奖</a:t>
+              </a:r>
+              <a:r>
+                <a:rPr lang="en-US" altLang="zh-CN" sz="2400" b="0" cap="none" spc="0">
+                  <a:ln w="0"/>
+                  <a:solidFill>
+                    <a:schemeClr val="accent1"/>
+                  </a:solidFill>
+                  <a:effectLst>
+                    <a:outerShdw blurRad="38100" dist="25400" dir="5400000" algn="ctr" rotWithShape="0">
+                      <a:srgbClr val="6E747A">
+                        <a:alpha val="43000"/>
+                      </a:srgbClr>
+                    </a:outerShdw>
+                  </a:effectLst>
+                </a:rPr>
+                <a:t>~ </a:t>
+              </a:r>
+              <a:r>
+                <a:rPr lang="zh-CN" altLang="en-US" sz="2400" b="0" cap="none" spc="0">
+                  <a:ln w="0"/>
+                  <a:solidFill>
+                    <a:schemeClr val="accent1"/>
+                  </a:solidFill>
+                  <a:effectLst>
+                    <a:outerShdw blurRad="38100" dist="25400" dir="5400000" algn="ctr" rotWithShape="0">
+                      <a:srgbClr val="6E747A">
+                        <a:alpha val="43000"/>
+                      </a:srgbClr>
+                    </a:outerShdw>
+                  </a:effectLst>
+                </a:rPr>
+                <a:t>，如若发现有盗用售卖者请联系作者</a:t>
               </a:r>
               <a:r>
                 <a:rPr lang="en-US" altLang="zh-CN" sz="2400" b="0" cap="none" spc="0">
@@ -8113,6 +8143,180 @@
             </a:p>
           </p:txBody>
         </p:sp>
+        <p:sp>
+          <p:nvSpPr>
+            <p:cNvPr id="14" name="矩形 13">
+              <a:extLst>
+                <a:ext uri="{FF2B5EF4-FFF2-40B4-BE49-F238E27FC236}">
+                  <a16:creationId xmlns:a16="http://schemas.microsoft.com/office/drawing/2014/main" id="{E4C08980-0176-46EB-95DC-AB84EEC65079}"/>
+                </a:ext>
+              </a:extLst>
+            </p:cNvPr>
+            <p:cNvSpPr/>
+            <p:nvPr userDrawn="1"/>
+          </p:nvSpPr>
+          <p:spPr>
+            <a:xfrm>
+              <a:off x="408735" y="6305288"/>
+              <a:ext cx="3484403" cy="584775"/>
+            </a:xfrm>
+            <a:prstGeom prst="rect">
+              <a:avLst/>
+            </a:prstGeom>
+            <a:noFill/>
+            <a:ln>
+              <a:noFill/>
+            </a:ln>
+            <a:effectLst>
+              <a:glow rad="228600">
+                <a:schemeClr val="accent6">
+                  <a:satMod val="175000"/>
+                  <a:alpha val="40000"/>
+                </a:schemeClr>
+              </a:glow>
+              <a:outerShdw blurRad="50800" dist="38100" dir="5400000" algn="t" rotWithShape="0">
+                <a:prstClr val="black">
+                  <a:alpha val="40000"/>
+                </a:prstClr>
+              </a:outerShdw>
+            </a:effectLst>
+            <a:scene3d>
+              <a:camera prst="orthographicFront">
+                <a:rot lat="0" lon="0" rev="0"/>
+              </a:camera>
+              <a:lightRig rig="contrasting" dir="t">
+                <a:rot lat="0" lon="0" rev="1500000"/>
+              </a:lightRig>
+            </a:scene3d>
+            <a:sp3d prstMaterial="metal">
+              <a:bevelT w="88900" h="88900"/>
+            </a:sp3d>
+          </p:spPr>
+          <p:txBody>
+            <a:bodyPr wrap="square" lIns="91440" tIns="45720" rIns="91440" bIns="45720">
+              <a:spAutoFit/>
+            </a:bodyPr>
+            <a:lstStyle/>
+            <a:p>
+              <a:pPr algn="l"/>
+              <a:r>
+                <a:rPr lang="en-US" altLang="zh-CN" sz="1600" b="0" cap="none" spc="0">
+                  <a:ln w="0"/>
+                  <a:solidFill>
+                    <a:schemeClr val="accent1"/>
+                  </a:solidFill>
+                  <a:effectLst>
+                    <a:outerShdw blurRad="38100" dist="25400" dir="5400000" algn="ctr" rotWithShape="0">
+                      <a:srgbClr val="6E747A">
+                        <a:alpha val="43000"/>
+                      </a:srgbClr>
+                    </a:outerShdw>
+                  </a:effectLst>
+                </a:rPr>
+                <a:t>1. QQ</a:t>
+              </a:r>
+              <a:r>
+                <a:rPr lang="zh-CN" altLang="en-US" sz="1600" b="0" cap="none" spc="0">
+                  <a:ln w="0"/>
+                  <a:solidFill>
+                    <a:schemeClr val="accent1"/>
+                  </a:solidFill>
+                  <a:effectLst>
+                    <a:outerShdw blurRad="38100" dist="25400" dir="5400000" algn="ctr" rotWithShape="0">
+                      <a:srgbClr val="6E747A">
+                        <a:alpha val="43000"/>
+                      </a:srgbClr>
+                    </a:outerShdw>
+                  </a:effectLst>
+                </a:rPr>
+                <a:t>学习群：</a:t>
+              </a:r>
+              <a:r>
+                <a:rPr lang="en-US" altLang="zh-CN" sz="1600" b="0" cap="none" spc="0">
+                  <a:ln w="0"/>
+                  <a:solidFill>
+                    <a:schemeClr val="accent1"/>
+                  </a:solidFill>
+                  <a:effectLst>
+                    <a:outerShdw blurRad="38100" dist="25400" dir="5400000" algn="ctr" rotWithShape="0">
+                      <a:srgbClr val="6E747A">
+                        <a:alpha val="43000"/>
+                      </a:srgbClr>
+                    </a:outerShdw>
+                  </a:effectLst>
+                </a:rPr>
+                <a:t>432987409</a:t>
+              </a:r>
+            </a:p>
+            <a:p>
+              <a:pPr algn="l"/>
+              <a:r>
+                <a:rPr lang="en-US" altLang="zh-CN" sz="1600" b="0" cap="none" spc="0">
+                  <a:ln w="0"/>
+                  <a:solidFill>
+                    <a:schemeClr val="accent1"/>
+                  </a:solidFill>
+                  <a:effectLst>
+                    <a:outerShdw blurRad="38100" dist="25400" dir="5400000" algn="ctr" rotWithShape="0">
+                      <a:srgbClr val="6E747A">
+                        <a:alpha val="43000"/>
+                      </a:srgbClr>
+                    </a:outerShdw>
+                  </a:effectLst>
+                </a:rPr>
+                <a:t>2. QQ</a:t>
+              </a:r>
+              <a:r>
+                <a:rPr lang="zh-CN" altLang="en-US" sz="1600" b="0" cap="none" spc="0">
+                  <a:ln w="0"/>
+                  <a:solidFill>
+                    <a:schemeClr val="accent1"/>
+                  </a:solidFill>
+                  <a:effectLst>
+                    <a:outerShdw blurRad="38100" dist="25400" dir="5400000" algn="ctr" rotWithShape="0">
+                      <a:srgbClr val="6E747A">
+                        <a:alpha val="43000"/>
+                      </a:srgbClr>
+                    </a:outerShdw>
+                  </a:effectLst>
+                </a:rPr>
+                <a:t>学习群：</a:t>
+              </a:r>
+              <a:r>
+                <a:rPr lang="en-US" altLang="zh-CN" sz="1600" b="0" cap="none" spc="0">
+                  <a:ln w="0"/>
+                  <a:solidFill>
+                    <a:schemeClr val="accent1"/>
+                  </a:solidFill>
+                  <a:effectLst>
+                    <a:outerShdw blurRad="38100" dist="25400" dir="5400000" algn="ctr" rotWithShape="0">
+                      <a:srgbClr val="6E747A">
+                        <a:alpha val="43000"/>
+                      </a:srgbClr>
+                    </a:outerShdw>
+                  </a:effectLst>
+                </a:rPr>
+                <a:t>246269919</a:t>
+              </a:r>
+              <a:endParaRPr lang="zh-CN" altLang="en-US" sz="1600" b="0" kern="1200" cap="none" spc="0">
+                <a:ln w="0"/>
+                <a:solidFill>
+                  <a:schemeClr val="accent1"/>
+                </a:solidFill>
+                <a:effectLst>
+                  <a:outerShdw blurRad="38100" dist="25400" dir="5400000" algn="ctr" rotWithShape="0">
+                    <a:srgbClr val="6E747A">
+                      <a:alpha val="43000"/>
+                    </a:srgbClr>
+                  </a:outerShdw>
+                </a:effectLst>
+                <a:latin typeface="+mn-lt"/>
+                <a:ea typeface="+mn-ea"/>
+                <a:cs typeface="+mn-cs"/>
+              </a:endParaRPr>
+            </a:p>
+          </p:txBody>
+        </p:sp>
       </p:grpSp>
     </p:spTree>
     <p:extLst>
@@ -8314,7 +8518,7 @@
           <a:p>
             <a:fld id="{5302442A-4679-4963-B849-5D0C43463E8E}" type="datetime1">
               <a:rPr lang="zh-CN" altLang="en-US" smtClean="0"/>
-              <a:t>2018/3/22</a:t>
+              <a:t>2018/7/30</a:t>
             </a:fld>
             <a:endParaRPr lang="zh-CN" altLang="en-US"/>
           </a:p>
@@ -9056,7 +9260,7 @@
           <a:p>
             <a:fld id="{F055E315-5264-4181-9960-4E105322F5E3}" type="datetime1">
               <a:rPr lang="zh-CN" altLang="en-US" smtClean="0"/>
-              <a:t>2018/3/22</a:t>
+              <a:t>2018/7/30</a:t>
             </a:fld>
             <a:endParaRPr lang="zh-CN" altLang="en-US"/>
           </a:p>
@@ -9944,7 +10148,7 @@
           <a:p>
             <a:fld id="{A6A32591-B75F-4D46-9178-4E0BAB041F45}" type="datetime1">
               <a:rPr lang="zh-CN" altLang="en-US" smtClean="0"/>
-              <a:t>2018/3/22</a:t>
+              <a:t>2018/7/30</a:t>
             </a:fld>
             <a:endParaRPr lang="zh-CN" altLang="en-US"/>
           </a:p>
@@ -10568,7 +10772,7 @@
           <a:p>
             <a:fld id="{FB1C2160-8FD2-42A7-A40F-6DDBC91357BA}" type="datetime1">
               <a:rPr lang="zh-CN" altLang="en-US" smtClean="0"/>
-              <a:t>2018/3/22</a:t>
+              <a:t>2018/7/30</a:t>
             </a:fld>
             <a:endParaRPr lang="zh-CN" altLang="en-US"/>
           </a:p>
@@ -11169,7 +11373,7 @@
           <a:p>
             <a:fld id="{93433719-0C7E-4F01-AB41-39699E2326DB}" type="datetime1">
               <a:rPr lang="zh-CN" altLang="en-US" smtClean="0"/>
-              <a:t>2018/3/22</a:t>
+              <a:t>2018/7/30</a:t>
             </a:fld>
             <a:endParaRPr lang="zh-CN" altLang="en-US"/>
           </a:p>
@@ -11899,7 +12103,7 @@
           <a:p>
             <a:fld id="{C928BAC8-45B9-4A4B-B422-97C9A7F88D49}" type="datetime1">
               <a:rPr lang="zh-CN" altLang="en-US" smtClean="0"/>
-              <a:t>2018/3/22</a:t>
+              <a:t>2018/7/30</a:t>
             </a:fld>
             <a:endParaRPr lang="zh-CN" altLang="en-US"/>
           </a:p>
@@ -12689,7 +12893,7 @@
           <a:p>
             <a:fld id="{59F6C9CF-8D41-48FD-B3F1-0F3E5759500A}" type="datetime1">
               <a:rPr lang="zh-CN" altLang="en-US" smtClean="0"/>
-              <a:t>2018/3/22</a:t>
+              <a:t>2018/7/30</a:t>
             </a:fld>
             <a:endParaRPr lang="zh-CN" altLang="en-US"/>
           </a:p>
@@ -13515,7 +13719,7 @@
           <a:p>
             <a:fld id="{94B88754-E6F4-4917-ACF6-E53D301B79AE}" type="datetime1">
               <a:rPr lang="zh-CN" altLang="en-US" smtClean="0"/>
-              <a:t>2018/3/22</a:t>
+              <a:t>2018/7/30</a:t>
             </a:fld>
             <a:endParaRPr lang="zh-CN" altLang="en-US"/>
           </a:p>
@@ -14093,213 +14297,191 @@
         </p:nvSpPr>
         <p:spPr>
           <a:xfrm>
-            <a:off x="1039091" y="2133604"/>
+            <a:off x="897082" y="2092038"/>
             <a:ext cx="10397836" cy="4350327"/>
           </a:xfrm>
         </p:spPr>
         <p:txBody>
           <a:bodyPr>
-            <a:normAutofit fontScale="77500" lnSpcReduction="20000"/>
+            <a:normAutofit lnSpcReduction="10000"/>
           </a:bodyPr>
           <a:lstStyle/>
           <a:p>
             <a:r>
-              <a:rPr lang="zh-CN" altLang="en-US"/>
-              <a:t>跨平台</a:t>
-            </a:r>
-            <a:endParaRPr lang="en-US" altLang="zh-CN"/>
+              <a:rPr lang="zh-CN" altLang="en-US" sz="1800"/>
+              <a:t>前言与初衷：</a:t>
+            </a:r>
+            <a:endParaRPr lang="en-US" altLang="zh-CN" sz="1800"/>
           </a:p>
           <a:p>
             <a:pPr lvl="1"/>
             <a:r>
-              <a:rPr lang="zh-CN" altLang="en-US"/>
+              <a:rPr lang="zh-CN" altLang="en-US" sz="1400"/>
+              <a:t>学生党，没钱；</a:t>
+            </a:r>
+            <a:endParaRPr lang="en-US" altLang="zh-CN" sz="1800"/>
+          </a:p>
+          <a:p>
+            <a:pPr lvl="1"/>
+            <a:r>
+              <a:rPr lang="zh-CN" altLang="en-US" sz="1600"/>
+              <a:t>重复性问题；</a:t>
+            </a:r>
+            <a:endParaRPr lang="en-US" altLang="zh-CN" sz="1600"/>
+          </a:p>
+          <a:p>
+            <a:pPr lvl="1"/>
+            <a:r>
+              <a:rPr lang="zh-CN" altLang="en-US" sz="1600"/>
+              <a:t>学习问题；</a:t>
+            </a:r>
+            <a:endParaRPr lang="en-US" altLang="zh-CN" sz="1600"/>
+          </a:p>
+          <a:p>
+            <a:pPr lvl="1"/>
+            <a:r>
+              <a:rPr lang="zh-CN" altLang="en-US" sz="1600"/>
+              <a:t>对视频的评价。</a:t>
+            </a:r>
+            <a:endParaRPr lang="en-US" altLang="zh-CN" sz="1600"/>
+          </a:p>
+          <a:p>
+            <a:r>
+              <a:rPr lang="en-US" altLang="zh-CN" sz="1800"/>
+              <a:t>QT</a:t>
+            </a:r>
+            <a:r>
+              <a:rPr lang="zh-CN" altLang="en-US" sz="1800"/>
+              <a:t>框架 </a:t>
+            </a:r>
+            <a:r>
+              <a:rPr lang="en-US" altLang="zh-CN" sz="1800"/>
+              <a:t>Python/C++/Go</a:t>
+            </a:r>
+          </a:p>
+          <a:p>
+            <a:pPr lvl="1"/>
+            <a:r>
+              <a:rPr lang="zh-CN" altLang="en-US" sz="1600"/>
               <a:t>主要用</a:t>
             </a:r>
             <a:r>
-              <a:rPr lang="en-US" altLang="zh-CN"/>
+              <a:rPr lang="en-US" altLang="zh-CN" sz="1600"/>
               <a:t>eric6+Qt designer </a:t>
             </a:r>
             <a:r>
-              <a:rPr lang="zh-CN" altLang="en-US"/>
+              <a:rPr lang="zh-CN" altLang="en-US" sz="1600"/>
               <a:t>设计 </a:t>
             </a:r>
             <a:r>
-              <a:rPr lang="en-US" altLang="zh-CN"/>
+              <a:rPr lang="en-US" altLang="zh-CN" sz="1600"/>
               <a:t>, </a:t>
             </a:r>
             <a:r>
-              <a:rPr lang="zh-CN" altLang="en-US"/>
+              <a:rPr lang="zh-CN" altLang="en-US" sz="1600"/>
               <a:t>查</a:t>
             </a:r>
             <a:r>
-              <a:rPr lang="en-US" altLang="zh-CN"/>
+              <a:rPr lang="en-US" altLang="zh-CN" sz="1600"/>
               <a:t>QT</a:t>
             </a:r>
             <a:r>
-              <a:rPr lang="zh-CN" altLang="en-US"/>
+              <a:rPr lang="zh-CN" altLang="en-US" sz="1600"/>
               <a:t>文档 </a:t>
             </a:r>
             <a:r>
-              <a:rPr lang="en-US" altLang="zh-CN"/>
+              <a:rPr lang="en-US" altLang="zh-CN" sz="1600"/>
               <a:t>;</a:t>
             </a:r>
           </a:p>
           <a:p>
             <a:pPr lvl="2"/>
             <a:r>
-              <a:rPr lang="en-US" altLang="zh-CN">
+              <a:rPr lang="en-US" altLang="zh-CN" sz="1400">
                 <a:hlinkClick r:id="rId3"/>
               </a:rPr>
-              <a:t>http://doc.qt.io/qt-5/classes.html</a:t>
-            </a:r>
-            <a:endParaRPr lang="en-US" altLang="zh-CN"/>
+              <a:t>https://doc-snapshots.qt.io/qtforpython/</a:t>
+            </a:r>
+            <a:r>
+              <a:rPr lang="en-US" altLang="zh-CN" sz="1400"/>
+              <a:t>	</a:t>
+            </a:r>
           </a:p>
           <a:p>
             <a:pPr lvl="2"/>
             <a:r>
-              <a:rPr lang="en-US" altLang="zh-CN">
+              <a:rPr lang="en-US" altLang="zh-CN" sz="1400">
                 <a:hlinkClick r:id="rId4"/>
               </a:rPr>
-              <a:t>http://www.kuqin.com/qtdocument/qwidget.html</a:t>
-            </a:r>
-            <a:endParaRPr lang="en-US" altLang="zh-CN"/>
-          </a:p>
-          <a:p>
-            <a:pPr lvl="1"/>
-            <a:r>
-              <a:rPr lang="en-US" altLang="zh-CN"/>
-              <a:t>15</a:t>
-            </a:r>
-            <a:r>
-              <a:rPr lang="zh-CN" altLang="en-US"/>
-              <a:t>分钟左右一节知识点 </a:t>
-            </a:r>
-            <a:r>
-              <a:rPr lang="en-US" altLang="zh-CN"/>
-              <a:t>;</a:t>
-            </a:r>
-            <a:endParaRPr lang="en-US" altLang="zh-CN" dirty="0"/>
-          </a:p>
-          <a:p>
-            <a:r>
-              <a:rPr lang="zh-CN" altLang="en-US"/>
-              <a:t>安装</a:t>
-            </a:r>
-            <a:endParaRPr lang="en-US" altLang="zh-CN" dirty="0"/>
-          </a:p>
-          <a:p>
-            <a:pPr lvl="1"/>
-            <a:r>
-              <a:rPr lang="en-US" altLang="zh-CN" dirty="0"/>
-              <a:t>Win</a:t>
-            </a:r>
-            <a:r>
-              <a:rPr lang="zh-CN" altLang="en-US" dirty="0"/>
-              <a:t>下</a:t>
-            </a:r>
-            <a:endParaRPr lang="en-US" altLang="zh-CN" dirty="0"/>
+              <a:t>http://doc.qt.io/qt-5/classes.html</a:t>
+            </a:r>
+            <a:endParaRPr lang="en-US" altLang="zh-CN" sz="1400"/>
           </a:p>
           <a:p>
             <a:pPr lvl="2"/>
             <a:r>
-              <a:rPr lang="zh-CN" altLang="en-US" dirty="0"/>
-              <a:t>方式</a:t>
-            </a:r>
-            <a:r>
-              <a:rPr lang="zh-CN" altLang="en-US"/>
-              <a:t>一</a:t>
-            </a:r>
-            <a:r>
-              <a:rPr lang="en-US" altLang="zh-CN"/>
-              <a:t>: </a:t>
-            </a:r>
-            <a:r>
-              <a:rPr lang="en-US" altLang="zh-CN">
+              <a:rPr lang="en-US" altLang="zh-CN" sz="1400">
                 <a:hlinkClick r:id="rId5"/>
               </a:rPr>
-              <a:t>http://blog.csdn.net/freewind06/article/details/52140198</a:t>
-            </a:r>
-            <a:endParaRPr lang="en-US" altLang="zh-CN" dirty="0"/>
+              <a:t>http://www.kuqin.com/qtdocument/qwidget.html</a:t>
+            </a:r>
+            <a:endParaRPr lang="en-US" altLang="zh-CN" sz="1400"/>
+          </a:p>
+          <a:p>
+            <a:pPr lvl="1"/>
+            <a:r>
+              <a:rPr lang="en-US" altLang="zh-CN" sz="1600"/>
+              <a:t>15</a:t>
+            </a:r>
+            <a:r>
+              <a:rPr lang="zh-CN" altLang="en-US" sz="1600"/>
+              <a:t>分钟左右一节知识点 </a:t>
+            </a:r>
+            <a:r>
+              <a:rPr lang="en-US" altLang="zh-CN" sz="1600"/>
+              <a:t>;</a:t>
+            </a:r>
+          </a:p>
+          <a:p>
+            <a:pPr lvl="1"/>
+            <a:r>
+              <a:rPr lang="en-US" altLang="zh-CN" sz="1600"/>
+              <a:t>1.5</a:t>
+            </a:r>
+            <a:r>
+              <a:rPr lang="zh-CN" altLang="en-US" sz="1600"/>
+              <a:t>倍速观看最佳；重点地方我会提示。</a:t>
+            </a:r>
+            <a:endParaRPr lang="en-US" altLang="zh-CN" sz="1600" dirty="0"/>
           </a:p>
           <a:p>
             <a:pPr lvl="3"/>
-            <a:r>
-              <a:rPr lang="en-US" altLang="zh-CN" dirty="0"/>
-              <a:t>python-3.5.3-amd64</a:t>
-            </a:r>
+            <a:endParaRPr lang="en-US" altLang="zh-CN" sz="1200"/>
           </a:p>
           <a:p>
             <a:pPr lvl="3"/>
-            <a:r>
-              <a:rPr lang="en-US" altLang="zh-CN" dirty="0"/>
-              <a:t>(pip3 install PyQt5) / pip3 install PyQt5-tools(designer)</a:t>
-            </a:r>
-          </a:p>
-          <a:p>
-            <a:pPr lvl="3"/>
-            <a:r>
-              <a:rPr lang="en-US" altLang="zh-CN" dirty="0"/>
-              <a:t>PyQt5-5.6-gpl-Py3.5-Qt5.6.0-x64-2 (designer)</a:t>
-            </a:r>
-          </a:p>
-          <a:p>
-            <a:pPr lvl="3"/>
-            <a:r>
-              <a:rPr lang="en-US" altLang="zh-CN" dirty="0"/>
-              <a:t> </a:t>
-            </a:r>
-            <a:r>
-              <a:rPr lang="en-US" altLang="zh-CN" u="sng" dirty="0"/>
-              <a:t>https://sourceforge.net/projects/eric-ide/files/eric6/stable/17.10/</a:t>
-            </a:r>
-            <a:endParaRPr lang="en-US" altLang="zh-CN" dirty="0"/>
-          </a:p>
-          <a:p>
-            <a:pPr lvl="2"/>
-            <a:r>
-              <a:rPr lang="zh-CN" altLang="en-US" dirty="0"/>
-              <a:t>方式二</a:t>
-            </a:r>
-            <a:r>
-              <a:rPr lang="en-US" altLang="zh-CN" dirty="0"/>
-              <a:t>:</a:t>
-            </a:r>
-          </a:p>
-          <a:p>
-            <a:pPr lvl="3"/>
-            <a:r>
-              <a:rPr lang="en-US" altLang="zh-CN" dirty="0"/>
-              <a:t>github.com/</a:t>
-            </a:r>
-            <a:r>
-              <a:rPr lang="en-US" altLang="zh-CN" dirty="0" err="1"/>
-              <a:t>cxinping</a:t>
-            </a:r>
-            <a:r>
-              <a:rPr lang="en-US" altLang="zh-CN" dirty="0"/>
-              <a:t>/pyqt5 </a:t>
-            </a:r>
+            <a:endParaRPr lang="en-US" altLang="zh-CN" sz="1200" dirty="0"/>
           </a:p>
           <a:p>
             <a:pPr lvl="1"/>
-            <a:endParaRPr lang="en-US" altLang="zh-CN" dirty="0"/>
+            <a:endParaRPr lang="en-US" altLang="zh-CN" sz="1600" dirty="0"/>
           </a:p>
           <a:p>
             <a:pPr marL="457200" lvl="1" indent="0">
               <a:buNone/>
             </a:pPr>
-            <a:endParaRPr lang="en-US" altLang="zh-CN" dirty="0"/>
+            <a:endParaRPr lang="en-US" altLang="zh-CN" sz="1600" dirty="0"/>
           </a:p>
           <a:p>
             <a:pPr lvl="1"/>
-            <a:endParaRPr lang="en-US" altLang="zh-CN" dirty="0"/>
+            <a:endParaRPr lang="en-US" altLang="zh-CN" sz="1600" dirty="0"/>
           </a:p>
           <a:p>
             <a:pPr lvl="1"/>
-            <a:endParaRPr lang="en-US" altLang="zh-CN" dirty="0"/>
-          </a:p>
-          <a:p>
-            <a:endParaRPr lang="en-US" altLang="zh-CN" dirty="0"/>
+            <a:endParaRPr lang="en-US" altLang="zh-CN" sz="1600" dirty="0"/>
+          </a:p>
+          <a:p>
+            <a:endParaRPr lang="en-US" altLang="zh-CN" sz="1800" dirty="0"/>
           </a:p>
         </p:txBody>
       </p:sp>
@@ -14323,95 +14505,6 @@
               <a:t>1</a:t>
             </a:fld>
             <a:endParaRPr lang="zh-CN" altLang="en-US" dirty="0"/>
-          </a:p>
-        </p:txBody>
-      </p:sp>
-      <p:sp>
-        <p:nvSpPr>
-          <p:cNvPr id="4" name="文本框 3"/>
-          <p:cNvSpPr txBox="1"/>
-          <p:nvPr/>
-        </p:nvSpPr>
-        <p:spPr>
-          <a:xfrm>
-            <a:off x="8467583" y="4715047"/>
-            <a:ext cx="2245622" cy="1200329"/>
-          </a:xfrm>
-          <a:prstGeom prst="rect">
-            <a:avLst/>
-          </a:prstGeom>
-          <a:noFill/>
-        </p:spPr>
-        <p:txBody>
-          <a:bodyPr wrap="square" rtlCol="0">
-            <a:spAutoFit/>
-          </a:bodyPr>
-          <a:lstStyle/>
-          <a:p>
-            <a:r>
-              <a:rPr lang="en-US" altLang="zh-CN"/>
-              <a:t>QT 5.6</a:t>
-            </a:r>
-            <a:r>
-              <a:rPr lang="zh-CN" altLang="en-US"/>
-              <a:t>及以上版本</a:t>
-            </a:r>
-            <a:endParaRPr lang="en-US" altLang="zh-CN"/>
-          </a:p>
-          <a:p>
-            <a:r>
-              <a:rPr lang="en-US" altLang="zh-CN"/>
-              <a:t>Qwebkit</a:t>
-            </a:r>
-          </a:p>
-          <a:p>
-            <a:r>
-              <a:rPr lang="zh-CN" altLang="en-US"/>
-              <a:t>更名为</a:t>
-            </a:r>
-            <a:endParaRPr lang="en-US" altLang="zh-CN"/>
-          </a:p>
-          <a:p>
-            <a:r>
-              <a:rPr lang="en-US" altLang="zh-CN"/>
-              <a:t>QWebEngine</a:t>
-            </a:r>
-            <a:endParaRPr lang="zh-CN" altLang="en-US"/>
-          </a:p>
-        </p:txBody>
-      </p:sp>
-      <p:sp>
-        <p:nvSpPr>
-          <p:cNvPr id="6" name="文本框 5">
-            <a:extLst>
-              <a:ext uri="{FF2B5EF4-FFF2-40B4-BE49-F238E27FC236}">
-                <a16:creationId xmlns:a16="http://schemas.microsoft.com/office/drawing/2014/main" id="{319D35CC-33B4-41D1-865D-F8490C6D5B32}"/>
-              </a:ext>
-            </a:extLst>
-          </p:cNvPr>
-          <p:cNvSpPr txBox="1"/>
-          <p:nvPr/>
-        </p:nvSpPr>
-        <p:spPr>
-          <a:xfrm>
-            <a:off x="755073" y="4768671"/>
-            <a:ext cx="2014537" cy="369332"/>
-          </a:xfrm>
-          <a:prstGeom prst="rect">
-            <a:avLst/>
-          </a:prstGeom>
-          <a:noFill/>
-        </p:spPr>
-        <p:txBody>
-          <a:bodyPr wrap="square" rtlCol="0">
-            <a:spAutoFit/>
-          </a:bodyPr>
-          <a:lstStyle/>
-          <a:p>
-            <a:r>
-              <a:rPr lang="zh-CN" altLang="en-US"/>
-              <a:t>注意打开方式</a:t>
-            </a:r>
           </a:p>
         </p:txBody>
       </p:sp>
@@ -14457,13 +14550,13 @@
         </p:nvSpPr>
         <p:spPr>
           <a:xfrm>
-            <a:off x="2486025" y="795344"/>
-            <a:ext cx="8756935" cy="5595073"/>
+            <a:off x="2324100" y="698500"/>
+            <a:ext cx="10515600" cy="5461000"/>
           </a:xfrm>
         </p:spPr>
         <p:txBody>
           <a:bodyPr>
-            <a:normAutofit fontScale="92500" lnSpcReduction="10000"/>
+            <a:normAutofit fontScale="92500" lnSpcReduction="20000"/>
           </a:bodyPr>
           <a:lstStyle/>
           <a:p>
@@ -14471,255 +14564,248 @@
               <a:buNone/>
             </a:pPr>
             <a:r>
+              <a:rPr lang="zh-CN" altLang="en-US"/>
+              <a:t>工欲善其事必先利其器，辅助软件准备</a:t>
+            </a:r>
+            <a:r>
               <a:rPr lang="en-US" altLang="zh-CN"/>
-              <a:t>	Linux</a:t>
-            </a:r>
-            <a:r>
-              <a:rPr lang="zh-CN" altLang="en-US" dirty="0"/>
-              <a:t>下</a:t>
-            </a:r>
+              <a:t>:</a:t>
+            </a:r>
+            <a:endParaRPr lang="en-US" altLang="zh-CN" dirty="0"/>
+          </a:p>
+          <a:p>
+            <a:pPr marL="0" indent="0">
+              <a:buNone/>
+            </a:pPr>
             <a:r>
               <a:rPr lang="en-US" altLang="zh-CN" dirty="0"/>
-              <a:t>:</a:t>
-            </a:r>
-          </a:p>
-          <a:p>
-            <a:pPr lvl="1"/>
-            <a:r>
-              <a:rPr lang="zh-CN" altLang="en-US" dirty="0"/>
-              <a:t>切换到</a:t>
-            </a:r>
+              <a:t>	</a:t>
+            </a:r>
+            <a:r>
+              <a:rPr lang="zh-CN" altLang="en-US" dirty="0">
+                <a:solidFill>
+                  <a:srgbClr val="FF0000"/>
+                </a:solidFill>
+              </a:rPr>
+              <a:t>云笔记</a:t>
+            </a:r>
+            <a:endParaRPr lang="en-US" altLang="zh-CN" dirty="0">
+              <a:solidFill>
+                <a:srgbClr val="FF0000"/>
+              </a:solidFill>
+            </a:endParaRPr>
+          </a:p>
+          <a:p>
+            <a:pPr marL="0" indent="0">
+              <a:buNone/>
+            </a:pPr>
             <a:r>
               <a:rPr lang="en-US" altLang="zh-CN" dirty="0"/>
-              <a:t>python3.5</a:t>
-            </a:r>
-            <a:endParaRPr lang="zh-CN" altLang="en-US" dirty="0"/>
-          </a:p>
-          <a:p>
-            <a:pPr lvl="1"/>
+              <a:t>	</a:t>
+            </a:r>
+            <a:r>
+              <a:rPr lang="en-US" altLang="zh-CN" dirty="0" err="1"/>
+              <a:t>github</a:t>
+            </a:r>
+            <a:endParaRPr lang="en-US" altLang="zh-CN" dirty="0"/>
+          </a:p>
+          <a:p>
+            <a:pPr marL="0" indent="0">
+              <a:buNone/>
+            </a:pPr>
+            <a:r>
+              <a:rPr lang="en-US" altLang="zh-CN"/>
+              <a:t>	</a:t>
+            </a:r>
+            <a:r>
+              <a:rPr lang="zh-CN" altLang="en-US"/>
+              <a:t>梯子 （群）</a:t>
+            </a:r>
+            <a:endParaRPr lang="en-US" altLang="zh-CN" dirty="0"/>
+          </a:p>
+          <a:p>
+            <a:pPr marL="0" indent="0">
+              <a:buNone/>
+            </a:pPr>
             <a:r>
               <a:rPr lang="en-US" altLang="zh-CN" dirty="0"/>
-              <a:t>pip3 install pyqt5</a:t>
-            </a:r>
-            <a:endParaRPr lang="zh-CN" altLang="en-US" dirty="0"/>
-          </a:p>
-          <a:p>
-            <a:pPr lvl="1"/>
-            <a:r>
-              <a:rPr lang="en-US" altLang="zh-CN" dirty="0"/>
-              <a:t>pip3 install </a:t>
-            </a:r>
-            <a:r>
-              <a:rPr lang="en-US" altLang="zh-CN" dirty="0" err="1"/>
-              <a:t>QScintilla</a:t>
-            </a:r>
-            <a:endParaRPr lang="zh-CN" altLang="en-US" dirty="0"/>
-          </a:p>
-          <a:p>
-            <a:pPr lvl="1"/>
-            <a:r>
-              <a:rPr lang="en-US" altLang="zh-CN" dirty="0" err="1"/>
-              <a:t>sudo</a:t>
-            </a:r>
-            <a:r>
-              <a:rPr lang="zh-CN" altLang="en-US" dirty="0"/>
-              <a:t> </a:t>
-            </a:r>
-            <a:r>
-              <a:rPr lang="en-US" altLang="zh-CN" dirty="0"/>
-              <a:t>apt-get install python3-pyqt5  </a:t>
-            </a:r>
-            <a:endParaRPr lang="zh-CN" altLang="en-US" dirty="0"/>
-          </a:p>
-          <a:p>
-            <a:pPr lvl="1"/>
-            <a:r>
-              <a:rPr lang="en-US" altLang="zh-CN" dirty="0" err="1"/>
-              <a:t>sudo</a:t>
-            </a:r>
-            <a:r>
-              <a:rPr lang="zh-CN" altLang="en-US" dirty="0"/>
-              <a:t> </a:t>
-            </a:r>
-            <a:r>
-              <a:rPr lang="en-US" altLang="zh-CN" dirty="0"/>
-              <a:t>apt-get install pyqt5-dev-tools</a:t>
-            </a:r>
-            <a:endParaRPr lang="zh-CN" altLang="en-US" dirty="0"/>
-          </a:p>
-          <a:p>
-            <a:pPr lvl="1"/>
-            <a:r>
-              <a:rPr lang="en-US" altLang="zh-CN" dirty="0" err="1"/>
-              <a:t>sudo</a:t>
-            </a:r>
-            <a:r>
-              <a:rPr lang="zh-CN" altLang="en-US" dirty="0"/>
-              <a:t> </a:t>
-            </a:r>
-            <a:r>
-              <a:rPr lang="en-US" altLang="zh-CN" dirty="0"/>
-              <a:t>apt-get install qttools5-dev-tools</a:t>
-            </a:r>
-            <a:endParaRPr lang="zh-CN" altLang="en-US" dirty="0"/>
-          </a:p>
-          <a:p>
-            <a:pPr lvl="1"/>
-            <a:r>
-              <a:rPr lang="en-US" altLang="zh-CN" dirty="0" err="1"/>
-              <a:t>sudo</a:t>
-            </a:r>
-            <a:r>
-              <a:rPr lang="zh-CN" altLang="en-US" dirty="0"/>
-              <a:t> </a:t>
-            </a:r>
-            <a:r>
-              <a:rPr lang="en-US" altLang="zh-CN" dirty="0"/>
-              <a:t>apt-get install gtk2-engines-pixbuf</a:t>
-            </a:r>
-            <a:endParaRPr lang="zh-CN" altLang="en-US" dirty="0"/>
-          </a:p>
-          <a:p>
-            <a:pPr lvl="1"/>
-            <a:r>
-              <a:rPr lang="en-US" altLang="zh-CN" dirty="0" err="1"/>
-              <a:t>Sudo</a:t>
-            </a:r>
-            <a:r>
-              <a:rPr lang="zh-CN" altLang="en-US" dirty="0"/>
-              <a:t> </a:t>
-            </a:r>
-            <a:r>
-              <a:rPr lang="en-US" altLang="zh-CN" dirty="0" err="1"/>
-              <a:t>gedit</a:t>
-            </a:r>
-            <a:r>
-              <a:rPr lang="en-US" altLang="zh-CN" dirty="0"/>
-              <a:t>/</a:t>
-            </a:r>
-            <a:r>
-              <a:rPr lang="en-US" altLang="zh-CN" dirty="0" err="1"/>
-              <a:t>usr</a:t>
-            </a:r>
-            <a:r>
-              <a:rPr lang="en-US" altLang="zh-CN" dirty="0"/>
-              <a:t>/lib/x86_64-linux-gnu/</a:t>
-            </a:r>
-            <a:r>
-              <a:rPr lang="en-US" altLang="zh-CN" dirty="0" err="1"/>
-              <a:t>qt</a:t>
-            </a:r>
-            <a:r>
-              <a:rPr lang="en-US" altLang="zh-CN" dirty="0"/>
-              <a:t>-default/</a:t>
-            </a:r>
-            <a:r>
-              <a:rPr lang="en-US" altLang="zh-CN" dirty="0" err="1"/>
-              <a:t>qtchooser</a:t>
-            </a:r>
-            <a:r>
-              <a:rPr lang="en-US" altLang="zh-CN" dirty="0"/>
-              <a:t>/</a:t>
-            </a:r>
-            <a:r>
-              <a:rPr lang="en-US" altLang="zh-CN" dirty="0" err="1"/>
-              <a:t>default.conf</a:t>
-            </a:r>
-            <a:endParaRPr lang="zh-CN" altLang="en-US" dirty="0"/>
-          </a:p>
-          <a:p>
-            <a:pPr lvl="2"/>
-            <a:r>
-              <a:rPr lang="en-US" altLang="zh-CN" dirty="0"/>
-              <a:t>/</a:t>
-            </a:r>
-            <a:r>
-              <a:rPr lang="en-US" altLang="zh-CN" dirty="0" err="1"/>
-              <a:t>usr</a:t>
-            </a:r>
-            <a:r>
-              <a:rPr lang="en-US" altLang="zh-CN" dirty="0"/>
-              <a:t>/lib/x86_64-linux-gnu/qt5/bin(</a:t>
-            </a:r>
-            <a:r>
-              <a:rPr lang="zh-CN" altLang="en-US" dirty="0"/>
-              <a:t>将</a:t>
-            </a:r>
-            <a:r>
-              <a:rPr lang="en-US" altLang="zh-CN" dirty="0"/>
-              <a:t>qt4</a:t>
-            </a:r>
-            <a:r>
-              <a:rPr lang="zh-CN" altLang="en-US" dirty="0"/>
-              <a:t>改为</a:t>
-            </a:r>
-            <a:r>
-              <a:rPr lang="en-US" altLang="zh-CN" dirty="0"/>
-              <a:t>qt5)</a:t>
-            </a:r>
-            <a:endParaRPr lang="zh-CN" altLang="en-US" dirty="0"/>
-          </a:p>
-          <a:p>
-            <a:pPr lvl="2"/>
-            <a:r>
-              <a:rPr lang="en-US" altLang="zh-CN" dirty="0"/>
-              <a:t>/</a:t>
-            </a:r>
-            <a:r>
-              <a:rPr lang="en-US" altLang="zh-CN" dirty="0" err="1"/>
-              <a:t>usr</a:t>
-            </a:r>
-            <a:r>
-              <a:rPr lang="en-US" altLang="zh-CN" dirty="0"/>
-              <a:t>/lib/x86_64-linux-gnu</a:t>
-            </a:r>
-            <a:endParaRPr lang="zh-CN" altLang="en-US" dirty="0"/>
-          </a:p>
-          <a:p>
-            <a:pPr lvl="1"/>
-            <a:r>
-              <a:rPr lang="zh-CN" altLang="en-US" dirty="0"/>
-              <a:t>下载</a:t>
-            </a:r>
-            <a:r>
-              <a:rPr lang="en-US" altLang="zh-CN" dirty="0"/>
-              <a:t>eric6 </a:t>
-            </a:r>
-            <a:r>
-              <a:rPr lang="en-US" altLang="zh-CN" u="sng" dirty="0"/>
-              <a:t>https://sourceforge.net/projects/eric-ide/files/eric6/stable/17.10/</a:t>
-            </a:r>
-            <a:endParaRPr lang="zh-CN" altLang="en-US" dirty="0"/>
-          </a:p>
-          <a:p>
-            <a:pPr lvl="2"/>
-            <a:r>
-              <a:rPr lang="en-US" altLang="zh-CN" dirty="0"/>
-              <a:t>tar –</a:t>
-            </a:r>
-            <a:r>
-              <a:rPr lang="en-US" altLang="zh-CN" dirty="0" err="1"/>
-              <a:t>zxvf</a:t>
-            </a:r>
-            <a:r>
-              <a:rPr lang="zh-CN" altLang="en-US" dirty="0"/>
-              <a:t> </a:t>
-            </a:r>
-            <a:r>
-              <a:rPr lang="en-US" altLang="zh-CN" dirty="0"/>
-              <a:t>eric6-17.10.tar.gz</a:t>
-            </a:r>
-            <a:endParaRPr lang="zh-CN" altLang="en-US" dirty="0"/>
-          </a:p>
-          <a:p>
-            <a:pPr lvl="2"/>
-            <a:r>
-              <a:rPr lang="en-US" altLang="zh-CN" dirty="0"/>
-              <a:t>Python3 install.py </a:t>
-            </a:r>
-            <a:endParaRPr lang="zh-CN" altLang="en-US" dirty="0"/>
-          </a:p>
-          <a:p>
+              <a:t>	ditto</a:t>
+            </a:r>
+          </a:p>
+          <a:p>
+            <a:pPr marL="0" indent="0">
+              <a:buNone/>
+            </a:pPr>
+            <a:r>
+              <a:rPr lang="en-US" altLang="zh-CN"/>
+              <a:t>	Snipaste</a:t>
+            </a:r>
+          </a:p>
+          <a:p>
+            <a:pPr marL="0" indent="0">
+              <a:buNone/>
+            </a:pPr>
+            <a:r>
+              <a:rPr lang="en-US" altLang="zh-CN"/>
+              <a:t>	</a:t>
+            </a:r>
+            <a:r>
+              <a:rPr lang="en-US" altLang="zh-CN">
+                <a:solidFill>
+                  <a:srgbClr val="FF0000"/>
+                </a:solidFill>
+              </a:rPr>
+              <a:t>Everything</a:t>
+            </a:r>
+          </a:p>
+          <a:p>
+            <a:pPr marL="0" indent="0">
+              <a:buNone/>
+            </a:pPr>
+            <a:r>
+              <a:rPr lang="en-US" altLang="zh-CN">
+                <a:solidFill>
+                  <a:srgbClr val="FF0000"/>
+                </a:solidFill>
+              </a:rPr>
+              <a:t>	git</a:t>
+            </a:r>
+          </a:p>
+          <a:p>
+            <a:pPr marL="0" indent="0">
+              <a:buNone/>
+            </a:pPr>
+            <a:r>
+              <a:rPr lang="en-US" altLang="zh-CN"/>
+              <a:t>	</a:t>
+            </a:r>
+          </a:p>
+          <a:p>
+            <a:pPr marL="0" indent="0">
+              <a:buNone/>
+            </a:pPr>
+            <a:r>
+              <a:rPr lang="en-US" altLang="zh-CN"/>
+              <a:t>pyqt</a:t>
+            </a:r>
+            <a:r>
+              <a:rPr lang="zh-CN" altLang="en-US"/>
+              <a:t>群</a:t>
+            </a:r>
+            <a:r>
+              <a:rPr lang="en-US" altLang="zh-CN"/>
+              <a:t>1</a:t>
+            </a:r>
+            <a:r>
+              <a:rPr lang="zh-CN" altLang="en-US"/>
+              <a:t>：群号 </a:t>
+            </a:r>
+            <a:r>
+              <a:rPr lang="en-US" altLang="zh-CN"/>
+              <a:t> 246269919  </a:t>
+            </a:r>
+            <a:r>
+              <a:rPr lang="zh-CN" altLang="en-US"/>
+              <a:t>点击链接加入群</a:t>
+            </a:r>
+            <a:r>
+              <a:rPr lang="en-US" altLang="zh-CN"/>
+              <a:t>【PyQt</a:t>
+            </a:r>
+            <a:r>
+              <a:rPr lang="zh-CN" altLang="en-US"/>
+              <a:t>学习互助</a:t>
+            </a:r>
+            <a:r>
+              <a:rPr lang="en-US" altLang="zh-CN"/>
+              <a:t>】</a:t>
+            </a:r>
+            <a:r>
+              <a:rPr lang="zh-CN" altLang="en-US"/>
+              <a:t>：</a:t>
+            </a:r>
+            <a:r>
+              <a:rPr lang="en-US" altLang="zh-CN">
+                <a:hlinkClick r:id="rId2"/>
+              </a:rPr>
+              <a:t>https://jq.qq.com/?_wv=1027&amp;k=5d8WEW9</a:t>
+            </a:r>
+            <a:endParaRPr lang="en-US" altLang="zh-CN"/>
+          </a:p>
+          <a:p>
+            <a:pPr marL="0" indent="0">
+              <a:buNone/>
+            </a:pPr>
+            <a:r>
+              <a:rPr lang="en-US" altLang="zh-CN"/>
+              <a:t>pyqt</a:t>
+            </a:r>
+            <a:r>
+              <a:rPr lang="zh-CN" altLang="en-US"/>
+              <a:t>群</a:t>
+            </a:r>
+            <a:r>
+              <a:rPr lang="en-US" altLang="zh-CN"/>
+              <a:t>2</a:t>
+            </a:r>
+            <a:r>
+              <a:rPr lang="zh-CN" altLang="en-US"/>
+              <a:t>：群号  </a:t>
+            </a:r>
+            <a:r>
+              <a:rPr lang="en-US" altLang="zh-CN"/>
+              <a:t>432987409  </a:t>
+            </a:r>
+            <a:r>
+              <a:rPr lang="zh-CN" altLang="en-US"/>
+              <a:t>点击链接加入群</a:t>
+            </a:r>
+            <a:r>
+              <a:rPr lang="en-US" altLang="zh-CN"/>
+              <a:t>【PyQt5</a:t>
+            </a:r>
+            <a:r>
+              <a:rPr lang="zh-CN" altLang="en-US"/>
+              <a:t>小组</a:t>
+            </a:r>
+            <a:r>
+              <a:rPr lang="en-US" altLang="zh-CN"/>
+              <a:t>】</a:t>
+            </a:r>
+            <a:r>
+              <a:rPr lang="zh-CN" altLang="en-US"/>
+              <a:t>： </a:t>
+            </a:r>
+            <a:endParaRPr lang="en-US" altLang="zh-CN"/>
+          </a:p>
+          <a:p>
+            <a:pPr marL="0" indent="0">
+              <a:buNone/>
+            </a:pPr>
+            <a:r>
+              <a:rPr lang="en-US" altLang="zh-CN">
+                <a:hlinkClick r:id="rId3"/>
+              </a:rPr>
+              <a:t>https://jq.qq.com/?_wv=1027&amp;k=54Npu94</a:t>
+            </a:r>
+            <a:endParaRPr lang="en-US" altLang="zh-CN"/>
+          </a:p>
+          <a:p>
+            <a:pPr marL="0" indent="0">
+              <a:buNone/>
+            </a:pPr>
+            <a:endParaRPr lang="en-US" altLang="zh-CN"/>
+          </a:p>
+          <a:p>
+            <a:pPr marL="0" indent="0">
+              <a:buNone/>
+            </a:pPr>
+            <a:endParaRPr lang="en-US" altLang="zh-CN"/>
+          </a:p>
+          <a:p>
+            <a:pPr marL="0" indent="0">
+              <a:buNone/>
+            </a:pPr>
             <a:endParaRPr lang="zh-CN" altLang="en-US" dirty="0"/>
           </a:p>
         </p:txBody>
@@ -14750,7 +14836,7 @@
     </p:spTree>
     <p:extLst>
       <p:ext uri="{BB962C8B-B14F-4D97-AF65-F5344CB8AC3E}">
-        <p14:creationId xmlns:p14="http://schemas.microsoft.com/office/powerpoint/2010/main" val="1148932180"/>
+        <p14:creationId xmlns:p14="http://schemas.microsoft.com/office/powerpoint/2010/main" val="1213604599"/>
       </p:ext>
     </p:extLst>
   </p:cSld>
@@ -14779,6 +14865,126 @@
       </p:grpSpPr>
       <p:sp>
         <p:nvSpPr>
+          <p:cNvPr id="3" name="内容占位符 2"/>
+          <p:cNvSpPr>
+            <a:spLocks noGrp="1"/>
+          </p:cNvSpPr>
+          <p:nvPr>
+            <p:ph idx="1"/>
+          </p:nvPr>
+        </p:nvSpPr>
+        <p:spPr/>
+        <p:txBody>
+          <a:bodyPr/>
+          <a:lstStyle/>
+          <a:p>
+            <a:r>
+              <a:rPr lang="zh-CN" altLang="en-US" dirty="0"/>
+              <a:t>推荐教程</a:t>
+            </a:r>
+            <a:endParaRPr lang="en-US" altLang="zh-CN" dirty="0"/>
+          </a:p>
+          <a:p>
+            <a:pPr lvl="1"/>
+            <a:r>
+              <a:rPr lang="en-US" altLang="zh-CN" dirty="0">
+                <a:hlinkClick r:id="rId2"/>
+              </a:rPr>
+              <a:t>http://www.maiziedu.com/course/577-8221/</a:t>
+            </a:r>
+            <a:r>
+              <a:rPr lang="en-US" altLang="zh-CN" dirty="0"/>
+              <a:t> </a:t>
+            </a:r>
+            <a:r>
+              <a:rPr lang="zh-CN" altLang="en-US" dirty="0"/>
+              <a:t>麦子学院</a:t>
+            </a:r>
+            <a:r>
+              <a:rPr lang="en-US" altLang="zh-CN" dirty="0"/>
+              <a:t>pyqt4+python2.7</a:t>
+            </a:r>
+          </a:p>
+          <a:p>
+            <a:pPr lvl="1"/>
+            <a:r>
+              <a:rPr lang="en-US" altLang="zh-CN" dirty="0"/>
+              <a:t>《Python </a:t>
+            </a:r>
+            <a:r>
+              <a:rPr lang="en-US" altLang="zh-CN" dirty="0" err="1"/>
+              <a:t>Qt</a:t>
+            </a:r>
+            <a:r>
+              <a:rPr lang="en-US" altLang="zh-CN" dirty="0"/>
+              <a:t> GUI</a:t>
+            </a:r>
+            <a:r>
+              <a:rPr lang="zh-CN" altLang="en-US" dirty="0"/>
+              <a:t>快速编程</a:t>
+            </a:r>
+            <a:r>
+              <a:rPr lang="en-US" altLang="zh-CN" dirty="0"/>
+              <a:t>》</a:t>
+            </a:r>
+            <a:r>
+              <a:rPr lang="zh-CN" altLang="en-US" dirty="0"/>
+              <a:t>网络有资源 </a:t>
+            </a:r>
+            <a:endParaRPr lang="en-US" altLang="zh-CN" dirty="0"/>
+          </a:p>
+          <a:p>
+            <a:pPr lvl="1"/>
+            <a:r>
+              <a:rPr lang="en-US" altLang="zh-CN" b="1" dirty="0"/>
+              <a:t>《PyQt5</a:t>
+            </a:r>
+            <a:r>
+              <a:rPr lang="zh-CN" altLang="en-US" b="1" dirty="0"/>
+              <a:t>快速开发与实战 </a:t>
+            </a:r>
+            <a:r>
+              <a:rPr lang="en-US" altLang="zh-CN" b="1" dirty="0"/>
+              <a:t>》</a:t>
+            </a:r>
+            <a:r>
+              <a:rPr lang="zh-CN" altLang="en-US" dirty="0"/>
+              <a:t>京东￥</a:t>
+            </a:r>
+            <a:r>
+              <a:rPr lang="en-US" altLang="zh-CN" dirty="0"/>
+              <a:t>70</a:t>
+            </a:r>
+            <a:r>
+              <a:rPr lang="zh-CN" altLang="en-US" dirty="0"/>
+              <a:t>左右</a:t>
+            </a:r>
+            <a:endParaRPr lang="en-US" altLang="zh-CN" dirty="0"/>
+          </a:p>
+          <a:p>
+            <a:pPr marL="457200" lvl="1" indent="0">
+              <a:buNone/>
+            </a:pPr>
+            <a:r>
+              <a:rPr lang="en-US" altLang="zh-CN" dirty="0"/>
+              <a:t>	github.com/</a:t>
+            </a:r>
+            <a:r>
+              <a:rPr lang="en-US" altLang="zh-CN" dirty="0" err="1"/>
+              <a:t>cxinping</a:t>
+            </a:r>
+            <a:r>
+              <a:rPr lang="en-US" altLang="zh-CN" dirty="0"/>
+              <a:t>/pyqt5 </a:t>
+            </a:r>
+          </a:p>
+          <a:p>
+            <a:endParaRPr lang="zh-CN" altLang="en-US" dirty="0"/>
+          </a:p>
+        </p:txBody>
+      </p:sp>
+      <p:sp>
+        <p:nvSpPr>
           <p:cNvPr id="4" name="灯片编号占位符 3"/>
           <p:cNvSpPr>
             <a:spLocks noGrp="1"/>
@@ -14800,34 +15006,10 @@
           </a:p>
         </p:txBody>
       </p:sp>
-      <p:pic>
-        <p:nvPicPr>
-          <p:cNvPr id="5" name="图片 4"/>
-          <p:cNvPicPr>
-            <a:picLocks noChangeAspect="1"/>
-          </p:cNvPicPr>
-          <p:nvPr/>
-        </p:nvPicPr>
-        <p:blipFill>
-          <a:blip r:embed="rId2"/>
-          <a:stretch>
-            <a:fillRect/>
-          </a:stretch>
-        </p:blipFill>
-        <p:spPr>
-          <a:xfrm>
-            <a:off x="0" y="-1"/>
-            <a:ext cx="12192000" cy="6974907"/>
-          </a:xfrm>
-          <a:prstGeom prst="rect">
-            <a:avLst/>
-          </a:prstGeom>
-        </p:spPr>
-      </p:pic>
     </p:spTree>
     <p:extLst>
       <p:ext uri="{BB962C8B-B14F-4D97-AF65-F5344CB8AC3E}">
-        <p14:creationId xmlns:p14="http://schemas.microsoft.com/office/powerpoint/2010/main" val="525269927"/>
+        <p14:creationId xmlns:p14="http://schemas.microsoft.com/office/powerpoint/2010/main" val="806132259"/>
       </p:ext>
     </p:extLst>
   </p:cSld>
@@ -14856,7 +15038,91 @@
       </p:grpSpPr>
       <p:sp>
         <p:nvSpPr>
-          <p:cNvPr id="3" name="内容占位符 2"/>
+          <p:cNvPr id="2" name="标题 1">
+            <a:extLst>
+              <a:ext uri="{FF2B5EF4-FFF2-40B4-BE49-F238E27FC236}">
+                <a16:creationId xmlns:a16="http://schemas.microsoft.com/office/drawing/2014/main" id="{419817FD-5E36-4587-9B14-4B876BA4A01F}"/>
+              </a:ext>
+            </a:extLst>
+          </p:cNvPr>
+          <p:cNvSpPr>
+            <a:spLocks noGrp="1"/>
+          </p:cNvSpPr>
+          <p:nvPr>
+            <p:ph type="title"/>
+          </p:nvPr>
+        </p:nvSpPr>
+        <p:spPr/>
+        <p:txBody>
+          <a:bodyPr>
+            <a:normAutofit fontScale="90000"/>
+          </a:bodyPr>
+          <a:lstStyle/>
+          <a:p>
+            <a:r>
+              <a:rPr lang="en-US" altLang="zh-CN"/>
+              <a:t>Pyqt5</a:t>
+            </a:r>
+            <a:r>
+              <a:rPr lang="zh-CN" altLang="en-US"/>
+              <a:t>安装 </a:t>
+            </a:r>
+            <a:r>
+              <a:rPr lang="en-US" altLang="zh-CN"/>
+              <a:t>Win</a:t>
+            </a:r>
+            <a:r>
+              <a:rPr lang="zh-CN" altLang="en-US"/>
+              <a:t>下</a:t>
+            </a:r>
+            <a:br>
+              <a:rPr lang="en-US" altLang="zh-CN"/>
+            </a:br>
+            <a:r>
+              <a:rPr lang="en-US" altLang="zh-CN" b="1">
+                <a:solidFill>
+                  <a:srgbClr val="FF0000"/>
+                </a:solidFill>
+              </a:rPr>
+              <a:t>Python</a:t>
+            </a:r>
+            <a:r>
+              <a:rPr lang="zh-CN" altLang="en-US" b="1">
+                <a:solidFill>
+                  <a:srgbClr val="FF0000"/>
+                </a:solidFill>
+              </a:rPr>
+              <a:t>不要用</a:t>
+            </a:r>
+            <a:r>
+              <a:rPr lang="en-US" altLang="zh-CN" b="1">
+                <a:solidFill>
+                  <a:srgbClr val="FF0000"/>
+                </a:solidFill>
+              </a:rPr>
+              <a:t>3.7</a:t>
+            </a:r>
+            <a:r>
+              <a:rPr lang="zh-CN" altLang="en-US" b="1">
+                <a:solidFill>
+                  <a:srgbClr val="FF0000"/>
+                </a:solidFill>
+              </a:rPr>
+              <a:t>版本</a:t>
+            </a:r>
+            <a:endParaRPr lang="zh-CN" altLang="en-US"/>
+          </a:p>
+        </p:txBody>
+      </p:sp>
+      <p:sp>
+        <p:nvSpPr>
+          <p:cNvPr id="3" name="内容占位符 2">
+            <a:extLst>
+              <a:ext uri="{FF2B5EF4-FFF2-40B4-BE49-F238E27FC236}">
+                <a16:creationId xmlns:a16="http://schemas.microsoft.com/office/drawing/2014/main" id="{A5D2DCEF-F33D-4393-B825-EA4F24B74079}"/>
+              </a:ext>
+            </a:extLst>
+          </p:cNvPr>
           <p:cNvSpPr>
             <a:spLocks noGrp="1"/>
           </p:cNvSpPr>
@@ -14866,239 +15132,73 @@
         </p:nvSpPr>
         <p:spPr>
           <a:xfrm>
-            <a:off x="2324100" y="698500"/>
-            <a:ext cx="10515600" cy="5461000"/>
+            <a:off x="-107412" y="4771420"/>
+            <a:ext cx="7288695" cy="1710635"/>
           </a:xfrm>
         </p:spPr>
         <p:txBody>
           <a:bodyPr>
-            <a:normAutofit fontScale="92500" lnSpcReduction="10000"/>
+            <a:normAutofit/>
           </a:bodyPr>
           <a:lstStyle/>
           <a:p>
-            <a:pPr marL="0" indent="0">
+            <a:pPr lvl="2"/>
+            <a:r>
+              <a:rPr lang="zh-CN" altLang="en-US"/>
+              <a:t>方式一</a:t>
+            </a:r>
+            <a:r>
+              <a:rPr lang="en-US" altLang="zh-CN"/>
+              <a:t>:</a:t>
+            </a:r>
+          </a:p>
+          <a:p>
+            <a:pPr marL="914400" lvl="2" indent="0">
               <a:buNone/>
             </a:pPr>
             <a:r>
-              <a:rPr lang="zh-CN" altLang="en-US" dirty="0"/>
-              <a:t>其他软件准备</a:t>
-            </a:r>
-            <a:r>
-              <a:rPr lang="en-US" altLang="zh-CN" dirty="0"/>
-              <a:t>:</a:t>
-            </a:r>
-          </a:p>
-          <a:p>
-            <a:pPr marL="0" indent="0">
-              <a:buNone/>
-            </a:pPr>
-            <a:r>
-              <a:rPr lang="en-US" altLang="zh-CN" dirty="0"/>
-              <a:t>	</a:t>
-            </a:r>
-            <a:r>
-              <a:rPr lang="zh-CN" altLang="en-US" dirty="0"/>
-              <a:t>云笔记</a:t>
-            </a:r>
-            <a:endParaRPr lang="en-US" altLang="zh-CN" dirty="0"/>
-          </a:p>
-          <a:p>
-            <a:pPr marL="0" indent="0">
-              <a:buNone/>
-            </a:pPr>
-            <a:r>
-              <a:rPr lang="en-US" altLang="zh-CN" dirty="0"/>
-              <a:t>	</a:t>
-            </a:r>
-            <a:r>
-              <a:rPr lang="en-US" altLang="zh-CN" dirty="0" err="1"/>
-              <a:t>github</a:t>
-            </a:r>
-            <a:endParaRPr lang="en-US" altLang="zh-CN" dirty="0"/>
-          </a:p>
-          <a:p>
-            <a:pPr marL="0" indent="0">
-              <a:buNone/>
-            </a:pPr>
-            <a:r>
               <a:rPr lang="en-US" altLang="zh-CN"/>
-              <a:t>	</a:t>
-            </a:r>
-            <a:r>
-              <a:rPr lang="zh-CN" altLang="en-US"/>
-              <a:t>梯子 （群）</a:t>
-            </a:r>
-            <a:endParaRPr lang="en-US" altLang="zh-CN" dirty="0"/>
-          </a:p>
-          <a:p>
-            <a:pPr marL="0" indent="0">
-              <a:buNone/>
-            </a:pPr>
-            <a:r>
-              <a:rPr lang="en-US" altLang="zh-CN" dirty="0"/>
-              <a:t>	ditto</a:t>
-            </a:r>
-          </a:p>
-          <a:p>
-            <a:pPr marL="0" indent="0">
-              <a:buNone/>
-            </a:pPr>
-            <a:r>
-              <a:rPr lang="en-US" altLang="zh-CN"/>
-              <a:t>	Snipaste</a:t>
-            </a:r>
-          </a:p>
-          <a:p>
-            <a:pPr marL="0" indent="0">
-              <a:buNone/>
-            </a:pPr>
-            <a:r>
-              <a:rPr lang="en-US" altLang="zh-CN"/>
-              <a:t>	Everything</a:t>
-            </a:r>
-          </a:p>
-          <a:p>
-            <a:pPr marL="0" indent="0">
-              <a:buNone/>
-            </a:pPr>
-            <a:r>
-              <a:rPr lang="en-US" altLang="zh-CN"/>
-              <a:t>	</a:t>
-            </a:r>
-          </a:p>
-          <a:p>
-            <a:pPr marL="0" indent="0">
-              <a:buNone/>
-            </a:pPr>
-            <a:r>
-              <a:rPr lang="en-US" altLang="zh-CN"/>
-              <a:t>pyqt</a:t>
-            </a:r>
-            <a:r>
-              <a:rPr lang="zh-CN" altLang="en-US"/>
-              <a:t>群</a:t>
-            </a:r>
-            <a:r>
-              <a:rPr lang="en-US" altLang="zh-CN"/>
-              <a:t>1</a:t>
-            </a:r>
-            <a:r>
-              <a:rPr lang="zh-CN" altLang="en-US"/>
-              <a:t>：群号 </a:t>
-            </a:r>
-            <a:r>
-              <a:rPr lang="en-US" altLang="zh-CN"/>
-              <a:t> 246269919  </a:t>
-            </a:r>
-            <a:r>
-              <a:rPr lang="zh-CN" altLang="en-US"/>
-              <a:t>点击链接加入群</a:t>
-            </a:r>
-            <a:r>
-              <a:rPr lang="en-US" altLang="zh-CN"/>
-              <a:t>【PyQt</a:t>
-            </a:r>
-            <a:r>
-              <a:rPr lang="zh-CN" altLang="en-US"/>
-              <a:t>学习互助</a:t>
-            </a:r>
-            <a:r>
-              <a:rPr lang="en-US" altLang="zh-CN"/>
-              <a:t>】</a:t>
-            </a:r>
-            <a:r>
-              <a:rPr lang="zh-CN" altLang="en-US"/>
-              <a:t>：</a:t>
+              <a:t>       </a:t>
             </a:r>
             <a:r>
               <a:rPr lang="en-US" altLang="zh-CN">
                 <a:hlinkClick r:id="rId2"/>
               </a:rPr>
-              <a:t>https://jq.qq.com/?_wv=1027&amp;k=5d8WEW9</a:t>
+              <a:t>http://blog.csdn.net/freewind06/article/details/52140198</a:t>
             </a:r>
             <a:endParaRPr lang="en-US" altLang="zh-CN"/>
           </a:p>
           <a:p>
-            <a:pPr marL="0" indent="0">
-              <a:buNone/>
-            </a:pPr>
+            <a:pPr lvl="3"/>
             <a:r>
               <a:rPr lang="en-US" altLang="zh-CN"/>
-              <a:t>pyqt</a:t>
-            </a:r>
-            <a:r>
-              <a:rPr lang="zh-CN" altLang="en-US"/>
-              <a:t>群</a:t>
-            </a:r>
+              <a:t>python-3.5.3-amd64</a:t>
+            </a:r>
+          </a:p>
+          <a:p>
+            <a:pPr lvl="3"/>
             <a:r>
               <a:rPr lang="en-US" altLang="zh-CN"/>
-              <a:t>2</a:t>
-            </a:r>
-            <a:r>
-              <a:rPr lang="zh-CN" altLang="en-US"/>
-              <a:t>：群号  </a:t>
-            </a:r>
-            <a:r>
-              <a:rPr lang="en-US" altLang="zh-CN"/>
-              <a:t>432987409  </a:t>
-            </a:r>
-            <a:r>
-              <a:rPr lang="zh-CN" altLang="en-US"/>
-              <a:t>点击链接加入群</a:t>
-            </a:r>
-            <a:r>
-              <a:rPr lang="en-US" altLang="zh-CN"/>
-              <a:t>【PyQt5</a:t>
-            </a:r>
-            <a:r>
-              <a:rPr lang="zh-CN" altLang="en-US"/>
-              <a:t>小组</a:t>
-            </a:r>
-            <a:r>
-              <a:rPr lang="en-US" altLang="zh-CN"/>
-              <a:t>】</a:t>
-            </a:r>
-            <a:r>
-              <a:rPr lang="zh-CN" altLang="en-US"/>
-              <a:t>： </a:t>
-            </a:r>
-            <a:endParaRPr lang="en-US" altLang="zh-CN"/>
-          </a:p>
-          <a:p>
-            <a:pPr marL="0" indent="0">
-              <a:buNone/>
-            </a:pPr>
-            <a:r>
-              <a:rPr lang="en-US" altLang="zh-CN">
-                <a:hlinkClick r:id="rId3"/>
-              </a:rPr>
-              <a:t>https://jq.qq.com/?_wv=1027&amp;k=54Npu94</a:t>
-            </a:r>
-            <a:endParaRPr lang="en-US" altLang="zh-CN"/>
-          </a:p>
-          <a:p>
-            <a:pPr marL="0" indent="0">
+              <a:t>PyQt5-5.6-gpl-Py3.5-Qt5.6.0-x64-2 (designer)</a:t>
+            </a:r>
+          </a:p>
+          <a:p>
+            <a:pPr marL="1371600" lvl="3" indent="0">
               <a:buNone/>
             </a:pPr>
             <a:endParaRPr lang="en-US" altLang="zh-CN"/>
-          </a:p>
-          <a:p>
-            <a:pPr marL="0" indent="0">
-              <a:buNone/>
-            </a:pPr>
-            <a:endParaRPr lang="en-US" altLang="zh-CN"/>
-          </a:p>
-          <a:p>
-            <a:pPr marL="0" indent="0">
-              <a:buNone/>
-            </a:pPr>
-            <a:endParaRPr lang="zh-CN" altLang="en-US" dirty="0"/>
           </a:p>
         </p:txBody>
       </p:sp>
       <p:sp>
         <p:nvSpPr>
-          <p:cNvPr id="4" name="灯片编号占位符 3"/>
+          <p:cNvPr id="4" name="灯片编号占位符 3">
+            <a:extLst>
+              <a:ext uri="{FF2B5EF4-FFF2-40B4-BE49-F238E27FC236}">
+                <a16:creationId xmlns:a16="http://schemas.microsoft.com/office/drawing/2014/main" id="{6D69E3A0-EA5D-4662-ABFA-44EF8A6B6895}"/>
+              </a:ext>
+            </a:extLst>
+          </p:cNvPr>
           <p:cNvSpPr>
             <a:spLocks noGrp="1"/>
           </p:cNvSpPr>
@@ -15119,10 +15219,711 @@
           </a:p>
         </p:txBody>
       </p:sp>
+      <p:sp>
+        <p:nvSpPr>
+          <p:cNvPr id="5" name="内容占位符 2">
+            <a:extLst>
+              <a:ext uri="{FF2B5EF4-FFF2-40B4-BE49-F238E27FC236}">
+                <a16:creationId xmlns:a16="http://schemas.microsoft.com/office/drawing/2014/main" id="{A9F2BFED-86BB-45E7-9FF9-0665EDDD26EB}"/>
+              </a:ext>
+            </a:extLst>
+          </p:cNvPr>
+          <p:cNvSpPr txBox="1">
+            <a:spLocks/>
+          </p:cNvSpPr>
+          <p:nvPr/>
+        </p:nvSpPr>
+        <p:spPr>
+          <a:xfrm>
+            <a:off x="6478917" y="2569142"/>
+            <a:ext cx="4346713" cy="1046343"/>
+          </a:xfrm>
+          <a:prstGeom prst="rect">
+            <a:avLst/>
+          </a:prstGeom>
+          <a:effectLst/>
+        </p:spPr>
+        <p:txBody>
+          <a:bodyPr vert="horz" lIns="91440" tIns="45720" rIns="91440" bIns="45720" rtlCol="0" anchor="t">
+            <a:normAutofit/>
+          </a:bodyPr>
+          <a:lstStyle>
+            <a:lvl1pPr marL="285750" indent="-285750" algn="l" defTabSz="457200" rtl="0" eaLnBrk="1" latinLnBrk="0" hangingPunct="1">
+              <a:spcBef>
+                <a:spcPct val="20000"/>
+              </a:spcBef>
+              <a:spcAft>
+                <a:spcPts val="600"/>
+              </a:spcAft>
+              <a:buClr>
+                <a:schemeClr val="accent1"/>
+              </a:buClr>
+              <a:buSzPct val="115000"/>
+              <a:buFont typeface="Arial"/>
+              <a:buChar char="•"/>
+              <a:defRPr sz="2400" kern="1200" cap="none">
+                <a:solidFill>
+                  <a:schemeClr val="tx1">
+                    <a:lumMod val="85000"/>
+                    <a:lumOff val="15000"/>
+                  </a:schemeClr>
+                </a:solidFill>
+                <a:effectLst/>
+                <a:latin typeface="+mn-lt"/>
+                <a:ea typeface="+mn-ea"/>
+                <a:cs typeface="+mn-cs"/>
+              </a:defRPr>
+            </a:lvl1pPr>
+            <a:lvl2pPr marL="742950" indent="-285750" algn="l" defTabSz="457200" rtl="0" eaLnBrk="1" latinLnBrk="0" hangingPunct="1">
+              <a:spcBef>
+                <a:spcPct val="20000"/>
+              </a:spcBef>
+              <a:spcAft>
+                <a:spcPts val="600"/>
+              </a:spcAft>
+              <a:buClr>
+                <a:schemeClr val="accent1"/>
+              </a:buClr>
+              <a:buSzPct val="115000"/>
+              <a:buFont typeface="Arial"/>
+              <a:buChar char="•"/>
+              <a:defRPr sz="2000" kern="1200" cap="none">
+                <a:solidFill>
+                  <a:schemeClr val="tx1">
+                    <a:lumMod val="85000"/>
+                    <a:lumOff val="15000"/>
+                  </a:schemeClr>
+                </a:solidFill>
+                <a:effectLst/>
+                <a:latin typeface="+mn-lt"/>
+                <a:ea typeface="+mn-ea"/>
+                <a:cs typeface="+mn-cs"/>
+              </a:defRPr>
+            </a:lvl2pPr>
+            <a:lvl3pPr marL="1200150" indent="-285750" algn="l" defTabSz="457200" rtl="0" eaLnBrk="1" latinLnBrk="0" hangingPunct="1">
+              <a:spcBef>
+                <a:spcPct val="20000"/>
+              </a:spcBef>
+              <a:spcAft>
+                <a:spcPts val="600"/>
+              </a:spcAft>
+              <a:buClr>
+                <a:schemeClr val="accent1"/>
+              </a:buClr>
+              <a:buSzPct val="115000"/>
+              <a:buFont typeface="Arial"/>
+              <a:buChar char="•"/>
+              <a:defRPr sz="1800" kern="1200" cap="none">
+                <a:solidFill>
+                  <a:schemeClr val="tx1">
+                    <a:lumMod val="85000"/>
+                    <a:lumOff val="15000"/>
+                  </a:schemeClr>
+                </a:solidFill>
+                <a:effectLst/>
+                <a:latin typeface="+mn-lt"/>
+                <a:ea typeface="+mn-ea"/>
+                <a:cs typeface="+mn-cs"/>
+              </a:defRPr>
+            </a:lvl3pPr>
+            <a:lvl4pPr marL="1543050" indent="-171450" algn="l" defTabSz="457200" rtl="0" eaLnBrk="1" latinLnBrk="0" hangingPunct="1">
+              <a:spcBef>
+                <a:spcPct val="20000"/>
+              </a:spcBef>
+              <a:spcAft>
+                <a:spcPts val="600"/>
+              </a:spcAft>
+              <a:buClr>
+                <a:schemeClr val="accent1"/>
+              </a:buClr>
+              <a:buSzPct val="115000"/>
+              <a:buFont typeface="Arial"/>
+              <a:buChar char="•"/>
+              <a:defRPr sz="1600" kern="1200" cap="none">
+                <a:solidFill>
+                  <a:schemeClr val="tx1">
+                    <a:lumMod val="85000"/>
+                    <a:lumOff val="15000"/>
+                  </a:schemeClr>
+                </a:solidFill>
+                <a:effectLst/>
+                <a:latin typeface="+mn-lt"/>
+                <a:ea typeface="+mn-ea"/>
+                <a:cs typeface="+mn-cs"/>
+              </a:defRPr>
+            </a:lvl4pPr>
+            <a:lvl5pPr marL="2000250" indent="-171450" algn="l" defTabSz="457200" rtl="0" eaLnBrk="1" latinLnBrk="0" hangingPunct="1">
+              <a:spcBef>
+                <a:spcPct val="20000"/>
+              </a:spcBef>
+              <a:spcAft>
+                <a:spcPts val="600"/>
+              </a:spcAft>
+              <a:buClr>
+                <a:schemeClr val="accent1"/>
+              </a:buClr>
+              <a:buSzPct val="115000"/>
+              <a:buFont typeface="Arial"/>
+              <a:buChar char="•"/>
+              <a:defRPr sz="1400" kern="1200" cap="none">
+                <a:solidFill>
+                  <a:schemeClr val="tx1">
+                    <a:lumMod val="85000"/>
+                    <a:lumOff val="15000"/>
+                  </a:schemeClr>
+                </a:solidFill>
+                <a:effectLst/>
+                <a:latin typeface="+mn-lt"/>
+                <a:ea typeface="+mn-ea"/>
+                <a:cs typeface="+mn-cs"/>
+              </a:defRPr>
+            </a:lvl5pPr>
+            <a:lvl6pPr marL="2514600" indent="-228600" algn="l" defTabSz="457200" rtl="0" eaLnBrk="1" latinLnBrk="0" hangingPunct="1">
+              <a:spcBef>
+                <a:spcPct val="20000"/>
+              </a:spcBef>
+              <a:spcAft>
+                <a:spcPts val="600"/>
+              </a:spcAft>
+              <a:buClr>
+                <a:schemeClr val="accent1"/>
+              </a:buClr>
+              <a:buSzPct val="115000"/>
+              <a:buFont typeface="Arial"/>
+              <a:buChar char="•"/>
+              <a:defRPr sz="1400" kern="1200" cap="none">
+                <a:solidFill>
+                  <a:schemeClr val="tx1">
+                    <a:lumMod val="85000"/>
+                    <a:lumOff val="15000"/>
+                  </a:schemeClr>
+                </a:solidFill>
+                <a:effectLst/>
+                <a:latin typeface="+mn-lt"/>
+                <a:ea typeface="+mn-ea"/>
+                <a:cs typeface="+mn-cs"/>
+              </a:defRPr>
+            </a:lvl6pPr>
+            <a:lvl7pPr marL="2971800" indent="-228600" algn="l" defTabSz="457200" rtl="0" eaLnBrk="1" latinLnBrk="0" hangingPunct="1">
+              <a:spcBef>
+                <a:spcPct val="20000"/>
+              </a:spcBef>
+              <a:spcAft>
+                <a:spcPts val="600"/>
+              </a:spcAft>
+              <a:buClr>
+                <a:schemeClr val="accent1"/>
+              </a:buClr>
+              <a:buSzPct val="115000"/>
+              <a:buFont typeface="Arial"/>
+              <a:buChar char="•"/>
+              <a:defRPr sz="1400" kern="1200" cap="none">
+                <a:solidFill>
+                  <a:schemeClr val="tx1">
+                    <a:lumMod val="85000"/>
+                    <a:lumOff val="15000"/>
+                  </a:schemeClr>
+                </a:solidFill>
+                <a:effectLst/>
+                <a:latin typeface="+mn-lt"/>
+                <a:ea typeface="+mn-ea"/>
+                <a:cs typeface="+mn-cs"/>
+              </a:defRPr>
+            </a:lvl7pPr>
+            <a:lvl8pPr marL="3429000" indent="-228600" algn="l" defTabSz="457200" rtl="0" eaLnBrk="1" latinLnBrk="0" hangingPunct="1">
+              <a:spcBef>
+                <a:spcPct val="20000"/>
+              </a:spcBef>
+              <a:spcAft>
+                <a:spcPts val="600"/>
+              </a:spcAft>
+              <a:buClr>
+                <a:schemeClr val="accent1"/>
+              </a:buClr>
+              <a:buSzPct val="115000"/>
+              <a:buFont typeface="Arial"/>
+              <a:buChar char="•"/>
+              <a:defRPr sz="1400" kern="1200" cap="none">
+                <a:solidFill>
+                  <a:schemeClr val="tx1">
+                    <a:lumMod val="85000"/>
+                    <a:lumOff val="15000"/>
+                  </a:schemeClr>
+                </a:solidFill>
+                <a:effectLst/>
+                <a:latin typeface="+mn-lt"/>
+                <a:ea typeface="+mn-ea"/>
+                <a:cs typeface="+mn-cs"/>
+              </a:defRPr>
+            </a:lvl8pPr>
+            <a:lvl9pPr marL="3886200" indent="-228600" algn="l" defTabSz="457200" rtl="0" eaLnBrk="1" latinLnBrk="0" hangingPunct="1">
+              <a:spcBef>
+                <a:spcPct val="20000"/>
+              </a:spcBef>
+              <a:spcAft>
+                <a:spcPts val="600"/>
+              </a:spcAft>
+              <a:buClr>
+                <a:schemeClr val="accent1"/>
+              </a:buClr>
+              <a:buSzPct val="115000"/>
+              <a:buFont typeface="Arial"/>
+              <a:buChar char="•"/>
+              <a:defRPr sz="1400" kern="1200" cap="none">
+                <a:solidFill>
+                  <a:schemeClr val="tx1">
+                    <a:lumMod val="85000"/>
+                    <a:lumOff val="15000"/>
+                  </a:schemeClr>
+                </a:solidFill>
+                <a:effectLst/>
+                <a:latin typeface="+mn-lt"/>
+                <a:ea typeface="+mn-ea"/>
+                <a:cs typeface="+mn-cs"/>
+              </a:defRPr>
+            </a:lvl9pPr>
+          </a:lstStyle>
+          <a:p>
+            <a:pPr lvl="2"/>
+            <a:r>
+              <a:rPr lang="zh-CN" altLang="en-US"/>
+              <a:t>方式二</a:t>
+            </a:r>
+            <a:r>
+              <a:rPr lang="en-US" altLang="zh-CN"/>
+              <a:t>:</a:t>
+            </a:r>
+          </a:p>
+          <a:p>
+            <a:pPr lvl="3"/>
+            <a:r>
+              <a:rPr lang="en-US" altLang="zh-CN"/>
+              <a:t>github.com/cxinping/pyqt5</a:t>
+            </a:r>
+          </a:p>
+        </p:txBody>
+      </p:sp>
+      <p:sp>
+        <p:nvSpPr>
+          <p:cNvPr id="6" name="内容占位符 2">
+            <a:extLst>
+              <a:ext uri="{FF2B5EF4-FFF2-40B4-BE49-F238E27FC236}">
+                <a16:creationId xmlns:a16="http://schemas.microsoft.com/office/drawing/2014/main" id="{F9FF9E0F-9F58-4E75-8A48-009394CC84F9}"/>
+              </a:ext>
+            </a:extLst>
+          </p:cNvPr>
+          <p:cNvSpPr txBox="1">
+            <a:spLocks/>
+          </p:cNvSpPr>
+          <p:nvPr/>
+        </p:nvSpPr>
+        <p:spPr>
+          <a:xfrm>
+            <a:off x="-193639" y="2591903"/>
+            <a:ext cx="10074617" cy="3640668"/>
+          </a:xfrm>
+          <a:prstGeom prst="rect">
+            <a:avLst/>
+          </a:prstGeom>
+          <a:effectLst/>
+        </p:spPr>
+        <p:txBody>
+          <a:bodyPr vert="horz" lIns="91440" tIns="45720" rIns="91440" bIns="45720" rtlCol="0" anchor="t">
+            <a:normAutofit/>
+          </a:bodyPr>
+          <a:lstStyle>
+            <a:lvl1pPr marL="285750" indent="-285750" algn="l" defTabSz="457200" rtl="0" eaLnBrk="1" latinLnBrk="0" hangingPunct="1">
+              <a:spcBef>
+                <a:spcPct val="20000"/>
+              </a:spcBef>
+              <a:spcAft>
+                <a:spcPts val="600"/>
+              </a:spcAft>
+              <a:buClr>
+                <a:schemeClr val="accent1"/>
+              </a:buClr>
+              <a:buSzPct val="115000"/>
+              <a:buFont typeface="Arial"/>
+              <a:buChar char="•"/>
+              <a:defRPr sz="2400" kern="1200" cap="none">
+                <a:solidFill>
+                  <a:schemeClr val="tx1">
+                    <a:lumMod val="85000"/>
+                    <a:lumOff val="15000"/>
+                  </a:schemeClr>
+                </a:solidFill>
+                <a:effectLst/>
+                <a:latin typeface="+mn-lt"/>
+                <a:ea typeface="+mn-ea"/>
+                <a:cs typeface="+mn-cs"/>
+              </a:defRPr>
+            </a:lvl1pPr>
+            <a:lvl2pPr marL="742950" indent="-285750" algn="l" defTabSz="457200" rtl="0" eaLnBrk="1" latinLnBrk="0" hangingPunct="1">
+              <a:spcBef>
+                <a:spcPct val="20000"/>
+              </a:spcBef>
+              <a:spcAft>
+                <a:spcPts val="600"/>
+              </a:spcAft>
+              <a:buClr>
+                <a:schemeClr val="accent1"/>
+              </a:buClr>
+              <a:buSzPct val="115000"/>
+              <a:buFont typeface="Arial"/>
+              <a:buChar char="•"/>
+              <a:defRPr sz="2000" kern="1200" cap="none">
+                <a:solidFill>
+                  <a:schemeClr val="tx1">
+                    <a:lumMod val="85000"/>
+                    <a:lumOff val="15000"/>
+                  </a:schemeClr>
+                </a:solidFill>
+                <a:effectLst/>
+                <a:latin typeface="+mn-lt"/>
+                <a:ea typeface="+mn-ea"/>
+                <a:cs typeface="+mn-cs"/>
+              </a:defRPr>
+            </a:lvl2pPr>
+            <a:lvl3pPr marL="1200150" indent="-285750" algn="l" defTabSz="457200" rtl="0" eaLnBrk="1" latinLnBrk="0" hangingPunct="1">
+              <a:spcBef>
+                <a:spcPct val="20000"/>
+              </a:spcBef>
+              <a:spcAft>
+                <a:spcPts val="600"/>
+              </a:spcAft>
+              <a:buClr>
+                <a:schemeClr val="accent1"/>
+              </a:buClr>
+              <a:buSzPct val="115000"/>
+              <a:buFont typeface="Arial"/>
+              <a:buChar char="•"/>
+              <a:defRPr sz="1800" kern="1200" cap="none">
+                <a:solidFill>
+                  <a:schemeClr val="tx1">
+                    <a:lumMod val="85000"/>
+                    <a:lumOff val="15000"/>
+                  </a:schemeClr>
+                </a:solidFill>
+                <a:effectLst/>
+                <a:latin typeface="+mn-lt"/>
+                <a:ea typeface="+mn-ea"/>
+                <a:cs typeface="+mn-cs"/>
+              </a:defRPr>
+            </a:lvl3pPr>
+            <a:lvl4pPr marL="1543050" indent="-171450" algn="l" defTabSz="457200" rtl="0" eaLnBrk="1" latinLnBrk="0" hangingPunct="1">
+              <a:spcBef>
+                <a:spcPct val="20000"/>
+              </a:spcBef>
+              <a:spcAft>
+                <a:spcPts val="600"/>
+              </a:spcAft>
+              <a:buClr>
+                <a:schemeClr val="accent1"/>
+              </a:buClr>
+              <a:buSzPct val="115000"/>
+              <a:buFont typeface="Arial"/>
+              <a:buChar char="•"/>
+              <a:defRPr sz="1600" kern="1200" cap="none">
+                <a:solidFill>
+                  <a:schemeClr val="tx1">
+                    <a:lumMod val="85000"/>
+                    <a:lumOff val="15000"/>
+                  </a:schemeClr>
+                </a:solidFill>
+                <a:effectLst/>
+                <a:latin typeface="+mn-lt"/>
+                <a:ea typeface="+mn-ea"/>
+                <a:cs typeface="+mn-cs"/>
+              </a:defRPr>
+            </a:lvl4pPr>
+            <a:lvl5pPr marL="2000250" indent="-171450" algn="l" defTabSz="457200" rtl="0" eaLnBrk="1" latinLnBrk="0" hangingPunct="1">
+              <a:spcBef>
+                <a:spcPct val="20000"/>
+              </a:spcBef>
+              <a:spcAft>
+                <a:spcPts val="600"/>
+              </a:spcAft>
+              <a:buClr>
+                <a:schemeClr val="accent1"/>
+              </a:buClr>
+              <a:buSzPct val="115000"/>
+              <a:buFont typeface="Arial"/>
+              <a:buChar char="•"/>
+              <a:defRPr sz="1400" kern="1200" cap="none">
+                <a:solidFill>
+                  <a:schemeClr val="tx1">
+                    <a:lumMod val="85000"/>
+                    <a:lumOff val="15000"/>
+                  </a:schemeClr>
+                </a:solidFill>
+                <a:effectLst/>
+                <a:latin typeface="+mn-lt"/>
+                <a:ea typeface="+mn-ea"/>
+                <a:cs typeface="+mn-cs"/>
+              </a:defRPr>
+            </a:lvl5pPr>
+            <a:lvl6pPr marL="2514600" indent="-228600" algn="l" defTabSz="457200" rtl="0" eaLnBrk="1" latinLnBrk="0" hangingPunct="1">
+              <a:spcBef>
+                <a:spcPct val="20000"/>
+              </a:spcBef>
+              <a:spcAft>
+                <a:spcPts val="600"/>
+              </a:spcAft>
+              <a:buClr>
+                <a:schemeClr val="accent1"/>
+              </a:buClr>
+              <a:buSzPct val="115000"/>
+              <a:buFont typeface="Arial"/>
+              <a:buChar char="•"/>
+              <a:defRPr sz="1400" kern="1200" cap="none">
+                <a:solidFill>
+                  <a:schemeClr val="tx1">
+                    <a:lumMod val="85000"/>
+                    <a:lumOff val="15000"/>
+                  </a:schemeClr>
+                </a:solidFill>
+                <a:effectLst/>
+                <a:latin typeface="+mn-lt"/>
+                <a:ea typeface="+mn-ea"/>
+                <a:cs typeface="+mn-cs"/>
+              </a:defRPr>
+            </a:lvl6pPr>
+            <a:lvl7pPr marL="2971800" indent="-228600" algn="l" defTabSz="457200" rtl="0" eaLnBrk="1" latinLnBrk="0" hangingPunct="1">
+              <a:spcBef>
+                <a:spcPct val="20000"/>
+              </a:spcBef>
+              <a:spcAft>
+                <a:spcPts val="600"/>
+              </a:spcAft>
+              <a:buClr>
+                <a:schemeClr val="accent1"/>
+              </a:buClr>
+              <a:buSzPct val="115000"/>
+              <a:buFont typeface="Arial"/>
+              <a:buChar char="•"/>
+              <a:defRPr sz="1400" kern="1200" cap="none">
+                <a:solidFill>
+                  <a:schemeClr val="tx1">
+                    <a:lumMod val="85000"/>
+                    <a:lumOff val="15000"/>
+                  </a:schemeClr>
+                </a:solidFill>
+                <a:effectLst/>
+                <a:latin typeface="+mn-lt"/>
+                <a:ea typeface="+mn-ea"/>
+                <a:cs typeface="+mn-cs"/>
+              </a:defRPr>
+            </a:lvl7pPr>
+            <a:lvl8pPr marL="3429000" indent="-228600" algn="l" defTabSz="457200" rtl="0" eaLnBrk="1" latinLnBrk="0" hangingPunct="1">
+              <a:spcBef>
+                <a:spcPct val="20000"/>
+              </a:spcBef>
+              <a:spcAft>
+                <a:spcPts val="600"/>
+              </a:spcAft>
+              <a:buClr>
+                <a:schemeClr val="accent1"/>
+              </a:buClr>
+              <a:buSzPct val="115000"/>
+              <a:buFont typeface="Arial"/>
+              <a:buChar char="•"/>
+              <a:defRPr sz="1400" kern="1200" cap="none">
+                <a:solidFill>
+                  <a:schemeClr val="tx1">
+                    <a:lumMod val="85000"/>
+                    <a:lumOff val="15000"/>
+                  </a:schemeClr>
+                </a:solidFill>
+                <a:effectLst/>
+                <a:latin typeface="+mn-lt"/>
+                <a:ea typeface="+mn-ea"/>
+                <a:cs typeface="+mn-cs"/>
+              </a:defRPr>
+            </a:lvl8pPr>
+            <a:lvl9pPr marL="3886200" indent="-228600" algn="l" defTabSz="457200" rtl="0" eaLnBrk="1" latinLnBrk="0" hangingPunct="1">
+              <a:spcBef>
+                <a:spcPct val="20000"/>
+              </a:spcBef>
+              <a:spcAft>
+                <a:spcPts val="600"/>
+              </a:spcAft>
+              <a:buClr>
+                <a:schemeClr val="accent1"/>
+              </a:buClr>
+              <a:buSzPct val="115000"/>
+              <a:buFont typeface="Arial"/>
+              <a:buChar char="•"/>
+              <a:defRPr sz="1400" kern="1200" cap="none">
+                <a:solidFill>
+                  <a:schemeClr val="tx1">
+                    <a:lumMod val="85000"/>
+                    <a:lumOff val="15000"/>
+                  </a:schemeClr>
+                </a:solidFill>
+                <a:effectLst/>
+                <a:latin typeface="+mn-lt"/>
+                <a:ea typeface="+mn-ea"/>
+                <a:cs typeface="+mn-cs"/>
+              </a:defRPr>
+            </a:lvl9pPr>
+          </a:lstStyle>
+          <a:p>
+            <a:pPr lvl="2"/>
+            <a:r>
+              <a:rPr lang="zh-CN" altLang="en-US" sz="2400" b="1"/>
+              <a:t>方式三</a:t>
+            </a:r>
+            <a:r>
+              <a:rPr lang="en-US" altLang="zh-CN" sz="2400" b="1"/>
+              <a:t>:</a:t>
+            </a:r>
+          </a:p>
+          <a:p>
+            <a:pPr lvl="3"/>
+            <a:r>
+              <a:rPr lang="zh-CN" altLang="en-US"/>
+              <a:t>在文件夹空白处按住</a:t>
+            </a:r>
+            <a:r>
+              <a:rPr lang="en-US" altLang="zh-CN"/>
+              <a:t>shift+</a:t>
+            </a:r>
+            <a:r>
+              <a:rPr lang="zh-CN" altLang="en-US"/>
+              <a:t>鼠标右键打开</a:t>
+            </a:r>
+            <a:r>
+              <a:rPr lang="en-US" altLang="zh-CN"/>
+              <a:t>cmd</a:t>
+            </a:r>
+          </a:p>
+          <a:p>
+            <a:pPr lvl="3"/>
+            <a:r>
+              <a:rPr lang="en-US" altLang="zh-CN"/>
+              <a:t>Pip install pyqt5 == 5.10.1  </a:t>
+            </a:r>
+            <a:r>
+              <a:rPr lang="nn-NO" altLang="zh-CN"/>
+              <a:t>-i https://pypi.doubanio.com/simple/</a:t>
+            </a:r>
+            <a:endParaRPr lang="en-US" altLang="zh-CN"/>
+          </a:p>
+          <a:p>
+            <a:pPr lvl="3"/>
+            <a:r>
+              <a:rPr lang="en-US" altLang="zh-CN"/>
+              <a:t>Pip install pyqt5-tools  </a:t>
+            </a:r>
+            <a:r>
+              <a:rPr lang="nn-NO" altLang="zh-CN"/>
+              <a:t>-i https://pypi.doubanio.com/simple/</a:t>
+            </a:r>
+            <a:endParaRPr lang="en-US" altLang="zh-CN"/>
+          </a:p>
+          <a:p>
+            <a:pPr lvl="3"/>
+            <a:r>
+              <a:rPr lang="en-US" altLang="zh-CN"/>
+              <a:t>Pip install Qscintilla==2.10.2 </a:t>
+            </a:r>
+            <a:r>
+              <a:rPr lang="nn-NO" altLang="zh-CN"/>
+              <a:t>-i </a:t>
+            </a:r>
+            <a:r>
+              <a:rPr lang="nn-NO" altLang="zh-CN">
+                <a:hlinkClick r:id="rId3"/>
+              </a:rPr>
+              <a:t>https://pypi.doubanio.com/simple/</a:t>
+            </a:r>
+            <a:endParaRPr lang="nn-NO" altLang="zh-CN"/>
+          </a:p>
+          <a:p>
+            <a:pPr lvl="3"/>
+            <a:r>
+              <a:rPr lang="zh-CN" altLang="en-US"/>
+              <a:t>配置环境变量</a:t>
+            </a:r>
+            <a:endParaRPr lang="en-US" altLang="zh-CN"/>
+          </a:p>
+        </p:txBody>
+      </p:sp>
+      <p:sp>
+        <p:nvSpPr>
+          <p:cNvPr id="7" name="文本框 6">
+            <a:extLst>
+              <a:ext uri="{FF2B5EF4-FFF2-40B4-BE49-F238E27FC236}">
+                <a16:creationId xmlns:a16="http://schemas.microsoft.com/office/drawing/2014/main" id="{6A51D22D-3B31-4CFA-B534-107E6C626C75}"/>
+              </a:ext>
+            </a:extLst>
+          </p:cNvPr>
+          <p:cNvSpPr txBox="1"/>
+          <p:nvPr/>
+        </p:nvSpPr>
+        <p:spPr>
+          <a:xfrm>
+            <a:off x="7874759" y="4426409"/>
+            <a:ext cx="3895524" cy="1200329"/>
+          </a:xfrm>
+          <a:prstGeom prst="rect">
+            <a:avLst/>
+          </a:prstGeom>
+          <a:noFill/>
+        </p:spPr>
+        <p:txBody>
+          <a:bodyPr wrap="square" rtlCol="0">
+            <a:spAutoFit/>
+          </a:bodyPr>
+          <a:lstStyle/>
+          <a:p>
+            <a:r>
+              <a:rPr lang="en-US" altLang="zh-CN"/>
+              <a:t>QT 5.6</a:t>
+            </a:r>
+            <a:r>
+              <a:rPr lang="zh-CN" altLang="en-US"/>
+              <a:t>及以上版本</a:t>
+            </a:r>
+            <a:r>
+              <a:rPr lang="en-US" altLang="zh-CN"/>
+              <a:t> Qwebkit</a:t>
+            </a:r>
+          </a:p>
+          <a:p>
+            <a:r>
+              <a:rPr lang="zh-CN" altLang="en-US"/>
+              <a:t>更名为</a:t>
+            </a:r>
+            <a:r>
+              <a:rPr lang="en-US" altLang="zh-CN"/>
+              <a:t>QWebEngine</a:t>
+            </a:r>
+            <a:r>
+              <a:rPr lang="zh-CN" altLang="en-US"/>
+              <a:t>；</a:t>
+            </a:r>
+            <a:endParaRPr lang="en-US" altLang="zh-CN"/>
+          </a:p>
+          <a:p>
+            <a:endParaRPr lang="en-US" altLang="zh-CN"/>
+          </a:p>
+          <a:p>
+            <a:r>
+              <a:rPr lang="en-US" altLang="zh-CN"/>
+              <a:t>5.11 </a:t>
+            </a:r>
+            <a:r>
+              <a:rPr lang="zh-CN" altLang="en-US"/>
+              <a:t>缺少模块。</a:t>
+            </a:r>
+          </a:p>
+        </p:txBody>
+      </p:sp>
     </p:spTree>
     <p:extLst>
       <p:ext uri="{BB962C8B-B14F-4D97-AF65-F5344CB8AC3E}">
-        <p14:creationId xmlns:p14="http://schemas.microsoft.com/office/powerpoint/2010/main" val="1213604599"/>
+        <p14:creationId xmlns:p14="http://schemas.microsoft.com/office/powerpoint/2010/main" val="1899058961"/>
       </p:ext>
     </p:extLst>
   </p:cSld>
@@ -15159,110 +15960,219 @@
             <p:ph idx="1"/>
           </p:nvPr>
         </p:nvSpPr>
-        <p:spPr/>
+        <p:spPr>
+          <a:xfrm>
+            <a:off x="2139663" y="1027356"/>
+            <a:ext cx="8756935" cy="5595073"/>
+          </a:xfrm>
+        </p:spPr>
         <p:txBody>
-          <a:bodyPr/>
+          <a:bodyPr>
+            <a:normAutofit lnSpcReduction="10000"/>
+          </a:bodyPr>
           <a:lstStyle/>
           <a:p>
-            <a:r>
-              <a:rPr lang="zh-CN" altLang="en-US" dirty="0"/>
-              <a:t>推荐教程</a:t>
-            </a:r>
-            <a:endParaRPr lang="en-US" altLang="zh-CN" dirty="0"/>
-          </a:p>
-          <a:p>
-            <a:pPr lvl="1"/>
-            <a:r>
-              <a:rPr lang="en-US" altLang="zh-CN" dirty="0">
-                <a:hlinkClick r:id="rId2"/>
-              </a:rPr>
-              <a:t>http://www.maiziedu.com/course/577-8221/</a:t>
-            </a:r>
-            <a:r>
-              <a:rPr lang="en-US" altLang="zh-CN" dirty="0"/>
-              <a:t> </a:t>
-            </a:r>
-            <a:r>
-              <a:rPr lang="zh-CN" altLang="en-US" dirty="0"/>
-              <a:t>麦子学院</a:t>
-            </a:r>
-            <a:r>
-              <a:rPr lang="en-US" altLang="zh-CN" dirty="0"/>
-              <a:t>pyqt4+python2.7</a:t>
-            </a:r>
-          </a:p>
-          <a:p>
-            <a:pPr lvl="1"/>
-            <a:r>
-              <a:rPr lang="en-US" altLang="zh-CN" dirty="0"/>
-              <a:t>《Python </a:t>
-            </a:r>
-            <a:r>
-              <a:rPr lang="en-US" altLang="zh-CN" dirty="0" err="1"/>
-              <a:t>Qt</a:t>
-            </a:r>
-            <a:r>
-              <a:rPr lang="en-US" altLang="zh-CN" dirty="0"/>
-              <a:t> GUI</a:t>
-            </a:r>
-            <a:r>
-              <a:rPr lang="zh-CN" altLang="en-US" dirty="0"/>
-              <a:t>快速编程</a:t>
-            </a:r>
-            <a:r>
-              <a:rPr lang="en-US" altLang="zh-CN" dirty="0"/>
-              <a:t>》</a:t>
-            </a:r>
-            <a:r>
-              <a:rPr lang="zh-CN" altLang="en-US" dirty="0"/>
-              <a:t>网络有资源 </a:t>
-            </a:r>
-            <a:endParaRPr lang="en-US" altLang="zh-CN" dirty="0"/>
-          </a:p>
-          <a:p>
-            <a:pPr lvl="1"/>
-            <a:r>
-              <a:rPr lang="en-US" altLang="zh-CN" b="1" dirty="0"/>
-              <a:t>《PyQt5</a:t>
-            </a:r>
-            <a:r>
-              <a:rPr lang="zh-CN" altLang="en-US" b="1" dirty="0"/>
-              <a:t>快速开发与实战 </a:t>
-            </a:r>
-            <a:r>
-              <a:rPr lang="en-US" altLang="zh-CN" b="1" dirty="0"/>
-              <a:t>》</a:t>
-            </a:r>
-            <a:r>
-              <a:rPr lang="zh-CN" altLang="en-US" dirty="0"/>
-              <a:t>京东￥</a:t>
-            </a:r>
-            <a:r>
-              <a:rPr lang="en-US" altLang="zh-CN" dirty="0"/>
-              <a:t>70</a:t>
-            </a:r>
-            <a:r>
-              <a:rPr lang="zh-CN" altLang="en-US" dirty="0"/>
-              <a:t>左右</a:t>
-            </a:r>
-            <a:endParaRPr lang="en-US" altLang="zh-CN" dirty="0"/>
-          </a:p>
-          <a:p>
-            <a:pPr marL="457200" lvl="1" indent="0">
+            <a:pPr marL="0" indent="0">
               <a:buNone/>
             </a:pPr>
             <a:r>
+              <a:rPr lang="en-US" altLang="zh-CN"/>
+              <a:t>	Linux</a:t>
+            </a:r>
+            <a:r>
+              <a:rPr lang="zh-CN" altLang="en-US" dirty="0"/>
+              <a:t>下</a:t>
+            </a:r>
+            <a:r>
               <a:rPr lang="en-US" altLang="zh-CN" dirty="0"/>
-              <a:t>	github.com/</a:t>
-            </a:r>
+              <a:t>:</a:t>
+            </a:r>
+          </a:p>
+          <a:p>
+            <a:pPr lvl="1"/>
+            <a:r>
+              <a:rPr lang="zh-CN" altLang="en-US"/>
+              <a:t>切换到</a:t>
+            </a:r>
+            <a:r>
+              <a:rPr lang="en-US" altLang="zh-CN"/>
+              <a:t>python3</a:t>
+            </a:r>
+            <a:endParaRPr lang="zh-CN" altLang="en-US" dirty="0"/>
+          </a:p>
+          <a:p>
+            <a:pPr lvl="1"/>
+            <a:r>
+              <a:rPr lang="en-US" altLang="zh-CN" dirty="0"/>
+              <a:t>pip3 </a:t>
+            </a:r>
+            <a:r>
+              <a:rPr lang="en-US" altLang="zh-CN"/>
+              <a:t>install pyqt5==5.10.1</a:t>
+            </a:r>
+            <a:endParaRPr lang="zh-CN" altLang="en-US" dirty="0"/>
+          </a:p>
+          <a:p>
+            <a:pPr lvl="1"/>
+            <a:r>
+              <a:rPr lang="en-US" altLang="zh-CN" dirty="0"/>
+              <a:t>pip3 </a:t>
+            </a:r>
+            <a:r>
+              <a:rPr lang="en-US" altLang="zh-CN"/>
+              <a:t>install Qscintilla==2.10.2</a:t>
+            </a:r>
+            <a:endParaRPr lang="zh-CN" altLang="en-US" dirty="0"/>
+          </a:p>
+          <a:p>
+            <a:pPr lvl="1"/>
+            <a:r>
+              <a:rPr lang="en-US" altLang="zh-CN" err="1"/>
+              <a:t>sudo</a:t>
+            </a:r>
+            <a:r>
+              <a:rPr lang="zh-CN" altLang="en-US"/>
+              <a:t> </a:t>
+            </a:r>
+            <a:r>
+              <a:rPr lang="en-US" altLang="zh-CN"/>
+              <a:t>apt-get install python3-pyqt5  </a:t>
+            </a:r>
+            <a:endParaRPr lang="zh-CN" altLang="en-US"/>
+          </a:p>
+          <a:p>
+            <a:pPr lvl="1"/>
+            <a:r>
+              <a:rPr lang="en-US" altLang="zh-CN"/>
+              <a:t>sudo</a:t>
+            </a:r>
+            <a:r>
+              <a:rPr lang="zh-CN" altLang="en-US"/>
+              <a:t> </a:t>
+            </a:r>
+            <a:r>
+              <a:rPr lang="en-US" altLang="zh-CN"/>
+              <a:t>apt-get install pyqt5-dev-tools</a:t>
+            </a:r>
+            <a:endParaRPr lang="zh-CN" altLang="en-US"/>
+          </a:p>
+          <a:p>
+            <a:pPr lvl="1"/>
+            <a:r>
+              <a:rPr lang="en-US" altLang="zh-CN"/>
+              <a:t>sudo</a:t>
+            </a:r>
+            <a:r>
+              <a:rPr lang="zh-CN" altLang="en-US"/>
+              <a:t> </a:t>
+            </a:r>
+            <a:r>
+              <a:rPr lang="en-US" altLang="zh-CN" dirty="0"/>
+              <a:t>apt-get install qttools5-dev-tools</a:t>
+            </a:r>
+            <a:endParaRPr lang="zh-CN" altLang="en-US" dirty="0"/>
+          </a:p>
+          <a:p>
+            <a:pPr lvl="1"/>
             <a:r>
               <a:rPr lang="en-US" altLang="zh-CN" dirty="0" err="1"/>
-              <a:t>cxinping</a:t>
+              <a:t>sudo</a:t>
+            </a:r>
+            <a:r>
+              <a:rPr lang="zh-CN" altLang="en-US" dirty="0"/>
+              <a:t> </a:t>
             </a:r>
             <a:r>
               <a:rPr lang="en-US" altLang="zh-CN" dirty="0"/>
-              <a:t>/pyqt5 </a:t>
-            </a:r>
+              <a:t>apt-get install gtk2-engines-pixbuf</a:t>
+            </a:r>
+            <a:endParaRPr lang="zh-CN" altLang="en-US" dirty="0"/>
+          </a:p>
+          <a:p>
+            <a:pPr lvl="1"/>
+            <a:r>
+              <a:rPr lang="en-US" altLang="zh-CN"/>
+              <a:t>(16.04)Sudo</a:t>
+            </a:r>
+            <a:r>
+              <a:rPr lang="zh-CN" altLang="en-US"/>
+              <a:t> </a:t>
+            </a:r>
+            <a:r>
+              <a:rPr lang="en-US" altLang="zh-CN"/>
+              <a:t>gedit /</a:t>
+            </a:r>
+            <a:r>
+              <a:rPr lang="en-US" altLang="zh-CN" dirty="0" err="1"/>
+              <a:t>usr</a:t>
+            </a:r>
+            <a:r>
+              <a:rPr lang="en-US" altLang="zh-CN" dirty="0"/>
+              <a:t>/lib</a:t>
+            </a:r>
+            <a:r>
+              <a:rPr lang="en-US" altLang="zh-CN"/>
+              <a:t>/x86_64-linux-gnu/qt-default/</a:t>
+            </a:r>
+            <a:r>
+              <a:rPr lang="en-US" altLang="zh-CN" dirty="0" err="1"/>
+              <a:t>qtchooser</a:t>
+            </a:r>
+            <a:r>
+              <a:rPr lang="en-US" altLang="zh-CN" dirty="0"/>
+              <a:t>/</a:t>
+            </a:r>
+            <a:r>
+              <a:rPr lang="en-US" altLang="zh-CN" dirty="0" err="1"/>
+              <a:t>default</a:t>
+            </a:r>
+            <a:r>
+              <a:rPr lang="en-US" altLang="zh-CN" err="1"/>
+              <a:t>.</a:t>
+            </a:r>
+            <a:r>
+              <a:rPr lang="en-US" altLang="zh-CN"/>
+              <a:t>conf</a:t>
+            </a:r>
+          </a:p>
+          <a:p>
+            <a:pPr lvl="2"/>
+            <a:r>
+              <a:rPr lang="en-US" altLang="zh-CN"/>
+              <a:t>/usr/lib/x86_64-linux-gnu/qt5/bin(</a:t>
+            </a:r>
+            <a:r>
+              <a:rPr lang="zh-CN" altLang="en-US"/>
+              <a:t>将</a:t>
+            </a:r>
+            <a:r>
+              <a:rPr lang="en-US" altLang="zh-CN"/>
+              <a:t>qt4</a:t>
+            </a:r>
+            <a:r>
+              <a:rPr lang="zh-CN" altLang="en-US"/>
+              <a:t>改为</a:t>
+            </a:r>
+            <a:r>
+              <a:rPr lang="en-US" altLang="zh-CN"/>
+              <a:t>qt5)</a:t>
+            </a:r>
+            <a:endParaRPr lang="zh-CN" altLang="en-US"/>
+          </a:p>
+          <a:p>
+            <a:pPr lvl="2"/>
+            <a:r>
+              <a:rPr lang="en-US" altLang="zh-CN"/>
+              <a:t>/usr/lib/x86_64-linux-gnu</a:t>
+            </a:r>
+          </a:p>
+          <a:p>
+            <a:pPr lvl="1"/>
+            <a:r>
+              <a:rPr lang="en-US" altLang="zh-CN"/>
+              <a:t>(18.04) /usr/lib/x86_64-linux-gnu/qt5/bin</a:t>
+            </a:r>
+            <a:endParaRPr lang="zh-CN" altLang="en-US" dirty="0"/>
           </a:p>
           <a:p>
             <a:endParaRPr lang="zh-CN" altLang="en-US" dirty="0"/>
@@ -15295,7 +16205,7 @@
     </p:spTree>
     <p:extLst>
       <p:ext uri="{BB962C8B-B14F-4D97-AF65-F5344CB8AC3E}">
-        <p14:creationId xmlns:p14="http://schemas.microsoft.com/office/powerpoint/2010/main" val="806132259"/>
+        <p14:creationId xmlns:p14="http://schemas.microsoft.com/office/powerpoint/2010/main" val="1148932180"/>
       </p:ext>
     </p:extLst>
   </p:cSld>
@@ -15324,7 +16234,13 @@
       </p:grpSpPr>
       <p:sp>
         <p:nvSpPr>
-          <p:cNvPr id="2" name="标题 1"/>
+          <p:cNvPr id="2" name="标题 1">
+            <a:extLst>
+              <a:ext uri="{FF2B5EF4-FFF2-40B4-BE49-F238E27FC236}">
+                <a16:creationId xmlns:a16="http://schemas.microsoft.com/office/drawing/2014/main" id="{8F4256B9-2E11-4CAB-9365-860688658A01}"/>
+              </a:ext>
+            </a:extLst>
+          </p:cNvPr>
           <p:cNvSpPr>
             <a:spLocks noGrp="1"/>
           </p:cNvSpPr>
@@ -15338,27 +16254,21 @@
           <a:lstStyle/>
           <a:p>
             <a:r>
-              <a:rPr lang="en-US" altLang="zh-CN">
-                <a:solidFill>
-                  <a:srgbClr val="FF0000"/>
-                </a:solidFill>
-              </a:rPr>
-              <a:t>4.</a:t>
-            </a:r>
-            <a:r>
-              <a:rPr lang="zh-CN" altLang="en-US">
-                <a:solidFill>
-                  <a:srgbClr val="FF0000"/>
-                </a:solidFill>
-              </a:rPr>
-              <a:t>逻辑与界面分离</a:t>
+              <a:rPr lang="zh-CN" altLang="en-US"/>
+              <a:t>编辑器的安装</a:t>
             </a:r>
           </a:p>
         </p:txBody>
       </p:sp>
       <p:sp>
         <p:nvSpPr>
-          <p:cNvPr id="3" name="内容占位符 2"/>
+          <p:cNvPr id="3" name="内容占位符 2">
+            <a:extLst>
+              <a:ext uri="{FF2B5EF4-FFF2-40B4-BE49-F238E27FC236}">
+                <a16:creationId xmlns:a16="http://schemas.microsoft.com/office/drawing/2014/main" id="{A2827F62-2916-4A2C-8AC2-B8BBF31C4398}"/>
+              </a:ext>
+            </a:extLst>
+          </p:cNvPr>
           <p:cNvSpPr>
             <a:spLocks noGrp="1"/>
           </p:cNvSpPr>
@@ -15368,13 +16278,140 @@
         </p:nvSpPr>
         <p:spPr/>
         <p:txBody>
+          <a:bodyPr>
+            <a:normAutofit fontScale="92500" lnSpcReduction="20000"/>
+          </a:bodyPr>
+          <a:lstStyle/>
+          <a:p>
+            <a:r>
+              <a:rPr lang="en-US" altLang="zh-CN"/>
+              <a:t>Win</a:t>
+            </a:r>
+            <a:r>
+              <a:rPr lang="zh-CN" altLang="en-US"/>
+              <a:t>下的编辑器</a:t>
+            </a:r>
+            <a:endParaRPr lang="en-US" altLang="zh-CN"/>
+          </a:p>
+          <a:p>
+            <a:pPr lvl="1"/>
+            <a:r>
+              <a:rPr lang="en-US" altLang="zh-CN"/>
+              <a:t>Eric6 18.02  </a:t>
+            </a:r>
+            <a:r>
+              <a:rPr lang="en-US" altLang="zh-CN" u="sng">
+                <a:hlinkClick r:id="rId2"/>
+              </a:rPr>
+              <a:t>https://sourceforge.net/projects/eric-ide/files/eric6/stable/17.10/</a:t>
+            </a:r>
+            <a:endParaRPr lang="en-US" altLang="zh-CN"/>
+          </a:p>
+          <a:p>
+            <a:pPr lvl="1"/>
+            <a:r>
+              <a:rPr lang="en-US" altLang="zh-CN"/>
+              <a:t>Pycharm  </a:t>
+            </a:r>
+            <a:r>
+              <a:rPr lang="en-US" altLang="zh-CN">
+                <a:hlinkClick r:id="rId3"/>
+              </a:rPr>
+              <a:t>https://blog.csdn.net/a359680405/article/details/45074761</a:t>
+            </a:r>
+            <a:endParaRPr lang="en-US" altLang="zh-CN"/>
+          </a:p>
+          <a:p>
+            <a:pPr lvl="1"/>
+            <a:endParaRPr lang="en-US" altLang="zh-CN"/>
+          </a:p>
+          <a:p>
+            <a:r>
+              <a:rPr lang="en-US" altLang="zh-CN"/>
+              <a:t>Linux</a:t>
+            </a:r>
+            <a:r>
+              <a:rPr lang="zh-CN" altLang="en-US"/>
+              <a:t>下的编辑器安装</a:t>
+            </a:r>
+            <a:r>
+              <a:rPr lang="en-US" altLang="zh-CN"/>
+              <a:t>	</a:t>
+            </a:r>
+          </a:p>
+          <a:p>
+            <a:pPr lvl="1"/>
+            <a:r>
+              <a:rPr lang="zh-CN" altLang="en-US"/>
+              <a:t>下载</a:t>
+            </a:r>
+            <a:r>
+              <a:rPr lang="en-US" altLang="zh-CN"/>
+              <a:t>eric6 </a:t>
+            </a:r>
+            <a:r>
+              <a:rPr lang="en-US" altLang="zh-CN" u="sng">
+                <a:hlinkClick r:id="rId2"/>
+              </a:rPr>
+              <a:t>https://sourceforge.net/projects/eric-ide/files/eric6/stable/17.10/</a:t>
+            </a:r>
+            <a:endParaRPr lang="en-US" altLang="zh-CN" u="sng"/>
+          </a:p>
+          <a:p>
+            <a:pPr lvl="1"/>
+            <a:endParaRPr lang="zh-CN" altLang="en-US"/>
+          </a:p>
+          <a:p>
+            <a:pPr lvl="2"/>
+            <a:r>
+              <a:rPr lang="en-US" altLang="zh-CN"/>
+              <a:t>tar –zxvf</a:t>
+            </a:r>
+            <a:r>
+              <a:rPr lang="zh-CN" altLang="en-US"/>
+              <a:t> </a:t>
+            </a:r>
+            <a:r>
+              <a:rPr lang="en-US" altLang="zh-CN"/>
+              <a:t>eric6-17.10.tar.gz</a:t>
+            </a:r>
+            <a:endParaRPr lang="zh-CN" altLang="en-US"/>
+          </a:p>
+          <a:p>
+            <a:pPr lvl="2"/>
+            <a:r>
+              <a:rPr lang="en-US" altLang="zh-CN"/>
+              <a:t>Python3 install.py </a:t>
+            </a:r>
+            <a:endParaRPr lang="zh-CN" altLang="en-US"/>
+          </a:p>
+        </p:txBody>
+      </p:sp>
+      <p:sp>
+        <p:nvSpPr>
+          <p:cNvPr id="4" name="灯片编号占位符 3">
+            <a:extLst>
+              <a:ext uri="{FF2B5EF4-FFF2-40B4-BE49-F238E27FC236}">
+                <a16:creationId xmlns:a16="http://schemas.microsoft.com/office/drawing/2014/main" id="{8F93F6F7-6404-4CA5-92F8-1356F91F666F}"/>
+              </a:ext>
+            </a:extLst>
+          </p:cNvPr>
+          <p:cNvSpPr>
+            <a:spLocks noGrp="1"/>
+          </p:cNvSpPr>
+          <p:nvPr>
+            <p:ph type="sldNum" sz="quarter" idx="12"/>
+          </p:nvPr>
+        </p:nvSpPr>
+        <p:spPr/>
+        <p:txBody>
           <a:bodyPr/>
           <a:lstStyle/>
           <a:p>
-            <a:r>
-              <a:rPr lang="en-US" altLang="zh-CN"/>
-              <a:t>http://blog.csdn.net/weiaitaowang/article/details/52048462</a:t>
-            </a:r>
+            <a:fld id="{F43F8192-BA2E-4745-BEB0-A2417E88AFD3}" type="slidenum">
+              <a:rPr lang="zh-CN" altLang="en-US" smtClean="0"/>
+              <a:t>6</a:t>
+            </a:fld>
             <a:endParaRPr lang="zh-CN" altLang="en-US"/>
           </a:p>
         </p:txBody>
@@ -15382,7 +16419,7 @@
     </p:spTree>
     <p:extLst>
       <p:ext uri="{BB962C8B-B14F-4D97-AF65-F5344CB8AC3E}">
-        <p14:creationId xmlns:p14="http://schemas.microsoft.com/office/powerpoint/2010/main" val="383747278"/>
+        <p14:creationId xmlns:p14="http://schemas.microsoft.com/office/powerpoint/2010/main" val="2893186316"/>
       </p:ext>
     </p:extLst>
   </p:cSld>
@@ -15411,88 +16448,7 @@
       </p:grpSpPr>
       <p:sp>
         <p:nvSpPr>
-          <p:cNvPr id="2" name="标题 1">
-            <a:extLst>
-              <a:ext uri="{FF2B5EF4-FFF2-40B4-BE49-F238E27FC236}">
-                <a16:creationId xmlns:a16="http://schemas.microsoft.com/office/drawing/2014/main" id="{BCE26C78-7188-482B-B00B-C26E53E1D3A2}"/>
-              </a:ext>
-            </a:extLst>
-          </p:cNvPr>
-          <p:cNvSpPr>
-            <a:spLocks noGrp="1"/>
-          </p:cNvSpPr>
-          <p:nvPr>
-            <p:ph type="title"/>
-          </p:nvPr>
-        </p:nvSpPr>
-        <p:spPr>
-          <a:xfrm>
-            <a:off x="1295402" y="419629"/>
-            <a:ext cx="9601196" cy="1303867"/>
-          </a:xfrm>
-        </p:spPr>
-        <p:txBody>
-          <a:bodyPr>
-            <a:normAutofit/>
-          </a:bodyPr>
-          <a:lstStyle/>
-          <a:p>
-            <a:r>
-              <a:rPr lang="zh-CN" altLang="en-US"/>
-              <a:t>补充</a:t>
-            </a:r>
-            <a:r>
-              <a:rPr lang="en-US" altLang="zh-CN"/>
-              <a:t>1  </a:t>
-            </a:r>
-            <a:r>
-              <a:rPr lang="zh-CN" altLang="en-US"/>
-              <a:t>第二种方法</a:t>
-            </a:r>
-          </a:p>
-        </p:txBody>
-      </p:sp>
-      <p:pic>
-        <p:nvPicPr>
-          <p:cNvPr id="6" name="内容占位符 5">
-            <a:extLst>
-              <a:ext uri="{FF2B5EF4-FFF2-40B4-BE49-F238E27FC236}">
-                <a16:creationId xmlns:a16="http://schemas.microsoft.com/office/drawing/2014/main" id="{DD9282D6-8A92-414C-9D42-2D6F151261C4}"/>
-              </a:ext>
-            </a:extLst>
-          </p:cNvPr>
-          <p:cNvPicPr>
-            <a:picLocks noGrp="1" noChangeAspect="1"/>
-          </p:cNvPicPr>
-          <p:nvPr>
-            <p:ph idx="1"/>
-          </p:nvPr>
-        </p:nvPicPr>
-        <p:blipFill>
-          <a:blip r:embed="rId2"/>
-          <a:stretch>
-            <a:fillRect/>
-          </a:stretch>
-        </p:blipFill>
-        <p:spPr>
-          <a:xfrm>
-            <a:off x="7813351" y="2804850"/>
-            <a:ext cx="3610667" cy="2329655"/>
-          </a:xfrm>
-          <a:prstGeom prst="rect">
-            <a:avLst/>
-          </a:prstGeom>
-        </p:spPr>
-      </p:pic>
-      <p:sp>
-        <p:nvSpPr>
-          <p:cNvPr id="4" name="灯片编号占位符 3">
-            <a:extLst>
-              <a:ext uri="{FF2B5EF4-FFF2-40B4-BE49-F238E27FC236}">
-                <a16:creationId xmlns:a16="http://schemas.microsoft.com/office/drawing/2014/main" id="{7CE14549-3C10-418E-8CF1-17460A61B521}"/>
-              </a:ext>
-            </a:extLst>
-          </p:cNvPr>
+          <p:cNvPr id="4" name="灯片编号占位符 3"/>
           <p:cNvSpPr>
             <a:spLocks noGrp="1"/>
           </p:cNvSpPr>
@@ -15515,132 +16471,11 @@
       </p:sp>
       <p:pic>
         <p:nvPicPr>
-          <p:cNvPr id="5" name="图片 4">
-            <a:extLst>
-              <a:ext uri="{FF2B5EF4-FFF2-40B4-BE49-F238E27FC236}">
-                <a16:creationId xmlns:a16="http://schemas.microsoft.com/office/drawing/2014/main" id="{BE6494C9-DA1D-440D-8AEC-A08DB14D2275}"/>
-              </a:ext>
-            </a:extLst>
-          </p:cNvPr>
+          <p:cNvPr id="5" name="图片 4"/>
           <p:cNvPicPr>
             <a:picLocks noChangeAspect="1"/>
           </p:cNvPicPr>
           <p:nvPr/>
-        </p:nvPicPr>
-        <p:blipFill>
-          <a:blip r:embed="rId3"/>
-          <a:stretch>
-            <a:fillRect/>
-          </a:stretch>
-        </p:blipFill>
-        <p:spPr>
-          <a:xfrm>
-            <a:off x="2025282" y="1457325"/>
-            <a:ext cx="5669684" cy="4773613"/>
-          </a:xfrm>
-          <a:prstGeom prst="rect">
-            <a:avLst/>
-          </a:prstGeom>
-        </p:spPr>
-      </p:pic>
-      <p:sp>
-        <p:nvSpPr>
-          <p:cNvPr id="7" name="文本框 6">
-            <a:extLst>
-              <a:ext uri="{FF2B5EF4-FFF2-40B4-BE49-F238E27FC236}">
-                <a16:creationId xmlns:a16="http://schemas.microsoft.com/office/drawing/2014/main" id="{F67225BB-23DE-4BAB-A4D5-E6306455378D}"/>
-              </a:ext>
-            </a:extLst>
-          </p:cNvPr>
-          <p:cNvSpPr txBox="1"/>
-          <p:nvPr/>
-        </p:nvSpPr>
-        <p:spPr>
-          <a:xfrm>
-            <a:off x="653682" y="2808554"/>
-            <a:ext cx="1496644" cy="1477328"/>
-          </a:xfrm>
-          <a:prstGeom prst="rect">
-            <a:avLst/>
-          </a:prstGeom>
-          <a:noFill/>
-        </p:spPr>
-        <p:txBody>
-          <a:bodyPr wrap="square" rtlCol="0">
-            <a:spAutoFit/>
-          </a:bodyPr>
-          <a:lstStyle/>
-          <a:p>
-            <a:r>
-              <a:rPr lang="zh-CN" altLang="en-US"/>
-              <a:t>缺点：</a:t>
-            </a:r>
-            <a:endParaRPr lang="en-US" altLang="zh-CN"/>
-          </a:p>
-          <a:p>
-            <a:endParaRPr lang="en-US" altLang="zh-CN"/>
-          </a:p>
-          <a:p>
-            <a:r>
-              <a:rPr lang="zh-CN" altLang="en-US"/>
-              <a:t>编辑器</a:t>
-            </a:r>
-            <a:endParaRPr lang="en-US" altLang="zh-CN"/>
-          </a:p>
-          <a:p>
-            <a:r>
-              <a:rPr lang="zh-CN" altLang="en-US"/>
-              <a:t>无法智能提示，</a:t>
-            </a:r>
-            <a:endParaRPr lang="en-US" altLang="zh-CN"/>
-          </a:p>
-        </p:txBody>
-      </p:sp>
-    </p:spTree>
-    <p:extLst>
-      <p:ext uri="{BB962C8B-B14F-4D97-AF65-F5344CB8AC3E}">
-        <p14:creationId xmlns:p14="http://schemas.microsoft.com/office/powerpoint/2010/main" val="4082665838"/>
-      </p:ext>
-    </p:extLst>
-  </p:cSld>
-  <p:clrMapOvr>
-    <a:masterClrMapping/>
-  </p:clrMapOvr>
-</p:sld>
-</file>
-
-<file path=ppt/slides/slide8.xml><?xml version="1.0" encoding="utf-8"?>
-<p:sld xmlns:a="http://schemas.openxmlformats.org/drawingml/2006/main" xmlns:r="http://schemas.openxmlformats.org/officeDocument/2006/relationships" xmlns:p="http://schemas.openxmlformats.org/presentationml/2006/main">
-  <p:cSld>
-    <p:spTree>
-      <p:nvGrpSpPr>
-        <p:cNvPr id="1" name=""/>
-        <p:cNvGrpSpPr/>
-        <p:nvPr/>
-      </p:nvGrpSpPr>
-      <p:grpSpPr>
-        <a:xfrm>
-          <a:off x="0" y="0"/>
-          <a:ext cx="0" cy="0"/>
-          <a:chOff x="0" y="0"/>
-          <a:chExt cx="0" cy="0"/>
-        </a:xfrm>
-      </p:grpSpPr>
-      <p:pic>
-        <p:nvPicPr>
-          <p:cNvPr id="5" name="内容占位符 4">
-            <a:extLst>
-              <a:ext uri="{FF2B5EF4-FFF2-40B4-BE49-F238E27FC236}">
-                <a16:creationId xmlns:a16="http://schemas.microsoft.com/office/drawing/2014/main" id="{447DC9F7-21DF-453B-AC30-D3418DBB3F09}"/>
-              </a:ext>
-            </a:extLst>
-          </p:cNvPr>
-          <p:cNvPicPr>
-            <a:picLocks noGrp="1" noChangeAspect="1"/>
-          </p:cNvPicPr>
-          <p:nvPr>
-            <p:ph idx="1"/>
-          </p:nvPr>
         </p:nvPicPr>
         <p:blipFill>
           <a:blip r:embed="rId2"/>
@@ -15650,67 +16485,8 @@
         </p:blipFill>
         <p:spPr>
           <a:xfrm>
-            <a:off x="1295402" y="2581805"/>
-            <a:ext cx="3979835" cy="3317875"/>
-          </a:xfrm>
-          <a:prstGeom prst="rect">
-            <a:avLst/>
-          </a:prstGeom>
-        </p:spPr>
-      </p:pic>
-      <p:sp>
-        <p:nvSpPr>
-          <p:cNvPr id="4" name="灯片编号占位符 3">
-            <a:extLst>
-              <a:ext uri="{FF2B5EF4-FFF2-40B4-BE49-F238E27FC236}">
-                <a16:creationId xmlns:a16="http://schemas.microsoft.com/office/drawing/2014/main" id="{3037DEFB-1122-4445-A335-DA863D7AD0F9}"/>
-              </a:ext>
-            </a:extLst>
-          </p:cNvPr>
-          <p:cNvSpPr>
-            <a:spLocks noGrp="1"/>
-          </p:cNvSpPr>
-          <p:nvPr>
-            <p:ph type="sldNum" sz="quarter" idx="12"/>
-          </p:nvPr>
-        </p:nvSpPr>
-        <p:spPr/>
-        <p:txBody>
-          <a:bodyPr/>
-          <a:lstStyle/>
-          <a:p>
-            <a:fld id="{F43F8192-BA2E-4745-BEB0-A2417E88AFD3}" type="slidenum">
-              <a:rPr lang="zh-CN" altLang="en-US" smtClean="0"/>
-              <a:t>8</a:t>
-            </a:fld>
-            <a:endParaRPr lang="zh-CN" altLang="en-US"/>
-          </a:p>
-        </p:txBody>
-      </p:sp>
-      <p:pic>
-        <p:nvPicPr>
-          <p:cNvPr id="6" name="图片 5">
-            <a:extLst>
-              <a:ext uri="{FF2B5EF4-FFF2-40B4-BE49-F238E27FC236}">
-                <a16:creationId xmlns:a16="http://schemas.microsoft.com/office/drawing/2014/main" id="{ECB5A234-21E2-4738-A1AF-1F11713979F4}"/>
-              </a:ext>
-            </a:extLst>
-          </p:cNvPr>
-          <p:cNvPicPr>
-            <a:picLocks noChangeAspect="1"/>
-          </p:cNvPicPr>
-          <p:nvPr/>
-        </p:nvPicPr>
-        <p:blipFill>
-          <a:blip r:embed="rId3"/>
-          <a:stretch>
-            <a:fillRect/>
-          </a:stretch>
-        </p:blipFill>
-        <p:spPr>
-          <a:xfrm>
-            <a:off x="6096000" y="2557993"/>
-            <a:ext cx="4095750" cy="609600"/>
+            <a:off x="0" y="-1"/>
+            <a:ext cx="12192000" cy="6974907"/>
           </a:xfrm>
           <a:prstGeom prst="rect">
             <a:avLst/>
@@ -15720,127 +16496,7 @@
     </p:spTree>
     <p:extLst>
       <p:ext uri="{BB962C8B-B14F-4D97-AF65-F5344CB8AC3E}">
-        <p14:creationId xmlns:p14="http://schemas.microsoft.com/office/powerpoint/2010/main" val="3842137476"/>
-      </p:ext>
-    </p:extLst>
-  </p:cSld>
-  <p:clrMapOvr>
-    <a:masterClrMapping/>
-  </p:clrMapOvr>
-</p:sld>
-</file>
-
-<file path=ppt/slides/slide9.xml><?xml version="1.0" encoding="utf-8"?>
-<p:sld xmlns:a="http://schemas.openxmlformats.org/drawingml/2006/main" xmlns:r="http://schemas.openxmlformats.org/officeDocument/2006/relationships" xmlns:p="http://schemas.openxmlformats.org/presentationml/2006/main">
-  <p:cSld>
-    <p:spTree>
-      <p:nvGrpSpPr>
-        <p:cNvPr id="1" name=""/>
-        <p:cNvGrpSpPr/>
-        <p:nvPr/>
-      </p:nvGrpSpPr>
-      <p:grpSpPr>
-        <a:xfrm>
-          <a:off x="0" y="0"/>
-          <a:ext cx="0" cy="0"/>
-          <a:chOff x="0" y="0"/>
-          <a:chExt cx="0" cy="0"/>
-        </a:xfrm>
-      </p:grpSpPr>
-      <p:sp>
-        <p:nvSpPr>
-          <p:cNvPr id="2" name="标题 1">
-            <a:extLst>
-              <a:ext uri="{FF2B5EF4-FFF2-40B4-BE49-F238E27FC236}">
-                <a16:creationId xmlns:a16="http://schemas.microsoft.com/office/drawing/2014/main" id="{97F2376C-06B9-49F3-9EE5-AED6E4C8245A}"/>
-              </a:ext>
-            </a:extLst>
-          </p:cNvPr>
-          <p:cNvSpPr>
-            <a:spLocks noGrp="1"/>
-          </p:cNvSpPr>
-          <p:nvPr>
-            <p:ph type="title"/>
-          </p:nvPr>
-        </p:nvSpPr>
-        <p:spPr/>
-        <p:txBody>
-          <a:bodyPr/>
-          <a:lstStyle/>
-          <a:p>
-            <a:endParaRPr lang="zh-CN" altLang="en-US"/>
-          </a:p>
-        </p:txBody>
-      </p:sp>
-      <p:sp>
-        <p:nvSpPr>
-          <p:cNvPr id="3" name="内容占位符 2">
-            <a:extLst>
-              <a:ext uri="{FF2B5EF4-FFF2-40B4-BE49-F238E27FC236}">
-                <a16:creationId xmlns:a16="http://schemas.microsoft.com/office/drawing/2014/main" id="{DD6733F1-ACE0-4FC3-A3EE-AF7478D3087A}"/>
-              </a:ext>
-            </a:extLst>
-          </p:cNvPr>
-          <p:cNvSpPr>
-            <a:spLocks noGrp="1"/>
-          </p:cNvSpPr>
-          <p:nvPr>
-            <p:ph idx="1"/>
-          </p:nvPr>
-        </p:nvSpPr>
-        <p:spPr/>
-        <p:txBody>
-          <a:bodyPr/>
-          <a:lstStyle/>
-          <a:p>
-            <a:r>
-              <a:rPr lang="en-US" altLang="zh-CN"/>
-              <a:t>examples\pyuic</a:t>
-            </a:r>
-            <a:r>
-              <a:rPr lang="zh-CN" altLang="en-US"/>
-              <a:t>文件夹下 例子 </a:t>
-            </a:r>
-            <a:r>
-              <a:rPr lang="en-US" altLang="zh-CN"/>
-              <a:t>compile-on-the-fly</a:t>
-            </a:r>
-          </a:p>
-        </p:txBody>
-      </p:sp>
-      <p:sp>
-        <p:nvSpPr>
-          <p:cNvPr id="4" name="灯片编号占位符 3">
-            <a:extLst>
-              <a:ext uri="{FF2B5EF4-FFF2-40B4-BE49-F238E27FC236}">
-                <a16:creationId xmlns:a16="http://schemas.microsoft.com/office/drawing/2014/main" id="{B8449640-8E76-49A7-8720-CFB89F3E95B5}"/>
-              </a:ext>
-            </a:extLst>
-          </p:cNvPr>
-          <p:cNvSpPr>
-            <a:spLocks noGrp="1"/>
-          </p:cNvSpPr>
-          <p:nvPr>
-            <p:ph type="sldNum" sz="quarter" idx="12"/>
-          </p:nvPr>
-        </p:nvSpPr>
-        <p:spPr/>
-        <p:txBody>
-          <a:bodyPr/>
-          <a:lstStyle/>
-          <a:p>
-            <a:fld id="{F43F8192-BA2E-4745-BEB0-A2417E88AFD3}" type="slidenum">
-              <a:rPr lang="zh-CN" altLang="en-US" smtClean="0"/>
-              <a:t>9</a:t>
-            </a:fld>
-            <a:endParaRPr lang="zh-CN" altLang="en-US"/>
-          </a:p>
-        </p:txBody>
-      </p:sp>
-    </p:spTree>
-    <p:extLst>
-      <p:ext uri="{BB962C8B-B14F-4D97-AF65-F5344CB8AC3E}">
-        <p14:creationId xmlns:p14="http://schemas.microsoft.com/office/powerpoint/2010/main" val="3011487754"/>
+        <p14:creationId xmlns:p14="http://schemas.microsoft.com/office/powerpoint/2010/main" val="525269927"/>
       </p:ext>
     </p:extLst>
   </p:cSld>

--- a/1.准备/1.准备.pptx
+++ b/1.准备/1.准备.pptx
@@ -209,7 +209,7 @@
           <a:p>
             <a:fld id="{78DF0E23-7AB4-424A-B802-2BD314E6B023}" type="datetimeFigureOut">
               <a:rPr lang="zh-CN" altLang="en-US" smtClean="0"/>
-              <a:t>2018/7/30</a:t>
+              <a:t>2018/8/2</a:t>
             </a:fld>
             <a:endParaRPr lang="zh-CN" altLang="en-US"/>
           </a:p>
@@ -374,7 +374,7 @@
           <a:p>
             <a:fld id="{9ED9B8A5-5E5E-4A3F-99A8-B2277FB817FE}" type="datetimeFigureOut">
               <a:rPr lang="zh-CN" altLang="en-US" smtClean="0"/>
-              <a:t>2018/7/30</a:t>
+              <a:t>2018/8/2</a:t>
             </a:fld>
             <a:endParaRPr lang="zh-CN" altLang="en-US"/>
           </a:p>
@@ -1056,7 +1056,7 @@
           <a:p>
             <a:fld id="{8A3048CC-C166-4D3B-B908-AF45F53D0421}" type="datetime1">
               <a:rPr lang="zh-CN" altLang="en-US" smtClean="0"/>
-              <a:t>2018/7/30</a:t>
+              <a:t>2018/8/2</a:t>
             </a:fld>
             <a:endParaRPr lang="zh-CN" altLang="en-US"/>
           </a:p>
@@ -1380,7 +1380,7 @@
           <a:p>
             <a:fld id="{94B88754-E6F4-4917-ACF6-E53D301B79AE}" type="datetime1">
               <a:rPr lang="zh-CN" altLang="en-US" smtClean="0"/>
-              <a:t>2018/7/30</a:t>
+              <a:t>2018/8/2</a:t>
             </a:fld>
             <a:endParaRPr lang="zh-CN" altLang="en-US"/>
           </a:p>
@@ -2104,7 +2104,7 @@
           <a:p>
             <a:fld id="{94B88754-E6F4-4917-ACF6-E53D301B79AE}" type="datetime1">
               <a:rPr lang="zh-CN" altLang="en-US" smtClean="0"/>
-              <a:t>2018/7/30</a:t>
+              <a:t>2018/8/2</a:t>
             </a:fld>
             <a:endParaRPr lang="zh-CN" altLang="en-US"/>
           </a:p>
@@ -2919,7 +2919,7 @@
           <a:p>
             <a:fld id="{94B88754-E6F4-4917-ACF6-E53D301B79AE}" type="datetime1">
               <a:rPr lang="zh-CN" altLang="en-US" smtClean="0"/>
-              <a:t>2018/7/30</a:t>
+              <a:t>2018/8/2</a:t>
             </a:fld>
             <a:endParaRPr lang="zh-CN" altLang="en-US"/>
           </a:p>
@@ -3742,7 +3742,7 @@
           <a:p>
             <a:fld id="{94B88754-E6F4-4917-ACF6-E53D301B79AE}" type="datetime1">
               <a:rPr lang="zh-CN" altLang="en-US" smtClean="0"/>
-              <a:t>2018/7/30</a:t>
+              <a:t>2018/8/2</a:t>
             </a:fld>
             <a:endParaRPr lang="zh-CN" altLang="en-US"/>
           </a:p>
@@ -4592,7 +4592,7 @@
           <a:p>
             <a:fld id="{94B88754-E6F4-4917-ACF6-E53D301B79AE}" type="datetime1">
               <a:rPr lang="zh-CN" altLang="en-US" smtClean="0"/>
-              <a:t>2018/7/30</a:t>
+              <a:t>2018/8/2</a:t>
             </a:fld>
             <a:endParaRPr lang="zh-CN" altLang="en-US"/>
           </a:p>
@@ -5538,7 +5538,7 @@
           <a:p>
             <a:fld id="{94B88754-E6F4-4917-ACF6-E53D301B79AE}" type="datetime1">
               <a:rPr lang="zh-CN" altLang="en-US" smtClean="0"/>
-              <a:t>2018/7/30</a:t>
+              <a:t>2018/8/2</a:t>
             </a:fld>
             <a:endParaRPr lang="zh-CN" altLang="en-US"/>
           </a:p>
@@ -6219,7 +6219,7 @@
           <a:p>
             <a:fld id="{9D97BCC2-608E-4C9E-977D-348F170A3704}" type="datetime1">
               <a:rPr lang="zh-CN" altLang="en-US" smtClean="0"/>
-              <a:t>2018/7/30</a:t>
+              <a:t>2018/8/2</a:t>
             </a:fld>
             <a:endParaRPr lang="zh-CN" altLang="en-US"/>
           </a:p>
@@ -6875,7 +6875,7 @@
           <a:p>
             <a:fld id="{D5AE125C-BC71-4063-9025-1605241F9816}" type="datetime1">
               <a:rPr lang="zh-CN" altLang="en-US" smtClean="0"/>
-              <a:t>2018/7/30</a:t>
+              <a:t>2018/8/2</a:t>
             </a:fld>
             <a:endParaRPr lang="zh-CN" altLang="en-US"/>
           </a:p>
@@ -7584,7 +7584,7 @@
           <a:p>
             <a:fld id="{413E14B1-20C5-42E3-9070-B9094992FA26}" type="datetime1">
               <a:rPr lang="zh-CN" altLang="en-US" smtClean="0"/>
-              <a:t>2018/7/30</a:t>
+              <a:t>2018/8/2</a:t>
             </a:fld>
             <a:endParaRPr lang="zh-CN" altLang="en-US"/>
           </a:p>
@@ -8518,7 +8518,7 @@
           <a:p>
             <a:fld id="{5302442A-4679-4963-B849-5D0C43463E8E}" type="datetime1">
               <a:rPr lang="zh-CN" altLang="en-US" smtClean="0"/>
-              <a:t>2018/7/30</a:t>
+              <a:t>2018/8/2</a:t>
             </a:fld>
             <a:endParaRPr lang="zh-CN" altLang="en-US"/>
           </a:p>
@@ -9260,7 +9260,7 @@
           <a:p>
             <a:fld id="{F055E315-5264-4181-9960-4E105322F5E3}" type="datetime1">
               <a:rPr lang="zh-CN" altLang="en-US" smtClean="0"/>
-              <a:t>2018/7/30</a:t>
+              <a:t>2018/8/2</a:t>
             </a:fld>
             <a:endParaRPr lang="zh-CN" altLang="en-US"/>
           </a:p>
@@ -10148,7 +10148,7 @@
           <a:p>
             <a:fld id="{A6A32591-B75F-4D46-9178-4E0BAB041F45}" type="datetime1">
               <a:rPr lang="zh-CN" altLang="en-US" smtClean="0"/>
-              <a:t>2018/7/30</a:t>
+              <a:t>2018/8/2</a:t>
             </a:fld>
             <a:endParaRPr lang="zh-CN" altLang="en-US"/>
           </a:p>
@@ -10772,7 +10772,7 @@
           <a:p>
             <a:fld id="{FB1C2160-8FD2-42A7-A40F-6DDBC91357BA}" type="datetime1">
               <a:rPr lang="zh-CN" altLang="en-US" smtClean="0"/>
-              <a:t>2018/7/30</a:t>
+              <a:t>2018/8/2</a:t>
             </a:fld>
             <a:endParaRPr lang="zh-CN" altLang="en-US"/>
           </a:p>
@@ -11373,7 +11373,7 @@
           <a:p>
             <a:fld id="{93433719-0C7E-4F01-AB41-39699E2326DB}" type="datetime1">
               <a:rPr lang="zh-CN" altLang="en-US" smtClean="0"/>
-              <a:t>2018/7/30</a:t>
+              <a:t>2018/8/2</a:t>
             </a:fld>
             <a:endParaRPr lang="zh-CN" altLang="en-US"/>
           </a:p>
@@ -12103,7 +12103,7 @@
           <a:p>
             <a:fld id="{C928BAC8-45B9-4A4B-B422-97C9A7F88D49}" type="datetime1">
               <a:rPr lang="zh-CN" altLang="en-US" smtClean="0"/>
-              <a:t>2018/7/30</a:t>
+              <a:t>2018/8/2</a:t>
             </a:fld>
             <a:endParaRPr lang="zh-CN" altLang="en-US"/>
           </a:p>
@@ -12893,7 +12893,7 @@
           <a:p>
             <a:fld id="{59F6C9CF-8D41-48FD-B3F1-0F3E5759500A}" type="datetime1">
               <a:rPr lang="zh-CN" altLang="en-US" smtClean="0"/>
-              <a:t>2018/7/30</a:t>
+              <a:t>2018/8/2</a:t>
             </a:fld>
             <a:endParaRPr lang="zh-CN" altLang="en-US"/>
           </a:p>
@@ -13719,7 +13719,7 @@
           <a:p>
             <a:fld id="{94B88754-E6F4-4917-ACF6-E53D301B79AE}" type="datetime1">
               <a:rPr lang="zh-CN" altLang="en-US" smtClean="0"/>
-              <a:t>2018/7/30</a:t>
+              <a:t>2018/8/2</a:t>
             </a:fld>
             <a:endParaRPr lang="zh-CN" altLang="en-US"/>
           </a:p>
@@ -15138,7 +15138,7 @@
         </p:spPr>
         <p:txBody>
           <a:bodyPr>
-            <a:normAutofit/>
+            <a:normAutofit fontScale="92500" lnSpcReduction="20000"/>
           </a:bodyPr>
           <a:lstStyle/>
           <a:p>
@@ -15165,6 +15165,22 @@
                 <a:hlinkClick r:id="rId2"/>
               </a:rPr>
               <a:t>http://blog.csdn.net/freewind06/article/details/52140198</a:t>
+            </a:r>
+            <a:endParaRPr lang="en-US" altLang="zh-CN"/>
+          </a:p>
+          <a:p>
+            <a:pPr marL="914400" lvl="2" indent="0">
+              <a:buNone/>
+            </a:pPr>
+            <a:r>
+              <a:rPr lang="zh-CN" altLang="en-US"/>
+              <a:t>下载地址：</a:t>
+            </a:r>
+            <a:r>
+              <a:rPr lang="en-US" altLang="zh-CN">
+                <a:hlinkClick r:id="rId3"/>
+              </a:rPr>
+              <a:t>https://sourceforge.net/projects/pyqt/files/PyQt5/</a:t>
             </a:r>
             <a:endParaRPr lang="en-US" altLang="zh-CN"/>
           </a:p>
@@ -15833,7 +15849,7 @@
             </a:r>
             <a:r>
               <a:rPr lang="nn-NO" altLang="zh-CN">
-                <a:hlinkClick r:id="rId3"/>
+                <a:hlinkClick r:id="rId4"/>
               </a:rPr>
               <a:t>https://pypi.doubanio.com/simple/</a:t>
             </a:r>
